--- a/Scratch for Newbies/Level1/Lesson 4 - Ghost Buster/Notes/Notes.pptx
+++ b/Scratch for Newbies/Level1/Lesson 4 - Ghost Buster/Notes/Notes.pptx
@@ -5,7 +5,7 @@
     <p:sldMasterId id="2147483648" r:id="rId1"/>
   </p:sldMasterIdLst>
   <p:notesMasterIdLst>
-    <p:notesMasterId r:id="rId26"/>
+    <p:notesMasterId r:id="rId28"/>
   </p:notesMasterIdLst>
   <p:sldIdLst>
     <p:sldId id="259" r:id="rId2"/>
@@ -29,9 +29,11 @@
     <p:sldId id="400" r:id="rId20"/>
     <p:sldId id="407" r:id="rId21"/>
     <p:sldId id="408" r:id="rId22"/>
-    <p:sldId id="383" r:id="rId23"/>
-    <p:sldId id="388" r:id="rId24"/>
-    <p:sldId id="319" r:id="rId25"/>
+    <p:sldId id="409" r:id="rId23"/>
+    <p:sldId id="410" r:id="rId24"/>
+    <p:sldId id="383" r:id="rId25"/>
+    <p:sldId id="388" r:id="rId26"/>
+    <p:sldId id="319" r:id="rId27"/>
   </p:sldIdLst>
   <p:sldSz cx="12192000" cy="6858000"/>
   <p:notesSz cx="6858000" cy="9144000"/>
@@ -11857,6 +11859,78 @@
           </a:p>
         </p:txBody>
       </p:sp>
+      <p:pic>
+        <p:nvPicPr>
+          <p:cNvPr id="12" name="Picture 11">
+            <a:extLst>
+              <a:ext uri="{FF2B5EF4-FFF2-40B4-BE49-F238E27FC236}">
+                <a16:creationId xmlns:a16="http://schemas.microsoft.com/office/drawing/2014/main" id="{A5186757-20B4-DF46-E7AD-F174077C4446}"/>
+              </a:ext>
+            </a:extLst>
+          </p:cNvPr>
+          <p:cNvPicPr>
+            <a:picLocks noChangeAspect="1"/>
+          </p:cNvPicPr>
+          <p:nvPr/>
+        </p:nvPicPr>
+        <p:blipFill>
+          <a:blip r:embed="rId2">
+            <a:extLst>
+              <a:ext uri="{28A0092B-C50C-407E-A947-70E740481C1C}">
+                <a14:useLocalDpi xmlns:a14="http://schemas.microsoft.com/office/drawing/2010/main" val="0"/>
+              </a:ext>
+            </a:extLst>
+          </a:blip>
+          <a:stretch>
+            <a:fillRect/>
+          </a:stretch>
+        </p:blipFill>
+        <p:spPr>
+          <a:xfrm>
+            <a:off x="1994430" y="2994865"/>
+            <a:ext cx="2789778" cy="2005573"/>
+          </a:xfrm>
+          <a:prstGeom prst="rect">
+            <a:avLst/>
+          </a:prstGeom>
+        </p:spPr>
+      </p:pic>
+      <p:pic>
+        <p:nvPicPr>
+          <p:cNvPr id="15" name="Picture 14" descr="A deck of playing cards&#10;&#10;Description automatically generated">
+            <a:extLst>
+              <a:ext uri="{FF2B5EF4-FFF2-40B4-BE49-F238E27FC236}">
+                <a16:creationId xmlns:a16="http://schemas.microsoft.com/office/drawing/2014/main" id="{50A1D95D-34E0-D63F-F2FC-D6F55C5E0976}"/>
+              </a:ext>
+            </a:extLst>
+          </p:cNvPr>
+          <p:cNvPicPr>
+            <a:picLocks noChangeAspect="1"/>
+          </p:cNvPicPr>
+          <p:nvPr/>
+        </p:nvPicPr>
+        <p:blipFill>
+          <a:blip r:embed="rId3">
+            <a:extLst>
+              <a:ext uri="{28A0092B-C50C-407E-A947-70E740481C1C}">
+                <a14:useLocalDpi xmlns:a14="http://schemas.microsoft.com/office/drawing/2010/main" val="0"/>
+              </a:ext>
+            </a:extLst>
+          </a:blip>
+          <a:stretch>
+            <a:fillRect/>
+          </a:stretch>
+        </p:blipFill>
+        <p:spPr>
+          <a:xfrm>
+            <a:off x="7649644" y="3111498"/>
+            <a:ext cx="2743200" cy="1785970"/>
+          </a:xfrm>
+          <a:prstGeom prst="rect">
+            <a:avLst/>
+          </a:prstGeom>
+        </p:spPr>
+      </p:pic>
     </p:spTree>
     <p:extLst>
       <p:ext uri="{BB962C8B-B14F-4D97-AF65-F5344CB8AC3E}">
@@ -15463,7 +15537,7 @@
         <p:cNvPr id="1" name="">
           <a:extLst>
             <a:ext uri="{FF2B5EF4-FFF2-40B4-BE49-F238E27FC236}">
-              <a16:creationId xmlns:a16="http://schemas.microsoft.com/office/drawing/2014/main" id="{B0638B88-A28D-0D98-6790-AFD73D028E78}"/>
+              <a16:creationId xmlns:a16="http://schemas.microsoft.com/office/drawing/2014/main" id="{ABEB7918-7272-4631-1002-113C2139C3F5}"/>
             </a:ext>
           </a:extLst>
         </p:cNvPr>
@@ -15483,7 +15557,7 @@
           <p:cNvPr id="6" name="Rectangle 5">
             <a:extLst>
               <a:ext uri="{FF2B5EF4-FFF2-40B4-BE49-F238E27FC236}">
-                <a16:creationId xmlns:a16="http://schemas.microsoft.com/office/drawing/2014/main" id="{52E115B1-EE40-3BB7-072F-C694ABBC3CDA}"/>
+                <a16:creationId xmlns:a16="http://schemas.microsoft.com/office/drawing/2014/main" id="{3C1D1D32-8914-881A-5299-2D3A7170A6F5}"/>
               </a:ext>
             </a:extLst>
           </p:cNvPr>
@@ -15499,7 +15573,9 @@
             <a:avLst/>
           </a:prstGeom>
           <a:solidFill>
-            <a:srgbClr val="23242A"/>
+            <a:srgbClr val="23242A">
+              <a:alpha val="97000"/>
+            </a:srgbClr>
           </a:solidFill>
           <a:ln>
             <a:noFill/>
@@ -15535,7 +15611,7 @@
           <p:cNvPr id="2" name="Slide Number Placeholder 1">
             <a:extLst>
               <a:ext uri="{FF2B5EF4-FFF2-40B4-BE49-F238E27FC236}">
-                <a16:creationId xmlns:a16="http://schemas.microsoft.com/office/drawing/2014/main" id="{6B14C209-5E11-9F64-6579-48902F3047ED}"/>
+                <a16:creationId xmlns:a16="http://schemas.microsoft.com/office/drawing/2014/main" id="{0CC8ED69-9482-2E9C-0BC7-0DE7BE3B2865}"/>
               </a:ext>
             </a:extLst>
           </p:cNvPr>
@@ -15566,6 +15642,1956 @@
                 <a:latin typeface="Bradley Hand ITC" panose="03070402050302030203" pitchFamily="66" charset="0"/>
               </a:rPr>
               <a:t>22</a:t>
+            </a:fld>
+            <a:endParaRPr lang="zh-CN" altLang="en-US" sz="2400" b="1" dirty="0">
+              <a:solidFill>
+                <a:schemeClr val="bg1">
+                  <a:lumMod val="65000"/>
+                </a:schemeClr>
+              </a:solidFill>
+              <a:latin typeface="Bradley Hand ITC" panose="03070402050302030203" pitchFamily="66" charset="0"/>
+            </a:endParaRPr>
+          </a:p>
+        </p:txBody>
+      </p:sp>
+      <p:sp>
+        <p:nvSpPr>
+          <p:cNvPr id="4" name="Google Shape;867;p33">
+            <a:extLst>
+              <a:ext uri="{FF2B5EF4-FFF2-40B4-BE49-F238E27FC236}">
+                <a16:creationId xmlns:a16="http://schemas.microsoft.com/office/drawing/2014/main" id="{82188CE5-C08D-3A1F-5B2D-1A8B0506B97D}"/>
+              </a:ext>
+            </a:extLst>
+          </p:cNvPr>
+          <p:cNvSpPr txBox="1">
+            <a:spLocks/>
+          </p:cNvSpPr>
+          <p:nvPr/>
+        </p:nvSpPr>
+        <p:spPr>
+          <a:xfrm>
+            <a:off x="2222600" y="143850"/>
+            <a:ext cx="7746800" cy="1602400"/>
+          </a:xfrm>
+          <a:prstGeom prst="rect">
+            <a:avLst/>
+          </a:prstGeom>
+          <a:noFill/>
+          <a:ln>
+            <a:noFill/>
+          </a:ln>
+        </p:spPr>
+        <p:txBody>
+          <a:bodyPr spcFirstLastPara="1" wrap="square" lIns="91425" tIns="91425" rIns="91425" bIns="91425" anchor="b" anchorCtr="0">
+            <a:noAutofit/>
+          </a:bodyPr>
+          <a:lstStyle>
+            <a:defPPr marR="0" lvl="0" algn="l" rtl="0">
+              <a:lnSpc>
+                <a:spcPct val="100000"/>
+              </a:lnSpc>
+              <a:spcBef>
+                <a:spcPts val="0"/>
+              </a:spcBef>
+              <a:spcAft>
+                <a:spcPts val="0"/>
+              </a:spcAft>
+            </a:defPPr>
+            <a:lvl1pPr marR="0" lvl="0" algn="l" rtl="0">
+              <a:lnSpc>
+                <a:spcPct val="100000"/>
+              </a:lnSpc>
+              <a:spcBef>
+                <a:spcPts val="0"/>
+              </a:spcBef>
+              <a:spcAft>
+                <a:spcPts val="0"/>
+              </a:spcAft>
+              <a:buClr>
+                <a:schemeClr val="dk1"/>
+              </a:buClr>
+              <a:buSzPts val="3600"/>
+              <a:buFont typeface="Barlow"/>
+              <a:buNone/>
+              <a:defRPr sz="7200" b="1" i="0" u="none" strike="noStrike" cap="none">
+                <a:solidFill>
+                  <a:schemeClr val="dk1"/>
+                </a:solidFill>
+                <a:latin typeface="Barlow"/>
+                <a:ea typeface="Barlow"/>
+                <a:cs typeface="Barlow"/>
+                <a:sym typeface="Barlow"/>
+              </a:defRPr>
+            </a:lvl1pPr>
+            <a:lvl2pPr marR="0" lvl="1" algn="ctr" rtl="0">
+              <a:lnSpc>
+                <a:spcPct val="100000"/>
+              </a:lnSpc>
+              <a:spcBef>
+                <a:spcPts val="0"/>
+              </a:spcBef>
+              <a:spcAft>
+                <a:spcPts val="0"/>
+              </a:spcAft>
+              <a:buClr>
+                <a:schemeClr val="dk1"/>
+              </a:buClr>
+              <a:buSzPts val="3600"/>
+              <a:buFont typeface="Barlow"/>
+              <a:buNone/>
+              <a:defRPr sz="3600" b="1" i="0" u="none" strike="noStrike" cap="none">
+                <a:solidFill>
+                  <a:schemeClr val="dk1"/>
+                </a:solidFill>
+                <a:latin typeface="Barlow"/>
+                <a:ea typeface="Barlow"/>
+                <a:cs typeface="Barlow"/>
+                <a:sym typeface="Barlow"/>
+              </a:defRPr>
+            </a:lvl2pPr>
+            <a:lvl3pPr marR="0" lvl="2" algn="ctr" rtl="0">
+              <a:lnSpc>
+                <a:spcPct val="100000"/>
+              </a:lnSpc>
+              <a:spcBef>
+                <a:spcPts val="0"/>
+              </a:spcBef>
+              <a:spcAft>
+                <a:spcPts val="0"/>
+              </a:spcAft>
+              <a:buClr>
+                <a:schemeClr val="dk1"/>
+              </a:buClr>
+              <a:buSzPts val="3600"/>
+              <a:buFont typeface="Barlow"/>
+              <a:buNone/>
+              <a:defRPr sz="3600" b="1" i="0" u="none" strike="noStrike" cap="none">
+                <a:solidFill>
+                  <a:schemeClr val="dk1"/>
+                </a:solidFill>
+                <a:latin typeface="Barlow"/>
+                <a:ea typeface="Barlow"/>
+                <a:cs typeface="Barlow"/>
+                <a:sym typeface="Barlow"/>
+              </a:defRPr>
+            </a:lvl3pPr>
+            <a:lvl4pPr marR="0" lvl="3" algn="ctr" rtl="0">
+              <a:lnSpc>
+                <a:spcPct val="100000"/>
+              </a:lnSpc>
+              <a:spcBef>
+                <a:spcPts val="0"/>
+              </a:spcBef>
+              <a:spcAft>
+                <a:spcPts val="0"/>
+              </a:spcAft>
+              <a:buClr>
+                <a:schemeClr val="dk1"/>
+              </a:buClr>
+              <a:buSzPts val="3600"/>
+              <a:buFont typeface="Barlow"/>
+              <a:buNone/>
+              <a:defRPr sz="3600" b="1" i="0" u="none" strike="noStrike" cap="none">
+                <a:solidFill>
+                  <a:schemeClr val="dk1"/>
+                </a:solidFill>
+                <a:latin typeface="Barlow"/>
+                <a:ea typeface="Barlow"/>
+                <a:cs typeface="Barlow"/>
+                <a:sym typeface="Barlow"/>
+              </a:defRPr>
+            </a:lvl4pPr>
+            <a:lvl5pPr marR="0" lvl="4" algn="ctr" rtl="0">
+              <a:lnSpc>
+                <a:spcPct val="100000"/>
+              </a:lnSpc>
+              <a:spcBef>
+                <a:spcPts val="0"/>
+              </a:spcBef>
+              <a:spcAft>
+                <a:spcPts val="0"/>
+              </a:spcAft>
+              <a:buClr>
+                <a:schemeClr val="dk1"/>
+              </a:buClr>
+              <a:buSzPts val="3600"/>
+              <a:buFont typeface="Barlow"/>
+              <a:buNone/>
+              <a:defRPr sz="3600" b="1" i="0" u="none" strike="noStrike" cap="none">
+                <a:solidFill>
+                  <a:schemeClr val="dk1"/>
+                </a:solidFill>
+                <a:latin typeface="Barlow"/>
+                <a:ea typeface="Barlow"/>
+                <a:cs typeface="Barlow"/>
+                <a:sym typeface="Barlow"/>
+              </a:defRPr>
+            </a:lvl5pPr>
+            <a:lvl6pPr marR="0" lvl="5" algn="ctr" rtl="0">
+              <a:lnSpc>
+                <a:spcPct val="100000"/>
+              </a:lnSpc>
+              <a:spcBef>
+                <a:spcPts val="0"/>
+              </a:spcBef>
+              <a:spcAft>
+                <a:spcPts val="0"/>
+              </a:spcAft>
+              <a:buClr>
+                <a:schemeClr val="dk1"/>
+              </a:buClr>
+              <a:buSzPts val="3600"/>
+              <a:buFont typeface="Barlow"/>
+              <a:buNone/>
+              <a:defRPr sz="3600" b="1" i="0" u="none" strike="noStrike" cap="none">
+                <a:solidFill>
+                  <a:schemeClr val="dk1"/>
+                </a:solidFill>
+                <a:latin typeface="Barlow"/>
+                <a:ea typeface="Barlow"/>
+                <a:cs typeface="Barlow"/>
+                <a:sym typeface="Barlow"/>
+              </a:defRPr>
+            </a:lvl6pPr>
+            <a:lvl7pPr marR="0" lvl="6" algn="ctr" rtl="0">
+              <a:lnSpc>
+                <a:spcPct val="100000"/>
+              </a:lnSpc>
+              <a:spcBef>
+                <a:spcPts val="0"/>
+              </a:spcBef>
+              <a:spcAft>
+                <a:spcPts val="0"/>
+              </a:spcAft>
+              <a:buClr>
+                <a:schemeClr val="dk1"/>
+              </a:buClr>
+              <a:buSzPts val="3600"/>
+              <a:buFont typeface="Barlow"/>
+              <a:buNone/>
+              <a:defRPr sz="3600" b="1" i="0" u="none" strike="noStrike" cap="none">
+                <a:solidFill>
+                  <a:schemeClr val="dk1"/>
+                </a:solidFill>
+                <a:latin typeface="Barlow"/>
+                <a:ea typeface="Barlow"/>
+                <a:cs typeface="Barlow"/>
+                <a:sym typeface="Barlow"/>
+              </a:defRPr>
+            </a:lvl7pPr>
+            <a:lvl8pPr marR="0" lvl="7" algn="ctr" rtl="0">
+              <a:lnSpc>
+                <a:spcPct val="100000"/>
+              </a:lnSpc>
+              <a:spcBef>
+                <a:spcPts val="0"/>
+              </a:spcBef>
+              <a:spcAft>
+                <a:spcPts val="0"/>
+              </a:spcAft>
+              <a:buClr>
+                <a:schemeClr val="dk1"/>
+              </a:buClr>
+              <a:buSzPts val="3600"/>
+              <a:buFont typeface="Barlow"/>
+              <a:buNone/>
+              <a:defRPr sz="3600" b="1" i="0" u="none" strike="noStrike" cap="none">
+                <a:solidFill>
+                  <a:schemeClr val="dk1"/>
+                </a:solidFill>
+                <a:latin typeface="Barlow"/>
+                <a:ea typeface="Barlow"/>
+                <a:cs typeface="Barlow"/>
+                <a:sym typeface="Barlow"/>
+              </a:defRPr>
+            </a:lvl8pPr>
+            <a:lvl9pPr marR="0" lvl="8" algn="ctr" rtl="0">
+              <a:lnSpc>
+                <a:spcPct val="100000"/>
+              </a:lnSpc>
+              <a:spcBef>
+                <a:spcPts val="0"/>
+              </a:spcBef>
+              <a:spcAft>
+                <a:spcPts val="0"/>
+              </a:spcAft>
+              <a:buClr>
+                <a:schemeClr val="dk1"/>
+              </a:buClr>
+              <a:buSzPts val="3600"/>
+              <a:buFont typeface="Barlow"/>
+              <a:buNone/>
+              <a:defRPr sz="3600" b="1" i="0" u="none" strike="noStrike" cap="none">
+                <a:solidFill>
+                  <a:schemeClr val="dk1"/>
+                </a:solidFill>
+                <a:latin typeface="Barlow"/>
+                <a:ea typeface="Barlow"/>
+                <a:cs typeface="Barlow"/>
+                <a:sym typeface="Barlow"/>
+              </a:defRPr>
+            </a:lvl9pPr>
+          </a:lstStyle>
+          <a:p>
+            <a:pPr algn="ctr"/>
+            <a:r>
+              <a:rPr lang="en-US" altLang="zh-CN" sz="8000" spc="300" dirty="0">
+                <a:solidFill>
+                  <a:schemeClr val="accent4">
+                    <a:lumMod val="60000"/>
+                    <a:lumOff val="40000"/>
+                    <a:alpha val="60000"/>
+                  </a:schemeClr>
+                </a:solidFill>
+                <a:latin typeface="Amatic SC" panose="020F0502020204030204" pitchFamily="2" charset="-79"/>
+                <a:cs typeface="Amatic SC" panose="020F0502020204030204" pitchFamily="2" charset="-79"/>
+              </a:rPr>
+              <a:t>I See Some Repetitions</a:t>
+            </a:r>
+          </a:p>
+        </p:txBody>
+      </p:sp>
+      <p:pic>
+        <p:nvPicPr>
+          <p:cNvPr id="3" name="Picture 2">
+            <a:extLst>
+              <a:ext uri="{FF2B5EF4-FFF2-40B4-BE49-F238E27FC236}">
+                <a16:creationId xmlns:a16="http://schemas.microsoft.com/office/drawing/2014/main" id="{6120CCED-68CC-A428-E1B6-C8A034799FC3}"/>
+              </a:ext>
+            </a:extLst>
+          </p:cNvPr>
+          <p:cNvPicPr>
+            <a:picLocks noChangeAspect="1"/>
+          </p:cNvPicPr>
+          <p:nvPr/>
+        </p:nvPicPr>
+        <p:blipFill>
+          <a:blip r:embed="rId2">
+            <a:extLst>
+              <a:ext uri="{28A0092B-C50C-407E-A947-70E740481C1C}">
+                <a14:useLocalDpi xmlns:a14="http://schemas.microsoft.com/office/drawing/2010/main" val="0"/>
+              </a:ext>
+            </a:extLst>
+          </a:blip>
+          <a:stretch>
+            <a:fillRect/>
+          </a:stretch>
+        </p:blipFill>
+        <p:spPr>
+          <a:xfrm>
+            <a:off x="2716444" y="1816589"/>
+            <a:ext cx="1210454" cy="4721051"/>
+          </a:xfrm>
+          <a:prstGeom prst="rect">
+            <a:avLst/>
+          </a:prstGeom>
+        </p:spPr>
+      </p:pic>
+      <p:sp>
+        <p:nvSpPr>
+          <p:cNvPr id="5" name="Right Brace 4">
+            <a:extLst>
+              <a:ext uri="{FF2B5EF4-FFF2-40B4-BE49-F238E27FC236}">
+                <a16:creationId xmlns:a16="http://schemas.microsoft.com/office/drawing/2014/main" id="{712DDF73-84A7-A440-AD22-1534F5456D82}"/>
+              </a:ext>
+            </a:extLst>
+          </p:cNvPr>
+          <p:cNvSpPr/>
+          <p:nvPr/>
+        </p:nvSpPr>
+        <p:spPr>
+          <a:xfrm>
+            <a:off x="4004267" y="2558661"/>
+            <a:ext cx="182880" cy="604911"/>
+          </a:xfrm>
+          <a:prstGeom prst="rightBrace">
+            <a:avLst/>
+          </a:prstGeom>
+          <a:ln w="25400">
+            <a:solidFill>
+              <a:schemeClr val="bg1">
+                <a:lumMod val="75000"/>
+              </a:schemeClr>
+            </a:solidFill>
+          </a:ln>
+        </p:spPr>
+        <p:style>
+          <a:lnRef idx="1">
+            <a:schemeClr val="accent1"/>
+          </a:lnRef>
+          <a:fillRef idx="0">
+            <a:schemeClr val="accent1"/>
+          </a:fillRef>
+          <a:effectRef idx="0">
+            <a:schemeClr val="accent1"/>
+          </a:effectRef>
+          <a:fontRef idx="minor">
+            <a:schemeClr val="tx1"/>
+          </a:fontRef>
+        </p:style>
+        <p:txBody>
+          <a:bodyPr rtlCol="0" anchor="ctr"/>
+          <a:lstStyle/>
+          <a:p>
+            <a:pPr algn="ctr"/>
+            <a:endParaRPr lang="zh-CN" altLang="en-US" dirty="0"/>
+          </a:p>
+        </p:txBody>
+      </p:sp>
+      <p:sp>
+        <p:nvSpPr>
+          <p:cNvPr id="7" name="Right Brace 6">
+            <a:extLst>
+              <a:ext uri="{FF2B5EF4-FFF2-40B4-BE49-F238E27FC236}">
+                <a16:creationId xmlns:a16="http://schemas.microsoft.com/office/drawing/2014/main" id="{1D767CB8-01F8-4E90-1C69-C3BF3C99E779}"/>
+              </a:ext>
+            </a:extLst>
+          </p:cNvPr>
+          <p:cNvSpPr/>
+          <p:nvPr/>
+        </p:nvSpPr>
+        <p:spPr>
+          <a:xfrm>
+            <a:off x="4003263" y="3332186"/>
+            <a:ext cx="182880" cy="604911"/>
+          </a:xfrm>
+          <a:prstGeom prst="rightBrace">
+            <a:avLst/>
+          </a:prstGeom>
+          <a:ln w="25400">
+            <a:solidFill>
+              <a:schemeClr val="bg1">
+                <a:lumMod val="75000"/>
+              </a:schemeClr>
+            </a:solidFill>
+          </a:ln>
+        </p:spPr>
+        <p:style>
+          <a:lnRef idx="1">
+            <a:schemeClr val="accent1"/>
+          </a:lnRef>
+          <a:fillRef idx="0">
+            <a:schemeClr val="accent1"/>
+          </a:fillRef>
+          <a:effectRef idx="0">
+            <a:schemeClr val="accent1"/>
+          </a:effectRef>
+          <a:fontRef idx="minor">
+            <a:schemeClr val="tx1"/>
+          </a:fontRef>
+        </p:style>
+        <p:txBody>
+          <a:bodyPr rtlCol="0" anchor="ctr"/>
+          <a:lstStyle/>
+          <a:p>
+            <a:pPr algn="ctr"/>
+            <a:endParaRPr lang="zh-CN" altLang="en-US"/>
+          </a:p>
+        </p:txBody>
+      </p:sp>
+      <p:sp>
+        <p:nvSpPr>
+          <p:cNvPr id="8" name="Right Brace 7">
+            <a:extLst>
+              <a:ext uri="{FF2B5EF4-FFF2-40B4-BE49-F238E27FC236}">
+                <a16:creationId xmlns:a16="http://schemas.microsoft.com/office/drawing/2014/main" id="{0A694838-0E36-39E8-E4E0-32E837D1760C}"/>
+              </a:ext>
+            </a:extLst>
+          </p:cNvPr>
+          <p:cNvSpPr/>
+          <p:nvPr/>
+        </p:nvSpPr>
+        <p:spPr>
+          <a:xfrm>
+            <a:off x="4003263" y="4137561"/>
+            <a:ext cx="182880" cy="604911"/>
+          </a:xfrm>
+          <a:prstGeom prst="rightBrace">
+            <a:avLst/>
+          </a:prstGeom>
+          <a:ln w="25400">
+            <a:solidFill>
+              <a:schemeClr val="bg1">
+                <a:lumMod val="75000"/>
+              </a:schemeClr>
+            </a:solidFill>
+          </a:ln>
+        </p:spPr>
+        <p:style>
+          <a:lnRef idx="1">
+            <a:schemeClr val="accent1"/>
+          </a:lnRef>
+          <a:fillRef idx="0">
+            <a:schemeClr val="accent1"/>
+          </a:fillRef>
+          <a:effectRef idx="0">
+            <a:schemeClr val="accent1"/>
+          </a:effectRef>
+          <a:fontRef idx="minor">
+            <a:schemeClr val="tx1"/>
+          </a:fontRef>
+        </p:style>
+        <p:txBody>
+          <a:bodyPr rtlCol="0" anchor="ctr"/>
+          <a:lstStyle/>
+          <a:p>
+            <a:pPr algn="ctr"/>
+            <a:endParaRPr lang="zh-CN" altLang="en-US"/>
+          </a:p>
+        </p:txBody>
+      </p:sp>
+      <p:sp>
+        <p:nvSpPr>
+          <p:cNvPr id="9" name="Right Brace 8">
+            <a:extLst>
+              <a:ext uri="{FF2B5EF4-FFF2-40B4-BE49-F238E27FC236}">
+                <a16:creationId xmlns:a16="http://schemas.microsoft.com/office/drawing/2014/main" id="{532C741E-95AD-14AE-55C4-A11E9315C107}"/>
+              </a:ext>
+            </a:extLst>
+          </p:cNvPr>
+          <p:cNvSpPr/>
+          <p:nvPr/>
+        </p:nvSpPr>
+        <p:spPr>
+          <a:xfrm>
+            <a:off x="3996230" y="4942936"/>
+            <a:ext cx="182880" cy="604911"/>
+          </a:xfrm>
+          <a:prstGeom prst="rightBrace">
+            <a:avLst/>
+          </a:prstGeom>
+          <a:ln w="25400">
+            <a:solidFill>
+              <a:schemeClr val="bg1">
+                <a:lumMod val="75000"/>
+              </a:schemeClr>
+            </a:solidFill>
+          </a:ln>
+        </p:spPr>
+        <p:style>
+          <a:lnRef idx="1">
+            <a:schemeClr val="accent1"/>
+          </a:lnRef>
+          <a:fillRef idx="0">
+            <a:schemeClr val="accent1"/>
+          </a:fillRef>
+          <a:effectRef idx="0">
+            <a:schemeClr val="accent1"/>
+          </a:effectRef>
+          <a:fontRef idx="minor">
+            <a:schemeClr val="tx1"/>
+          </a:fontRef>
+        </p:style>
+        <p:txBody>
+          <a:bodyPr rtlCol="0" anchor="ctr"/>
+          <a:lstStyle/>
+          <a:p>
+            <a:pPr algn="ctr"/>
+            <a:endParaRPr lang="zh-CN" altLang="en-US"/>
+          </a:p>
+        </p:txBody>
+      </p:sp>
+      <p:sp>
+        <p:nvSpPr>
+          <p:cNvPr id="10" name="Right Brace 9">
+            <a:extLst>
+              <a:ext uri="{FF2B5EF4-FFF2-40B4-BE49-F238E27FC236}">
+                <a16:creationId xmlns:a16="http://schemas.microsoft.com/office/drawing/2014/main" id="{C7560080-A992-2C2D-F422-2AB858DE9105}"/>
+              </a:ext>
+            </a:extLst>
+          </p:cNvPr>
+          <p:cNvSpPr/>
+          <p:nvPr/>
+        </p:nvSpPr>
+        <p:spPr>
+          <a:xfrm>
+            <a:off x="4003263" y="5748311"/>
+            <a:ext cx="182880" cy="604911"/>
+          </a:xfrm>
+          <a:prstGeom prst="rightBrace">
+            <a:avLst/>
+          </a:prstGeom>
+          <a:ln w="25400">
+            <a:solidFill>
+              <a:schemeClr val="bg1">
+                <a:lumMod val="75000"/>
+              </a:schemeClr>
+            </a:solidFill>
+          </a:ln>
+        </p:spPr>
+        <p:style>
+          <a:lnRef idx="1">
+            <a:schemeClr val="accent1"/>
+          </a:lnRef>
+          <a:fillRef idx="0">
+            <a:schemeClr val="accent1"/>
+          </a:fillRef>
+          <a:effectRef idx="0">
+            <a:schemeClr val="accent1"/>
+          </a:effectRef>
+          <a:fontRef idx="minor">
+            <a:schemeClr val="tx1"/>
+          </a:fontRef>
+        </p:style>
+        <p:txBody>
+          <a:bodyPr rtlCol="0" anchor="ctr"/>
+          <a:lstStyle/>
+          <a:p>
+            <a:pPr algn="ctr"/>
+            <a:endParaRPr lang="zh-CN" altLang="en-US"/>
+          </a:p>
+        </p:txBody>
+      </p:sp>
+      <p:sp>
+        <p:nvSpPr>
+          <p:cNvPr id="11" name="TextBox 10">
+            <a:extLst>
+              <a:ext uri="{FF2B5EF4-FFF2-40B4-BE49-F238E27FC236}">
+                <a16:creationId xmlns:a16="http://schemas.microsoft.com/office/drawing/2014/main" id="{846F79CE-6514-A4BD-A389-6953B3C6E6CF}"/>
+              </a:ext>
+            </a:extLst>
+          </p:cNvPr>
+          <p:cNvSpPr txBox="1"/>
+          <p:nvPr/>
+        </p:nvSpPr>
+        <p:spPr>
+          <a:xfrm>
+            <a:off x="4206265" y="2676450"/>
+            <a:ext cx="5495849" cy="369332"/>
+          </a:xfrm>
+          <a:prstGeom prst="rect">
+            <a:avLst/>
+          </a:prstGeom>
+          <a:noFill/>
+        </p:spPr>
+        <p:txBody>
+          <a:bodyPr wrap="square" rtlCol="0">
+            <a:spAutoFit/>
+          </a:bodyPr>
+          <a:lstStyle/>
+          <a:p>
+            <a:r>
+              <a:rPr lang="en-US" altLang="zh-CN" dirty="0">
+                <a:solidFill>
+                  <a:schemeClr val="bg1">
+                    <a:lumMod val="75000"/>
+                  </a:schemeClr>
+                </a:solidFill>
+                <a:latin typeface="High Tower Text" panose="02040502050506030303" pitchFamily="18" charset="0"/>
+              </a:rPr>
+              <a:t>Go to random position, show up, and wait for 1 second</a:t>
+            </a:r>
+            <a:endParaRPr lang="zh-CN" altLang="en-US" dirty="0">
+              <a:solidFill>
+                <a:schemeClr val="bg1">
+                  <a:lumMod val="75000"/>
+                </a:schemeClr>
+              </a:solidFill>
+              <a:latin typeface="High Tower Text" panose="02040502050506030303" pitchFamily="18" charset="0"/>
+            </a:endParaRPr>
+          </a:p>
+        </p:txBody>
+      </p:sp>
+      <p:sp>
+        <p:nvSpPr>
+          <p:cNvPr id="12" name="TextBox 11">
+            <a:extLst>
+              <a:ext uri="{FF2B5EF4-FFF2-40B4-BE49-F238E27FC236}">
+                <a16:creationId xmlns:a16="http://schemas.microsoft.com/office/drawing/2014/main" id="{FB0DA8BC-4FA5-EECF-E34A-AA15308406F9}"/>
+              </a:ext>
+            </a:extLst>
+          </p:cNvPr>
+          <p:cNvSpPr txBox="1"/>
+          <p:nvPr/>
+        </p:nvSpPr>
+        <p:spPr>
+          <a:xfrm>
+            <a:off x="4206264" y="3449975"/>
+            <a:ext cx="5495849" cy="369332"/>
+          </a:xfrm>
+          <a:prstGeom prst="rect">
+            <a:avLst/>
+          </a:prstGeom>
+          <a:noFill/>
+        </p:spPr>
+        <p:txBody>
+          <a:bodyPr wrap="square" rtlCol="0">
+            <a:spAutoFit/>
+          </a:bodyPr>
+          <a:lstStyle/>
+          <a:p>
+            <a:r>
+              <a:rPr lang="en-US" altLang="zh-CN" dirty="0">
+                <a:solidFill>
+                  <a:schemeClr val="bg1">
+                    <a:lumMod val="75000"/>
+                  </a:schemeClr>
+                </a:solidFill>
+                <a:latin typeface="High Tower Text" panose="02040502050506030303" pitchFamily="18" charset="0"/>
+              </a:rPr>
+              <a:t>Go to random position, show up, and wait for 1 second</a:t>
+            </a:r>
+            <a:endParaRPr lang="zh-CN" altLang="en-US" dirty="0">
+              <a:solidFill>
+                <a:schemeClr val="bg1">
+                  <a:lumMod val="75000"/>
+                </a:schemeClr>
+              </a:solidFill>
+              <a:latin typeface="High Tower Text" panose="02040502050506030303" pitchFamily="18" charset="0"/>
+            </a:endParaRPr>
+          </a:p>
+        </p:txBody>
+      </p:sp>
+      <p:sp>
+        <p:nvSpPr>
+          <p:cNvPr id="13" name="TextBox 12">
+            <a:extLst>
+              <a:ext uri="{FF2B5EF4-FFF2-40B4-BE49-F238E27FC236}">
+                <a16:creationId xmlns:a16="http://schemas.microsoft.com/office/drawing/2014/main" id="{CE3C0E03-3D24-7905-5870-B18DCA6A049E}"/>
+              </a:ext>
+            </a:extLst>
+          </p:cNvPr>
+          <p:cNvSpPr txBox="1"/>
+          <p:nvPr/>
+        </p:nvSpPr>
+        <p:spPr>
+          <a:xfrm>
+            <a:off x="4206264" y="4255350"/>
+            <a:ext cx="5495849" cy="369332"/>
+          </a:xfrm>
+          <a:prstGeom prst="rect">
+            <a:avLst/>
+          </a:prstGeom>
+          <a:noFill/>
+        </p:spPr>
+        <p:txBody>
+          <a:bodyPr wrap="square" rtlCol="0">
+            <a:spAutoFit/>
+          </a:bodyPr>
+          <a:lstStyle/>
+          <a:p>
+            <a:r>
+              <a:rPr lang="en-US" altLang="zh-CN" dirty="0">
+                <a:solidFill>
+                  <a:schemeClr val="bg1">
+                    <a:lumMod val="75000"/>
+                  </a:schemeClr>
+                </a:solidFill>
+                <a:latin typeface="High Tower Text" panose="02040502050506030303" pitchFamily="18" charset="0"/>
+              </a:rPr>
+              <a:t>Go to random position, show up, and wait for 1 second</a:t>
+            </a:r>
+            <a:endParaRPr lang="zh-CN" altLang="en-US" dirty="0">
+              <a:solidFill>
+                <a:schemeClr val="bg1">
+                  <a:lumMod val="75000"/>
+                </a:schemeClr>
+              </a:solidFill>
+              <a:latin typeface="High Tower Text" panose="02040502050506030303" pitchFamily="18" charset="0"/>
+            </a:endParaRPr>
+          </a:p>
+        </p:txBody>
+      </p:sp>
+      <p:sp>
+        <p:nvSpPr>
+          <p:cNvPr id="14" name="TextBox 13">
+            <a:extLst>
+              <a:ext uri="{FF2B5EF4-FFF2-40B4-BE49-F238E27FC236}">
+                <a16:creationId xmlns:a16="http://schemas.microsoft.com/office/drawing/2014/main" id="{A71C78B1-C81A-BE81-C6F8-B9A933473AF1}"/>
+              </a:ext>
+            </a:extLst>
+          </p:cNvPr>
+          <p:cNvSpPr txBox="1"/>
+          <p:nvPr/>
+        </p:nvSpPr>
+        <p:spPr>
+          <a:xfrm>
+            <a:off x="4206264" y="5060725"/>
+            <a:ext cx="5495849" cy="369332"/>
+          </a:xfrm>
+          <a:prstGeom prst="rect">
+            <a:avLst/>
+          </a:prstGeom>
+          <a:noFill/>
+        </p:spPr>
+        <p:txBody>
+          <a:bodyPr wrap="square" rtlCol="0">
+            <a:spAutoFit/>
+          </a:bodyPr>
+          <a:lstStyle/>
+          <a:p>
+            <a:r>
+              <a:rPr lang="en-US" altLang="zh-CN" dirty="0">
+                <a:solidFill>
+                  <a:schemeClr val="bg1">
+                    <a:lumMod val="75000"/>
+                  </a:schemeClr>
+                </a:solidFill>
+                <a:latin typeface="High Tower Text" panose="02040502050506030303" pitchFamily="18" charset="0"/>
+              </a:rPr>
+              <a:t>Go to random position, show up, and wait for 1 second</a:t>
+            </a:r>
+            <a:endParaRPr lang="zh-CN" altLang="en-US" dirty="0">
+              <a:solidFill>
+                <a:schemeClr val="bg1">
+                  <a:lumMod val="75000"/>
+                </a:schemeClr>
+              </a:solidFill>
+              <a:latin typeface="High Tower Text" panose="02040502050506030303" pitchFamily="18" charset="0"/>
+            </a:endParaRPr>
+          </a:p>
+        </p:txBody>
+      </p:sp>
+      <p:sp>
+        <p:nvSpPr>
+          <p:cNvPr id="15" name="TextBox 14">
+            <a:extLst>
+              <a:ext uri="{FF2B5EF4-FFF2-40B4-BE49-F238E27FC236}">
+                <a16:creationId xmlns:a16="http://schemas.microsoft.com/office/drawing/2014/main" id="{7753850B-AB5E-419E-97FF-70764B62E0FB}"/>
+              </a:ext>
+            </a:extLst>
+          </p:cNvPr>
+          <p:cNvSpPr txBox="1"/>
+          <p:nvPr/>
+        </p:nvSpPr>
+        <p:spPr>
+          <a:xfrm>
+            <a:off x="4206264" y="5865684"/>
+            <a:ext cx="5495849" cy="369332"/>
+          </a:xfrm>
+          <a:prstGeom prst="rect">
+            <a:avLst/>
+          </a:prstGeom>
+          <a:noFill/>
+        </p:spPr>
+        <p:txBody>
+          <a:bodyPr wrap="square" rtlCol="0">
+            <a:spAutoFit/>
+          </a:bodyPr>
+          <a:lstStyle/>
+          <a:p>
+            <a:r>
+              <a:rPr lang="en-US" altLang="zh-CN" dirty="0">
+                <a:solidFill>
+                  <a:schemeClr val="bg1">
+                    <a:lumMod val="75000"/>
+                  </a:schemeClr>
+                </a:solidFill>
+                <a:latin typeface="High Tower Text" panose="02040502050506030303" pitchFamily="18" charset="0"/>
+              </a:rPr>
+              <a:t>Go to random position, show up, and wait for 1 second</a:t>
+            </a:r>
+            <a:endParaRPr lang="zh-CN" altLang="en-US" dirty="0">
+              <a:solidFill>
+                <a:schemeClr val="bg1">
+                  <a:lumMod val="75000"/>
+                </a:schemeClr>
+              </a:solidFill>
+              <a:latin typeface="High Tower Text" panose="02040502050506030303" pitchFamily="18" charset="0"/>
+            </a:endParaRPr>
+          </a:p>
+        </p:txBody>
+      </p:sp>
+    </p:spTree>
+    <p:extLst>
+      <p:ext uri="{BB962C8B-B14F-4D97-AF65-F5344CB8AC3E}">
+        <p14:creationId xmlns:p14="http://schemas.microsoft.com/office/powerpoint/2010/main" val="1299042520"/>
+      </p:ext>
+    </p:extLst>
+  </p:cSld>
+  <p:clrMapOvr>
+    <a:masterClrMapping/>
+  </p:clrMapOvr>
+</p:sld>
+</file>
+
+<file path=ppt/slides/slide23.xml><?xml version="1.0" encoding="utf-8"?>
+<p:sld xmlns:a="http://schemas.openxmlformats.org/drawingml/2006/main" xmlns:r="http://schemas.openxmlformats.org/officeDocument/2006/relationships" xmlns:p="http://schemas.openxmlformats.org/presentationml/2006/main">
+  <p:cSld>
+    <p:spTree>
+      <p:nvGrpSpPr>
+        <p:cNvPr id="1" name="">
+          <a:extLst>
+            <a:ext uri="{FF2B5EF4-FFF2-40B4-BE49-F238E27FC236}">
+              <a16:creationId xmlns:a16="http://schemas.microsoft.com/office/drawing/2014/main" id="{50D6B986-6141-BDEA-67BF-9545B3534369}"/>
+            </a:ext>
+          </a:extLst>
+        </p:cNvPr>
+        <p:cNvGrpSpPr/>
+        <p:nvPr/>
+      </p:nvGrpSpPr>
+      <p:grpSpPr>
+        <a:xfrm>
+          <a:off x="0" y="0"/>
+          <a:ext cx="0" cy="0"/>
+          <a:chOff x="0" y="0"/>
+          <a:chExt cx="0" cy="0"/>
+        </a:xfrm>
+      </p:grpSpPr>
+      <p:sp>
+        <p:nvSpPr>
+          <p:cNvPr id="6" name="Rectangle 5">
+            <a:extLst>
+              <a:ext uri="{FF2B5EF4-FFF2-40B4-BE49-F238E27FC236}">
+                <a16:creationId xmlns:a16="http://schemas.microsoft.com/office/drawing/2014/main" id="{DC9442C9-EA1B-6CC2-9BF8-505DDF8982EF}"/>
+              </a:ext>
+            </a:extLst>
+          </p:cNvPr>
+          <p:cNvSpPr/>
+          <p:nvPr/>
+        </p:nvSpPr>
+        <p:spPr>
+          <a:xfrm>
+            <a:off x="0" y="0"/>
+            <a:ext cx="12192000" cy="6858000"/>
+          </a:xfrm>
+          <a:prstGeom prst="rect">
+            <a:avLst/>
+          </a:prstGeom>
+          <a:solidFill>
+            <a:srgbClr val="23242A">
+              <a:alpha val="97000"/>
+            </a:srgbClr>
+          </a:solidFill>
+          <a:ln>
+            <a:noFill/>
+          </a:ln>
+        </p:spPr>
+        <p:style>
+          <a:lnRef idx="2">
+            <a:schemeClr val="accent1">
+              <a:shade val="15000"/>
+            </a:schemeClr>
+          </a:lnRef>
+          <a:fillRef idx="1">
+            <a:schemeClr val="accent1"/>
+          </a:fillRef>
+          <a:effectRef idx="0">
+            <a:schemeClr val="accent1"/>
+          </a:effectRef>
+          <a:fontRef idx="minor">
+            <a:schemeClr val="lt1"/>
+          </a:fontRef>
+        </p:style>
+        <p:txBody>
+          <a:bodyPr rtlCol="0" anchor="ctr"/>
+          <a:lstStyle/>
+          <a:p>
+            <a:pPr algn="ctr"/>
+            <a:endParaRPr lang="zh-CN" altLang="en-US" dirty="0"/>
+          </a:p>
+        </p:txBody>
+      </p:sp>
+      <p:sp>
+        <p:nvSpPr>
+          <p:cNvPr id="2" name="Slide Number Placeholder 1">
+            <a:extLst>
+              <a:ext uri="{FF2B5EF4-FFF2-40B4-BE49-F238E27FC236}">
+                <a16:creationId xmlns:a16="http://schemas.microsoft.com/office/drawing/2014/main" id="{9A6D5C27-D412-AD2E-B0D8-1DCEE781FB5A}"/>
+              </a:ext>
+            </a:extLst>
+          </p:cNvPr>
+          <p:cNvSpPr>
+            <a:spLocks noGrp="1"/>
+          </p:cNvSpPr>
+          <p:nvPr>
+            <p:ph type="sldNum" sz="quarter" idx="12"/>
+          </p:nvPr>
+        </p:nvSpPr>
+        <p:spPr>
+          <a:xfrm>
+            <a:off x="9057739" y="6259509"/>
+            <a:ext cx="2743200" cy="365125"/>
+          </a:xfrm>
+        </p:spPr>
+        <p:txBody>
+          <a:bodyPr/>
+          <a:lstStyle/>
+          <a:p>
+            <a:fld id="{9B1EC109-1E15-4BCA-93B5-56442BB3443E}" type="slidenum">
+              <a:rPr lang="zh-CN" altLang="en-US" sz="2400" b="1" smtClean="0">
+                <a:solidFill>
+                  <a:schemeClr val="bg1">
+                    <a:lumMod val="65000"/>
+                  </a:schemeClr>
+                </a:solidFill>
+                <a:latin typeface="Bradley Hand ITC" panose="03070402050302030203" pitchFamily="66" charset="0"/>
+              </a:rPr>
+              <a:t>23</a:t>
+            </a:fld>
+            <a:endParaRPr lang="zh-CN" altLang="en-US" sz="2400" b="1" dirty="0">
+              <a:solidFill>
+                <a:schemeClr val="bg1">
+                  <a:lumMod val="65000"/>
+                </a:schemeClr>
+              </a:solidFill>
+              <a:latin typeface="Bradley Hand ITC" panose="03070402050302030203" pitchFamily="66" charset="0"/>
+            </a:endParaRPr>
+          </a:p>
+        </p:txBody>
+      </p:sp>
+      <p:sp>
+        <p:nvSpPr>
+          <p:cNvPr id="4" name="Google Shape;867;p33">
+            <a:extLst>
+              <a:ext uri="{FF2B5EF4-FFF2-40B4-BE49-F238E27FC236}">
+                <a16:creationId xmlns:a16="http://schemas.microsoft.com/office/drawing/2014/main" id="{1150367A-DEB8-BA8C-BA12-0634AFD7CCC2}"/>
+              </a:ext>
+            </a:extLst>
+          </p:cNvPr>
+          <p:cNvSpPr txBox="1">
+            <a:spLocks/>
+          </p:cNvSpPr>
+          <p:nvPr/>
+        </p:nvSpPr>
+        <p:spPr>
+          <a:xfrm>
+            <a:off x="2222600" y="143850"/>
+            <a:ext cx="7746800" cy="1602400"/>
+          </a:xfrm>
+          <a:prstGeom prst="rect">
+            <a:avLst/>
+          </a:prstGeom>
+          <a:noFill/>
+          <a:ln>
+            <a:noFill/>
+          </a:ln>
+        </p:spPr>
+        <p:txBody>
+          <a:bodyPr spcFirstLastPara="1" wrap="square" lIns="91425" tIns="91425" rIns="91425" bIns="91425" anchor="b" anchorCtr="0">
+            <a:noAutofit/>
+          </a:bodyPr>
+          <a:lstStyle>
+            <a:defPPr marR="0" lvl="0" algn="l" rtl="0">
+              <a:lnSpc>
+                <a:spcPct val="100000"/>
+              </a:lnSpc>
+              <a:spcBef>
+                <a:spcPts val="0"/>
+              </a:spcBef>
+              <a:spcAft>
+                <a:spcPts val="0"/>
+              </a:spcAft>
+            </a:defPPr>
+            <a:lvl1pPr marR="0" lvl="0" algn="l" rtl="0">
+              <a:lnSpc>
+                <a:spcPct val="100000"/>
+              </a:lnSpc>
+              <a:spcBef>
+                <a:spcPts val="0"/>
+              </a:spcBef>
+              <a:spcAft>
+                <a:spcPts val="0"/>
+              </a:spcAft>
+              <a:buClr>
+                <a:schemeClr val="dk1"/>
+              </a:buClr>
+              <a:buSzPts val="3600"/>
+              <a:buFont typeface="Barlow"/>
+              <a:buNone/>
+              <a:defRPr sz="7200" b="1" i="0" u="none" strike="noStrike" cap="none">
+                <a:solidFill>
+                  <a:schemeClr val="dk1"/>
+                </a:solidFill>
+                <a:latin typeface="Barlow"/>
+                <a:ea typeface="Barlow"/>
+                <a:cs typeface="Barlow"/>
+                <a:sym typeface="Barlow"/>
+              </a:defRPr>
+            </a:lvl1pPr>
+            <a:lvl2pPr marR="0" lvl="1" algn="ctr" rtl="0">
+              <a:lnSpc>
+                <a:spcPct val="100000"/>
+              </a:lnSpc>
+              <a:spcBef>
+                <a:spcPts val="0"/>
+              </a:spcBef>
+              <a:spcAft>
+                <a:spcPts val="0"/>
+              </a:spcAft>
+              <a:buClr>
+                <a:schemeClr val="dk1"/>
+              </a:buClr>
+              <a:buSzPts val="3600"/>
+              <a:buFont typeface="Barlow"/>
+              <a:buNone/>
+              <a:defRPr sz="3600" b="1" i="0" u="none" strike="noStrike" cap="none">
+                <a:solidFill>
+                  <a:schemeClr val="dk1"/>
+                </a:solidFill>
+                <a:latin typeface="Barlow"/>
+                <a:ea typeface="Barlow"/>
+                <a:cs typeface="Barlow"/>
+                <a:sym typeface="Barlow"/>
+              </a:defRPr>
+            </a:lvl2pPr>
+            <a:lvl3pPr marR="0" lvl="2" algn="ctr" rtl="0">
+              <a:lnSpc>
+                <a:spcPct val="100000"/>
+              </a:lnSpc>
+              <a:spcBef>
+                <a:spcPts val="0"/>
+              </a:spcBef>
+              <a:spcAft>
+                <a:spcPts val="0"/>
+              </a:spcAft>
+              <a:buClr>
+                <a:schemeClr val="dk1"/>
+              </a:buClr>
+              <a:buSzPts val="3600"/>
+              <a:buFont typeface="Barlow"/>
+              <a:buNone/>
+              <a:defRPr sz="3600" b="1" i="0" u="none" strike="noStrike" cap="none">
+                <a:solidFill>
+                  <a:schemeClr val="dk1"/>
+                </a:solidFill>
+                <a:latin typeface="Barlow"/>
+                <a:ea typeface="Barlow"/>
+                <a:cs typeface="Barlow"/>
+                <a:sym typeface="Barlow"/>
+              </a:defRPr>
+            </a:lvl3pPr>
+            <a:lvl4pPr marR="0" lvl="3" algn="ctr" rtl="0">
+              <a:lnSpc>
+                <a:spcPct val="100000"/>
+              </a:lnSpc>
+              <a:spcBef>
+                <a:spcPts val="0"/>
+              </a:spcBef>
+              <a:spcAft>
+                <a:spcPts val="0"/>
+              </a:spcAft>
+              <a:buClr>
+                <a:schemeClr val="dk1"/>
+              </a:buClr>
+              <a:buSzPts val="3600"/>
+              <a:buFont typeface="Barlow"/>
+              <a:buNone/>
+              <a:defRPr sz="3600" b="1" i="0" u="none" strike="noStrike" cap="none">
+                <a:solidFill>
+                  <a:schemeClr val="dk1"/>
+                </a:solidFill>
+                <a:latin typeface="Barlow"/>
+                <a:ea typeface="Barlow"/>
+                <a:cs typeface="Barlow"/>
+                <a:sym typeface="Barlow"/>
+              </a:defRPr>
+            </a:lvl4pPr>
+            <a:lvl5pPr marR="0" lvl="4" algn="ctr" rtl="0">
+              <a:lnSpc>
+                <a:spcPct val="100000"/>
+              </a:lnSpc>
+              <a:spcBef>
+                <a:spcPts val="0"/>
+              </a:spcBef>
+              <a:spcAft>
+                <a:spcPts val="0"/>
+              </a:spcAft>
+              <a:buClr>
+                <a:schemeClr val="dk1"/>
+              </a:buClr>
+              <a:buSzPts val="3600"/>
+              <a:buFont typeface="Barlow"/>
+              <a:buNone/>
+              <a:defRPr sz="3600" b="1" i="0" u="none" strike="noStrike" cap="none">
+                <a:solidFill>
+                  <a:schemeClr val="dk1"/>
+                </a:solidFill>
+                <a:latin typeface="Barlow"/>
+                <a:ea typeface="Barlow"/>
+                <a:cs typeface="Barlow"/>
+                <a:sym typeface="Barlow"/>
+              </a:defRPr>
+            </a:lvl5pPr>
+            <a:lvl6pPr marR="0" lvl="5" algn="ctr" rtl="0">
+              <a:lnSpc>
+                <a:spcPct val="100000"/>
+              </a:lnSpc>
+              <a:spcBef>
+                <a:spcPts val="0"/>
+              </a:spcBef>
+              <a:spcAft>
+                <a:spcPts val="0"/>
+              </a:spcAft>
+              <a:buClr>
+                <a:schemeClr val="dk1"/>
+              </a:buClr>
+              <a:buSzPts val="3600"/>
+              <a:buFont typeface="Barlow"/>
+              <a:buNone/>
+              <a:defRPr sz="3600" b="1" i="0" u="none" strike="noStrike" cap="none">
+                <a:solidFill>
+                  <a:schemeClr val="dk1"/>
+                </a:solidFill>
+                <a:latin typeface="Barlow"/>
+                <a:ea typeface="Barlow"/>
+                <a:cs typeface="Barlow"/>
+                <a:sym typeface="Barlow"/>
+              </a:defRPr>
+            </a:lvl6pPr>
+            <a:lvl7pPr marR="0" lvl="6" algn="ctr" rtl="0">
+              <a:lnSpc>
+                <a:spcPct val="100000"/>
+              </a:lnSpc>
+              <a:spcBef>
+                <a:spcPts val="0"/>
+              </a:spcBef>
+              <a:spcAft>
+                <a:spcPts val="0"/>
+              </a:spcAft>
+              <a:buClr>
+                <a:schemeClr val="dk1"/>
+              </a:buClr>
+              <a:buSzPts val="3600"/>
+              <a:buFont typeface="Barlow"/>
+              <a:buNone/>
+              <a:defRPr sz="3600" b="1" i="0" u="none" strike="noStrike" cap="none">
+                <a:solidFill>
+                  <a:schemeClr val="dk1"/>
+                </a:solidFill>
+                <a:latin typeface="Barlow"/>
+                <a:ea typeface="Barlow"/>
+                <a:cs typeface="Barlow"/>
+                <a:sym typeface="Barlow"/>
+              </a:defRPr>
+            </a:lvl7pPr>
+            <a:lvl8pPr marR="0" lvl="7" algn="ctr" rtl="0">
+              <a:lnSpc>
+                <a:spcPct val="100000"/>
+              </a:lnSpc>
+              <a:spcBef>
+                <a:spcPts val="0"/>
+              </a:spcBef>
+              <a:spcAft>
+                <a:spcPts val="0"/>
+              </a:spcAft>
+              <a:buClr>
+                <a:schemeClr val="dk1"/>
+              </a:buClr>
+              <a:buSzPts val="3600"/>
+              <a:buFont typeface="Barlow"/>
+              <a:buNone/>
+              <a:defRPr sz="3600" b="1" i="0" u="none" strike="noStrike" cap="none">
+                <a:solidFill>
+                  <a:schemeClr val="dk1"/>
+                </a:solidFill>
+                <a:latin typeface="Barlow"/>
+                <a:ea typeface="Barlow"/>
+                <a:cs typeface="Barlow"/>
+                <a:sym typeface="Barlow"/>
+              </a:defRPr>
+            </a:lvl8pPr>
+            <a:lvl9pPr marR="0" lvl="8" algn="ctr" rtl="0">
+              <a:lnSpc>
+                <a:spcPct val="100000"/>
+              </a:lnSpc>
+              <a:spcBef>
+                <a:spcPts val="0"/>
+              </a:spcBef>
+              <a:spcAft>
+                <a:spcPts val="0"/>
+              </a:spcAft>
+              <a:buClr>
+                <a:schemeClr val="dk1"/>
+              </a:buClr>
+              <a:buSzPts val="3600"/>
+              <a:buFont typeface="Barlow"/>
+              <a:buNone/>
+              <a:defRPr sz="3600" b="1" i="0" u="none" strike="noStrike" cap="none">
+                <a:solidFill>
+                  <a:schemeClr val="dk1"/>
+                </a:solidFill>
+                <a:latin typeface="Barlow"/>
+                <a:ea typeface="Barlow"/>
+                <a:cs typeface="Barlow"/>
+                <a:sym typeface="Barlow"/>
+              </a:defRPr>
+            </a:lvl9pPr>
+          </a:lstStyle>
+          <a:p>
+            <a:pPr algn="ctr"/>
+            <a:r>
+              <a:rPr lang="en-US" altLang="zh-CN" sz="8000" spc="300" dirty="0">
+                <a:solidFill>
+                  <a:schemeClr val="accent4">
+                    <a:lumMod val="60000"/>
+                    <a:lumOff val="40000"/>
+                    <a:alpha val="60000"/>
+                  </a:schemeClr>
+                </a:solidFill>
+                <a:latin typeface="Amatic SC" panose="020F0502020204030204" pitchFamily="2" charset="-79"/>
+                <a:cs typeface="Amatic SC" panose="020F0502020204030204" pitchFamily="2" charset="-79"/>
+              </a:rPr>
+              <a:t>I See Some Repetitions</a:t>
+            </a:r>
+          </a:p>
+        </p:txBody>
+      </p:sp>
+      <p:pic>
+        <p:nvPicPr>
+          <p:cNvPr id="3" name="Picture 2">
+            <a:extLst>
+              <a:ext uri="{FF2B5EF4-FFF2-40B4-BE49-F238E27FC236}">
+                <a16:creationId xmlns:a16="http://schemas.microsoft.com/office/drawing/2014/main" id="{74614BEC-060E-86D7-35DD-6B87D8533621}"/>
+              </a:ext>
+            </a:extLst>
+          </p:cNvPr>
+          <p:cNvPicPr>
+            <a:picLocks noChangeAspect="1"/>
+          </p:cNvPicPr>
+          <p:nvPr/>
+        </p:nvPicPr>
+        <p:blipFill>
+          <a:blip r:embed="rId2">
+            <a:extLst>
+              <a:ext uri="{28A0092B-C50C-407E-A947-70E740481C1C}">
+                <a14:useLocalDpi xmlns:a14="http://schemas.microsoft.com/office/drawing/2010/main" val="0"/>
+              </a:ext>
+            </a:extLst>
+          </a:blip>
+          <a:stretch>
+            <a:fillRect/>
+          </a:stretch>
+        </p:blipFill>
+        <p:spPr>
+          <a:xfrm>
+            <a:off x="2716444" y="1816589"/>
+            <a:ext cx="1210454" cy="4721051"/>
+          </a:xfrm>
+          <a:prstGeom prst="rect">
+            <a:avLst/>
+          </a:prstGeom>
+        </p:spPr>
+      </p:pic>
+      <p:sp>
+        <p:nvSpPr>
+          <p:cNvPr id="5" name="Right Brace 4">
+            <a:extLst>
+              <a:ext uri="{FF2B5EF4-FFF2-40B4-BE49-F238E27FC236}">
+                <a16:creationId xmlns:a16="http://schemas.microsoft.com/office/drawing/2014/main" id="{7AE3A71A-BEA3-21AC-A356-3F1A810180EE}"/>
+              </a:ext>
+            </a:extLst>
+          </p:cNvPr>
+          <p:cNvSpPr/>
+          <p:nvPr/>
+        </p:nvSpPr>
+        <p:spPr>
+          <a:xfrm>
+            <a:off x="4004267" y="2558661"/>
+            <a:ext cx="182880" cy="604911"/>
+          </a:xfrm>
+          <a:prstGeom prst="rightBrace">
+            <a:avLst/>
+          </a:prstGeom>
+          <a:ln w="25400">
+            <a:solidFill>
+              <a:schemeClr val="bg1">
+                <a:lumMod val="75000"/>
+              </a:schemeClr>
+            </a:solidFill>
+          </a:ln>
+        </p:spPr>
+        <p:style>
+          <a:lnRef idx="1">
+            <a:schemeClr val="accent1"/>
+          </a:lnRef>
+          <a:fillRef idx="0">
+            <a:schemeClr val="accent1"/>
+          </a:fillRef>
+          <a:effectRef idx="0">
+            <a:schemeClr val="accent1"/>
+          </a:effectRef>
+          <a:fontRef idx="minor">
+            <a:schemeClr val="tx1"/>
+          </a:fontRef>
+        </p:style>
+        <p:txBody>
+          <a:bodyPr rtlCol="0" anchor="ctr"/>
+          <a:lstStyle/>
+          <a:p>
+            <a:pPr algn="ctr"/>
+            <a:endParaRPr lang="zh-CN" altLang="en-US" dirty="0"/>
+          </a:p>
+        </p:txBody>
+      </p:sp>
+      <p:sp>
+        <p:nvSpPr>
+          <p:cNvPr id="7" name="Right Brace 6">
+            <a:extLst>
+              <a:ext uri="{FF2B5EF4-FFF2-40B4-BE49-F238E27FC236}">
+                <a16:creationId xmlns:a16="http://schemas.microsoft.com/office/drawing/2014/main" id="{ACD6646D-F72D-6954-9661-1E9A580F5255}"/>
+              </a:ext>
+            </a:extLst>
+          </p:cNvPr>
+          <p:cNvSpPr/>
+          <p:nvPr/>
+        </p:nvSpPr>
+        <p:spPr>
+          <a:xfrm>
+            <a:off x="4003263" y="3332186"/>
+            <a:ext cx="182880" cy="604911"/>
+          </a:xfrm>
+          <a:prstGeom prst="rightBrace">
+            <a:avLst/>
+          </a:prstGeom>
+          <a:ln w="25400">
+            <a:solidFill>
+              <a:schemeClr val="bg1">
+                <a:lumMod val="75000"/>
+              </a:schemeClr>
+            </a:solidFill>
+          </a:ln>
+        </p:spPr>
+        <p:style>
+          <a:lnRef idx="1">
+            <a:schemeClr val="accent1"/>
+          </a:lnRef>
+          <a:fillRef idx="0">
+            <a:schemeClr val="accent1"/>
+          </a:fillRef>
+          <a:effectRef idx="0">
+            <a:schemeClr val="accent1"/>
+          </a:effectRef>
+          <a:fontRef idx="minor">
+            <a:schemeClr val="tx1"/>
+          </a:fontRef>
+        </p:style>
+        <p:txBody>
+          <a:bodyPr rtlCol="0" anchor="ctr"/>
+          <a:lstStyle/>
+          <a:p>
+            <a:pPr algn="ctr"/>
+            <a:endParaRPr lang="zh-CN" altLang="en-US"/>
+          </a:p>
+        </p:txBody>
+      </p:sp>
+      <p:sp>
+        <p:nvSpPr>
+          <p:cNvPr id="8" name="Right Brace 7">
+            <a:extLst>
+              <a:ext uri="{FF2B5EF4-FFF2-40B4-BE49-F238E27FC236}">
+                <a16:creationId xmlns:a16="http://schemas.microsoft.com/office/drawing/2014/main" id="{B7B138C3-6A25-1C79-48C0-8EEBF357592A}"/>
+              </a:ext>
+            </a:extLst>
+          </p:cNvPr>
+          <p:cNvSpPr/>
+          <p:nvPr/>
+        </p:nvSpPr>
+        <p:spPr>
+          <a:xfrm>
+            <a:off x="4003263" y="4137561"/>
+            <a:ext cx="182880" cy="604911"/>
+          </a:xfrm>
+          <a:prstGeom prst="rightBrace">
+            <a:avLst/>
+          </a:prstGeom>
+          <a:ln w="25400">
+            <a:solidFill>
+              <a:schemeClr val="bg1">
+                <a:lumMod val="75000"/>
+              </a:schemeClr>
+            </a:solidFill>
+          </a:ln>
+        </p:spPr>
+        <p:style>
+          <a:lnRef idx="1">
+            <a:schemeClr val="accent1"/>
+          </a:lnRef>
+          <a:fillRef idx="0">
+            <a:schemeClr val="accent1"/>
+          </a:fillRef>
+          <a:effectRef idx="0">
+            <a:schemeClr val="accent1"/>
+          </a:effectRef>
+          <a:fontRef idx="minor">
+            <a:schemeClr val="tx1"/>
+          </a:fontRef>
+        </p:style>
+        <p:txBody>
+          <a:bodyPr rtlCol="0" anchor="ctr"/>
+          <a:lstStyle/>
+          <a:p>
+            <a:pPr algn="ctr"/>
+            <a:endParaRPr lang="zh-CN" altLang="en-US"/>
+          </a:p>
+        </p:txBody>
+      </p:sp>
+      <p:sp>
+        <p:nvSpPr>
+          <p:cNvPr id="9" name="Right Brace 8">
+            <a:extLst>
+              <a:ext uri="{FF2B5EF4-FFF2-40B4-BE49-F238E27FC236}">
+                <a16:creationId xmlns:a16="http://schemas.microsoft.com/office/drawing/2014/main" id="{1FD1139E-FE6A-2A6D-E617-AC55DA6EB296}"/>
+              </a:ext>
+            </a:extLst>
+          </p:cNvPr>
+          <p:cNvSpPr/>
+          <p:nvPr/>
+        </p:nvSpPr>
+        <p:spPr>
+          <a:xfrm>
+            <a:off x="3996230" y="4942936"/>
+            <a:ext cx="182880" cy="604911"/>
+          </a:xfrm>
+          <a:prstGeom prst="rightBrace">
+            <a:avLst/>
+          </a:prstGeom>
+          <a:ln w="25400">
+            <a:solidFill>
+              <a:schemeClr val="bg1">
+                <a:lumMod val="75000"/>
+              </a:schemeClr>
+            </a:solidFill>
+          </a:ln>
+        </p:spPr>
+        <p:style>
+          <a:lnRef idx="1">
+            <a:schemeClr val="accent1"/>
+          </a:lnRef>
+          <a:fillRef idx="0">
+            <a:schemeClr val="accent1"/>
+          </a:fillRef>
+          <a:effectRef idx="0">
+            <a:schemeClr val="accent1"/>
+          </a:effectRef>
+          <a:fontRef idx="minor">
+            <a:schemeClr val="tx1"/>
+          </a:fontRef>
+        </p:style>
+        <p:txBody>
+          <a:bodyPr rtlCol="0" anchor="ctr"/>
+          <a:lstStyle/>
+          <a:p>
+            <a:pPr algn="ctr"/>
+            <a:endParaRPr lang="zh-CN" altLang="en-US"/>
+          </a:p>
+        </p:txBody>
+      </p:sp>
+      <p:sp>
+        <p:nvSpPr>
+          <p:cNvPr id="10" name="Right Brace 9">
+            <a:extLst>
+              <a:ext uri="{FF2B5EF4-FFF2-40B4-BE49-F238E27FC236}">
+                <a16:creationId xmlns:a16="http://schemas.microsoft.com/office/drawing/2014/main" id="{96855C77-239C-52D5-2AB3-43921C90E7E4}"/>
+              </a:ext>
+            </a:extLst>
+          </p:cNvPr>
+          <p:cNvSpPr/>
+          <p:nvPr/>
+        </p:nvSpPr>
+        <p:spPr>
+          <a:xfrm>
+            <a:off x="4003263" y="5748311"/>
+            <a:ext cx="182880" cy="604911"/>
+          </a:xfrm>
+          <a:prstGeom prst="rightBrace">
+            <a:avLst/>
+          </a:prstGeom>
+          <a:ln w="25400">
+            <a:solidFill>
+              <a:schemeClr val="bg1">
+                <a:lumMod val="75000"/>
+              </a:schemeClr>
+            </a:solidFill>
+          </a:ln>
+        </p:spPr>
+        <p:style>
+          <a:lnRef idx="1">
+            <a:schemeClr val="accent1"/>
+          </a:lnRef>
+          <a:fillRef idx="0">
+            <a:schemeClr val="accent1"/>
+          </a:fillRef>
+          <a:effectRef idx="0">
+            <a:schemeClr val="accent1"/>
+          </a:effectRef>
+          <a:fontRef idx="minor">
+            <a:schemeClr val="tx1"/>
+          </a:fontRef>
+        </p:style>
+        <p:txBody>
+          <a:bodyPr rtlCol="0" anchor="ctr"/>
+          <a:lstStyle/>
+          <a:p>
+            <a:pPr algn="ctr"/>
+            <a:endParaRPr lang="zh-CN" altLang="en-US"/>
+          </a:p>
+        </p:txBody>
+      </p:sp>
+      <p:sp>
+        <p:nvSpPr>
+          <p:cNvPr id="11" name="TextBox 10">
+            <a:extLst>
+              <a:ext uri="{FF2B5EF4-FFF2-40B4-BE49-F238E27FC236}">
+                <a16:creationId xmlns:a16="http://schemas.microsoft.com/office/drawing/2014/main" id="{009789C5-A591-B28A-4312-B2B31E4EF434}"/>
+              </a:ext>
+            </a:extLst>
+          </p:cNvPr>
+          <p:cNvSpPr txBox="1"/>
+          <p:nvPr/>
+        </p:nvSpPr>
+        <p:spPr>
+          <a:xfrm>
+            <a:off x="4206265" y="2676450"/>
+            <a:ext cx="5495849" cy="369332"/>
+          </a:xfrm>
+          <a:prstGeom prst="rect">
+            <a:avLst/>
+          </a:prstGeom>
+          <a:noFill/>
+        </p:spPr>
+        <p:txBody>
+          <a:bodyPr wrap="square" rtlCol="0">
+            <a:spAutoFit/>
+          </a:bodyPr>
+          <a:lstStyle/>
+          <a:p>
+            <a:r>
+              <a:rPr lang="en-US" altLang="zh-CN" dirty="0">
+                <a:solidFill>
+                  <a:schemeClr val="bg1">
+                    <a:lumMod val="75000"/>
+                  </a:schemeClr>
+                </a:solidFill>
+                <a:latin typeface="High Tower Text" panose="02040502050506030303" pitchFamily="18" charset="0"/>
+              </a:rPr>
+              <a:t>Go to random position, show up, and wait for 1 second</a:t>
+            </a:r>
+            <a:endParaRPr lang="zh-CN" altLang="en-US" dirty="0">
+              <a:solidFill>
+                <a:schemeClr val="bg1">
+                  <a:lumMod val="75000"/>
+                </a:schemeClr>
+              </a:solidFill>
+              <a:latin typeface="High Tower Text" panose="02040502050506030303" pitchFamily="18" charset="0"/>
+            </a:endParaRPr>
+          </a:p>
+        </p:txBody>
+      </p:sp>
+      <p:sp>
+        <p:nvSpPr>
+          <p:cNvPr id="12" name="TextBox 11">
+            <a:extLst>
+              <a:ext uri="{FF2B5EF4-FFF2-40B4-BE49-F238E27FC236}">
+                <a16:creationId xmlns:a16="http://schemas.microsoft.com/office/drawing/2014/main" id="{7B81555C-14AC-9243-DDF2-9B194AD6E029}"/>
+              </a:ext>
+            </a:extLst>
+          </p:cNvPr>
+          <p:cNvSpPr txBox="1"/>
+          <p:nvPr/>
+        </p:nvSpPr>
+        <p:spPr>
+          <a:xfrm>
+            <a:off x="4206264" y="3449975"/>
+            <a:ext cx="5495849" cy="369332"/>
+          </a:xfrm>
+          <a:prstGeom prst="rect">
+            <a:avLst/>
+          </a:prstGeom>
+          <a:noFill/>
+        </p:spPr>
+        <p:txBody>
+          <a:bodyPr wrap="square" rtlCol="0">
+            <a:spAutoFit/>
+          </a:bodyPr>
+          <a:lstStyle/>
+          <a:p>
+            <a:r>
+              <a:rPr lang="en-US" altLang="zh-CN" dirty="0">
+                <a:solidFill>
+                  <a:schemeClr val="bg1">
+                    <a:lumMod val="75000"/>
+                  </a:schemeClr>
+                </a:solidFill>
+                <a:latin typeface="High Tower Text" panose="02040502050506030303" pitchFamily="18" charset="0"/>
+              </a:rPr>
+              <a:t>Go to random position, show up, and wait for 1 second</a:t>
+            </a:r>
+            <a:endParaRPr lang="zh-CN" altLang="en-US" dirty="0">
+              <a:solidFill>
+                <a:schemeClr val="bg1">
+                  <a:lumMod val="75000"/>
+                </a:schemeClr>
+              </a:solidFill>
+              <a:latin typeface="High Tower Text" panose="02040502050506030303" pitchFamily="18" charset="0"/>
+            </a:endParaRPr>
+          </a:p>
+        </p:txBody>
+      </p:sp>
+      <p:sp>
+        <p:nvSpPr>
+          <p:cNvPr id="13" name="TextBox 12">
+            <a:extLst>
+              <a:ext uri="{FF2B5EF4-FFF2-40B4-BE49-F238E27FC236}">
+                <a16:creationId xmlns:a16="http://schemas.microsoft.com/office/drawing/2014/main" id="{E6DE9E84-49CF-9FE3-F4CE-38785BCA9509}"/>
+              </a:ext>
+            </a:extLst>
+          </p:cNvPr>
+          <p:cNvSpPr txBox="1"/>
+          <p:nvPr/>
+        </p:nvSpPr>
+        <p:spPr>
+          <a:xfrm>
+            <a:off x="4206264" y="4255350"/>
+            <a:ext cx="5495849" cy="369332"/>
+          </a:xfrm>
+          <a:prstGeom prst="rect">
+            <a:avLst/>
+          </a:prstGeom>
+          <a:noFill/>
+        </p:spPr>
+        <p:txBody>
+          <a:bodyPr wrap="square" rtlCol="0">
+            <a:spAutoFit/>
+          </a:bodyPr>
+          <a:lstStyle/>
+          <a:p>
+            <a:r>
+              <a:rPr lang="en-US" altLang="zh-CN" dirty="0">
+                <a:solidFill>
+                  <a:schemeClr val="bg1">
+                    <a:lumMod val="75000"/>
+                  </a:schemeClr>
+                </a:solidFill>
+                <a:latin typeface="High Tower Text" panose="02040502050506030303" pitchFamily="18" charset="0"/>
+              </a:rPr>
+              <a:t>Go to random position, show up, and wait for 1 second</a:t>
+            </a:r>
+            <a:endParaRPr lang="zh-CN" altLang="en-US" dirty="0">
+              <a:solidFill>
+                <a:schemeClr val="bg1">
+                  <a:lumMod val="75000"/>
+                </a:schemeClr>
+              </a:solidFill>
+              <a:latin typeface="High Tower Text" panose="02040502050506030303" pitchFamily="18" charset="0"/>
+            </a:endParaRPr>
+          </a:p>
+        </p:txBody>
+      </p:sp>
+      <p:sp>
+        <p:nvSpPr>
+          <p:cNvPr id="14" name="TextBox 13">
+            <a:extLst>
+              <a:ext uri="{FF2B5EF4-FFF2-40B4-BE49-F238E27FC236}">
+                <a16:creationId xmlns:a16="http://schemas.microsoft.com/office/drawing/2014/main" id="{FB39FAD5-7C50-CB20-EFE1-318B5261FCD9}"/>
+              </a:ext>
+            </a:extLst>
+          </p:cNvPr>
+          <p:cNvSpPr txBox="1"/>
+          <p:nvPr/>
+        </p:nvSpPr>
+        <p:spPr>
+          <a:xfrm>
+            <a:off x="4206264" y="5060725"/>
+            <a:ext cx="5495849" cy="369332"/>
+          </a:xfrm>
+          <a:prstGeom prst="rect">
+            <a:avLst/>
+          </a:prstGeom>
+          <a:noFill/>
+        </p:spPr>
+        <p:txBody>
+          <a:bodyPr wrap="square" rtlCol="0">
+            <a:spAutoFit/>
+          </a:bodyPr>
+          <a:lstStyle/>
+          <a:p>
+            <a:r>
+              <a:rPr lang="en-US" altLang="zh-CN" dirty="0">
+                <a:solidFill>
+                  <a:schemeClr val="bg1">
+                    <a:lumMod val="75000"/>
+                  </a:schemeClr>
+                </a:solidFill>
+                <a:latin typeface="High Tower Text" panose="02040502050506030303" pitchFamily="18" charset="0"/>
+              </a:rPr>
+              <a:t>Go to random position, show up, and wait for 1 second</a:t>
+            </a:r>
+            <a:endParaRPr lang="zh-CN" altLang="en-US" dirty="0">
+              <a:solidFill>
+                <a:schemeClr val="bg1">
+                  <a:lumMod val="75000"/>
+                </a:schemeClr>
+              </a:solidFill>
+              <a:latin typeface="High Tower Text" panose="02040502050506030303" pitchFamily="18" charset="0"/>
+            </a:endParaRPr>
+          </a:p>
+        </p:txBody>
+      </p:sp>
+      <p:sp>
+        <p:nvSpPr>
+          <p:cNvPr id="15" name="TextBox 14">
+            <a:extLst>
+              <a:ext uri="{FF2B5EF4-FFF2-40B4-BE49-F238E27FC236}">
+                <a16:creationId xmlns:a16="http://schemas.microsoft.com/office/drawing/2014/main" id="{AD89EE13-8290-8E64-DCC9-AD84E0999064}"/>
+              </a:ext>
+            </a:extLst>
+          </p:cNvPr>
+          <p:cNvSpPr txBox="1"/>
+          <p:nvPr/>
+        </p:nvSpPr>
+        <p:spPr>
+          <a:xfrm>
+            <a:off x="4206264" y="5865684"/>
+            <a:ext cx="5495849" cy="369332"/>
+          </a:xfrm>
+          <a:prstGeom prst="rect">
+            <a:avLst/>
+          </a:prstGeom>
+          <a:noFill/>
+        </p:spPr>
+        <p:txBody>
+          <a:bodyPr wrap="square" rtlCol="0">
+            <a:spAutoFit/>
+          </a:bodyPr>
+          <a:lstStyle/>
+          <a:p>
+            <a:r>
+              <a:rPr lang="en-US" altLang="zh-CN" dirty="0">
+                <a:solidFill>
+                  <a:schemeClr val="bg1">
+                    <a:lumMod val="75000"/>
+                  </a:schemeClr>
+                </a:solidFill>
+                <a:latin typeface="High Tower Text" panose="02040502050506030303" pitchFamily="18" charset="0"/>
+              </a:rPr>
+              <a:t>Go to random position, show up, and wait for 1 second</a:t>
+            </a:r>
+            <a:endParaRPr lang="zh-CN" altLang="en-US" dirty="0">
+              <a:solidFill>
+                <a:schemeClr val="bg1">
+                  <a:lumMod val="75000"/>
+                </a:schemeClr>
+              </a:solidFill>
+              <a:latin typeface="High Tower Text" panose="02040502050506030303" pitchFamily="18" charset="0"/>
+            </a:endParaRPr>
+          </a:p>
+        </p:txBody>
+      </p:sp>
+    </p:spTree>
+    <p:extLst>
+      <p:ext uri="{BB962C8B-B14F-4D97-AF65-F5344CB8AC3E}">
+        <p14:creationId xmlns:p14="http://schemas.microsoft.com/office/powerpoint/2010/main" val="3257851359"/>
+      </p:ext>
+    </p:extLst>
+  </p:cSld>
+  <p:clrMapOvr>
+    <a:masterClrMapping/>
+  </p:clrMapOvr>
+</p:sld>
+</file>
+
+<file path=ppt/slides/slide24.xml><?xml version="1.0" encoding="utf-8"?>
+<p:sld xmlns:a="http://schemas.openxmlformats.org/drawingml/2006/main" xmlns:r="http://schemas.openxmlformats.org/officeDocument/2006/relationships" xmlns:p="http://schemas.openxmlformats.org/presentationml/2006/main">
+  <p:cSld>
+    <p:spTree>
+      <p:nvGrpSpPr>
+        <p:cNvPr id="1" name="">
+          <a:extLst>
+            <a:ext uri="{FF2B5EF4-FFF2-40B4-BE49-F238E27FC236}">
+              <a16:creationId xmlns:a16="http://schemas.microsoft.com/office/drawing/2014/main" id="{B0638B88-A28D-0D98-6790-AFD73D028E78}"/>
+            </a:ext>
+          </a:extLst>
+        </p:cNvPr>
+        <p:cNvGrpSpPr/>
+        <p:nvPr/>
+      </p:nvGrpSpPr>
+      <p:grpSpPr>
+        <a:xfrm>
+          <a:off x="0" y="0"/>
+          <a:ext cx="0" cy="0"/>
+          <a:chOff x="0" y="0"/>
+          <a:chExt cx="0" cy="0"/>
+        </a:xfrm>
+      </p:grpSpPr>
+      <p:sp>
+        <p:nvSpPr>
+          <p:cNvPr id="6" name="Rectangle 5">
+            <a:extLst>
+              <a:ext uri="{FF2B5EF4-FFF2-40B4-BE49-F238E27FC236}">
+                <a16:creationId xmlns:a16="http://schemas.microsoft.com/office/drawing/2014/main" id="{52E115B1-EE40-3BB7-072F-C694ABBC3CDA}"/>
+              </a:ext>
+            </a:extLst>
+          </p:cNvPr>
+          <p:cNvSpPr/>
+          <p:nvPr/>
+        </p:nvSpPr>
+        <p:spPr>
+          <a:xfrm>
+            <a:off x="0" y="0"/>
+            <a:ext cx="12192000" cy="6858000"/>
+          </a:xfrm>
+          <a:prstGeom prst="rect">
+            <a:avLst/>
+          </a:prstGeom>
+          <a:solidFill>
+            <a:srgbClr val="23242A"/>
+          </a:solidFill>
+          <a:ln>
+            <a:noFill/>
+          </a:ln>
+        </p:spPr>
+        <p:style>
+          <a:lnRef idx="2">
+            <a:schemeClr val="accent1">
+              <a:shade val="15000"/>
+            </a:schemeClr>
+          </a:lnRef>
+          <a:fillRef idx="1">
+            <a:schemeClr val="accent1"/>
+          </a:fillRef>
+          <a:effectRef idx="0">
+            <a:schemeClr val="accent1"/>
+          </a:effectRef>
+          <a:fontRef idx="minor">
+            <a:schemeClr val="lt1"/>
+          </a:fontRef>
+        </p:style>
+        <p:txBody>
+          <a:bodyPr rtlCol="0" anchor="ctr"/>
+          <a:lstStyle/>
+          <a:p>
+            <a:pPr algn="ctr"/>
+            <a:endParaRPr lang="zh-CN" altLang="en-US" dirty="0"/>
+          </a:p>
+        </p:txBody>
+      </p:sp>
+      <p:sp>
+        <p:nvSpPr>
+          <p:cNvPr id="2" name="Slide Number Placeholder 1">
+            <a:extLst>
+              <a:ext uri="{FF2B5EF4-FFF2-40B4-BE49-F238E27FC236}">
+                <a16:creationId xmlns:a16="http://schemas.microsoft.com/office/drawing/2014/main" id="{6B14C209-5E11-9F64-6579-48902F3047ED}"/>
+              </a:ext>
+            </a:extLst>
+          </p:cNvPr>
+          <p:cNvSpPr>
+            <a:spLocks noGrp="1"/>
+          </p:cNvSpPr>
+          <p:nvPr>
+            <p:ph type="sldNum" sz="quarter" idx="12"/>
+          </p:nvPr>
+        </p:nvSpPr>
+        <p:spPr>
+          <a:xfrm>
+            <a:off x="9057739" y="6259509"/>
+            <a:ext cx="2743200" cy="365125"/>
+          </a:xfrm>
+        </p:spPr>
+        <p:txBody>
+          <a:bodyPr/>
+          <a:lstStyle/>
+          <a:p>
+            <a:fld id="{9B1EC109-1E15-4BCA-93B5-56442BB3443E}" type="slidenum">
+              <a:rPr lang="zh-CN" altLang="en-US" sz="2400" b="1" smtClean="0">
+                <a:solidFill>
+                  <a:schemeClr val="bg1">
+                    <a:lumMod val="65000"/>
+                  </a:schemeClr>
+                </a:solidFill>
+                <a:latin typeface="Bradley Hand ITC" panose="03070402050302030203" pitchFamily="66" charset="0"/>
+              </a:rPr>
+              <a:t>24</a:t>
             </a:fld>
             <a:endParaRPr lang="zh-CN" altLang="en-US" sz="2400" b="1" dirty="0">
               <a:solidFill>
@@ -15938,7 +17964,7 @@
 </p:sld>
 </file>
 
-<file path=ppt/slides/slide23.xml><?xml version="1.0" encoding="utf-8"?>
+<file path=ppt/slides/slide25.xml><?xml version="1.0" encoding="utf-8"?>
 <p:sld xmlns:a="http://schemas.openxmlformats.org/drawingml/2006/main" xmlns:r="http://schemas.openxmlformats.org/officeDocument/2006/relationships" xmlns:p="http://schemas.openxmlformats.org/presentationml/2006/main">
   <p:cSld>
     <p:spTree>
@@ -16450,7 +18476,7 @@
 </p:sld>
 </file>
 
-<file path=ppt/slides/slide24.xml><?xml version="1.0" encoding="utf-8"?>
+<file path=ppt/slides/slide26.xml><?xml version="1.0" encoding="utf-8"?>
 <p:sld xmlns:a="http://schemas.openxmlformats.org/drawingml/2006/main" xmlns:r="http://schemas.openxmlformats.org/officeDocument/2006/relationships" xmlns:p="http://schemas.openxmlformats.org/presentationml/2006/main">
   <p:cSld>
     <p:spTree>
@@ -16554,7 +18580,7 @@
                 </a:solidFill>
                 <a:latin typeface="Bradley Hand ITC" panose="03070402050302030203" pitchFamily="66" charset="0"/>
               </a:rPr>
-              <a:t>24</a:t>
+              <a:t>26</a:t>
             </a:fld>
             <a:endParaRPr lang="zh-CN" altLang="en-US" sz="2400" b="1" dirty="0">
               <a:solidFill>

--- a/Scratch for Newbies/Level1/Lesson 4 - Ghost Buster/Notes/Notes.pptx
+++ b/Scratch for Newbies/Level1/Lesson 4 - Ghost Buster/Notes/Notes.pptx
@@ -29,8 +29,8 @@
     <p:sldId id="400" r:id="rId20"/>
     <p:sldId id="407" r:id="rId21"/>
     <p:sldId id="408" r:id="rId22"/>
-    <p:sldId id="409" r:id="rId23"/>
-    <p:sldId id="410" r:id="rId24"/>
+    <p:sldId id="410" r:id="rId23"/>
+    <p:sldId id="409" r:id="rId24"/>
     <p:sldId id="383" r:id="rId25"/>
     <p:sldId id="388" r:id="rId26"/>
     <p:sldId id="319" r:id="rId27"/>
@@ -15537,7 +15537,7 @@
         <p:cNvPr id="1" name="">
           <a:extLst>
             <a:ext uri="{FF2B5EF4-FFF2-40B4-BE49-F238E27FC236}">
-              <a16:creationId xmlns:a16="http://schemas.microsoft.com/office/drawing/2014/main" id="{ABEB7918-7272-4631-1002-113C2139C3F5}"/>
+              <a16:creationId xmlns:a16="http://schemas.microsoft.com/office/drawing/2014/main" id="{50D6B986-6141-BDEA-67BF-9545B3534369}"/>
             </a:ext>
           </a:extLst>
         </p:cNvPr>
@@ -15557,7 +15557,7 @@
           <p:cNvPr id="6" name="Rectangle 5">
             <a:extLst>
               <a:ext uri="{FF2B5EF4-FFF2-40B4-BE49-F238E27FC236}">
-                <a16:creationId xmlns:a16="http://schemas.microsoft.com/office/drawing/2014/main" id="{3C1D1D32-8914-881A-5299-2D3A7170A6F5}"/>
+                <a16:creationId xmlns:a16="http://schemas.microsoft.com/office/drawing/2014/main" id="{DC9442C9-EA1B-6CC2-9BF8-505DDF8982EF}"/>
               </a:ext>
             </a:extLst>
           </p:cNvPr>
@@ -15611,7 +15611,7 @@
           <p:cNvPr id="2" name="Slide Number Placeholder 1">
             <a:extLst>
               <a:ext uri="{FF2B5EF4-FFF2-40B4-BE49-F238E27FC236}">
-                <a16:creationId xmlns:a16="http://schemas.microsoft.com/office/drawing/2014/main" id="{0CC8ED69-9482-2E9C-0BC7-0DE7BE3B2865}"/>
+                <a16:creationId xmlns:a16="http://schemas.microsoft.com/office/drawing/2014/main" id="{9A6D5C27-D412-AD2E-B0D8-1DCEE781FB5A}"/>
               </a:ext>
             </a:extLst>
           </p:cNvPr>
@@ -15659,7 +15659,7 @@
           <p:cNvPr id="4" name="Google Shape;867;p33">
             <a:extLst>
               <a:ext uri="{FF2B5EF4-FFF2-40B4-BE49-F238E27FC236}">
-                <a16:creationId xmlns:a16="http://schemas.microsoft.com/office/drawing/2014/main" id="{82188CE5-C08D-3A1F-5B2D-1A8B0506B97D}"/>
+                <a16:creationId xmlns:a16="http://schemas.microsoft.com/office/drawing/2014/main" id="{1150367A-DEB8-BA8C-BA12-0634AFD7CCC2}"/>
               </a:ext>
             </a:extLst>
           </p:cNvPr>
@@ -15956,7 +15956,7 @@
           <p:cNvPr id="3" name="Picture 2">
             <a:extLst>
               <a:ext uri="{FF2B5EF4-FFF2-40B4-BE49-F238E27FC236}">
-                <a16:creationId xmlns:a16="http://schemas.microsoft.com/office/drawing/2014/main" id="{6120CCED-68CC-A428-E1B6-C8A034799FC3}"/>
+                <a16:creationId xmlns:a16="http://schemas.microsoft.com/office/drawing/2014/main" id="{74614BEC-060E-86D7-35DD-6B87D8533621}"/>
               </a:ext>
             </a:extLst>
           </p:cNvPr>
@@ -15992,7 +15992,7 @@
           <p:cNvPr id="5" name="Right Brace 4">
             <a:extLst>
               <a:ext uri="{FF2B5EF4-FFF2-40B4-BE49-F238E27FC236}">
-                <a16:creationId xmlns:a16="http://schemas.microsoft.com/office/drawing/2014/main" id="{712DDF73-84A7-A440-AD22-1534F5456D82}"/>
+                <a16:creationId xmlns:a16="http://schemas.microsoft.com/office/drawing/2014/main" id="{7AE3A71A-BEA3-21AC-A356-3F1A810180EE}"/>
               </a:ext>
             </a:extLst>
           </p:cNvPr>
@@ -16043,7 +16043,7 @@
           <p:cNvPr id="7" name="Right Brace 6">
             <a:extLst>
               <a:ext uri="{FF2B5EF4-FFF2-40B4-BE49-F238E27FC236}">
-                <a16:creationId xmlns:a16="http://schemas.microsoft.com/office/drawing/2014/main" id="{1D767CB8-01F8-4E90-1C69-C3BF3C99E779}"/>
+                <a16:creationId xmlns:a16="http://schemas.microsoft.com/office/drawing/2014/main" id="{ACD6646D-F72D-6954-9661-1E9A580F5255}"/>
               </a:ext>
             </a:extLst>
           </p:cNvPr>
@@ -16094,7 +16094,7 @@
           <p:cNvPr id="8" name="Right Brace 7">
             <a:extLst>
               <a:ext uri="{FF2B5EF4-FFF2-40B4-BE49-F238E27FC236}">
-                <a16:creationId xmlns:a16="http://schemas.microsoft.com/office/drawing/2014/main" id="{0A694838-0E36-39E8-E4E0-32E837D1760C}"/>
+                <a16:creationId xmlns:a16="http://schemas.microsoft.com/office/drawing/2014/main" id="{B7B138C3-6A25-1C79-48C0-8EEBF357592A}"/>
               </a:ext>
             </a:extLst>
           </p:cNvPr>
@@ -16145,7 +16145,7 @@
           <p:cNvPr id="9" name="Right Brace 8">
             <a:extLst>
               <a:ext uri="{FF2B5EF4-FFF2-40B4-BE49-F238E27FC236}">
-                <a16:creationId xmlns:a16="http://schemas.microsoft.com/office/drawing/2014/main" id="{532C741E-95AD-14AE-55C4-A11E9315C107}"/>
+                <a16:creationId xmlns:a16="http://schemas.microsoft.com/office/drawing/2014/main" id="{1FD1139E-FE6A-2A6D-E617-AC55DA6EB296}"/>
               </a:ext>
             </a:extLst>
           </p:cNvPr>
@@ -16196,7 +16196,7 @@
           <p:cNvPr id="10" name="Right Brace 9">
             <a:extLst>
               <a:ext uri="{FF2B5EF4-FFF2-40B4-BE49-F238E27FC236}">
-                <a16:creationId xmlns:a16="http://schemas.microsoft.com/office/drawing/2014/main" id="{C7560080-A992-2C2D-F422-2AB858DE9105}"/>
+                <a16:creationId xmlns:a16="http://schemas.microsoft.com/office/drawing/2014/main" id="{96855C77-239C-52D5-2AB3-43921C90E7E4}"/>
               </a:ext>
             </a:extLst>
           </p:cNvPr>
@@ -16247,7 +16247,7 @@
           <p:cNvPr id="11" name="TextBox 10">
             <a:extLst>
               <a:ext uri="{FF2B5EF4-FFF2-40B4-BE49-F238E27FC236}">
-                <a16:creationId xmlns:a16="http://schemas.microsoft.com/office/drawing/2014/main" id="{846F79CE-6514-A4BD-A389-6953B3C6E6CF}"/>
+                <a16:creationId xmlns:a16="http://schemas.microsoft.com/office/drawing/2014/main" id="{009789C5-A591-B28A-4312-B2B31E4EF434}"/>
               </a:ext>
             </a:extLst>
           </p:cNvPr>
@@ -16297,7 +16297,7 @@
           <p:cNvPr id="12" name="TextBox 11">
             <a:extLst>
               <a:ext uri="{FF2B5EF4-FFF2-40B4-BE49-F238E27FC236}">
-                <a16:creationId xmlns:a16="http://schemas.microsoft.com/office/drawing/2014/main" id="{FB0DA8BC-4FA5-EECF-E34A-AA15308406F9}"/>
+                <a16:creationId xmlns:a16="http://schemas.microsoft.com/office/drawing/2014/main" id="{7B81555C-14AC-9243-DDF2-9B194AD6E029}"/>
               </a:ext>
             </a:extLst>
           </p:cNvPr>
@@ -16347,7 +16347,7 @@
           <p:cNvPr id="13" name="TextBox 12">
             <a:extLst>
               <a:ext uri="{FF2B5EF4-FFF2-40B4-BE49-F238E27FC236}">
-                <a16:creationId xmlns:a16="http://schemas.microsoft.com/office/drawing/2014/main" id="{CE3C0E03-3D24-7905-5870-B18DCA6A049E}"/>
+                <a16:creationId xmlns:a16="http://schemas.microsoft.com/office/drawing/2014/main" id="{E6DE9E84-49CF-9FE3-F4CE-38785BCA9509}"/>
               </a:ext>
             </a:extLst>
           </p:cNvPr>
@@ -16397,7 +16397,7 @@
           <p:cNvPr id="14" name="TextBox 13">
             <a:extLst>
               <a:ext uri="{FF2B5EF4-FFF2-40B4-BE49-F238E27FC236}">
-                <a16:creationId xmlns:a16="http://schemas.microsoft.com/office/drawing/2014/main" id="{A71C78B1-C81A-BE81-C6F8-B9A933473AF1}"/>
+                <a16:creationId xmlns:a16="http://schemas.microsoft.com/office/drawing/2014/main" id="{FB39FAD5-7C50-CB20-EFE1-318B5261FCD9}"/>
               </a:ext>
             </a:extLst>
           </p:cNvPr>
@@ -16447,7 +16447,7 @@
           <p:cNvPr id="15" name="TextBox 14">
             <a:extLst>
               <a:ext uri="{FF2B5EF4-FFF2-40B4-BE49-F238E27FC236}">
-                <a16:creationId xmlns:a16="http://schemas.microsoft.com/office/drawing/2014/main" id="{7753850B-AB5E-419E-97FF-70764B62E0FB}"/>
+                <a16:creationId xmlns:a16="http://schemas.microsoft.com/office/drawing/2014/main" id="{AD89EE13-8290-8E64-DCC9-AD84E0999064}"/>
               </a:ext>
             </a:extLst>
           </p:cNvPr>
@@ -16495,7 +16495,7 @@
     </p:spTree>
     <p:extLst>
       <p:ext uri="{BB962C8B-B14F-4D97-AF65-F5344CB8AC3E}">
-        <p14:creationId xmlns:p14="http://schemas.microsoft.com/office/powerpoint/2010/main" val="1299042520"/>
+        <p14:creationId xmlns:p14="http://schemas.microsoft.com/office/powerpoint/2010/main" val="3257851359"/>
       </p:ext>
     </p:extLst>
   </p:cSld>
@@ -16513,7 +16513,7 @@
         <p:cNvPr id="1" name="">
           <a:extLst>
             <a:ext uri="{FF2B5EF4-FFF2-40B4-BE49-F238E27FC236}">
-              <a16:creationId xmlns:a16="http://schemas.microsoft.com/office/drawing/2014/main" id="{50D6B986-6141-BDEA-67BF-9545B3534369}"/>
+              <a16:creationId xmlns:a16="http://schemas.microsoft.com/office/drawing/2014/main" id="{ABEB7918-7272-4631-1002-113C2139C3F5}"/>
             </a:ext>
           </a:extLst>
         </p:cNvPr>
@@ -16533,7 +16533,7 @@
           <p:cNvPr id="6" name="Rectangle 5">
             <a:extLst>
               <a:ext uri="{FF2B5EF4-FFF2-40B4-BE49-F238E27FC236}">
-                <a16:creationId xmlns:a16="http://schemas.microsoft.com/office/drawing/2014/main" id="{DC9442C9-EA1B-6CC2-9BF8-505DDF8982EF}"/>
+                <a16:creationId xmlns:a16="http://schemas.microsoft.com/office/drawing/2014/main" id="{3C1D1D32-8914-881A-5299-2D3A7170A6F5}"/>
               </a:ext>
             </a:extLst>
           </p:cNvPr>
@@ -16587,7 +16587,7 @@
           <p:cNvPr id="2" name="Slide Number Placeholder 1">
             <a:extLst>
               <a:ext uri="{FF2B5EF4-FFF2-40B4-BE49-F238E27FC236}">
-                <a16:creationId xmlns:a16="http://schemas.microsoft.com/office/drawing/2014/main" id="{9A6D5C27-D412-AD2E-B0D8-1DCEE781FB5A}"/>
+                <a16:creationId xmlns:a16="http://schemas.microsoft.com/office/drawing/2014/main" id="{0CC8ED69-9482-2E9C-0BC7-0DE7BE3B2865}"/>
               </a:ext>
             </a:extLst>
           </p:cNvPr>
@@ -16635,7 +16635,7 @@
           <p:cNvPr id="4" name="Google Shape;867;p33">
             <a:extLst>
               <a:ext uri="{FF2B5EF4-FFF2-40B4-BE49-F238E27FC236}">
-                <a16:creationId xmlns:a16="http://schemas.microsoft.com/office/drawing/2014/main" id="{1150367A-DEB8-BA8C-BA12-0634AFD7CCC2}"/>
+                <a16:creationId xmlns:a16="http://schemas.microsoft.com/office/drawing/2014/main" id="{82188CE5-C08D-3A1F-5B2D-1A8B0506B97D}"/>
               </a:ext>
             </a:extLst>
           </p:cNvPr>
@@ -16922,17 +16922,17 @@
                 <a:latin typeface="Amatic SC" panose="020F0502020204030204" pitchFamily="2" charset="-79"/>
                 <a:cs typeface="Amatic SC" panose="020F0502020204030204" pitchFamily="2" charset="-79"/>
               </a:rPr>
-              <a:t>I See Some Repetitions</a:t>
+              <a:t>Let’s REPEAT!</a:t>
             </a:r>
           </a:p>
         </p:txBody>
       </p:sp>
       <p:pic>
         <p:nvPicPr>
-          <p:cNvPr id="3" name="Picture 2">
-            <a:extLst>
-              <a:ext uri="{FF2B5EF4-FFF2-40B4-BE49-F238E27FC236}">
-                <a16:creationId xmlns:a16="http://schemas.microsoft.com/office/drawing/2014/main" id="{74614BEC-060E-86D7-35DD-6B87D8533621}"/>
+          <p:cNvPr id="16" name="Picture 15">
+            <a:extLst>
+              <a:ext uri="{FF2B5EF4-FFF2-40B4-BE49-F238E27FC236}">
+                <a16:creationId xmlns:a16="http://schemas.microsoft.com/office/drawing/2014/main" id="{6A5D56F1-BF05-82AA-CFF4-526A0C963823}"/>
               </a:ext>
             </a:extLst>
           </p:cNvPr>
@@ -16963,12 +16963,48 @@
           </a:prstGeom>
         </p:spPr>
       </p:pic>
+      <p:pic>
+        <p:nvPicPr>
+          <p:cNvPr id="18" name="Picture 17">
+            <a:extLst>
+              <a:ext uri="{FF2B5EF4-FFF2-40B4-BE49-F238E27FC236}">
+                <a16:creationId xmlns:a16="http://schemas.microsoft.com/office/drawing/2014/main" id="{C4091F80-3173-777C-549B-DA58A9AF27A9}"/>
+              </a:ext>
+            </a:extLst>
+          </p:cNvPr>
+          <p:cNvPicPr>
+            <a:picLocks noChangeAspect="1"/>
+          </p:cNvPicPr>
+          <p:nvPr/>
+        </p:nvPicPr>
+        <p:blipFill>
+          <a:blip r:embed="rId3">
+            <a:extLst>
+              <a:ext uri="{28A0092B-C50C-407E-A947-70E740481C1C}">
+                <a14:useLocalDpi xmlns:a14="http://schemas.microsoft.com/office/drawing/2010/main" val="0"/>
+              </a:ext>
+            </a:extLst>
+          </a:blip>
+          <a:stretch>
+            <a:fillRect/>
+          </a:stretch>
+        </p:blipFill>
+        <p:spPr>
+          <a:xfrm>
+            <a:off x="7955220" y="2362198"/>
+            <a:ext cx="2205038" cy="3281363"/>
+          </a:xfrm>
+          <a:prstGeom prst="rect">
+            <a:avLst/>
+          </a:prstGeom>
+        </p:spPr>
+      </p:pic>
       <p:sp>
         <p:nvSpPr>
-          <p:cNvPr id="5" name="Right Brace 4">
-            <a:extLst>
-              <a:ext uri="{FF2B5EF4-FFF2-40B4-BE49-F238E27FC236}">
-                <a16:creationId xmlns:a16="http://schemas.microsoft.com/office/drawing/2014/main" id="{7AE3A71A-BEA3-21AC-A356-3F1A810180EE}"/>
+          <p:cNvPr id="19" name="Arrow: Right 18">
+            <a:extLst>
+              <a:ext uri="{FF2B5EF4-FFF2-40B4-BE49-F238E27FC236}">
+                <a16:creationId xmlns:a16="http://schemas.microsoft.com/office/drawing/2014/main" id="{C2A642AD-9008-5251-4B81-A4FD5D77DA9C}"/>
               </a:ext>
             </a:extLst>
           </p:cNvPr>
@@ -16977,32 +17013,36 @@
         </p:nvSpPr>
         <p:spPr>
           <a:xfrm>
-            <a:off x="4004267" y="2558661"/>
-            <a:ext cx="182880" cy="604911"/>
-          </a:xfrm>
-          <a:prstGeom prst="rightBrace">
-            <a:avLst/>
-          </a:prstGeom>
-          <a:ln w="25400">
-            <a:solidFill>
-              <a:schemeClr val="bg1">
-                <a:lumMod val="75000"/>
-              </a:schemeClr>
-            </a:solidFill>
+            <a:off x="5208946" y="3716574"/>
+            <a:ext cx="1774108" cy="572610"/>
+          </a:xfrm>
+          <a:prstGeom prst="rightArrow">
+            <a:avLst/>
+          </a:prstGeom>
+          <a:solidFill>
+            <a:schemeClr val="bg1">
+              <a:lumMod val="75000"/>
+              <a:alpha val="70000"/>
+            </a:schemeClr>
+          </a:solidFill>
+          <a:ln>
+            <a:noFill/>
           </a:ln>
         </p:spPr>
         <p:style>
-          <a:lnRef idx="1">
-            <a:schemeClr val="accent1"/>
+          <a:lnRef idx="2">
+            <a:schemeClr val="accent1">
+              <a:shade val="15000"/>
+            </a:schemeClr>
           </a:lnRef>
-          <a:fillRef idx="0">
+          <a:fillRef idx="1">
             <a:schemeClr val="accent1"/>
           </a:fillRef>
           <a:effectRef idx="0">
             <a:schemeClr val="accent1"/>
           </a:effectRef>
           <a:fontRef idx="minor">
-            <a:schemeClr val="tx1"/>
+            <a:schemeClr val="lt1"/>
           </a:fontRef>
         </p:style>
         <p:txBody>
@@ -17014,464 +17054,10 @@
           </a:p>
         </p:txBody>
       </p:sp>
-      <p:sp>
-        <p:nvSpPr>
-          <p:cNvPr id="7" name="Right Brace 6">
-            <a:extLst>
-              <a:ext uri="{FF2B5EF4-FFF2-40B4-BE49-F238E27FC236}">
-                <a16:creationId xmlns:a16="http://schemas.microsoft.com/office/drawing/2014/main" id="{ACD6646D-F72D-6954-9661-1E9A580F5255}"/>
-              </a:ext>
-            </a:extLst>
-          </p:cNvPr>
-          <p:cNvSpPr/>
-          <p:nvPr/>
-        </p:nvSpPr>
-        <p:spPr>
-          <a:xfrm>
-            <a:off x="4003263" y="3332186"/>
-            <a:ext cx="182880" cy="604911"/>
-          </a:xfrm>
-          <a:prstGeom prst="rightBrace">
-            <a:avLst/>
-          </a:prstGeom>
-          <a:ln w="25400">
-            <a:solidFill>
-              <a:schemeClr val="bg1">
-                <a:lumMod val="75000"/>
-              </a:schemeClr>
-            </a:solidFill>
-          </a:ln>
-        </p:spPr>
-        <p:style>
-          <a:lnRef idx="1">
-            <a:schemeClr val="accent1"/>
-          </a:lnRef>
-          <a:fillRef idx="0">
-            <a:schemeClr val="accent1"/>
-          </a:fillRef>
-          <a:effectRef idx="0">
-            <a:schemeClr val="accent1"/>
-          </a:effectRef>
-          <a:fontRef idx="minor">
-            <a:schemeClr val="tx1"/>
-          </a:fontRef>
-        </p:style>
-        <p:txBody>
-          <a:bodyPr rtlCol="0" anchor="ctr"/>
-          <a:lstStyle/>
-          <a:p>
-            <a:pPr algn="ctr"/>
-            <a:endParaRPr lang="zh-CN" altLang="en-US"/>
-          </a:p>
-        </p:txBody>
-      </p:sp>
-      <p:sp>
-        <p:nvSpPr>
-          <p:cNvPr id="8" name="Right Brace 7">
-            <a:extLst>
-              <a:ext uri="{FF2B5EF4-FFF2-40B4-BE49-F238E27FC236}">
-                <a16:creationId xmlns:a16="http://schemas.microsoft.com/office/drawing/2014/main" id="{B7B138C3-6A25-1C79-48C0-8EEBF357592A}"/>
-              </a:ext>
-            </a:extLst>
-          </p:cNvPr>
-          <p:cNvSpPr/>
-          <p:nvPr/>
-        </p:nvSpPr>
-        <p:spPr>
-          <a:xfrm>
-            <a:off x="4003263" y="4137561"/>
-            <a:ext cx="182880" cy="604911"/>
-          </a:xfrm>
-          <a:prstGeom prst="rightBrace">
-            <a:avLst/>
-          </a:prstGeom>
-          <a:ln w="25400">
-            <a:solidFill>
-              <a:schemeClr val="bg1">
-                <a:lumMod val="75000"/>
-              </a:schemeClr>
-            </a:solidFill>
-          </a:ln>
-        </p:spPr>
-        <p:style>
-          <a:lnRef idx="1">
-            <a:schemeClr val="accent1"/>
-          </a:lnRef>
-          <a:fillRef idx="0">
-            <a:schemeClr val="accent1"/>
-          </a:fillRef>
-          <a:effectRef idx="0">
-            <a:schemeClr val="accent1"/>
-          </a:effectRef>
-          <a:fontRef idx="minor">
-            <a:schemeClr val="tx1"/>
-          </a:fontRef>
-        </p:style>
-        <p:txBody>
-          <a:bodyPr rtlCol="0" anchor="ctr"/>
-          <a:lstStyle/>
-          <a:p>
-            <a:pPr algn="ctr"/>
-            <a:endParaRPr lang="zh-CN" altLang="en-US"/>
-          </a:p>
-        </p:txBody>
-      </p:sp>
-      <p:sp>
-        <p:nvSpPr>
-          <p:cNvPr id="9" name="Right Brace 8">
-            <a:extLst>
-              <a:ext uri="{FF2B5EF4-FFF2-40B4-BE49-F238E27FC236}">
-                <a16:creationId xmlns:a16="http://schemas.microsoft.com/office/drawing/2014/main" id="{1FD1139E-FE6A-2A6D-E617-AC55DA6EB296}"/>
-              </a:ext>
-            </a:extLst>
-          </p:cNvPr>
-          <p:cNvSpPr/>
-          <p:nvPr/>
-        </p:nvSpPr>
-        <p:spPr>
-          <a:xfrm>
-            <a:off x="3996230" y="4942936"/>
-            <a:ext cx="182880" cy="604911"/>
-          </a:xfrm>
-          <a:prstGeom prst="rightBrace">
-            <a:avLst/>
-          </a:prstGeom>
-          <a:ln w="25400">
-            <a:solidFill>
-              <a:schemeClr val="bg1">
-                <a:lumMod val="75000"/>
-              </a:schemeClr>
-            </a:solidFill>
-          </a:ln>
-        </p:spPr>
-        <p:style>
-          <a:lnRef idx="1">
-            <a:schemeClr val="accent1"/>
-          </a:lnRef>
-          <a:fillRef idx="0">
-            <a:schemeClr val="accent1"/>
-          </a:fillRef>
-          <a:effectRef idx="0">
-            <a:schemeClr val="accent1"/>
-          </a:effectRef>
-          <a:fontRef idx="minor">
-            <a:schemeClr val="tx1"/>
-          </a:fontRef>
-        </p:style>
-        <p:txBody>
-          <a:bodyPr rtlCol="0" anchor="ctr"/>
-          <a:lstStyle/>
-          <a:p>
-            <a:pPr algn="ctr"/>
-            <a:endParaRPr lang="zh-CN" altLang="en-US"/>
-          </a:p>
-        </p:txBody>
-      </p:sp>
-      <p:sp>
-        <p:nvSpPr>
-          <p:cNvPr id="10" name="Right Brace 9">
-            <a:extLst>
-              <a:ext uri="{FF2B5EF4-FFF2-40B4-BE49-F238E27FC236}">
-                <a16:creationId xmlns:a16="http://schemas.microsoft.com/office/drawing/2014/main" id="{96855C77-239C-52D5-2AB3-43921C90E7E4}"/>
-              </a:ext>
-            </a:extLst>
-          </p:cNvPr>
-          <p:cNvSpPr/>
-          <p:nvPr/>
-        </p:nvSpPr>
-        <p:spPr>
-          <a:xfrm>
-            <a:off x="4003263" y="5748311"/>
-            <a:ext cx="182880" cy="604911"/>
-          </a:xfrm>
-          <a:prstGeom prst="rightBrace">
-            <a:avLst/>
-          </a:prstGeom>
-          <a:ln w="25400">
-            <a:solidFill>
-              <a:schemeClr val="bg1">
-                <a:lumMod val="75000"/>
-              </a:schemeClr>
-            </a:solidFill>
-          </a:ln>
-        </p:spPr>
-        <p:style>
-          <a:lnRef idx="1">
-            <a:schemeClr val="accent1"/>
-          </a:lnRef>
-          <a:fillRef idx="0">
-            <a:schemeClr val="accent1"/>
-          </a:fillRef>
-          <a:effectRef idx="0">
-            <a:schemeClr val="accent1"/>
-          </a:effectRef>
-          <a:fontRef idx="minor">
-            <a:schemeClr val="tx1"/>
-          </a:fontRef>
-        </p:style>
-        <p:txBody>
-          <a:bodyPr rtlCol="0" anchor="ctr"/>
-          <a:lstStyle/>
-          <a:p>
-            <a:pPr algn="ctr"/>
-            <a:endParaRPr lang="zh-CN" altLang="en-US"/>
-          </a:p>
-        </p:txBody>
-      </p:sp>
-      <p:sp>
-        <p:nvSpPr>
-          <p:cNvPr id="11" name="TextBox 10">
-            <a:extLst>
-              <a:ext uri="{FF2B5EF4-FFF2-40B4-BE49-F238E27FC236}">
-                <a16:creationId xmlns:a16="http://schemas.microsoft.com/office/drawing/2014/main" id="{009789C5-A591-B28A-4312-B2B31E4EF434}"/>
-              </a:ext>
-            </a:extLst>
-          </p:cNvPr>
-          <p:cNvSpPr txBox="1"/>
-          <p:nvPr/>
-        </p:nvSpPr>
-        <p:spPr>
-          <a:xfrm>
-            <a:off x="4206265" y="2676450"/>
-            <a:ext cx="5495849" cy="369332"/>
-          </a:xfrm>
-          <a:prstGeom prst="rect">
-            <a:avLst/>
-          </a:prstGeom>
-          <a:noFill/>
-        </p:spPr>
-        <p:txBody>
-          <a:bodyPr wrap="square" rtlCol="0">
-            <a:spAutoFit/>
-          </a:bodyPr>
-          <a:lstStyle/>
-          <a:p>
-            <a:r>
-              <a:rPr lang="en-US" altLang="zh-CN" dirty="0">
-                <a:solidFill>
-                  <a:schemeClr val="bg1">
-                    <a:lumMod val="75000"/>
-                  </a:schemeClr>
-                </a:solidFill>
-                <a:latin typeface="High Tower Text" panose="02040502050506030303" pitchFamily="18" charset="0"/>
-              </a:rPr>
-              <a:t>Go to random position, show up, and wait for 1 second</a:t>
-            </a:r>
-            <a:endParaRPr lang="zh-CN" altLang="en-US" dirty="0">
-              <a:solidFill>
-                <a:schemeClr val="bg1">
-                  <a:lumMod val="75000"/>
-                </a:schemeClr>
-              </a:solidFill>
-              <a:latin typeface="High Tower Text" panose="02040502050506030303" pitchFamily="18" charset="0"/>
-            </a:endParaRPr>
-          </a:p>
-        </p:txBody>
-      </p:sp>
-      <p:sp>
-        <p:nvSpPr>
-          <p:cNvPr id="12" name="TextBox 11">
-            <a:extLst>
-              <a:ext uri="{FF2B5EF4-FFF2-40B4-BE49-F238E27FC236}">
-                <a16:creationId xmlns:a16="http://schemas.microsoft.com/office/drawing/2014/main" id="{7B81555C-14AC-9243-DDF2-9B194AD6E029}"/>
-              </a:ext>
-            </a:extLst>
-          </p:cNvPr>
-          <p:cNvSpPr txBox="1"/>
-          <p:nvPr/>
-        </p:nvSpPr>
-        <p:spPr>
-          <a:xfrm>
-            <a:off x="4206264" y="3449975"/>
-            <a:ext cx="5495849" cy="369332"/>
-          </a:xfrm>
-          <a:prstGeom prst="rect">
-            <a:avLst/>
-          </a:prstGeom>
-          <a:noFill/>
-        </p:spPr>
-        <p:txBody>
-          <a:bodyPr wrap="square" rtlCol="0">
-            <a:spAutoFit/>
-          </a:bodyPr>
-          <a:lstStyle/>
-          <a:p>
-            <a:r>
-              <a:rPr lang="en-US" altLang="zh-CN" dirty="0">
-                <a:solidFill>
-                  <a:schemeClr val="bg1">
-                    <a:lumMod val="75000"/>
-                  </a:schemeClr>
-                </a:solidFill>
-                <a:latin typeface="High Tower Text" panose="02040502050506030303" pitchFamily="18" charset="0"/>
-              </a:rPr>
-              <a:t>Go to random position, show up, and wait for 1 second</a:t>
-            </a:r>
-            <a:endParaRPr lang="zh-CN" altLang="en-US" dirty="0">
-              <a:solidFill>
-                <a:schemeClr val="bg1">
-                  <a:lumMod val="75000"/>
-                </a:schemeClr>
-              </a:solidFill>
-              <a:latin typeface="High Tower Text" panose="02040502050506030303" pitchFamily="18" charset="0"/>
-            </a:endParaRPr>
-          </a:p>
-        </p:txBody>
-      </p:sp>
-      <p:sp>
-        <p:nvSpPr>
-          <p:cNvPr id="13" name="TextBox 12">
-            <a:extLst>
-              <a:ext uri="{FF2B5EF4-FFF2-40B4-BE49-F238E27FC236}">
-                <a16:creationId xmlns:a16="http://schemas.microsoft.com/office/drawing/2014/main" id="{E6DE9E84-49CF-9FE3-F4CE-38785BCA9509}"/>
-              </a:ext>
-            </a:extLst>
-          </p:cNvPr>
-          <p:cNvSpPr txBox="1"/>
-          <p:nvPr/>
-        </p:nvSpPr>
-        <p:spPr>
-          <a:xfrm>
-            <a:off x="4206264" y="4255350"/>
-            <a:ext cx="5495849" cy="369332"/>
-          </a:xfrm>
-          <a:prstGeom prst="rect">
-            <a:avLst/>
-          </a:prstGeom>
-          <a:noFill/>
-        </p:spPr>
-        <p:txBody>
-          <a:bodyPr wrap="square" rtlCol="0">
-            <a:spAutoFit/>
-          </a:bodyPr>
-          <a:lstStyle/>
-          <a:p>
-            <a:r>
-              <a:rPr lang="en-US" altLang="zh-CN" dirty="0">
-                <a:solidFill>
-                  <a:schemeClr val="bg1">
-                    <a:lumMod val="75000"/>
-                  </a:schemeClr>
-                </a:solidFill>
-                <a:latin typeface="High Tower Text" panose="02040502050506030303" pitchFamily="18" charset="0"/>
-              </a:rPr>
-              <a:t>Go to random position, show up, and wait for 1 second</a:t>
-            </a:r>
-            <a:endParaRPr lang="zh-CN" altLang="en-US" dirty="0">
-              <a:solidFill>
-                <a:schemeClr val="bg1">
-                  <a:lumMod val="75000"/>
-                </a:schemeClr>
-              </a:solidFill>
-              <a:latin typeface="High Tower Text" panose="02040502050506030303" pitchFamily="18" charset="0"/>
-            </a:endParaRPr>
-          </a:p>
-        </p:txBody>
-      </p:sp>
-      <p:sp>
-        <p:nvSpPr>
-          <p:cNvPr id="14" name="TextBox 13">
-            <a:extLst>
-              <a:ext uri="{FF2B5EF4-FFF2-40B4-BE49-F238E27FC236}">
-                <a16:creationId xmlns:a16="http://schemas.microsoft.com/office/drawing/2014/main" id="{FB39FAD5-7C50-CB20-EFE1-318B5261FCD9}"/>
-              </a:ext>
-            </a:extLst>
-          </p:cNvPr>
-          <p:cNvSpPr txBox="1"/>
-          <p:nvPr/>
-        </p:nvSpPr>
-        <p:spPr>
-          <a:xfrm>
-            <a:off x="4206264" y="5060725"/>
-            <a:ext cx="5495849" cy="369332"/>
-          </a:xfrm>
-          <a:prstGeom prst="rect">
-            <a:avLst/>
-          </a:prstGeom>
-          <a:noFill/>
-        </p:spPr>
-        <p:txBody>
-          <a:bodyPr wrap="square" rtlCol="0">
-            <a:spAutoFit/>
-          </a:bodyPr>
-          <a:lstStyle/>
-          <a:p>
-            <a:r>
-              <a:rPr lang="en-US" altLang="zh-CN" dirty="0">
-                <a:solidFill>
-                  <a:schemeClr val="bg1">
-                    <a:lumMod val="75000"/>
-                  </a:schemeClr>
-                </a:solidFill>
-                <a:latin typeface="High Tower Text" panose="02040502050506030303" pitchFamily="18" charset="0"/>
-              </a:rPr>
-              <a:t>Go to random position, show up, and wait for 1 second</a:t>
-            </a:r>
-            <a:endParaRPr lang="zh-CN" altLang="en-US" dirty="0">
-              <a:solidFill>
-                <a:schemeClr val="bg1">
-                  <a:lumMod val="75000"/>
-                </a:schemeClr>
-              </a:solidFill>
-              <a:latin typeface="High Tower Text" panose="02040502050506030303" pitchFamily="18" charset="0"/>
-            </a:endParaRPr>
-          </a:p>
-        </p:txBody>
-      </p:sp>
-      <p:sp>
-        <p:nvSpPr>
-          <p:cNvPr id="15" name="TextBox 14">
-            <a:extLst>
-              <a:ext uri="{FF2B5EF4-FFF2-40B4-BE49-F238E27FC236}">
-                <a16:creationId xmlns:a16="http://schemas.microsoft.com/office/drawing/2014/main" id="{AD89EE13-8290-8E64-DCC9-AD84E0999064}"/>
-              </a:ext>
-            </a:extLst>
-          </p:cNvPr>
-          <p:cNvSpPr txBox="1"/>
-          <p:nvPr/>
-        </p:nvSpPr>
-        <p:spPr>
-          <a:xfrm>
-            <a:off x="4206264" y="5865684"/>
-            <a:ext cx="5495849" cy="369332"/>
-          </a:xfrm>
-          <a:prstGeom prst="rect">
-            <a:avLst/>
-          </a:prstGeom>
-          <a:noFill/>
-        </p:spPr>
-        <p:txBody>
-          <a:bodyPr wrap="square" rtlCol="0">
-            <a:spAutoFit/>
-          </a:bodyPr>
-          <a:lstStyle/>
-          <a:p>
-            <a:r>
-              <a:rPr lang="en-US" altLang="zh-CN" dirty="0">
-                <a:solidFill>
-                  <a:schemeClr val="bg1">
-                    <a:lumMod val="75000"/>
-                  </a:schemeClr>
-                </a:solidFill>
-                <a:latin typeface="High Tower Text" panose="02040502050506030303" pitchFamily="18" charset="0"/>
-              </a:rPr>
-              <a:t>Go to random position, show up, and wait for 1 second</a:t>
-            </a:r>
-            <a:endParaRPr lang="zh-CN" altLang="en-US" dirty="0">
-              <a:solidFill>
-                <a:schemeClr val="bg1">
-                  <a:lumMod val="75000"/>
-                </a:schemeClr>
-              </a:solidFill>
-              <a:latin typeface="High Tower Text" panose="02040502050506030303" pitchFamily="18" charset="0"/>
-            </a:endParaRPr>
-          </a:p>
-        </p:txBody>
-      </p:sp>
     </p:spTree>
     <p:extLst>
       <p:ext uri="{BB962C8B-B14F-4D97-AF65-F5344CB8AC3E}">
-        <p14:creationId xmlns:p14="http://schemas.microsoft.com/office/powerpoint/2010/main" val="3257851359"/>
+        <p14:creationId xmlns:p14="http://schemas.microsoft.com/office/powerpoint/2010/main" val="1299042520"/>
       </p:ext>
     </p:extLst>
   </p:cSld>

--- a/Scratch for Newbies/Level1/Lesson 4 - Ghost Buster/Notes/Notes.pptx
+++ b/Scratch for Newbies/Level1/Lesson 4 - Ghost Buster/Notes/Notes.pptx
@@ -5,7 +5,7 @@
     <p:sldMasterId id="2147483648" r:id="rId1"/>
   </p:sldMasterIdLst>
   <p:notesMasterIdLst>
-    <p:notesMasterId r:id="rId28"/>
+    <p:notesMasterId r:id="rId37"/>
   </p:notesMasterIdLst>
   <p:sldIdLst>
     <p:sldId id="259" r:id="rId2"/>
@@ -31,9 +31,18 @@
     <p:sldId id="408" r:id="rId22"/>
     <p:sldId id="410" r:id="rId23"/>
     <p:sldId id="409" r:id="rId24"/>
-    <p:sldId id="383" r:id="rId25"/>
-    <p:sldId id="388" r:id="rId26"/>
-    <p:sldId id="319" r:id="rId27"/>
+    <p:sldId id="414" r:id="rId25"/>
+    <p:sldId id="415" r:id="rId26"/>
+    <p:sldId id="412" r:id="rId27"/>
+    <p:sldId id="418" r:id="rId28"/>
+    <p:sldId id="413" r:id="rId29"/>
+    <p:sldId id="419" r:id="rId30"/>
+    <p:sldId id="416" r:id="rId31"/>
+    <p:sldId id="417" r:id="rId32"/>
+    <p:sldId id="420" r:id="rId33"/>
+    <p:sldId id="383" r:id="rId34"/>
+    <p:sldId id="388" r:id="rId35"/>
+    <p:sldId id="319" r:id="rId36"/>
   </p:sldIdLst>
   <p:sldSz cx="12192000" cy="6858000"/>
   <p:notesSz cx="6858000" cy="9144000"/>
@@ -233,7 +242,7 @@
           <a:p>
             <a:fld id="{1147297C-06E1-4B62-AA21-F05F5B88E178}" type="datetimeFigureOut">
               <a:rPr lang="zh-CN" altLang="en-US" smtClean="0"/>
-              <a:t>2024/12/2</a:t>
+              <a:t>2024/12/3</a:t>
             </a:fld>
             <a:endParaRPr lang="zh-CN" altLang="en-US"/>
           </a:p>
@@ -650,7 +659,7 @@
           <a:p>
             <a:fld id="{4023CD3E-1ACA-4ABC-A7C3-AE6EDCC1D047}" type="datetime1">
               <a:rPr lang="zh-CN" altLang="en-US" smtClean="0"/>
-              <a:t>2024/12/2</a:t>
+              <a:t>2024/12/3</a:t>
             </a:fld>
             <a:endParaRPr lang="zh-CN" altLang="en-US"/>
           </a:p>
@@ -850,7 +859,7 @@
           <a:p>
             <a:fld id="{46FEC84B-BDA6-4394-A5DC-761CC97902A2}" type="datetime1">
               <a:rPr lang="zh-CN" altLang="en-US" smtClean="0"/>
-              <a:t>2024/12/2</a:t>
+              <a:t>2024/12/3</a:t>
             </a:fld>
             <a:endParaRPr lang="zh-CN" altLang="en-US"/>
           </a:p>
@@ -1060,7 +1069,7 @@
           <a:p>
             <a:fld id="{EECEE064-21DA-485D-93FF-A8D005D0BACF}" type="datetime1">
               <a:rPr lang="zh-CN" altLang="en-US" smtClean="0"/>
-              <a:t>2024/12/2</a:t>
+              <a:t>2024/12/3</a:t>
             </a:fld>
             <a:endParaRPr lang="zh-CN" altLang="en-US"/>
           </a:p>
@@ -1260,7 +1269,7 @@
           <a:p>
             <a:fld id="{E99E488B-2EE6-4D29-A22A-AB91A65553BA}" type="datetime1">
               <a:rPr lang="zh-CN" altLang="en-US" smtClean="0"/>
-              <a:t>2024/12/2</a:t>
+              <a:t>2024/12/3</a:t>
             </a:fld>
             <a:endParaRPr lang="zh-CN" altLang="en-US"/>
           </a:p>
@@ -1536,7 +1545,7 @@
           <a:p>
             <a:fld id="{3421F69C-EC83-4748-9F42-207B0B7F7AEF}" type="datetime1">
               <a:rPr lang="zh-CN" altLang="en-US" smtClean="0"/>
-              <a:t>2024/12/2</a:t>
+              <a:t>2024/12/3</a:t>
             </a:fld>
             <a:endParaRPr lang="zh-CN" altLang="en-US"/>
           </a:p>
@@ -1804,7 +1813,7 @@
           <a:p>
             <a:fld id="{B299948A-4763-4EE0-97C0-D473B84BFE2B}" type="datetime1">
               <a:rPr lang="zh-CN" altLang="en-US" smtClean="0"/>
-              <a:t>2024/12/2</a:t>
+              <a:t>2024/12/3</a:t>
             </a:fld>
             <a:endParaRPr lang="zh-CN" altLang="en-US"/>
           </a:p>
@@ -2219,7 +2228,7 @@
           <a:p>
             <a:fld id="{9A2FD7C2-6438-4C8D-9885-EF594F129AF2}" type="datetime1">
               <a:rPr lang="zh-CN" altLang="en-US" smtClean="0"/>
-              <a:t>2024/12/2</a:t>
+              <a:t>2024/12/3</a:t>
             </a:fld>
             <a:endParaRPr lang="zh-CN" altLang="en-US"/>
           </a:p>
@@ -2361,7 +2370,7 @@
           <a:p>
             <a:fld id="{CED928C2-0FFC-4AD4-B896-4895AE4FE342}" type="datetime1">
               <a:rPr lang="zh-CN" altLang="en-US" smtClean="0"/>
-              <a:t>2024/12/2</a:t>
+              <a:t>2024/12/3</a:t>
             </a:fld>
             <a:endParaRPr lang="zh-CN" altLang="en-US"/>
           </a:p>
@@ -2474,7 +2483,7 @@
           <a:p>
             <a:fld id="{FA4C0A94-C2B5-4F29-B85C-45CA87678128}" type="datetime1">
               <a:rPr lang="zh-CN" altLang="en-US" smtClean="0"/>
-              <a:t>2024/12/2</a:t>
+              <a:t>2024/12/3</a:t>
             </a:fld>
             <a:endParaRPr lang="zh-CN" altLang="en-US"/>
           </a:p>
@@ -2787,7 +2796,7 @@
           <a:p>
             <a:fld id="{F4E08264-F49F-49C9-A7F4-9095CA867FFE}" type="datetime1">
               <a:rPr lang="zh-CN" altLang="en-US" smtClean="0"/>
-              <a:t>2024/12/2</a:t>
+              <a:t>2024/12/3</a:t>
             </a:fld>
             <a:endParaRPr lang="zh-CN" altLang="en-US"/>
           </a:p>
@@ -3076,7 +3085,7 @@
           <a:p>
             <a:fld id="{DB82EF23-268D-49B9-906A-158FBE8CE46C}" type="datetime1">
               <a:rPr lang="zh-CN" altLang="en-US" smtClean="0"/>
-              <a:t>2024/12/2</a:t>
+              <a:t>2024/12/3</a:t>
             </a:fld>
             <a:endParaRPr lang="zh-CN" altLang="en-US"/>
           </a:p>
@@ -3319,7 +3328,7 @@
           <a:p>
             <a:fld id="{F39741DB-35F8-42F3-A018-9E7E52FFF065}" type="datetime1">
               <a:rPr lang="zh-CN" altLang="en-US" smtClean="0"/>
-              <a:t>2024/12/2</a:t>
+              <a:t>2024/12/3</a:t>
             </a:fld>
             <a:endParaRPr lang="zh-CN" altLang="en-US"/>
           </a:p>
@@ -17075,7 +17084,7 @@
         <p:cNvPr id="1" name="">
           <a:extLst>
             <a:ext uri="{FF2B5EF4-FFF2-40B4-BE49-F238E27FC236}">
-              <a16:creationId xmlns:a16="http://schemas.microsoft.com/office/drawing/2014/main" id="{B0638B88-A28D-0D98-6790-AFD73D028E78}"/>
+              <a16:creationId xmlns:a16="http://schemas.microsoft.com/office/drawing/2014/main" id="{5FB25256-B484-474C-83F1-6AF83B49045B}"/>
             </a:ext>
           </a:extLst>
         </p:cNvPr>
@@ -17095,7 +17104,7 @@
           <p:cNvPr id="6" name="Rectangle 5">
             <a:extLst>
               <a:ext uri="{FF2B5EF4-FFF2-40B4-BE49-F238E27FC236}">
-                <a16:creationId xmlns:a16="http://schemas.microsoft.com/office/drawing/2014/main" id="{52E115B1-EE40-3BB7-072F-C694ABBC3CDA}"/>
+                <a16:creationId xmlns:a16="http://schemas.microsoft.com/office/drawing/2014/main" id="{040C2AF8-D1E1-5C7A-78B7-4AD423E2FB77}"/>
               </a:ext>
             </a:extLst>
           </p:cNvPr>
@@ -17111,7 +17120,9 @@
             <a:avLst/>
           </a:prstGeom>
           <a:solidFill>
-            <a:srgbClr val="23242A"/>
+            <a:srgbClr val="23242A">
+              <a:alpha val="97000"/>
+            </a:srgbClr>
           </a:solidFill>
           <a:ln>
             <a:noFill/>
@@ -17147,7 +17158,7 @@
           <p:cNvPr id="2" name="Slide Number Placeholder 1">
             <a:extLst>
               <a:ext uri="{FF2B5EF4-FFF2-40B4-BE49-F238E27FC236}">
-                <a16:creationId xmlns:a16="http://schemas.microsoft.com/office/drawing/2014/main" id="{6B14C209-5E11-9F64-6579-48902F3047ED}"/>
+                <a16:creationId xmlns:a16="http://schemas.microsoft.com/office/drawing/2014/main" id="{BD29BF7F-9666-E127-7956-66B8E3DC8CC5}"/>
               </a:ext>
             </a:extLst>
           </p:cNvPr>
@@ -17195,7 +17206,7 @@
           <p:cNvPr id="4" name="Google Shape;867;p33">
             <a:extLst>
               <a:ext uri="{FF2B5EF4-FFF2-40B4-BE49-F238E27FC236}">
-                <a16:creationId xmlns:a16="http://schemas.microsoft.com/office/drawing/2014/main" id="{8C54911E-C7A1-4CEC-EBF1-0B16D4B61B9B}"/>
+                <a16:creationId xmlns:a16="http://schemas.microsoft.com/office/drawing/2014/main" id="{C8C2C0D0-BE3B-F467-43EE-A39D154762A8}"/>
               </a:ext>
             </a:extLst>
           </p:cNvPr>
@@ -17482,103 +17493,53 @@
                 <a:latin typeface="Amatic SC" panose="020F0502020204030204" pitchFamily="2" charset="-79"/>
                 <a:cs typeface="Amatic SC" panose="020F0502020204030204" pitchFamily="2" charset="-79"/>
               </a:rPr>
-              <a:t>What we learnt…</a:t>
+              <a:t>Let’s REPEAT!</a:t>
             </a:r>
           </a:p>
         </p:txBody>
       </p:sp>
+      <p:pic>
+        <p:nvPicPr>
+          <p:cNvPr id="18" name="Picture 17">
+            <a:extLst>
+              <a:ext uri="{FF2B5EF4-FFF2-40B4-BE49-F238E27FC236}">
+                <a16:creationId xmlns:a16="http://schemas.microsoft.com/office/drawing/2014/main" id="{A0A65BA4-7FA7-461E-9259-DCC03C11ACD0}"/>
+              </a:ext>
+            </a:extLst>
+          </p:cNvPr>
+          <p:cNvPicPr>
+            <a:picLocks noChangeAspect="1"/>
+          </p:cNvPicPr>
+          <p:nvPr/>
+        </p:nvPicPr>
+        <p:blipFill>
+          <a:blip r:embed="rId2">
+            <a:extLst>
+              <a:ext uri="{28A0092B-C50C-407E-A947-70E740481C1C}">
+                <a14:useLocalDpi xmlns:a14="http://schemas.microsoft.com/office/drawing/2010/main" val="0"/>
+              </a:ext>
+            </a:extLst>
+          </a:blip>
+          <a:stretch>
+            <a:fillRect/>
+          </a:stretch>
+        </p:blipFill>
+        <p:spPr>
+          <a:xfrm>
+            <a:off x="2135419" y="2285991"/>
+            <a:ext cx="2461320" cy="3662742"/>
+          </a:xfrm>
+          <a:prstGeom prst="rect">
+            <a:avLst/>
+          </a:prstGeom>
+        </p:spPr>
+      </p:pic>
       <p:sp>
         <p:nvSpPr>
-          <p:cNvPr id="7" name="TextBox 6">
-            <a:extLst>
-              <a:ext uri="{FF2B5EF4-FFF2-40B4-BE49-F238E27FC236}">
-                <a16:creationId xmlns:a16="http://schemas.microsoft.com/office/drawing/2014/main" id="{746CF1E8-DC14-458F-9658-3E32EF64E0E4}"/>
-              </a:ext>
-            </a:extLst>
-          </p:cNvPr>
-          <p:cNvSpPr txBox="1"/>
-          <p:nvPr/>
-        </p:nvSpPr>
-        <p:spPr>
-          <a:xfrm>
-            <a:off x="1265150" y="2757261"/>
-            <a:ext cx="4048530" cy="2123658"/>
-          </a:xfrm>
-          <a:prstGeom prst="rect">
-            <a:avLst/>
-          </a:prstGeom>
-          <a:noFill/>
-        </p:spPr>
-        <p:txBody>
-          <a:bodyPr wrap="square" rtlCol="0">
-            <a:spAutoFit/>
-          </a:bodyPr>
-          <a:lstStyle/>
-          <a:p>
-            <a:r>
-              <a:rPr lang="en-US" altLang="zh-CN" sz="4400" dirty="0">
-                <a:solidFill>
-                  <a:schemeClr val="bg1">
-                    <a:lumMod val="75000"/>
-                  </a:schemeClr>
-                </a:solidFill>
-                <a:latin typeface="High Tower Text" panose="02040502050506030303" pitchFamily="18" charset="0"/>
-              </a:rPr>
-              <a:t>How to show and hide a sprite…</a:t>
-            </a:r>
-            <a:endParaRPr lang="zh-CN" altLang="en-US" sz="4400" dirty="0">
-              <a:solidFill>
-                <a:schemeClr val="bg1">
-                  <a:lumMod val="75000"/>
-                </a:schemeClr>
-              </a:solidFill>
-              <a:latin typeface="High Tower Text" panose="02040502050506030303" pitchFamily="18" charset="0"/>
-            </a:endParaRPr>
-          </a:p>
-        </p:txBody>
-      </p:sp>
-    </p:spTree>
-    <p:extLst>
-      <p:ext uri="{BB962C8B-B14F-4D97-AF65-F5344CB8AC3E}">
-        <p14:creationId xmlns:p14="http://schemas.microsoft.com/office/powerpoint/2010/main" val="2768751716"/>
-      </p:ext>
-    </p:extLst>
-  </p:cSld>
-  <p:clrMapOvr>
-    <a:masterClrMapping/>
-  </p:clrMapOvr>
-</p:sld>
-</file>
-
-<file path=ppt/slides/slide25.xml><?xml version="1.0" encoding="utf-8"?>
-<p:sld xmlns:a="http://schemas.openxmlformats.org/drawingml/2006/main" xmlns:r="http://schemas.openxmlformats.org/officeDocument/2006/relationships" xmlns:p="http://schemas.openxmlformats.org/presentationml/2006/main">
-  <p:cSld>
-    <p:spTree>
-      <p:nvGrpSpPr>
-        <p:cNvPr id="1" name="">
-          <a:extLst>
-            <a:ext uri="{FF2B5EF4-FFF2-40B4-BE49-F238E27FC236}">
-              <a16:creationId xmlns:a16="http://schemas.microsoft.com/office/drawing/2014/main" id="{A6149CC5-F374-FBE1-7BE4-DA13E1964CB1}"/>
-            </a:ext>
-          </a:extLst>
-        </p:cNvPr>
-        <p:cNvGrpSpPr/>
-        <p:nvPr/>
-      </p:nvGrpSpPr>
-      <p:grpSpPr>
-        <a:xfrm>
-          <a:off x="0" y="0"/>
-          <a:ext cx="0" cy="0"/>
-          <a:chOff x="0" y="0"/>
-          <a:chExt cx="0" cy="0"/>
-        </a:xfrm>
-      </p:grpSpPr>
-      <p:sp>
-        <p:nvSpPr>
-          <p:cNvPr id="6" name="Rectangle 5">
-            <a:extLst>
-              <a:ext uri="{FF2B5EF4-FFF2-40B4-BE49-F238E27FC236}">
-                <a16:creationId xmlns:a16="http://schemas.microsoft.com/office/drawing/2014/main" id="{72809223-44D4-EEED-3353-FF2C64A98D97}"/>
+          <p:cNvPr id="3" name="Oval 2">
+            <a:extLst>
+              <a:ext uri="{FF2B5EF4-FFF2-40B4-BE49-F238E27FC236}">
+                <a16:creationId xmlns:a16="http://schemas.microsoft.com/office/drawing/2014/main" id="{5B141220-0F8F-34DE-9DF7-2126761FA37B}"/>
               </a:ext>
             </a:extLst>
           </p:cNvPr>
@@ -17587,17 +17548,17 @@
         </p:nvSpPr>
         <p:spPr>
           <a:xfrm>
-            <a:off x="0" y="0"/>
-            <a:ext cx="12192000" cy="6858000"/>
-          </a:xfrm>
-          <a:prstGeom prst="rect">
-            <a:avLst/>
-          </a:prstGeom>
-          <a:solidFill>
-            <a:srgbClr val="23242A"/>
-          </a:solidFill>
-          <a:ln>
-            <a:noFill/>
+            <a:off x="2691739" y="3484719"/>
+            <a:ext cx="609600" cy="502920"/>
+          </a:xfrm>
+          <a:prstGeom prst="ellipse">
+            <a:avLst/>
+          </a:prstGeom>
+          <a:noFill/>
+          <a:ln w="50800">
+            <a:solidFill>
+              <a:srgbClr val="C00000"/>
+            </a:solidFill>
           </a:ln>
         </p:spPr>
         <p:style>
@@ -17621,313 +17582,16 @@
           <a:lstStyle/>
           <a:p>
             <a:pPr algn="ctr"/>
-            <a:endParaRPr lang="zh-CN" altLang="en-US" dirty="0"/>
+            <a:endParaRPr lang="zh-CN" altLang="en-US"/>
           </a:p>
         </p:txBody>
       </p:sp>
       <p:sp>
         <p:nvSpPr>
-          <p:cNvPr id="4" name="Google Shape;867;p33">
-            <a:extLst>
-              <a:ext uri="{FF2B5EF4-FFF2-40B4-BE49-F238E27FC236}">
-                <a16:creationId xmlns:a16="http://schemas.microsoft.com/office/drawing/2014/main" id="{FC84EE84-FE44-7241-2A98-8BE474A74E2A}"/>
-              </a:ext>
-            </a:extLst>
-          </p:cNvPr>
-          <p:cNvSpPr txBox="1">
-            <a:spLocks/>
-          </p:cNvSpPr>
-          <p:nvPr/>
-        </p:nvSpPr>
-        <p:spPr>
-          <a:xfrm>
-            <a:off x="1557070" y="382508"/>
-            <a:ext cx="9077860" cy="1602400"/>
-          </a:xfrm>
-          <a:prstGeom prst="rect">
-            <a:avLst/>
-          </a:prstGeom>
-          <a:noFill/>
-          <a:ln>
-            <a:noFill/>
-          </a:ln>
-        </p:spPr>
-        <p:txBody>
-          <a:bodyPr spcFirstLastPara="1" wrap="square" lIns="91425" tIns="91425" rIns="91425" bIns="91425" anchor="b" anchorCtr="0">
-            <a:noAutofit/>
-          </a:bodyPr>
-          <a:lstStyle>
-            <a:defPPr marR="0" lvl="0" algn="l" rtl="0">
-              <a:lnSpc>
-                <a:spcPct val="100000"/>
-              </a:lnSpc>
-              <a:spcBef>
-                <a:spcPts val="0"/>
-              </a:spcBef>
-              <a:spcAft>
-                <a:spcPts val="0"/>
-              </a:spcAft>
-            </a:defPPr>
-            <a:lvl1pPr marR="0" lvl="0" algn="l" rtl="0">
-              <a:lnSpc>
-                <a:spcPct val="100000"/>
-              </a:lnSpc>
-              <a:spcBef>
-                <a:spcPts val="0"/>
-              </a:spcBef>
-              <a:spcAft>
-                <a:spcPts val="0"/>
-              </a:spcAft>
-              <a:buClr>
-                <a:schemeClr val="dk1"/>
-              </a:buClr>
-              <a:buSzPts val="3600"/>
-              <a:buFont typeface="Barlow"/>
-              <a:buNone/>
-              <a:defRPr sz="7200" b="1" i="0" u="none" strike="noStrike" cap="none">
-                <a:solidFill>
-                  <a:schemeClr val="dk1"/>
-                </a:solidFill>
-                <a:latin typeface="Barlow"/>
-                <a:ea typeface="Barlow"/>
-                <a:cs typeface="Barlow"/>
-                <a:sym typeface="Barlow"/>
-              </a:defRPr>
-            </a:lvl1pPr>
-            <a:lvl2pPr marR="0" lvl="1" algn="ctr" rtl="0">
-              <a:lnSpc>
-                <a:spcPct val="100000"/>
-              </a:lnSpc>
-              <a:spcBef>
-                <a:spcPts val="0"/>
-              </a:spcBef>
-              <a:spcAft>
-                <a:spcPts val="0"/>
-              </a:spcAft>
-              <a:buClr>
-                <a:schemeClr val="dk1"/>
-              </a:buClr>
-              <a:buSzPts val="3600"/>
-              <a:buFont typeface="Barlow"/>
-              <a:buNone/>
-              <a:defRPr sz="3600" b="1" i="0" u="none" strike="noStrike" cap="none">
-                <a:solidFill>
-                  <a:schemeClr val="dk1"/>
-                </a:solidFill>
-                <a:latin typeface="Barlow"/>
-                <a:ea typeface="Barlow"/>
-                <a:cs typeface="Barlow"/>
-                <a:sym typeface="Barlow"/>
-              </a:defRPr>
-            </a:lvl2pPr>
-            <a:lvl3pPr marR="0" lvl="2" algn="ctr" rtl="0">
-              <a:lnSpc>
-                <a:spcPct val="100000"/>
-              </a:lnSpc>
-              <a:spcBef>
-                <a:spcPts val="0"/>
-              </a:spcBef>
-              <a:spcAft>
-                <a:spcPts val="0"/>
-              </a:spcAft>
-              <a:buClr>
-                <a:schemeClr val="dk1"/>
-              </a:buClr>
-              <a:buSzPts val="3600"/>
-              <a:buFont typeface="Barlow"/>
-              <a:buNone/>
-              <a:defRPr sz="3600" b="1" i="0" u="none" strike="noStrike" cap="none">
-                <a:solidFill>
-                  <a:schemeClr val="dk1"/>
-                </a:solidFill>
-                <a:latin typeface="Barlow"/>
-                <a:ea typeface="Barlow"/>
-                <a:cs typeface="Barlow"/>
-                <a:sym typeface="Barlow"/>
-              </a:defRPr>
-            </a:lvl3pPr>
-            <a:lvl4pPr marR="0" lvl="3" algn="ctr" rtl="0">
-              <a:lnSpc>
-                <a:spcPct val="100000"/>
-              </a:lnSpc>
-              <a:spcBef>
-                <a:spcPts val="0"/>
-              </a:spcBef>
-              <a:spcAft>
-                <a:spcPts val="0"/>
-              </a:spcAft>
-              <a:buClr>
-                <a:schemeClr val="dk1"/>
-              </a:buClr>
-              <a:buSzPts val="3600"/>
-              <a:buFont typeface="Barlow"/>
-              <a:buNone/>
-              <a:defRPr sz="3600" b="1" i="0" u="none" strike="noStrike" cap="none">
-                <a:solidFill>
-                  <a:schemeClr val="dk1"/>
-                </a:solidFill>
-                <a:latin typeface="Barlow"/>
-                <a:ea typeface="Barlow"/>
-                <a:cs typeface="Barlow"/>
-                <a:sym typeface="Barlow"/>
-              </a:defRPr>
-            </a:lvl4pPr>
-            <a:lvl5pPr marR="0" lvl="4" algn="ctr" rtl="0">
-              <a:lnSpc>
-                <a:spcPct val="100000"/>
-              </a:lnSpc>
-              <a:spcBef>
-                <a:spcPts val="0"/>
-              </a:spcBef>
-              <a:spcAft>
-                <a:spcPts val="0"/>
-              </a:spcAft>
-              <a:buClr>
-                <a:schemeClr val="dk1"/>
-              </a:buClr>
-              <a:buSzPts val="3600"/>
-              <a:buFont typeface="Barlow"/>
-              <a:buNone/>
-              <a:defRPr sz="3600" b="1" i="0" u="none" strike="noStrike" cap="none">
-                <a:solidFill>
-                  <a:schemeClr val="dk1"/>
-                </a:solidFill>
-                <a:latin typeface="Barlow"/>
-                <a:ea typeface="Barlow"/>
-                <a:cs typeface="Barlow"/>
-                <a:sym typeface="Barlow"/>
-              </a:defRPr>
-            </a:lvl5pPr>
-            <a:lvl6pPr marR="0" lvl="5" algn="ctr" rtl="0">
-              <a:lnSpc>
-                <a:spcPct val="100000"/>
-              </a:lnSpc>
-              <a:spcBef>
-                <a:spcPts val="0"/>
-              </a:spcBef>
-              <a:spcAft>
-                <a:spcPts val="0"/>
-              </a:spcAft>
-              <a:buClr>
-                <a:schemeClr val="dk1"/>
-              </a:buClr>
-              <a:buSzPts val="3600"/>
-              <a:buFont typeface="Barlow"/>
-              <a:buNone/>
-              <a:defRPr sz="3600" b="1" i="0" u="none" strike="noStrike" cap="none">
-                <a:solidFill>
-                  <a:schemeClr val="dk1"/>
-                </a:solidFill>
-                <a:latin typeface="Barlow"/>
-                <a:ea typeface="Barlow"/>
-                <a:cs typeface="Barlow"/>
-                <a:sym typeface="Barlow"/>
-              </a:defRPr>
-            </a:lvl6pPr>
-            <a:lvl7pPr marR="0" lvl="6" algn="ctr" rtl="0">
-              <a:lnSpc>
-                <a:spcPct val="100000"/>
-              </a:lnSpc>
-              <a:spcBef>
-                <a:spcPts val="0"/>
-              </a:spcBef>
-              <a:spcAft>
-                <a:spcPts val="0"/>
-              </a:spcAft>
-              <a:buClr>
-                <a:schemeClr val="dk1"/>
-              </a:buClr>
-              <a:buSzPts val="3600"/>
-              <a:buFont typeface="Barlow"/>
-              <a:buNone/>
-              <a:defRPr sz="3600" b="1" i="0" u="none" strike="noStrike" cap="none">
-                <a:solidFill>
-                  <a:schemeClr val="dk1"/>
-                </a:solidFill>
-                <a:latin typeface="Barlow"/>
-                <a:ea typeface="Barlow"/>
-                <a:cs typeface="Barlow"/>
-                <a:sym typeface="Barlow"/>
-              </a:defRPr>
-            </a:lvl7pPr>
-            <a:lvl8pPr marR="0" lvl="7" algn="ctr" rtl="0">
-              <a:lnSpc>
-                <a:spcPct val="100000"/>
-              </a:lnSpc>
-              <a:spcBef>
-                <a:spcPts val="0"/>
-              </a:spcBef>
-              <a:spcAft>
-                <a:spcPts val="0"/>
-              </a:spcAft>
-              <a:buClr>
-                <a:schemeClr val="dk1"/>
-              </a:buClr>
-              <a:buSzPts val="3600"/>
-              <a:buFont typeface="Barlow"/>
-              <a:buNone/>
-              <a:defRPr sz="3600" b="1" i="0" u="none" strike="noStrike" cap="none">
-                <a:solidFill>
-                  <a:schemeClr val="dk1"/>
-                </a:solidFill>
-                <a:latin typeface="Barlow"/>
-                <a:ea typeface="Barlow"/>
-                <a:cs typeface="Barlow"/>
-                <a:sym typeface="Barlow"/>
-              </a:defRPr>
-            </a:lvl8pPr>
-            <a:lvl9pPr marR="0" lvl="8" algn="ctr" rtl="0">
-              <a:lnSpc>
-                <a:spcPct val="100000"/>
-              </a:lnSpc>
-              <a:spcBef>
-                <a:spcPts val="0"/>
-              </a:spcBef>
-              <a:spcAft>
-                <a:spcPts val="0"/>
-              </a:spcAft>
-              <a:buClr>
-                <a:schemeClr val="dk1"/>
-              </a:buClr>
-              <a:buSzPts val="3600"/>
-              <a:buFont typeface="Barlow"/>
-              <a:buNone/>
-              <a:defRPr sz="3600" b="1" i="0" u="none" strike="noStrike" cap="none">
-                <a:solidFill>
-                  <a:schemeClr val="dk1"/>
-                </a:solidFill>
-                <a:latin typeface="Barlow"/>
-                <a:ea typeface="Barlow"/>
-                <a:cs typeface="Barlow"/>
-                <a:sym typeface="Barlow"/>
-              </a:defRPr>
-            </a:lvl9pPr>
-          </a:lstStyle>
-          <a:p>
-            <a:pPr algn="ctr"/>
-            <a:r>
-              <a:rPr lang="en-US" altLang="zh-CN" sz="8000" spc="300" dirty="0">
-                <a:solidFill>
-                  <a:schemeClr val="accent4">
-                    <a:lumMod val="60000"/>
-                    <a:lumOff val="40000"/>
-                    <a:alpha val="60000"/>
-                  </a:schemeClr>
-                </a:solidFill>
-                <a:latin typeface="Amatic SC" panose="020F0502020204030204" pitchFamily="2" charset="-79"/>
-                <a:cs typeface="Amatic SC" panose="020F0502020204030204" pitchFamily="2" charset="-79"/>
-              </a:rPr>
-              <a:t>Exercises</a:t>
-            </a:r>
-          </a:p>
-        </p:txBody>
-      </p:sp>
-      <p:sp>
-        <p:nvSpPr>
-          <p:cNvPr id="2" name="TextBox 1">
-            <a:extLst>
-              <a:ext uri="{FF2B5EF4-FFF2-40B4-BE49-F238E27FC236}">
-                <a16:creationId xmlns:a16="http://schemas.microsoft.com/office/drawing/2014/main" id="{358DAF90-C894-28B5-B4EB-03A690701266}"/>
+          <p:cNvPr id="5" name="TextBox 4">
+            <a:extLst>
+              <a:ext uri="{FF2B5EF4-FFF2-40B4-BE49-F238E27FC236}">
+                <a16:creationId xmlns:a16="http://schemas.microsoft.com/office/drawing/2014/main" id="{71890D06-6436-83F1-DF54-1638D8D3FAB5}"/>
               </a:ext>
             </a:extLst>
           </p:cNvPr>
@@ -17936,8 +17600,8 @@
         </p:nvSpPr>
         <p:spPr>
           <a:xfrm>
-            <a:off x="1265150" y="2117180"/>
-            <a:ext cx="9727970" cy="5199565"/>
+            <a:off x="5646445" y="2899369"/>
+            <a:ext cx="5495849" cy="2062103"/>
           </a:xfrm>
           <a:prstGeom prst="rect">
             <a:avLst/>
@@ -17950,15 +17614,8 @@
           </a:bodyPr>
           <a:lstStyle/>
           <a:p>
-            <a:pPr marL="571500" indent="-571500">
-              <a:lnSpc>
-                <a:spcPct val="150000"/>
-              </a:lnSpc>
-              <a:buFont typeface="Wingdings" panose="05000000000000000000" pitchFamily="2" charset="2"/>
-              <a:buChar char="p"/>
-            </a:pPr>
             <a:r>
-              <a:rPr lang="en-US" altLang="zh-CN" sz="2800" dirty="0">
+              <a:rPr lang="en-US" altLang="zh-CN" sz="3200" dirty="0">
                 <a:solidFill>
                   <a:schemeClr val="bg1">
                     <a:lumMod val="75000"/>
@@ -17966,79 +17623,9 @@
                 </a:solidFill>
                 <a:latin typeface="High Tower Text" panose="02040502050506030303" pitchFamily="18" charset="0"/>
               </a:rPr>
-              <a:t>Can you find more “loop” examples in real life?</a:t>
+              <a:t>Change this iteration number and you can repeat 100 times, 1000 times or as many as you like!</a:t>
             </a:r>
-          </a:p>
-          <a:p>
-            <a:pPr marL="571500" indent="-571500">
-              <a:lnSpc>
-                <a:spcPct val="150000"/>
-              </a:lnSpc>
-              <a:buFont typeface="Wingdings" panose="05000000000000000000" pitchFamily="2" charset="2"/>
-              <a:buChar char="p"/>
-            </a:pPr>
-            <a:r>
-              <a:rPr lang="en-US" altLang="zh-CN" sz="2800" dirty="0">
-                <a:solidFill>
-                  <a:schemeClr val="bg1">
-                    <a:lumMod val="75000"/>
-                  </a:schemeClr>
-                </a:solidFill>
-                <a:latin typeface="High Tower Text" panose="02040502050506030303" pitchFamily="18" charset="0"/>
-              </a:rPr>
-              <a:t>What would happen if you repeat 0 times? A negative number of times?</a:t>
-            </a:r>
-          </a:p>
-          <a:p>
-            <a:pPr marL="571500" indent="-571500">
-              <a:lnSpc>
-                <a:spcPct val="150000"/>
-              </a:lnSpc>
-              <a:buFont typeface="Wingdings" panose="05000000000000000000" pitchFamily="2" charset="2"/>
-              <a:buChar char="p"/>
-            </a:pPr>
-            <a:r>
-              <a:rPr lang="en-US" altLang="zh-CN" sz="2800" dirty="0">
-                <a:solidFill>
-                  <a:schemeClr val="bg1">
-                    <a:lumMod val="75000"/>
-                  </a:schemeClr>
-                </a:solidFill>
-                <a:latin typeface="High Tower Text" panose="02040502050506030303" pitchFamily="18" charset="0"/>
-              </a:rPr>
-              <a:t>Can you make a sprite rotate like the second hand of a clock, meaning it ticks each second, and finishes one full circle after 60 seconds?</a:t>
-            </a:r>
-          </a:p>
-          <a:p>
-            <a:pPr marL="571500" indent="-571500">
-              <a:lnSpc>
-                <a:spcPct val="150000"/>
-              </a:lnSpc>
-              <a:buFont typeface="Wingdings" panose="05000000000000000000" pitchFamily="2" charset="2"/>
-              <a:buChar char="p"/>
-            </a:pPr>
-            <a:r>
-              <a:rPr lang="en-US" altLang="zh-CN" sz="2800" dirty="0">
-                <a:solidFill>
-                  <a:schemeClr val="bg1">
-                    <a:lumMod val="75000"/>
-                  </a:schemeClr>
-                </a:solidFill>
-                <a:latin typeface="High Tower Text" panose="02040502050506030303" pitchFamily="18" charset="0"/>
-              </a:rPr>
-              <a:t>Add more sprites to catch the bus!</a:t>
-            </a:r>
-            <a:br>
-              <a:rPr lang="en-US" altLang="zh-CN" sz="2800" dirty="0">
-                <a:solidFill>
-                  <a:schemeClr val="bg1">
-                    <a:lumMod val="75000"/>
-                  </a:schemeClr>
-                </a:solidFill>
-                <a:latin typeface="High Tower Text" panose="02040502050506030303" pitchFamily="18" charset="0"/>
-              </a:rPr>
-            </a:br>
-            <a:endParaRPr lang="zh-CN" altLang="en-US" sz="2800" dirty="0">
+            <a:endParaRPr lang="zh-CN" altLang="en-US" sz="3200" dirty="0">
               <a:solidFill>
                 <a:schemeClr val="bg1">
                   <a:lumMod val="75000"/>
@@ -18049,10 +17636,55 @@
           </a:p>
         </p:txBody>
       </p:sp>
+      <p:cxnSp>
+        <p:nvCxnSpPr>
+          <p:cNvPr id="8" name="Straight Connector 7">
+            <a:extLst>
+              <a:ext uri="{FF2B5EF4-FFF2-40B4-BE49-F238E27FC236}">
+                <a16:creationId xmlns:a16="http://schemas.microsoft.com/office/drawing/2014/main" id="{8E42F564-2566-95E9-6BE9-B5793DCD6001}"/>
+              </a:ext>
+            </a:extLst>
+          </p:cNvPr>
+          <p:cNvCxnSpPr>
+            <a:cxnSpLocks/>
+            <a:stCxn id="3" idx="6"/>
+          </p:cNvCxnSpPr>
+          <p:nvPr/>
+        </p:nvCxnSpPr>
+        <p:spPr>
+          <a:xfrm flipV="1">
+            <a:off x="3301339" y="3589020"/>
+            <a:ext cx="2291741" cy="147159"/>
+          </a:xfrm>
+          <a:prstGeom prst="line">
+            <a:avLst/>
+          </a:prstGeom>
+          <a:ln w="50800">
+            <a:solidFill>
+              <a:srgbClr val="C00000"/>
+            </a:solidFill>
+            <a:prstDash val="sysDash"/>
+          </a:ln>
+        </p:spPr>
+        <p:style>
+          <a:lnRef idx="1">
+            <a:schemeClr val="accent1"/>
+          </a:lnRef>
+          <a:fillRef idx="0">
+            <a:schemeClr val="accent1"/>
+          </a:fillRef>
+          <a:effectRef idx="0">
+            <a:schemeClr val="accent1"/>
+          </a:effectRef>
+          <a:fontRef idx="minor">
+            <a:schemeClr val="tx1"/>
+          </a:fontRef>
+        </p:style>
+      </p:cxnSp>
     </p:spTree>
     <p:extLst>
       <p:ext uri="{BB962C8B-B14F-4D97-AF65-F5344CB8AC3E}">
-        <p14:creationId xmlns:p14="http://schemas.microsoft.com/office/powerpoint/2010/main" val="1591450709"/>
+        <p14:creationId xmlns:p14="http://schemas.microsoft.com/office/powerpoint/2010/main" val="3554457106"/>
       </p:ext>
     </p:extLst>
   </p:cSld>
@@ -18062,12 +17694,18 @@
 </p:sld>
 </file>
 
-<file path=ppt/slides/slide26.xml><?xml version="1.0" encoding="utf-8"?>
+<file path=ppt/slides/slide25.xml><?xml version="1.0" encoding="utf-8"?>
 <p:sld xmlns:a="http://schemas.openxmlformats.org/drawingml/2006/main" xmlns:r="http://schemas.openxmlformats.org/officeDocument/2006/relationships" xmlns:p="http://schemas.openxmlformats.org/presentationml/2006/main">
   <p:cSld>
     <p:spTree>
       <p:nvGrpSpPr>
-        <p:cNvPr id="1" name=""/>
+        <p:cNvPr id="1" name="">
+          <a:extLst>
+            <a:ext uri="{FF2B5EF4-FFF2-40B4-BE49-F238E27FC236}">
+              <a16:creationId xmlns:a16="http://schemas.microsoft.com/office/drawing/2014/main" id="{97D510A7-C189-9397-6400-CEF8CB384343}"/>
+            </a:ext>
+          </a:extLst>
+        </p:cNvPr>
         <p:cNvGrpSpPr/>
         <p:nvPr/>
       </p:nvGrpSpPr>
@@ -18084,7 +17722,7 @@
           <p:cNvPr id="6" name="Rectangle 5">
             <a:extLst>
               <a:ext uri="{FF2B5EF4-FFF2-40B4-BE49-F238E27FC236}">
-                <a16:creationId xmlns:a16="http://schemas.microsoft.com/office/drawing/2014/main" id="{7BC4EB1B-EA6B-DFE4-AF3B-05D0EB253209}"/>
+                <a16:creationId xmlns:a16="http://schemas.microsoft.com/office/drawing/2014/main" id="{4B17727D-22D7-1CAC-062B-14D9C5789B1A}"/>
               </a:ext>
             </a:extLst>
           </p:cNvPr>
@@ -18100,7 +17738,9 @@
             <a:avLst/>
           </a:prstGeom>
           <a:solidFill>
-            <a:srgbClr val="23242A"/>
+            <a:srgbClr val="23242A">
+              <a:alpha val="97000"/>
+            </a:srgbClr>
           </a:solidFill>
           <a:ln>
             <a:noFill/>
@@ -18136,7 +17776,627 @@
           <p:cNvPr id="2" name="Slide Number Placeholder 1">
             <a:extLst>
               <a:ext uri="{FF2B5EF4-FFF2-40B4-BE49-F238E27FC236}">
-                <a16:creationId xmlns:a16="http://schemas.microsoft.com/office/drawing/2014/main" id="{C53E70DF-9B91-8A92-BF94-1399BB9FFE34}"/>
+                <a16:creationId xmlns:a16="http://schemas.microsoft.com/office/drawing/2014/main" id="{660CFBB4-743D-9AF8-9B7A-AC1EF3DECD78}"/>
+              </a:ext>
+            </a:extLst>
+          </p:cNvPr>
+          <p:cNvSpPr>
+            <a:spLocks noGrp="1"/>
+          </p:cNvSpPr>
+          <p:nvPr>
+            <p:ph type="sldNum" sz="quarter" idx="12"/>
+          </p:nvPr>
+        </p:nvSpPr>
+        <p:spPr>
+          <a:xfrm>
+            <a:off x="9057739" y="6259509"/>
+            <a:ext cx="2743200" cy="365125"/>
+          </a:xfrm>
+        </p:spPr>
+        <p:txBody>
+          <a:bodyPr/>
+          <a:lstStyle/>
+          <a:p>
+            <a:fld id="{9B1EC109-1E15-4BCA-93B5-56442BB3443E}" type="slidenum">
+              <a:rPr lang="zh-CN" altLang="en-US" sz="2400" b="1" smtClean="0">
+                <a:solidFill>
+                  <a:schemeClr val="bg1">
+                    <a:lumMod val="65000"/>
+                  </a:schemeClr>
+                </a:solidFill>
+                <a:latin typeface="Bradley Hand ITC" panose="03070402050302030203" pitchFamily="66" charset="0"/>
+              </a:rPr>
+              <a:t>25</a:t>
+            </a:fld>
+            <a:endParaRPr lang="zh-CN" altLang="en-US" sz="2400" b="1" dirty="0">
+              <a:solidFill>
+                <a:schemeClr val="bg1">
+                  <a:lumMod val="65000"/>
+                </a:schemeClr>
+              </a:solidFill>
+              <a:latin typeface="Bradley Hand ITC" panose="03070402050302030203" pitchFamily="66" charset="0"/>
+            </a:endParaRPr>
+          </a:p>
+        </p:txBody>
+      </p:sp>
+      <p:sp>
+        <p:nvSpPr>
+          <p:cNvPr id="4" name="Google Shape;867;p33">
+            <a:extLst>
+              <a:ext uri="{FF2B5EF4-FFF2-40B4-BE49-F238E27FC236}">
+                <a16:creationId xmlns:a16="http://schemas.microsoft.com/office/drawing/2014/main" id="{FF104B55-447E-99F5-EA9D-923C8A02A2FA}"/>
+              </a:ext>
+            </a:extLst>
+          </p:cNvPr>
+          <p:cNvSpPr txBox="1">
+            <a:spLocks/>
+          </p:cNvSpPr>
+          <p:nvPr/>
+        </p:nvSpPr>
+        <p:spPr>
+          <a:xfrm>
+            <a:off x="2222600" y="143850"/>
+            <a:ext cx="7746800" cy="1602400"/>
+          </a:xfrm>
+          <a:prstGeom prst="rect">
+            <a:avLst/>
+          </a:prstGeom>
+          <a:noFill/>
+          <a:ln>
+            <a:noFill/>
+          </a:ln>
+        </p:spPr>
+        <p:txBody>
+          <a:bodyPr spcFirstLastPara="1" wrap="square" lIns="91425" tIns="91425" rIns="91425" bIns="91425" anchor="b" anchorCtr="0">
+            <a:noAutofit/>
+          </a:bodyPr>
+          <a:lstStyle>
+            <a:defPPr marR="0" lvl="0" algn="l" rtl="0">
+              <a:lnSpc>
+                <a:spcPct val="100000"/>
+              </a:lnSpc>
+              <a:spcBef>
+                <a:spcPts val="0"/>
+              </a:spcBef>
+              <a:spcAft>
+                <a:spcPts val="0"/>
+              </a:spcAft>
+            </a:defPPr>
+            <a:lvl1pPr marR="0" lvl="0" algn="l" rtl="0">
+              <a:lnSpc>
+                <a:spcPct val="100000"/>
+              </a:lnSpc>
+              <a:spcBef>
+                <a:spcPts val="0"/>
+              </a:spcBef>
+              <a:spcAft>
+                <a:spcPts val="0"/>
+              </a:spcAft>
+              <a:buClr>
+                <a:schemeClr val="dk1"/>
+              </a:buClr>
+              <a:buSzPts val="3600"/>
+              <a:buFont typeface="Barlow"/>
+              <a:buNone/>
+              <a:defRPr sz="7200" b="1" i="0" u="none" strike="noStrike" cap="none">
+                <a:solidFill>
+                  <a:schemeClr val="dk1"/>
+                </a:solidFill>
+                <a:latin typeface="Barlow"/>
+                <a:ea typeface="Barlow"/>
+                <a:cs typeface="Barlow"/>
+                <a:sym typeface="Barlow"/>
+              </a:defRPr>
+            </a:lvl1pPr>
+            <a:lvl2pPr marR="0" lvl="1" algn="ctr" rtl="0">
+              <a:lnSpc>
+                <a:spcPct val="100000"/>
+              </a:lnSpc>
+              <a:spcBef>
+                <a:spcPts val="0"/>
+              </a:spcBef>
+              <a:spcAft>
+                <a:spcPts val="0"/>
+              </a:spcAft>
+              <a:buClr>
+                <a:schemeClr val="dk1"/>
+              </a:buClr>
+              <a:buSzPts val="3600"/>
+              <a:buFont typeface="Barlow"/>
+              <a:buNone/>
+              <a:defRPr sz="3600" b="1" i="0" u="none" strike="noStrike" cap="none">
+                <a:solidFill>
+                  <a:schemeClr val="dk1"/>
+                </a:solidFill>
+                <a:latin typeface="Barlow"/>
+                <a:ea typeface="Barlow"/>
+                <a:cs typeface="Barlow"/>
+                <a:sym typeface="Barlow"/>
+              </a:defRPr>
+            </a:lvl2pPr>
+            <a:lvl3pPr marR="0" lvl="2" algn="ctr" rtl="0">
+              <a:lnSpc>
+                <a:spcPct val="100000"/>
+              </a:lnSpc>
+              <a:spcBef>
+                <a:spcPts val="0"/>
+              </a:spcBef>
+              <a:spcAft>
+                <a:spcPts val="0"/>
+              </a:spcAft>
+              <a:buClr>
+                <a:schemeClr val="dk1"/>
+              </a:buClr>
+              <a:buSzPts val="3600"/>
+              <a:buFont typeface="Barlow"/>
+              <a:buNone/>
+              <a:defRPr sz="3600" b="1" i="0" u="none" strike="noStrike" cap="none">
+                <a:solidFill>
+                  <a:schemeClr val="dk1"/>
+                </a:solidFill>
+                <a:latin typeface="Barlow"/>
+                <a:ea typeface="Barlow"/>
+                <a:cs typeface="Barlow"/>
+                <a:sym typeface="Barlow"/>
+              </a:defRPr>
+            </a:lvl3pPr>
+            <a:lvl4pPr marR="0" lvl="3" algn="ctr" rtl="0">
+              <a:lnSpc>
+                <a:spcPct val="100000"/>
+              </a:lnSpc>
+              <a:spcBef>
+                <a:spcPts val="0"/>
+              </a:spcBef>
+              <a:spcAft>
+                <a:spcPts val="0"/>
+              </a:spcAft>
+              <a:buClr>
+                <a:schemeClr val="dk1"/>
+              </a:buClr>
+              <a:buSzPts val="3600"/>
+              <a:buFont typeface="Barlow"/>
+              <a:buNone/>
+              <a:defRPr sz="3600" b="1" i="0" u="none" strike="noStrike" cap="none">
+                <a:solidFill>
+                  <a:schemeClr val="dk1"/>
+                </a:solidFill>
+                <a:latin typeface="Barlow"/>
+                <a:ea typeface="Barlow"/>
+                <a:cs typeface="Barlow"/>
+                <a:sym typeface="Barlow"/>
+              </a:defRPr>
+            </a:lvl4pPr>
+            <a:lvl5pPr marR="0" lvl="4" algn="ctr" rtl="0">
+              <a:lnSpc>
+                <a:spcPct val="100000"/>
+              </a:lnSpc>
+              <a:spcBef>
+                <a:spcPts val="0"/>
+              </a:spcBef>
+              <a:spcAft>
+                <a:spcPts val="0"/>
+              </a:spcAft>
+              <a:buClr>
+                <a:schemeClr val="dk1"/>
+              </a:buClr>
+              <a:buSzPts val="3600"/>
+              <a:buFont typeface="Barlow"/>
+              <a:buNone/>
+              <a:defRPr sz="3600" b="1" i="0" u="none" strike="noStrike" cap="none">
+                <a:solidFill>
+                  <a:schemeClr val="dk1"/>
+                </a:solidFill>
+                <a:latin typeface="Barlow"/>
+                <a:ea typeface="Barlow"/>
+                <a:cs typeface="Barlow"/>
+                <a:sym typeface="Barlow"/>
+              </a:defRPr>
+            </a:lvl5pPr>
+            <a:lvl6pPr marR="0" lvl="5" algn="ctr" rtl="0">
+              <a:lnSpc>
+                <a:spcPct val="100000"/>
+              </a:lnSpc>
+              <a:spcBef>
+                <a:spcPts val="0"/>
+              </a:spcBef>
+              <a:spcAft>
+                <a:spcPts val="0"/>
+              </a:spcAft>
+              <a:buClr>
+                <a:schemeClr val="dk1"/>
+              </a:buClr>
+              <a:buSzPts val="3600"/>
+              <a:buFont typeface="Barlow"/>
+              <a:buNone/>
+              <a:defRPr sz="3600" b="1" i="0" u="none" strike="noStrike" cap="none">
+                <a:solidFill>
+                  <a:schemeClr val="dk1"/>
+                </a:solidFill>
+                <a:latin typeface="Barlow"/>
+                <a:ea typeface="Barlow"/>
+                <a:cs typeface="Barlow"/>
+                <a:sym typeface="Barlow"/>
+              </a:defRPr>
+            </a:lvl6pPr>
+            <a:lvl7pPr marR="0" lvl="6" algn="ctr" rtl="0">
+              <a:lnSpc>
+                <a:spcPct val="100000"/>
+              </a:lnSpc>
+              <a:spcBef>
+                <a:spcPts val="0"/>
+              </a:spcBef>
+              <a:spcAft>
+                <a:spcPts val="0"/>
+              </a:spcAft>
+              <a:buClr>
+                <a:schemeClr val="dk1"/>
+              </a:buClr>
+              <a:buSzPts val="3600"/>
+              <a:buFont typeface="Barlow"/>
+              <a:buNone/>
+              <a:defRPr sz="3600" b="1" i="0" u="none" strike="noStrike" cap="none">
+                <a:solidFill>
+                  <a:schemeClr val="dk1"/>
+                </a:solidFill>
+                <a:latin typeface="Barlow"/>
+                <a:ea typeface="Barlow"/>
+                <a:cs typeface="Barlow"/>
+                <a:sym typeface="Barlow"/>
+              </a:defRPr>
+            </a:lvl7pPr>
+            <a:lvl8pPr marR="0" lvl="7" algn="ctr" rtl="0">
+              <a:lnSpc>
+                <a:spcPct val="100000"/>
+              </a:lnSpc>
+              <a:spcBef>
+                <a:spcPts val="0"/>
+              </a:spcBef>
+              <a:spcAft>
+                <a:spcPts val="0"/>
+              </a:spcAft>
+              <a:buClr>
+                <a:schemeClr val="dk1"/>
+              </a:buClr>
+              <a:buSzPts val="3600"/>
+              <a:buFont typeface="Barlow"/>
+              <a:buNone/>
+              <a:defRPr sz="3600" b="1" i="0" u="none" strike="noStrike" cap="none">
+                <a:solidFill>
+                  <a:schemeClr val="dk1"/>
+                </a:solidFill>
+                <a:latin typeface="Barlow"/>
+                <a:ea typeface="Barlow"/>
+                <a:cs typeface="Barlow"/>
+                <a:sym typeface="Barlow"/>
+              </a:defRPr>
+            </a:lvl8pPr>
+            <a:lvl9pPr marR="0" lvl="8" algn="ctr" rtl="0">
+              <a:lnSpc>
+                <a:spcPct val="100000"/>
+              </a:lnSpc>
+              <a:spcBef>
+                <a:spcPts val="0"/>
+              </a:spcBef>
+              <a:spcAft>
+                <a:spcPts val="0"/>
+              </a:spcAft>
+              <a:buClr>
+                <a:schemeClr val="dk1"/>
+              </a:buClr>
+              <a:buSzPts val="3600"/>
+              <a:buFont typeface="Barlow"/>
+              <a:buNone/>
+              <a:defRPr sz="3600" b="1" i="0" u="none" strike="noStrike" cap="none">
+                <a:solidFill>
+                  <a:schemeClr val="dk1"/>
+                </a:solidFill>
+                <a:latin typeface="Barlow"/>
+                <a:ea typeface="Barlow"/>
+                <a:cs typeface="Barlow"/>
+                <a:sym typeface="Barlow"/>
+              </a:defRPr>
+            </a:lvl9pPr>
+          </a:lstStyle>
+          <a:p>
+            <a:pPr algn="ctr"/>
+            <a:r>
+              <a:rPr lang="en-US" altLang="zh-CN" sz="6600" spc="300" dirty="0">
+                <a:solidFill>
+                  <a:schemeClr val="accent4">
+                    <a:lumMod val="60000"/>
+                    <a:lumOff val="40000"/>
+                    <a:alpha val="60000"/>
+                  </a:schemeClr>
+                </a:solidFill>
+                <a:latin typeface="Amatic SC" panose="020F0502020204030204" pitchFamily="2" charset="-79"/>
+                <a:cs typeface="Amatic SC" panose="020F0502020204030204" pitchFamily="2" charset="-79"/>
+              </a:rPr>
+              <a:t>End of loop, End of Game</a:t>
+            </a:r>
+          </a:p>
+        </p:txBody>
+      </p:sp>
+      <p:pic>
+        <p:nvPicPr>
+          <p:cNvPr id="18" name="Picture 17">
+            <a:extLst>
+              <a:ext uri="{FF2B5EF4-FFF2-40B4-BE49-F238E27FC236}">
+                <a16:creationId xmlns:a16="http://schemas.microsoft.com/office/drawing/2014/main" id="{5DEAEDFD-0C9D-04E8-FF32-8CC46D42EBE9}"/>
+              </a:ext>
+            </a:extLst>
+          </p:cNvPr>
+          <p:cNvPicPr>
+            <a:picLocks noChangeAspect="1"/>
+          </p:cNvPicPr>
+          <p:nvPr/>
+        </p:nvPicPr>
+        <p:blipFill>
+          <a:blip r:embed="rId2">
+            <a:extLst>
+              <a:ext uri="{28A0092B-C50C-407E-A947-70E740481C1C}">
+                <a14:useLocalDpi xmlns:a14="http://schemas.microsoft.com/office/drawing/2010/main" val="0"/>
+              </a:ext>
+            </a:extLst>
+          </a:blip>
+          <a:stretch>
+            <a:fillRect/>
+          </a:stretch>
+        </p:blipFill>
+        <p:spPr>
+          <a:xfrm>
+            <a:off x="2135419" y="2285991"/>
+            <a:ext cx="2461320" cy="3662742"/>
+          </a:xfrm>
+          <a:prstGeom prst="rect">
+            <a:avLst/>
+          </a:prstGeom>
+        </p:spPr>
+      </p:pic>
+      <p:sp>
+        <p:nvSpPr>
+          <p:cNvPr id="7" name="Arc 6">
+            <a:extLst>
+              <a:ext uri="{FF2B5EF4-FFF2-40B4-BE49-F238E27FC236}">
+                <a16:creationId xmlns:a16="http://schemas.microsoft.com/office/drawing/2014/main" id="{E3D51778-F7EF-C89F-5B37-613B560EEBD4}"/>
+              </a:ext>
+            </a:extLst>
+          </p:cNvPr>
+          <p:cNvSpPr/>
+          <p:nvPr/>
+        </p:nvSpPr>
+        <p:spPr>
+          <a:xfrm rot="2721434">
+            <a:off x="1232826" y="3373831"/>
+            <a:ext cx="3080623" cy="3339279"/>
+          </a:xfrm>
+          <a:prstGeom prst="arc">
+            <a:avLst/>
+          </a:prstGeom>
+          <a:ln w="50800">
+            <a:solidFill>
+              <a:srgbClr val="C00000"/>
+            </a:solidFill>
+            <a:headEnd type="none"/>
+            <a:tailEnd type="triangle"/>
+          </a:ln>
+        </p:spPr>
+        <p:style>
+          <a:lnRef idx="1">
+            <a:schemeClr val="accent1"/>
+          </a:lnRef>
+          <a:fillRef idx="0">
+            <a:schemeClr val="accent1"/>
+          </a:fillRef>
+          <a:effectRef idx="0">
+            <a:schemeClr val="accent1"/>
+          </a:effectRef>
+          <a:fontRef idx="minor">
+            <a:schemeClr val="tx1"/>
+          </a:fontRef>
+        </p:style>
+        <p:txBody>
+          <a:bodyPr rtlCol="0" anchor="ctr"/>
+          <a:lstStyle/>
+          <a:p>
+            <a:pPr algn="ctr"/>
+            <a:endParaRPr lang="zh-CN" altLang="en-US"/>
+          </a:p>
+        </p:txBody>
+      </p:sp>
+      <p:sp>
+        <p:nvSpPr>
+          <p:cNvPr id="9" name="TextBox 8">
+            <a:extLst>
+              <a:ext uri="{FF2B5EF4-FFF2-40B4-BE49-F238E27FC236}">
+                <a16:creationId xmlns:a16="http://schemas.microsoft.com/office/drawing/2014/main" id="{290CDA42-6DCD-ADA7-752F-20AE16B0B42D}"/>
+              </a:ext>
+            </a:extLst>
+          </p:cNvPr>
+          <p:cNvSpPr txBox="1"/>
+          <p:nvPr/>
+        </p:nvSpPr>
+        <p:spPr>
+          <a:xfrm>
+            <a:off x="5646445" y="2899369"/>
+            <a:ext cx="5495849" cy="1569660"/>
+          </a:xfrm>
+          <a:prstGeom prst="rect">
+            <a:avLst/>
+          </a:prstGeom>
+          <a:noFill/>
+        </p:spPr>
+        <p:txBody>
+          <a:bodyPr wrap="square" rtlCol="0">
+            <a:spAutoFit/>
+          </a:bodyPr>
+          <a:lstStyle/>
+          <a:p>
+            <a:r>
+              <a:rPr lang="en-US" altLang="zh-CN" sz="3200" dirty="0">
+                <a:solidFill>
+                  <a:schemeClr val="bg1">
+                    <a:lumMod val="75000"/>
+                  </a:schemeClr>
+                </a:solidFill>
+                <a:latin typeface="High Tower Text" panose="02040502050506030303" pitchFamily="18" charset="0"/>
+              </a:rPr>
+              <a:t>After all iterations, the loop completes and the game comes to an end.</a:t>
+            </a:r>
+            <a:endParaRPr lang="zh-CN" altLang="en-US" sz="3200" dirty="0">
+              <a:solidFill>
+                <a:schemeClr val="bg1">
+                  <a:lumMod val="75000"/>
+                </a:schemeClr>
+              </a:solidFill>
+              <a:latin typeface="High Tower Text" panose="02040502050506030303" pitchFamily="18" charset="0"/>
+            </a:endParaRPr>
+          </a:p>
+        </p:txBody>
+      </p:sp>
+      <p:sp>
+        <p:nvSpPr>
+          <p:cNvPr id="10" name="TextBox 9">
+            <a:extLst>
+              <a:ext uri="{FF2B5EF4-FFF2-40B4-BE49-F238E27FC236}">
+                <a16:creationId xmlns:a16="http://schemas.microsoft.com/office/drawing/2014/main" id="{641F225A-41D9-A42D-71AD-B5B5B6CF066F}"/>
+              </a:ext>
+            </a:extLst>
+          </p:cNvPr>
+          <p:cNvSpPr txBox="1"/>
+          <p:nvPr/>
+        </p:nvSpPr>
+        <p:spPr>
+          <a:xfrm>
+            <a:off x="2498532" y="6088364"/>
+            <a:ext cx="2944028" cy="400110"/>
+          </a:xfrm>
+          <a:prstGeom prst="rect">
+            <a:avLst/>
+          </a:prstGeom>
+          <a:noFill/>
+        </p:spPr>
+        <p:txBody>
+          <a:bodyPr wrap="square" rtlCol="0">
+            <a:spAutoFit/>
+          </a:bodyPr>
+          <a:lstStyle/>
+          <a:p>
+            <a:r>
+              <a:rPr lang="en-US" altLang="zh-CN" sz="2000" dirty="0">
+                <a:solidFill>
+                  <a:schemeClr val="bg1">
+                    <a:lumMod val="75000"/>
+                  </a:schemeClr>
+                </a:solidFill>
+                <a:latin typeface="High Tower Text" panose="02040502050506030303" pitchFamily="18" charset="0"/>
+              </a:rPr>
+              <a:t>End of loop, end of game.</a:t>
+            </a:r>
+            <a:endParaRPr lang="zh-CN" altLang="en-US" sz="2000" dirty="0">
+              <a:solidFill>
+                <a:schemeClr val="bg1">
+                  <a:lumMod val="75000"/>
+                </a:schemeClr>
+              </a:solidFill>
+              <a:latin typeface="High Tower Text" panose="02040502050506030303" pitchFamily="18" charset="0"/>
+            </a:endParaRPr>
+          </a:p>
+        </p:txBody>
+      </p:sp>
+    </p:spTree>
+    <p:extLst>
+      <p:ext uri="{BB962C8B-B14F-4D97-AF65-F5344CB8AC3E}">
+        <p14:creationId xmlns:p14="http://schemas.microsoft.com/office/powerpoint/2010/main" val="472206806"/>
+      </p:ext>
+    </p:extLst>
+  </p:cSld>
+  <p:clrMapOvr>
+    <a:masterClrMapping/>
+  </p:clrMapOvr>
+</p:sld>
+</file>
+
+<file path=ppt/slides/slide26.xml><?xml version="1.0" encoding="utf-8"?>
+<p:sld xmlns:a="http://schemas.openxmlformats.org/drawingml/2006/main" xmlns:r="http://schemas.openxmlformats.org/officeDocument/2006/relationships" xmlns:p="http://schemas.openxmlformats.org/presentationml/2006/main">
+  <p:cSld>
+    <p:spTree>
+      <p:nvGrpSpPr>
+        <p:cNvPr id="1" name="">
+          <a:extLst>
+            <a:ext uri="{FF2B5EF4-FFF2-40B4-BE49-F238E27FC236}">
+              <a16:creationId xmlns:a16="http://schemas.microsoft.com/office/drawing/2014/main" id="{3440E302-F8A9-6746-C8F0-4E6704D927B3}"/>
+            </a:ext>
+          </a:extLst>
+        </p:cNvPr>
+        <p:cNvGrpSpPr/>
+        <p:nvPr/>
+      </p:nvGrpSpPr>
+      <p:grpSpPr>
+        <a:xfrm>
+          <a:off x="0" y="0"/>
+          <a:ext cx="0" cy="0"/>
+          <a:chOff x="0" y="0"/>
+          <a:chExt cx="0" cy="0"/>
+        </a:xfrm>
+      </p:grpSpPr>
+      <p:sp>
+        <p:nvSpPr>
+          <p:cNvPr id="6" name="Rectangle 5">
+            <a:extLst>
+              <a:ext uri="{FF2B5EF4-FFF2-40B4-BE49-F238E27FC236}">
+                <a16:creationId xmlns:a16="http://schemas.microsoft.com/office/drawing/2014/main" id="{5FB63F8F-C2E7-D9FC-38C9-C7C36F716E75}"/>
+              </a:ext>
+            </a:extLst>
+          </p:cNvPr>
+          <p:cNvSpPr/>
+          <p:nvPr/>
+        </p:nvSpPr>
+        <p:spPr>
+          <a:xfrm>
+            <a:off x="0" y="0"/>
+            <a:ext cx="12192000" cy="6858000"/>
+          </a:xfrm>
+          <a:prstGeom prst="rect">
+            <a:avLst/>
+          </a:prstGeom>
+          <a:solidFill>
+            <a:srgbClr val="23242A"/>
+          </a:solidFill>
+          <a:ln>
+            <a:noFill/>
+          </a:ln>
+        </p:spPr>
+        <p:style>
+          <a:lnRef idx="2">
+            <a:schemeClr val="accent1">
+              <a:shade val="15000"/>
+            </a:schemeClr>
+          </a:lnRef>
+          <a:fillRef idx="1">
+            <a:schemeClr val="accent1"/>
+          </a:fillRef>
+          <a:effectRef idx="0">
+            <a:schemeClr val="accent1"/>
+          </a:effectRef>
+          <a:fontRef idx="minor">
+            <a:schemeClr val="lt1"/>
+          </a:fontRef>
+        </p:style>
+        <p:txBody>
+          <a:bodyPr rtlCol="0" anchor="ctr"/>
+          <a:lstStyle/>
+          <a:p>
+            <a:pPr algn="ctr"/>
+            <a:endParaRPr lang="zh-CN" altLang="en-US" dirty="0"/>
+          </a:p>
+        </p:txBody>
+      </p:sp>
+      <p:sp>
+        <p:nvSpPr>
+          <p:cNvPr id="2" name="Slide Number Placeholder 1">
+            <a:extLst>
+              <a:ext uri="{FF2B5EF4-FFF2-40B4-BE49-F238E27FC236}">
+                <a16:creationId xmlns:a16="http://schemas.microsoft.com/office/drawing/2014/main" id="{E15C722A-11FF-3EA3-5AB6-D9B933D76534}"/>
               </a:ext>
             </a:extLst>
           </p:cNvPr>
@@ -18184,7 +18444,7 @@
           <p:cNvPr id="4" name="Google Shape;867;p33">
             <a:extLst>
               <a:ext uri="{FF2B5EF4-FFF2-40B4-BE49-F238E27FC236}">
-                <a16:creationId xmlns:a16="http://schemas.microsoft.com/office/drawing/2014/main" id="{24BC39E7-8798-676F-63C1-093D28359AFA}"/>
+                <a16:creationId xmlns:a16="http://schemas.microsoft.com/office/drawing/2014/main" id="{B228AEBF-D411-0ADA-EBE0-093AB73C27BA}"/>
               </a:ext>
             </a:extLst>
           </p:cNvPr>
@@ -18195,7 +18455,7 @@
         </p:nvSpPr>
         <p:spPr>
           <a:xfrm>
-            <a:off x="2222600" y="2778760"/>
+            <a:off x="2222600" y="143850"/>
             <a:ext cx="7746800" cy="1602400"/>
           </a:xfrm>
           <a:prstGeom prst="rect">
@@ -18471,15 +18731,2349 @@
                 <a:latin typeface="Amatic SC" panose="020F0502020204030204" pitchFamily="2" charset="-79"/>
                 <a:cs typeface="Amatic SC" panose="020F0502020204030204" pitchFamily="2" charset="-79"/>
               </a:rPr>
-              <a:t>Thank you and see you in the next lesson!</a:t>
+              <a:t>Run Forever</a:t>
             </a:r>
+          </a:p>
+        </p:txBody>
+      </p:sp>
+      <p:sp>
+        <p:nvSpPr>
+          <p:cNvPr id="3" name="TextBox 2">
+            <a:extLst>
+              <a:ext uri="{FF2B5EF4-FFF2-40B4-BE49-F238E27FC236}">
+                <a16:creationId xmlns:a16="http://schemas.microsoft.com/office/drawing/2014/main" id="{7EC71CDB-4EEE-8419-402F-6D063AEEE621}"/>
+              </a:ext>
+            </a:extLst>
+          </p:cNvPr>
+          <p:cNvSpPr txBox="1"/>
+          <p:nvPr/>
+        </p:nvSpPr>
+        <p:spPr>
+          <a:xfrm>
+            <a:off x="2472702" y="2913194"/>
+            <a:ext cx="4019538" cy="2308324"/>
+          </a:xfrm>
+          <a:prstGeom prst="rect">
+            <a:avLst/>
+          </a:prstGeom>
+          <a:noFill/>
+        </p:spPr>
+        <p:txBody>
+          <a:bodyPr wrap="square" rtlCol="0">
+            <a:spAutoFit/>
+          </a:bodyPr>
+          <a:lstStyle/>
+          <a:p>
+            <a:pPr algn="ctr"/>
+            <a:r>
+              <a:rPr lang="en-US" altLang="zh-CN" sz="3600" dirty="0">
+                <a:solidFill>
+                  <a:schemeClr val="bg1">
+                    <a:lumMod val="75000"/>
+                  </a:schemeClr>
+                </a:solidFill>
+                <a:latin typeface="High Tower Text" panose="02040502050506030303" pitchFamily="18" charset="0"/>
+              </a:rPr>
+              <a:t>A lot of real games run </a:t>
+            </a:r>
+            <a:r>
+              <a:rPr lang="en-US" altLang="zh-CN" sz="3600" dirty="0">
+                <a:solidFill>
+                  <a:schemeClr val="accent2">
+                    <a:lumMod val="60000"/>
+                    <a:lumOff val="40000"/>
+                  </a:schemeClr>
+                </a:solidFill>
+                <a:latin typeface="High Tower Text" panose="02040502050506030303" pitchFamily="18" charset="0"/>
+              </a:rPr>
+              <a:t>forever</a:t>
+            </a:r>
+            <a:r>
+              <a:rPr lang="en-US" altLang="zh-CN" sz="3600" dirty="0">
+                <a:solidFill>
+                  <a:schemeClr val="bg1">
+                    <a:lumMod val="75000"/>
+                  </a:schemeClr>
+                </a:solidFill>
+                <a:latin typeface="High Tower Text" panose="02040502050506030303" pitchFamily="18" charset="0"/>
+              </a:rPr>
+              <a:t> until we decide to stop them. </a:t>
+            </a:r>
+            <a:endParaRPr lang="zh-CN" altLang="en-US" sz="3600" dirty="0">
+              <a:solidFill>
+                <a:schemeClr val="bg1">
+                  <a:lumMod val="75000"/>
+                </a:schemeClr>
+              </a:solidFill>
+              <a:latin typeface="High Tower Text" panose="02040502050506030303" pitchFamily="18" charset="0"/>
+            </a:endParaRPr>
+          </a:p>
+        </p:txBody>
+      </p:sp>
+      <p:pic>
+        <p:nvPicPr>
+          <p:cNvPr id="7" name="Picture 6">
+            <a:extLst>
+              <a:ext uri="{FF2B5EF4-FFF2-40B4-BE49-F238E27FC236}">
+                <a16:creationId xmlns:a16="http://schemas.microsoft.com/office/drawing/2014/main" id="{DD43F69A-1D2B-98D9-D0DA-27C1A33B7B95}"/>
+              </a:ext>
+            </a:extLst>
+          </p:cNvPr>
+          <p:cNvPicPr>
+            <a:picLocks noChangeAspect="1"/>
+          </p:cNvPicPr>
+          <p:nvPr/>
+        </p:nvPicPr>
+        <p:blipFill>
+          <a:blip r:embed="rId2">
+            <a:extLst>
+              <a:ext uri="{28A0092B-C50C-407E-A947-70E740481C1C}">
+                <a14:useLocalDpi xmlns:a14="http://schemas.microsoft.com/office/drawing/2010/main" val="0"/>
+              </a:ext>
+            </a:extLst>
+          </a:blip>
+          <a:stretch>
+            <a:fillRect/>
+          </a:stretch>
+        </p:blipFill>
+        <p:spPr>
+          <a:xfrm>
+            <a:off x="7529324" y="2319969"/>
+            <a:ext cx="1776770" cy="3706174"/>
+          </a:xfrm>
+          <a:prstGeom prst="rect">
+            <a:avLst/>
+          </a:prstGeom>
+        </p:spPr>
+      </p:pic>
+    </p:spTree>
+    <p:extLst>
+      <p:ext uri="{BB962C8B-B14F-4D97-AF65-F5344CB8AC3E}">
+        <p14:creationId xmlns:p14="http://schemas.microsoft.com/office/powerpoint/2010/main" val="2364483294"/>
+      </p:ext>
+    </p:extLst>
+  </p:cSld>
+  <p:clrMapOvr>
+    <a:masterClrMapping/>
+  </p:clrMapOvr>
+</p:sld>
+</file>
+
+<file path=ppt/slides/slide27.xml><?xml version="1.0" encoding="utf-8"?>
+<p:sld xmlns:a="http://schemas.openxmlformats.org/drawingml/2006/main" xmlns:r="http://schemas.openxmlformats.org/officeDocument/2006/relationships" xmlns:p="http://schemas.openxmlformats.org/presentationml/2006/main">
+  <p:cSld>
+    <p:spTree>
+      <p:nvGrpSpPr>
+        <p:cNvPr id="1" name="">
+          <a:extLst>
+            <a:ext uri="{FF2B5EF4-FFF2-40B4-BE49-F238E27FC236}">
+              <a16:creationId xmlns:a16="http://schemas.microsoft.com/office/drawing/2014/main" id="{5B5088A4-71C8-171D-E642-057C34EB366A}"/>
+            </a:ext>
+          </a:extLst>
+        </p:cNvPr>
+        <p:cNvGrpSpPr/>
+        <p:nvPr/>
+      </p:nvGrpSpPr>
+      <p:grpSpPr>
+        <a:xfrm>
+          <a:off x="0" y="0"/>
+          <a:ext cx="0" cy="0"/>
+          <a:chOff x="0" y="0"/>
+          <a:chExt cx="0" cy="0"/>
+        </a:xfrm>
+      </p:grpSpPr>
+      <p:sp>
+        <p:nvSpPr>
+          <p:cNvPr id="6" name="Rectangle 5">
+            <a:extLst>
+              <a:ext uri="{FF2B5EF4-FFF2-40B4-BE49-F238E27FC236}">
+                <a16:creationId xmlns:a16="http://schemas.microsoft.com/office/drawing/2014/main" id="{560C4269-CB76-6966-4D00-781F96BC6DDA}"/>
+              </a:ext>
+            </a:extLst>
+          </p:cNvPr>
+          <p:cNvSpPr/>
+          <p:nvPr/>
+        </p:nvSpPr>
+        <p:spPr>
+          <a:xfrm>
+            <a:off x="0" y="0"/>
+            <a:ext cx="12192000" cy="6858000"/>
+          </a:xfrm>
+          <a:prstGeom prst="rect">
+            <a:avLst/>
+          </a:prstGeom>
+          <a:solidFill>
+            <a:srgbClr val="23242A"/>
+          </a:solidFill>
+          <a:ln>
+            <a:noFill/>
+          </a:ln>
+        </p:spPr>
+        <p:style>
+          <a:lnRef idx="2">
+            <a:schemeClr val="accent1">
+              <a:shade val="15000"/>
+            </a:schemeClr>
+          </a:lnRef>
+          <a:fillRef idx="1">
+            <a:schemeClr val="accent1"/>
+          </a:fillRef>
+          <a:effectRef idx="0">
+            <a:schemeClr val="accent1"/>
+          </a:effectRef>
+          <a:fontRef idx="minor">
+            <a:schemeClr val="lt1"/>
+          </a:fontRef>
+        </p:style>
+        <p:txBody>
+          <a:bodyPr rtlCol="0" anchor="ctr"/>
+          <a:lstStyle/>
+          <a:p>
+            <a:pPr algn="ctr"/>
+            <a:endParaRPr lang="zh-CN" altLang="en-US" dirty="0"/>
+          </a:p>
+        </p:txBody>
+      </p:sp>
+      <p:sp>
+        <p:nvSpPr>
+          <p:cNvPr id="2" name="Slide Number Placeholder 1">
+            <a:extLst>
+              <a:ext uri="{FF2B5EF4-FFF2-40B4-BE49-F238E27FC236}">
+                <a16:creationId xmlns:a16="http://schemas.microsoft.com/office/drawing/2014/main" id="{3ADCFBFA-D125-8E36-E9AC-AC8C07949F7C}"/>
+              </a:ext>
+            </a:extLst>
+          </p:cNvPr>
+          <p:cNvSpPr>
+            <a:spLocks noGrp="1"/>
+          </p:cNvSpPr>
+          <p:nvPr>
+            <p:ph type="sldNum" sz="quarter" idx="12"/>
+          </p:nvPr>
+        </p:nvSpPr>
+        <p:spPr>
+          <a:xfrm>
+            <a:off x="9057739" y="6259509"/>
+            <a:ext cx="2743200" cy="365125"/>
+          </a:xfrm>
+        </p:spPr>
+        <p:txBody>
+          <a:bodyPr/>
+          <a:lstStyle/>
+          <a:p>
+            <a:fld id="{9B1EC109-1E15-4BCA-93B5-56442BB3443E}" type="slidenum">
+              <a:rPr lang="zh-CN" altLang="en-US" sz="2400" b="1" smtClean="0">
+                <a:solidFill>
+                  <a:schemeClr val="bg1">
+                    <a:lumMod val="65000"/>
+                  </a:schemeClr>
+                </a:solidFill>
+                <a:latin typeface="Bradley Hand ITC" panose="03070402050302030203" pitchFamily="66" charset="0"/>
+              </a:rPr>
+              <a:t>27</a:t>
+            </a:fld>
+            <a:endParaRPr lang="zh-CN" altLang="en-US" sz="2400" b="1" dirty="0">
+              <a:solidFill>
+                <a:schemeClr val="bg1">
+                  <a:lumMod val="65000"/>
+                </a:schemeClr>
+              </a:solidFill>
+              <a:latin typeface="Bradley Hand ITC" panose="03070402050302030203" pitchFamily="66" charset="0"/>
+            </a:endParaRPr>
+          </a:p>
+        </p:txBody>
+      </p:sp>
+      <p:sp>
+        <p:nvSpPr>
+          <p:cNvPr id="4" name="Google Shape;867;p33">
+            <a:extLst>
+              <a:ext uri="{FF2B5EF4-FFF2-40B4-BE49-F238E27FC236}">
+                <a16:creationId xmlns:a16="http://schemas.microsoft.com/office/drawing/2014/main" id="{9A789240-5DD3-43F1-476A-3093EB3D0984}"/>
+              </a:ext>
+            </a:extLst>
+          </p:cNvPr>
+          <p:cNvSpPr txBox="1">
+            <a:spLocks/>
+          </p:cNvSpPr>
+          <p:nvPr/>
+        </p:nvSpPr>
+        <p:spPr>
+          <a:xfrm>
+            <a:off x="2222600" y="143850"/>
+            <a:ext cx="7746800" cy="1602400"/>
+          </a:xfrm>
+          <a:prstGeom prst="rect">
+            <a:avLst/>
+          </a:prstGeom>
+          <a:noFill/>
+          <a:ln>
+            <a:noFill/>
+          </a:ln>
+        </p:spPr>
+        <p:txBody>
+          <a:bodyPr spcFirstLastPara="1" wrap="square" lIns="91425" tIns="91425" rIns="91425" bIns="91425" anchor="b" anchorCtr="0">
+            <a:noAutofit/>
+          </a:bodyPr>
+          <a:lstStyle>
+            <a:defPPr marR="0" lvl="0" algn="l" rtl="0">
+              <a:lnSpc>
+                <a:spcPct val="100000"/>
+              </a:lnSpc>
+              <a:spcBef>
+                <a:spcPts val="0"/>
+              </a:spcBef>
+              <a:spcAft>
+                <a:spcPts val="0"/>
+              </a:spcAft>
+            </a:defPPr>
+            <a:lvl1pPr marR="0" lvl="0" algn="l" rtl="0">
+              <a:lnSpc>
+                <a:spcPct val="100000"/>
+              </a:lnSpc>
+              <a:spcBef>
+                <a:spcPts val="0"/>
+              </a:spcBef>
+              <a:spcAft>
+                <a:spcPts val="0"/>
+              </a:spcAft>
+              <a:buClr>
+                <a:schemeClr val="dk1"/>
+              </a:buClr>
+              <a:buSzPts val="3600"/>
+              <a:buFont typeface="Barlow"/>
+              <a:buNone/>
+              <a:defRPr sz="7200" b="1" i="0" u="none" strike="noStrike" cap="none">
+                <a:solidFill>
+                  <a:schemeClr val="dk1"/>
+                </a:solidFill>
+                <a:latin typeface="Barlow"/>
+                <a:ea typeface="Barlow"/>
+                <a:cs typeface="Barlow"/>
+                <a:sym typeface="Barlow"/>
+              </a:defRPr>
+            </a:lvl1pPr>
+            <a:lvl2pPr marR="0" lvl="1" algn="ctr" rtl="0">
+              <a:lnSpc>
+                <a:spcPct val="100000"/>
+              </a:lnSpc>
+              <a:spcBef>
+                <a:spcPts val="0"/>
+              </a:spcBef>
+              <a:spcAft>
+                <a:spcPts val="0"/>
+              </a:spcAft>
+              <a:buClr>
+                <a:schemeClr val="dk1"/>
+              </a:buClr>
+              <a:buSzPts val="3600"/>
+              <a:buFont typeface="Barlow"/>
+              <a:buNone/>
+              <a:defRPr sz="3600" b="1" i="0" u="none" strike="noStrike" cap="none">
+                <a:solidFill>
+                  <a:schemeClr val="dk1"/>
+                </a:solidFill>
+                <a:latin typeface="Barlow"/>
+                <a:ea typeface="Barlow"/>
+                <a:cs typeface="Barlow"/>
+                <a:sym typeface="Barlow"/>
+              </a:defRPr>
+            </a:lvl2pPr>
+            <a:lvl3pPr marR="0" lvl="2" algn="ctr" rtl="0">
+              <a:lnSpc>
+                <a:spcPct val="100000"/>
+              </a:lnSpc>
+              <a:spcBef>
+                <a:spcPts val="0"/>
+              </a:spcBef>
+              <a:spcAft>
+                <a:spcPts val="0"/>
+              </a:spcAft>
+              <a:buClr>
+                <a:schemeClr val="dk1"/>
+              </a:buClr>
+              <a:buSzPts val="3600"/>
+              <a:buFont typeface="Barlow"/>
+              <a:buNone/>
+              <a:defRPr sz="3600" b="1" i="0" u="none" strike="noStrike" cap="none">
+                <a:solidFill>
+                  <a:schemeClr val="dk1"/>
+                </a:solidFill>
+                <a:latin typeface="Barlow"/>
+                <a:ea typeface="Barlow"/>
+                <a:cs typeface="Barlow"/>
+                <a:sym typeface="Barlow"/>
+              </a:defRPr>
+            </a:lvl3pPr>
+            <a:lvl4pPr marR="0" lvl="3" algn="ctr" rtl="0">
+              <a:lnSpc>
+                <a:spcPct val="100000"/>
+              </a:lnSpc>
+              <a:spcBef>
+                <a:spcPts val="0"/>
+              </a:spcBef>
+              <a:spcAft>
+                <a:spcPts val="0"/>
+              </a:spcAft>
+              <a:buClr>
+                <a:schemeClr val="dk1"/>
+              </a:buClr>
+              <a:buSzPts val="3600"/>
+              <a:buFont typeface="Barlow"/>
+              <a:buNone/>
+              <a:defRPr sz="3600" b="1" i="0" u="none" strike="noStrike" cap="none">
+                <a:solidFill>
+                  <a:schemeClr val="dk1"/>
+                </a:solidFill>
+                <a:latin typeface="Barlow"/>
+                <a:ea typeface="Barlow"/>
+                <a:cs typeface="Barlow"/>
+                <a:sym typeface="Barlow"/>
+              </a:defRPr>
+            </a:lvl4pPr>
+            <a:lvl5pPr marR="0" lvl="4" algn="ctr" rtl="0">
+              <a:lnSpc>
+                <a:spcPct val="100000"/>
+              </a:lnSpc>
+              <a:spcBef>
+                <a:spcPts val="0"/>
+              </a:spcBef>
+              <a:spcAft>
+                <a:spcPts val="0"/>
+              </a:spcAft>
+              <a:buClr>
+                <a:schemeClr val="dk1"/>
+              </a:buClr>
+              <a:buSzPts val="3600"/>
+              <a:buFont typeface="Barlow"/>
+              <a:buNone/>
+              <a:defRPr sz="3600" b="1" i="0" u="none" strike="noStrike" cap="none">
+                <a:solidFill>
+                  <a:schemeClr val="dk1"/>
+                </a:solidFill>
+                <a:latin typeface="Barlow"/>
+                <a:ea typeface="Barlow"/>
+                <a:cs typeface="Barlow"/>
+                <a:sym typeface="Barlow"/>
+              </a:defRPr>
+            </a:lvl5pPr>
+            <a:lvl6pPr marR="0" lvl="5" algn="ctr" rtl="0">
+              <a:lnSpc>
+                <a:spcPct val="100000"/>
+              </a:lnSpc>
+              <a:spcBef>
+                <a:spcPts val="0"/>
+              </a:spcBef>
+              <a:spcAft>
+                <a:spcPts val="0"/>
+              </a:spcAft>
+              <a:buClr>
+                <a:schemeClr val="dk1"/>
+              </a:buClr>
+              <a:buSzPts val="3600"/>
+              <a:buFont typeface="Barlow"/>
+              <a:buNone/>
+              <a:defRPr sz="3600" b="1" i="0" u="none" strike="noStrike" cap="none">
+                <a:solidFill>
+                  <a:schemeClr val="dk1"/>
+                </a:solidFill>
+                <a:latin typeface="Barlow"/>
+                <a:ea typeface="Barlow"/>
+                <a:cs typeface="Barlow"/>
+                <a:sym typeface="Barlow"/>
+              </a:defRPr>
+            </a:lvl6pPr>
+            <a:lvl7pPr marR="0" lvl="6" algn="ctr" rtl="0">
+              <a:lnSpc>
+                <a:spcPct val="100000"/>
+              </a:lnSpc>
+              <a:spcBef>
+                <a:spcPts val="0"/>
+              </a:spcBef>
+              <a:spcAft>
+                <a:spcPts val="0"/>
+              </a:spcAft>
+              <a:buClr>
+                <a:schemeClr val="dk1"/>
+              </a:buClr>
+              <a:buSzPts val="3600"/>
+              <a:buFont typeface="Barlow"/>
+              <a:buNone/>
+              <a:defRPr sz="3600" b="1" i="0" u="none" strike="noStrike" cap="none">
+                <a:solidFill>
+                  <a:schemeClr val="dk1"/>
+                </a:solidFill>
+                <a:latin typeface="Barlow"/>
+                <a:ea typeface="Barlow"/>
+                <a:cs typeface="Barlow"/>
+                <a:sym typeface="Barlow"/>
+              </a:defRPr>
+            </a:lvl7pPr>
+            <a:lvl8pPr marR="0" lvl="7" algn="ctr" rtl="0">
+              <a:lnSpc>
+                <a:spcPct val="100000"/>
+              </a:lnSpc>
+              <a:spcBef>
+                <a:spcPts val="0"/>
+              </a:spcBef>
+              <a:spcAft>
+                <a:spcPts val="0"/>
+              </a:spcAft>
+              <a:buClr>
+                <a:schemeClr val="dk1"/>
+              </a:buClr>
+              <a:buSzPts val="3600"/>
+              <a:buFont typeface="Barlow"/>
+              <a:buNone/>
+              <a:defRPr sz="3600" b="1" i="0" u="none" strike="noStrike" cap="none">
+                <a:solidFill>
+                  <a:schemeClr val="dk1"/>
+                </a:solidFill>
+                <a:latin typeface="Barlow"/>
+                <a:ea typeface="Barlow"/>
+                <a:cs typeface="Barlow"/>
+                <a:sym typeface="Barlow"/>
+              </a:defRPr>
+            </a:lvl8pPr>
+            <a:lvl9pPr marR="0" lvl="8" algn="ctr" rtl="0">
+              <a:lnSpc>
+                <a:spcPct val="100000"/>
+              </a:lnSpc>
+              <a:spcBef>
+                <a:spcPts val="0"/>
+              </a:spcBef>
+              <a:spcAft>
+                <a:spcPts val="0"/>
+              </a:spcAft>
+              <a:buClr>
+                <a:schemeClr val="dk1"/>
+              </a:buClr>
+              <a:buSzPts val="3600"/>
+              <a:buFont typeface="Barlow"/>
+              <a:buNone/>
+              <a:defRPr sz="3600" b="1" i="0" u="none" strike="noStrike" cap="none">
+                <a:solidFill>
+                  <a:schemeClr val="dk1"/>
+                </a:solidFill>
+                <a:latin typeface="Barlow"/>
+                <a:ea typeface="Barlow"/>
+                <a:cs typeface="Barlow"/>
+                <a:sym typeface="Barlow"/>
+              </a:defRPr>
+            </a:lvl9pPr>
+          </a:lstStyle>
+          <a:p>
+            <a:pPr algn="ctr"/>
+            <a:r>
+              <a:rPr lang="en-US" altLang="zh-CN" sz="8000" spc="300" dirty="0">
+                <a:solidFill>
+                  <a:schemeClr val="accent4">
+                    <a:lumMod val="60000"/>
+                    <a:lumOff val="40000"/>
+                    <a:alpha val="60000"/>
+                  </a:schemeClr>
+                </a:solidFill>
+                <a:latin typeface="Amatic SC" panose="020F0502020204030204" pitchFamily="2" charset="-79"/>
+                <a:cs typeface="Amatic SC" panose="020F0502020204030204" pitchFamily="2" charset="-79"/>
+              </a:rPr>
+              <a:t>Forever Loop</a:t>
+            </a:r>
+          </a:p>
+        </p:txBody>
+      </p:sp>
+      <p:pic>
+        <p:nvPicPr>
+          <p:cNvPr id="5" name="Picture 4">
+            <a:extLst>
+              <a:ext uri="{FF2B5EF4-FFF2-40B4-BE49-F238E27FC236}">
+                <a16:creationId xmlns:a16="http://schemas.microsoft.com/office/drawing/2014/main" id="{C08BBF4A-92C4-7260-6DAE-6718B0893973}"/>
+              </a:ext>
+            </a:extLst>
+          </p:cNvPr>
+          <p:cNvPicPr>
+            <a:picLocks noChangeAspect="1"/>
+          </p:cNvPicPr>
+          <p:nvPr/>
+        </p:nvPicPr>
+        <p:blipFill>
+          <a:blip r:embed="rId2">
+            <a:extLst>
+              <a:ext uri="{28A0092B-C50C-407E-A947-70E740481C1C}">
+                <a14:useLocalDpi xmlns:a14="http://schemas.microsoft.com/office/drawing/2010/main" val="0"/>
+              </a:ext>
+            </a:extLst>
+          </a:blip>
+          <a:stretch>
+            <a:fillRect/>
+          </a:stretch>
+        </p:blipFill>
+        <p:spPr>
+          <a:xfrm>
+            <a:off x="4513630" y="2708247"/>
+            <a:ext cx="3164740" cy="2057081"/>
+          </a:xfrm>
+          <a:prstGeom prst="rect">
+            <a:avLst/>
+          </a:prstGeom>
+        </p:spPr>
+      </p:pic>
+      <p:sp>
+        <p:nvSpPr>
+          <p:cNvPr id="3" name="TextBox 2">
+            <a:extLst>
+              <a:ext uri="{FF2B5EF4-FFF2-40B4-BE49-F238E27FC236}">
+                <a16:creationId xmlns:a16="http://schemas.microsoft.com/office/drawing/2014/main" id="{0F4E0FF1-AD02-CAFC-CC91-88705EB96ABC}"/>
+              </a:ext>
+            </a:extLst>
+          </p:cNvPr>
+          <p:cNvSpPr txBox="1"/>
+          <p:nvPr/>
+        </p:nvSpPr>
+        <p:spPr>
+          <a:xfrm>
+            <a:off x="2585091" y="5257300"/>
+            <a:ext cx="7021818" cy="646331"/>
+          </a:xfrm>
+          <a:prstGeom prst="rect">
+            <a:avLst/>
+          </a:prstGeom>
+          <a:noFill/>
+        </p:spPr>
+        <p:txBody>
+          <a:bodyPr wrap="square" rtlCol="0">
+            <a:spAutoFit/>
+          </a:bodyPr>
+          <a:lstStyle/>
+          <a:p>
+            <a:pPr algn="ctr"/>
+            <a:r>
+              <a:rPr lang="en-US" altLang="zh-CN" sz="3600" dirty="0">
+                <a:solidFill>
+                  <a:schemeClr val="bg1">
+                    <a:lumMod val="75000"/>
+                  </a:schemeClr>
+                </a:solidFill>
+                <a:latin typeface="High Tower Text" panose="02040502050506030303" pitchFamily="18" charset="0"/>
+              </a:rPr>
+              <a:t>Repeatedly run code </a:t>
+            </a:r>
+            <a:r>
+              <a:rPr lang="en-US" altLang="zh-CN" sz="3600" dirty="0">
+                <a:solidFill>
+                  <a:schemeClr val="accent2">
+                    <a:lumMod val="60000"/>
+                    <a:lumOff val="40000"/>
+                  </a:schemeClr>
+                </a:solidFill>
+                <a:latin typeface="High Tower Text" panose="02040502050506030303" pitchFamily="18" charset="0"/>
+              </a:rPr>
+              <a:t>forever</a:t>
+            </a:r>
+            <a:endParaRPr lang="zh-CN" altLang="en-US" sz="3600" dirty="0">
+              <a:solidFill>
+                <a:schemeClr val="bg1">
+                  <a:lumMod val="75000"/>
+                </a:schemeClr>
+              </a:solidFill>
+              <a:latin typeface="High Tower Text" panose="02040502050506030303" pitchFamily="18" charset="0"/>
+            </a:endParaRPr>
           </a:p>
         </p:txBody>
       </p:sp>
     </p:spTree>
     <p:extLst>
       <p:ext uri="{BB962C8B-B14F-4D97-AF65-F5344CB8AC3E}">
-        <p14:creationId xmlns:p14="http://schemas.microsoft.com/office/powerpoint/2010/main" val="394012090"/>
+        <p14:creationId xmlns:p14="http://schemas.microsoft.com/office/powerpoint/2010/main" val="1085799056"/>
+      </p:ext>
+    </p:extLst>
+  </p:cSld>
+  <p:clrMapOvr>
+    <a:masterClrMapping/>
+  </p:clrMapOvr>
+</p:sld>
+</file>
+
+<file path=ppt/slides/slide28.xml><?xml version="1.0" encoding="utf-8"?>
+<p:sld xmlns:a="http://schemas.openxmlformats.org/drawingml/2006/main" xmlns:r="http://schemas.openxmlformats.org/officeDocument/2006/relationships" xmlns:p="http://schemas.openxmlformats.org/presentationml/2006/main">
+  <p:cSld>
+    <p:spTree>
+      <p:nvGrpSpPr>
+        <p:cNvPr id="1" name="">
+          <a:extLst>
+            <a:ext uri="{FF2B5EF4-FFF2-40B4-BE49-F238E27FC236}">
+              <a16:creationId xmlns:a16="http://schemas.microsoft.com/office/drawing/2014/main" id="{E4166049-95DC-5F70-47CF-F3AF1B302EC8}"/>
+            </a:ext>
+          </a:extLst>
+        </p:cNvPr>
+        <p:cNvGrpSpPr/>
+        <p:nvPr/>
+      </p:nvGrpSpPr>
+      <p:grpSpPr>
+        <a:xfrm>
+          <a:off x="0" y="0"/>
+          <a:ext cx="0" cy="0"/>
+          <a:chOff x="0" y="0"/>
+          <a:chExt cx="0" cy="0"/>
+        </a:xfrm>
+      </p:grpSpPr>
+      <p:sp>
+        <p:nvSpPr>
+          <p:cNvPr id="6" name="Rectangle 5">
+            <a:extLst>
+              <a:ext uri="{FF2B5EF4-FFF2-40B4-BE49-F238E27FC236}">
+                <a16:creationId xmlns:a16="http://schemas.microsoft.com/office/drawing/2014/main" id="{9F63951D-42FF-D963-192E-11F6F021CC8B}"/>
+              </a:ext>
+            </a:extLst>
+          </p:cNvPr>
+          <p:cNvSpPr/>
+          <p:nvPr/>
+        </p:nvSpPr>
+        <p:spPr>
+          <a:xfrm>
+            <a:off x="0" y="0"/>
+            <a:ext cx="12192000" cy="6858000"/>
+          </a:xfrm>
+          <a:prstGeom prst="rect">
+            <a:avLst/>
+          </a:prstGeom>
+          <a:solidFill>
+            <a:srgbClr val="23242A"/>
+          </a:solidFill>
+          <a:ln>
+            <a:noFill/>
+          </a:ln>
+        </p:spPr>
+        <p:style>
+          <a:lnRef idx="2">
+            <a:schemeClr val="accent1">
+              <a:shade val="15000"/>
+            </a:schemeClr>
+          </a:lnRef>
+          <a:fillRef idx="1">
+            <a:schemeClr val="accent1"/>
+          </a:fillRef>
+          <a:effectRef idx="0">
+            <a:schemeClr val="accent1"/>
+          </a:effectRef>
+          <a:fontRef idx="minor">
+            <a:schemeClr val="lt1"/>
+          </a:fontRef>
+        </p:style>
+        <p:txBody>
+          <a:bodyPr rtlCol="0" anchor="ctr"/>
+          <a:lstStyle/>
+          <a:p>
+            <a:pPr algn="ctr"/>
+            <a:endParaRPr lang="zh-CN" altLang="en-US" dirty="0"/>
+          </a:p>
+        </p:txBody>
+      </p:sp>
+      <p:sp>
+        <p:nvSpPr>
+          <p:cNvPr id="2" name="Slide Number Placeholder 1">
+            <a:extLst>
+              <a:ext uri="{FF2B5EF4-FFF2-40B4-BE49-F238E27FC236}">
+                <a16:creationId xmlns:a16="http://schemas.microsoft.com/office/drawing/2014/main" id="{B9C95714-2B31-BF4C-79E4-5416B246CBF4}"/>
+              </a:ext>
+            </a:extLst>
+          </p:cNvPr>
+          <p:cNvSpPr>
+            <a:spLocks noGrp="1"/>
+          </p:cNvSpPr>
+          <p:nvPr>
+            <p:ph type="sldNum" sz="quarter" idx="12"/>
+          </p:nvPr>
+        </p:nvSpPr>
+        <p:spPr>
+          <a:xfrm>
+            <a:off x="9057739" y="6259509"/>
+            <a:ext cx="2743200" cy="365125"/>
+          </a:xfrm>
+        </p:spPr>
+        <p:txBody>
+          <a:bodyPr/>
+          <a:lstStyle/>
+          <a:p>
+            <a:fld id="{9B1EC109-1E15-4BCA-93B5-56442BB3443E}" type="slidenum">
+              <a:rPr lang="zh-CN" altLang="en-US" sz="2400" b="1" smtClean="0">
+                <a:solidFill>
+                  <a:schemeClr val="bg1">
+                    <a:lumMod val="65000"/>
+                  </a:schemeClr>
+                </a:solidFill>
+                <a:latin typeface="Bradley Hand ITC" panose="03070402050302030203" pitchFamily="66" charset="0"/>
+              </a:rPr>
+              <a:t>28</a:t>
+            </a:fld>
+            <a:endParaRPr lang="zh-CN" altLang="en-US" sz="2400" b="1" dirty="0">
+              <a:solidFill>
+                <a:schemeClr val="bg1">
+                  <a:lumMod val="65000"/>
+                </a:schemeClr>
+              </a:solidFill>
+              <a:latin typeface="Bradley Hand ITC" panose="03070402050302030203" pitchFamily="66" charset="0"/>
+            </a:endParaRPr>
+          </a:p>
+        </p:txBody>
+      </p:sp>
+      <p:sp>
+        <p:nvSpPr>
+          <p:cNvPr id="4" name="Google Shape;867;p33">
+            <a:extLst>
+              <a:ext uri="{FF2B5EF4-FFF2-40B4-BE49-F238E27FC236}">
+                <a16:creationId xmlns:a16="http://schemas.microsoft.com/office/drawing/2014/main" id="{7EAEC5E2-1B12-7856-1361-D6AE4609B742}"/>
+              </a:ext>
+            </a:extLst>
+          </p:cNvPr>
+          <p:cNvSpPr txBox="1">
+            <a:spLocks/>
+          </p:cNvSpPr>
+          <p:nvPr/>
+        </p:nvSpPr>
+        <p:spPr>
+          <a:xfrm>
+            <a:off x="2222600" y="143850"/>
+            <a:ext cx="7746800" cy="1602400"/>
+          </a:xfrm>
+          <a:prstGeom prst="rect">
+            <a:avLst/>
+          </a:prstGeom>
+          <a:noFill/>
+          <a:ln>
+            <a:noFill/>
+          </a:ln>
+        </p:spPr>
+        <p:txBody>
+          <a:bodyPr spcFirstLastPara="1" wrap="square" lIns="91425" tIns="91425" rIns="91425" bIns="91425" anchor="b" anchorCtr="0">
+            <a:noAutofit/>
+          </a:bodyPr>
+          <a:lstStyle>
+            <a:defPPr marR="0" lvl="0" algn="l" rtl="0">
+              <a:lnSpc>
+                <a:spcPct val="100000"/>
+              </a:lnSpc>
+              <a:spcBef>
+                <a:spcPts val="0"/>
+              </a:spcBef>
+              <a:spcAft>
+                <a:spcPts val="0"/>
+              </a:spcAft>
+            </a:defPPr>
+            <a:lvl1pPr marR="0" lvl="0" algn="l" rtl="0">
+              <a:lnSpc>
+                <a:spcPct val="100000"/>
+              </a:lnSpc>
+              <a:spcBef>
+                <a:spcPts val="0"/>
+              </a:spcBef>
+              <a:spcAft>
+                <a:spcPts val="0"/>
+              </a:spcAft>
+              <a:buClr>
+                <a:schemeClr val="dk1"/>
+              </a:buClr>
+              <a:buSzPts val="3600"/>
+              <a:buFont typeface="Barlow"/>
+              <a:buNone/>
+              <a:defRPr sz="7200" b="1" i="0" u="none" strike="noStrike" cap="none">
+                <a:solidFill>
+                  <a:schemeClr val="dk1"/>
+                </a:solidFill>
+                <a:latin typeface="Barlow"/>
+                <a:ea typeface="Barlow"/>
+                <a:cs typeface="Barlow"/>
+                <a:sym typeface="Barlow"/>
+              </a:defRPr>
+            </a:lvl1pPr>
+            <a:lvl2pPr marR="0" lvl="1" algn="ctr" rtl="0">
+              <a:lnSpc>
+                <a:spcPct val="100000"/>
+              </a:lnSpc>
+              <a:spcBef>
+                <a:spcPts val="0"/>
+              </a:spcBef>
+              <a:spcAft>
+                <a:spcPts val="0"/>
+              </a:spcAft>
+              <a:buClr>
+                <a:schemeClr val="dk1"/>
+              </a:buClr>
+              <a:buSzPts val="3600"/>
+              <a:buFont typeface="Barlow"/>
+              <a:buNone/>
+              <a:defRPr sz="3600" b="1" i="0" u="none" strike="noStrike" cap="none">
+                <a:solidFill>
+                  <a:schemeClr val="dk1"/>
+                </a:solidFill>
+                <a:latin typeface="Barlow"/>
+                <a:ea typeface="Barlow"/>
+                <a:cs typeface="Barlow"/>
+                <a:sym typeface="Barlow"/>
+              </a:defRPr>
+            </a:lvl2pPr>
+            <a:lvl3pPr marR="0" lvl="2" algn="ctr" rtl="0">
+              <a:lnSpc>
+                <a:spcPct val="100000"/>
+              </a:lnSpc>
+              <a:spcBef>
+                <a:spcPts val="0"/>
+              </a:spcBef>
+              <a:spcAft>
+                <a:spcPts val="0"/>
+              </a:spcAft>
+              <a:buClr>
+                <a:schemeClr val="dk1"/>
+              </a:buClr>
+              <a:buSzPts val="3600"/>
+              <a:buFont typeface="Barlow"/>
+              <a:buNone/>
+              <a:defRPr sz="3600" b="1" i="0" u="none" strike="noStrike" cap="none">
+                <a:solidFill>
+                  <a:schemeClr val="dk1"/>
+                </a:solidFill>
+                <a:latin typeface="Barlow"/>
+                <a:ea typeface="Barlow"/>
+                <a:cs typeface="Barlow"/>
+                <a:sym typeface="Barlow"/>
+              </a:defRPr>
+            </a:lvl3pPr>
+            <a:lvl4pPr marR="0" lvl="3" algn="ctr" rtl="0">
+              <a:lnSpc>
+                <a:spcPct val="100000"/>
+              </a:lnSpc>
+              <a:spcBef>
+                <a:spcPts val="0"/>
+              </a:spcBef>
+              <a:spcAft>
+                <a:spcPts val="0"/>
+              </a:spcAft>
+              <a:buClr>
+                <a:schemeClr val="dk1"/>
+              </a:buClr>
+              <a:buSzPts val="3600"/>
+              <a:buFont typeface="Barlow"/>
+              <a:buNone/>
+              <a:defRPr sz="3600" b="1" i="0" u="none" strike="noStrike" cap="none">
+                <a:solidFill>
+                  <a:schemeClr val="dk1"/>
+                </a:solidFill>
+                <a:latin typeface="Barlow"/>
+                <a:ea typeface="Barlow"/>
+                <a:cs typeface="Barlow"/>
+                <a:sym typeface="Barlow"/>
+              </a:defRPr>
+            </a:lvl4pPr>
+            <a:lvl5pPr marR="0" lvl="4" algn="ctr" rtl="0">
+              <a:lnSpc>
+                <a:spcPct val="100000"/>
+              </a:lnSpc>
+              <a:spcBef>
+                <a:spcPts val="0"/>
+              </a:spcBef>
+              <a:spcAft>
+                <a:spcPts val="0"/>
+              </a:spcAft>
+              <a:buClr>
+                <a:schemeClr val="dk1"/>
+              </a:buClr>
+              <a:buSzPts val="3600"/>
+              <a:buFont typeface="Barlow"/>
+              <a:buNone/>
+              <a:defRPr sz="3600" b="1" i="0" u="none" strike="noStrike" cap="none">
+                <a:solidFill>
+                  <a:schemeClr val="dk1"/>
+                </a:solidFill>
+                <a:latin typeface="Barlow"/>
+                <a:ea typeface="Barlow"/>
+                <a:cs typeface="Barlow"/>
+                <a:sym typeface="Barlow"/>
+              </a:defRPr>
+            </a:lvl5pPr>
+            <a:lvl6pPr marR="0" lvl="5" algn="ctr" rtl="0">
+              <a:lnSpc>
+                <a:spcPct val="100000"/>
+              </a:lnSpc>
+              <a:spcBef>
+                <a:spcPts val="0"/>
+              </a:spcBef>
+              <a:spcAft>
+                <a:spcPts val="0"/>
+              </a:spcAft>
+              <a:buClr>
+                <a:schemeClr val="dk1"/>
+              </a:buClr>
+              <a:buSzPts val="3600"/>
+              <a:buFont typeface="Barlow"/>
+              <a:buNone/>
+              <a:defRPr sz="3600" b="1" i="0" u="none" strike="noStrike" cap="none">
+                <a:solidFill>
+                  <a:schemeClr val="dk1"/>
+                </a:solidFill>
+                <a:latin typeface="Barlow"/>
+                <a:ea typeface="Barlow"/>
+                <a:cs typeface="Barlow"/>
+                <a:sym typeface="Barlow"/>
+              </a:defRPr>
+            </a:lvl6pPr>
+            <a:lvl7pPr marR="0" lvl="6" algn="ctr" rtl="0">
+              <a:lnSpc>
+                <a:spcPct val="100000"/>
+              </a:lnSpc>
+              <a:spcBef>
+                <a:spcPts val="0"/>
+              </a:spcBef>
+              <a:spcAft>
+                <a:spcPts val="0"/>
+              </a:spcAft>
+              <a:buClr>
+                <a:schemeClr val="dk1"/>
+              </a:buClr>
+              <a:buSzPts val="3600"/>
+              <a:buFont typeface="Barlow"/>
+              <a:buNone/>
+              <a:defRPr sz="3600" b="1" i="0" u="none" strike="noStrike" cap="none">
+                <a:solidFill>
+                  <a:schemeClr val="dk1"/>
+                </a:solidFill>
+                <a:latin typeface="Barlow"/>
+                <a:ea typeface="Barlow"/>
+                <a:cs typeface="Barlow"/>
+                <a:sym typeface="Barlow"/>
+              </a:defRPr>
+            </a:lvl7pPr>
+            <a:lvl8pPr marR="0" lvl="7" algn="ctr" rtl="0">
+              <a:lnSpc>
+                <a:spcPct val="100000"/>
+              </a:lnSpc>
+              <a:spcBef>
+                <a:spcPts val="0"/>
+              </a:spcBef>
+              <a:spcAft>
+                <a:spcPts val="0"/>
+              </a:spcAft>
+              <a:buClr>
+                <a:schemeClr val="dk1"/>
+              </a:buClr>
+              <a:buSzPts val="3600"/>
+              <a:buFont typeface="Barlow"/>
+              <a:buNone/>
+              <a:defRPr sz="3600" b="1" i="0" u="none" strike="noStrike" cap="none">
+                <a:solidFill>
+                  <a:schemeClr val="dk1"/>
+                </a:solidFill>
+                <a:latin typeface="Barlow"/>
+                <a:ea typeface="Barlow"/>
+                <a:cs typeface="Barlow"/>
+                <a:sym typeface="Barlow"/>
+              </a:defRPr>
+            </a:lvl8pPr>
+            <a:lvl9pPr marR="0" lvl="8" algn="ctr" rtl="0">
+              <a:lnSpc>
+                <a:spcPct val="100000"/>
+              </a:lnSpc>
+              <a:spcBef>
+                <a:spcPts val="0"/>
+              </a:spcBef>
+              <a:spcAft>
+                <a:spcPts val="0"/>
+              </a:spcAft>
+              <a:buClr>
+                <a:schemeClr val="dk1"/>
+              </a:buClr>
+              <a:buSzPts val="3600"/>
+              <a:buFont typeface="Barlow"/>
+              <a:buNone/>
+              <a:defRPr sz="3600" b="1" i="0" u="none" strike="noStrike" cap="none">
+                <a:solidFill>
+                  <a:schemeClr val="dk1"/>
+                </a:solidFill>
+                <a:latin typeface="Barlow"/>
+                <a:ea typeface="Barlow"/>
+                <a:cs typeface="Barlow"/>
+                <a:sym typeface="Barlow"/>
+              </a:defRPr>
+            </a:lvl9pPr>
+          </a:lstStyle>
+          <a:p>
+            <a:pPr algn="ctr"/>
+            <a:r>
+              <a:rPr lang="en-US" altLang="zh-CN" sz="8000" spc="300" dirty="0">
+                <a:solidFill>
+                  <a:schemeClr val="accent4">
+                    <a:lumMod val="60000"/>
+                    <a:lumOff val="40000"/>
+                    <a:alpha val="60000"/>
+                  </a:schemeClr>
+                </a:solidFill>
+                <a:latin typeface="Amatic SC" panose="020F0502020204030204" pitchFamily="2" charset="-79"/>
+                <a:cs typeface="Amatic SC" panose="020F0502020204030204" pitchFamily="2" charset="-79"/>
+              </a:rPr>
+              <a:t>Repeat vs. Forever</a:t>
+            </a:r>
+          </a:p>
+        </p:txBody>
+      </p:sp>
+      <p:pic>
+        <p:nvPicPr>
+          <p:cNvPr id="5" name="Picture 4">
+            <a:extLst>
+              <a:ext uri="{FF2B5EF4-FFF2-40B4-BE49-F238E27FC236}">
+                <a16:creationId xmlns:a16="http://schemas.microsoft.com/office/drawing/2014/main" id="{3A7CBC0F-C806-9548-3D29-3DB49DD76075}"/>
+              </a:ext>
+            </a:extLst>
+          </p:cNvPr>
+          <p:cNvPicPr>
+            <a:picLocks noChangeAspect="1"/>
+          </p:cNvPicPr>
+          <p:nvPr/>
+        </p:nvPicPr>
+        <p:blipFill>
+          <a:blip r:embed="rId2">
+            <a:extLst>
+              <a:ext uri="{28A0092B-C50C-407E-A947-70E740481C1C}">
+                <a14:useLocalDpi xmlns:a14="http://schemas.microsoft.com/office/drawing/2010/main" val="0"/>
+              </a:ext>
+            </a:extLst>
+          </a:blip>
+          <a:stretch>
+            <a:fillRect/>
+          </a:stretch>
+        </p:blipFill>
+        <p:spPr>
+          <a:xfrm>
+            <a:off x="7226959" y="3238844"/>
+            <a:ext cx="2712720" cy="1763268"/>
+          </a:xfrm>
+          <a:prstGeom prst="rect">
+            <a:avLst/>
+          </a:prstGeom>
+        </p:spPr>
+      </p:pic>
+      <p:pic>
+        <p:nvPicPr>
+          <p:cNvPr id="8" name="Picture 7">
+            <a:extLst>
+              <a:ext uri="{FF2B5EF4-FFF2-40B4-BE49-F238E27FC236}">
+                <a16:creationId xmlns:a16="http://schemas.microsoft.com/office/drawing/2014/main" id="{6E9A60E8-29E2-9C3C-2413-628B98A6E75F}"/>
+              </a:ext>
+            </a:extLst>
+          </p:cNvPr>
+          <p:cNvPicPr>
+            <a:picLocks noChangeAspect="1"/>
+          </p:cNvPicPr>
+          <p:nvPr/>
+        </p:nvPicPr>
+        <p:blipFill>
+          <a:blip r:embed="rId3">
+            <a:extLst>
+              <a:ext uri="{28A0092B-C50C-407E-A947-70E740481C1C}">
+                <a14:useLocalDpi xmlns:a14="http://schemas.microsoft.com/office/drawing/2010/main" val="0"/>
+              </a:ext>
+            </a:extLst>
+          </a:blip>
+          <a:stretch>
+            <a:fillRect/>
+          </a:stretch>
+        </p:blipFill>
+        <p:spPr>
+          <a:xfrm>
+            <a:off x="2331256" y="3238844"/>
+            <a:ext cx="2712720" cy="1898904"/>
+          </a:xfrm>
+          <a:prstGeom prst="rect">
+            <a:avLst/>
+          </a:prstGeom>
+        </p:spPr>
+      </p:pic>
+      <p:sp>
+        <p:nvSpPr>
+          <p:cNvPr id="9" name="Rectangle 8">
+            <a:extLst>
+              <a:ext uri="{FF2B5EF4-FFF2-40B4-BE49-F238E27FC236}">
+                <a16:creationId xmlns:a16="http://schemas.microsoft.com/office/drawing/2014/main" id="{C26A420E-B74B-51E7-826E-2BF98AC11E29}"/>
+              </a:ext>
+            </a:extLst>
+          </p:cNvPr>
+          <p:cNvSpPr/>
+          <p:nvPr/>
+        </p:nvSpPr>
+        <p:spPr>
+          <a:xfrm>
+            <a:off x="2396462" y="3444907"/>
+            <a:ext cx="927835" cy="461349"/>
+          </a:xfrm>
+          <a:prstGeom prst="rect">
+            <a:avLst/>
+          </a:prstGeom>
+          <a:noFill/>
+          <a:ln w="38100">
+            <a:solidFill>
+              <a:srgbClr val="C00000"/>
+            </a:solidFill>
+          </a:ln>
+        </p:spPr>
+        <p:style>
+          <a:lnRef idx="2">
+            <a:schemeClr val="accent1">
+              <a:shade val="15000"/>
+            </a:schemeClr>
+          </a:lnRef>
+          <a:fillRef idx="1">
+            <a:schemeClr val="accent1"/>
+          </a:fillRef>
+          <a:effectRef idx="0">
+            <a:schemeClr val="accent1"/>
+          </a:effectRef>
+          <a:fontRef idx="minor">
+            <a:schemeClr val="lt1"/>
+          </a:fontRef>
+        </p:style>
+        <p:txBody>
+          <a:bodyPr rtlCol="0" anchor="ctr"/>
+          <a:lstStyle/>
+          <a:p>
+            <a:pPr algn="ctr"/>
+            <a:endParaRPr lang="zh-CN" altLang="en-US"/>
+          </a:p>
+        </p:txBody>
+      </p:sp>
+      <p:sp>
+        <p:nvSpPr>
+          <p:cNvPr id="10" name="Rectangle 9">
+            <a:extLst>
+              <a:ext uri="{FF2B5EF4-FFF2-40B4-BE49-F238E27FC236}">
+                <a16:creationId xmlns:a16="http://schemas.microsoft.com/office/drawing/2014/main" id="{3E319E78-EC7A-03CE-8B6D-D6FA2E18A57C}"/>
+              </a:ext>
+            </a:extLst>
+          </p:cNvPr>
+          <p:cNvSpPr/>
+          <p:nvPr/>
+        </p:nvSpPr>
+        <p:spPr>
+          <a:xfrm>
+            <a:off x="7284374" y="3444906"/>
+            <a:ext cx="1038643" cy="461349"/>
+          </a:xfrm>
+          <a:prstGeom prst="rect">
+            <a:avLst/>
+          </a:prstGeom>
+          <a:noFill/>
+          <a:ln w="38100">
+            <a:solidFill>
+              <a:srgbClr val="C00000"/>
+            </a:solidFill>
+          </a:ln>
+        </p:spPr>
+        <p:style>
+          <a:lnRef idx="2">
+            <a:schemeClr val="accent1">
+              <a:shade val="15000"/>
+            </a:schemeClr>
+          </a:lnRef>
+          <a:fillRef idx="1">
+            <a:schemeClr val="accent1"/>
+          </a:fillRef>
+          <a:effectRef idx="0">
+            <a:schemeClr val="accent1"/>
+          </a:effectRef>
+          <a:fontRef idx="minor">
+            <a:schemeClr val="lt1"/>
+          </a:fontRef>
+        </p:style>
+        <p:txBody>
+          <a:bodyPr rtlCol="0" anchor="ctr"/>
+          <a:lstStyle/>
+          <a:p>
+            <a:pPr algn="ctr"/>
+            <a:endParaRPr lang="zh-CN" altLang="en-US"/>
+          </a:p>
+        </p:txBody>
+      </p:sp>
+      <p:cxnSp>
+        <p:nvCxnSpPr>
+          <p:cNvPr id="11" name="Straight Connector 10">
+            <a:extLst>
+              <a:ext uri="{FF2B5EF4-FFF2-40B4-BE49-F238E27FC236}">
+                <a16:creationId xmlns:a16="http://schemas.microsoft.com/office/drawing/2014/main" id="{AF98C640-60AB-90C4-6695-E736040A0E1A}"/>
+              </a:ext>
+            </a:extLst>
+          </p:cNvPr>
+          <p:cNvCxnSpPr>
+            <a:cxnSpLocks/>
+          </p:cNvCxnSpPr>
+          <p:nvPr/>
+        </p:nvCxnSpPr>
+        <p:spPr>
+          <a:xfrm flipV="1">
+            <a:off x="2831119" y="2466076"/>
+            <a:ext cx="2183597" cy="875799"/>
+          </a:xfrm>
+          <a:prstGeom prst="line">
+            <a:avLst/>
+          </a:prstGeom>
+          <a:ln w="50800">
+            <a:solidFill>
+              <a:srgbClr val="C00000"/>
+            </a:solidFill>
+            <a:prstDash val="sysDash"/>
+          </a:ln>
+        </p:spPr>
+        <p:style>
+          <a:lnRef idx="1">
+            <a:schemeClr val="accent1"/>
+          </a:lnRef>
+          <a:fillRef idx="0">
+            <a:schemeClr val="accent1"/>
+          </a:fillRef>
+          <a:effectRef idx="0">
+            <a:schemeClr val="accent1"/>
+          </a:effectRef>
+          <a:fontRef idx="minor">
+            <a:schemeClr val="tx1"/>
+          </a:fontRef>
+        </p:style>
+      </p:cxnSp>
+      <p:cxnSp>
+        <p:nvCxnSpPr>
+          <p:cNvPr id="13" name="Straight Connector 12">
+            <a:extLst>
+              <a:ext uri="{FF2B5EF4-FFF2-40B4-BE49-F238E27FC236}">
+                <a16:creationId xmlns:a16="http://schemas.microsoft.com/office/drawing/2014/main" id="{A41C6198-0F2C-8C01-5242-A2E9A88DE8EC}"/>
+              </a:ext>
+            </a:extLst>
+          </p:cNvPr>
+          <p:cNvCxnSpPr>
+            <a:cxnSpLocks/>
+          </p:cNvCxnSpPr>
+          <p:nvPr/>
+        </p:nvCxnSpPr>
+        <p:spPr>
+          <a:xfrm>
+            <a:off x="6326577" y="2466076"/>
+            <a:ext cx="1477118" cy="875799"/>
+          </a:xfrm>
+          <a:prstGeom prst="line">
+            <a:avLst/>
+          </a:prstGeom>
+          <a:ln w="50800">
+            <a:solidFill>
+              <a:srgbClr val="C00000"/>
+            </a:solidFill>
+            <a:prstDash val="sysDash"/>
+          </a:ln>
+        </p:spPr>
+        <p:style>
+          <a:lnRef idx="1">
+            <a:schemeClr val="accent1"/>
+          </a:lnRef>
+          <a:fillRef idx="0">
+            <a:schemeClr val="accent1"/>
+          </a:fillRef>
+          <a:effectRef idx="0">
+            <a:schemeClr val="accent1"/>
+          </a:effectRef>
+          <a:fontRef idx="minor">
+            <a:schemeClr val="tx1"/>
+          </a:fontRef>
+        </p:style>
+      </p:cxnSp>
+      <p:sp>
+        <p:nvSpPr>
+          <p:cNvPr id="16" name="TextBox 15">
+            <a:extLst>
+              <a:ext uri="{FF2B5EF4-FFF2-40B4-BE49-F238E27FC236}">
+                <a16:creationId xmlns:a16="http://schemas.microsoft.com/office/drawing/2014/main" id="{FCC2566A-C70A-ECAD-ECD8-EC8161A00E25}"/>
+              </a:ext>
+            </a:extLst>
+          </p:cNvPr>
+          <p:cNvSpPr txBox="1"/>
+          <p:nvPr/>
+        </p:nvSpPr>
+        <p:spPr>
+          <a:xfrm>
+            <a:off x="3941105" y="1833441"/>
+            <a:ext cx="3343269" cy="584775"/>
+          </a:xfrm>
+          <a:prstGeom prst="rect">
+            <a:avLst/>
+          </a:prstGeom>
+          <a:noFill/>
+        </p:spPr>
+        <p:txBody>
+          <a:bodyPr wrap="square" rtlCol="0">
+            <a:spAutoFit/>
+          </a:bodyPr>
+          <a:lstStyle/>
+          <a:p>
+            <a:pPr algn="ctr"/>
+            <a:r>
+              <a:rPr lang="en-US" altLang="zh-CN" sz="3200" dirty="0">
+                <a:solidFill>
+                  <a:schemeClr val="bg1">
+                    <a:lumMod val="75000"/>
+                  </a:schemeClr>
+                </a:solidFill>
+                <a:latin typeface="High Tower Text" panose="02040502050506030303" pitchFamily="18" charset="0"/>
+              </a:rPr>
+              <a:t>Different names</a:t>
+            </a:r>
+            <a:endParaRPr lang="zh-CN" altLang="en-US" sz="3200" dirty="0">
+              <a:solidFill>
+                <a:schemeClr val="bg1">
+                  <a:lumMod val="75000"/>
+                </a:schemeClr>
+              </a:solidFill>
+              <a:latin typeface="High Tower Text" panose="02040502050506030303" pitchFamily="18" charset="0"/>
+            </a:endParaRPr>
+          </a:p>
+        </p:txBody>
+      </p:sp>
+      <p:sp>
+        <p:nvSpPr>
+          <p:cNvPr id="17" name="Oval 16">
+            <a:extLst>
+              <a:ext uri="{FF2B5EF4-FFF2-40B4-BE49-F238E27FC236}">
+                <a16:creationId xmlns:a16="http://schemas.microsoft.com/office/drawing/2014/main" id="{A636C37E-FD34-9745-6F76-51E97AAF9D12}"/>
+              </a:ext>
+            </a:extLst>
+          </p:cNvPr>
+          <p:cNvSpPr/>
+          <p:nvPr/>
+        </p:nvSpPr>
+        <p:spPr>
+          <a:xfrm>
+            <a:off x="3313317" y="3296477"/>
+            <a:ext cx="790660" cy="667743"/>
+          </a:xfrm>
+          <a:prstGeom prst="ellipse">
+            <a:avLst/>
+          </a:prstGeom>
+          <a:noFill/>
+          <a:ln w="50800">
+            <a:solidFill>
+              <a:srgbClr val="C00000"/>
+            </a:solidFill>
+          </a:ln>
+        </p:spPr>
+        <p:style>
+          <a:lnRef idx="2">
+            <a:schemeClr val="accent1">
+              <a:shade val="15000"/>
+            </a:schemeClr>
+          </a:lnRef>
+          <a:fillRef idx="1">
+            <a:schemeClr val="accent1"/>
+          </a:fillRef>
+          <a:effectRef idx="0">
+            <a:schemeClr val="accent1"/>
+          </a:effectRef>
+          <a:fontRef idx="minor">
+            <a:schemeClr val="lt1"/>
+          </a:fontRef>
+        </p:style>
+        <p:txBody>
+          <a:bodyPr rtlCol="0" anchor="ctr"/>
+          <a:lstStyle/>
+          <a:p>
+            <a:pPr algn="ctr"/>
+            <a:endParaRPr lang="zh-CN" altLang="en-US"/>
+          </a:p>
+        </p:txBody>
+      </p:sp>
+      <p:sp>
+        <p:nvSpPr>
+          <p:cNvPr id="18" name="Oval 17">
+            <a:extLst>
+              <a:ext uri="{FF2B5EF4-FFF2-40B4-BE49-F238E27FC236}">
+                <a16:creationId xmlns:a16="http://schemas.microsoft.com/office/drawing/2014/main" id="{B2724643-69E6-37F6-625F-D7DC29D547D6}"/>
+              </a:ext>
+            </a:extLst>
+          </p:cNvPr>
+          <p:cNvSpPr/>
+          <p:nvPr/>
+        </p:nvSpPr>
+        <p:spPr>
+          <a:xfrm>
+            <a:off x="8332629" y="3341875"/>
+            <a:ext cx="790660" cy="667743"/>
+          </a:xfrm>
+          <a:prstGeom prst="ellipse">
+            <a:avLst/>
+          </a:prstGeom>
+          <a:noFill/>
+          <a:ln w="50800">
+            <a:solidFill>
+              <a:srgbClr val="C00000"/>
+            </a:solidFill>
+            <a:prstDash val="sysDash"/>
+          </a:ln>
+        </p:spPr>
+        <p:style>
+          <a:lnRef idx="2">
+            <a:schemeClr val="accent1">
+              <a:shade val="15000"/>
+            </a:schemeClr>
+          </a:lnRef>
+          <a:fillRef idx="1">
+            <a:schemeClr val="accent1"/>
+          </a:fillRef>
+          <a:effectRef idx="0">
+            <a:schemeClr val="accent1"/>
+          </a:effectRef>
+          <a:fontRef idx="minor">
+            <a:schemeClr val="lt1"/>
+          </a:fontRef>
+        </p:style>
+        <p:txBody>
+          <a:bodyPr rtlCol="0" anchor="ctr"/>
+          <a:lstStyle/>
+          <a:p>
+            <a:pPr algn="ctr"/>
+            <a:endParaRPr lang="zh-CN" altLang="en-US"/>
+          </a:p>
+        </p:txBody>
+      </p:sp>
+      <p:cxnSp>
+        <p:nvCxnSpPr>
+          <p:cNvPr id="19" name="Straight Connector 18">
+            <a:extLst>
+              <a:ext uri="{FF2B5EF4-FFF2-40B4-BE49-F238E27FC236}">
+                <a16:creationId xmlns:a16="http://schemas.microsoft.com/office/drawing/2014/main" id="{033C7300-AD45-E450-E2B8-75E8488D8867}"/>
+              </a:ext>
+            </a:extLst>
+          </p:cNvPr>
+          <p:cNvCxnSpPr>
+            <a:cxnSpLocks/>
+          </p:cNvCxnSpPr>
+          <p:nvPr/>
+        </p:nvCxnSpPr>
+        <p:spPr>
+          <a:xfrm>
+            <a:off x="3825999" y="4021853"/>
+            <a:ext cx="1623054" cy="1626388"/>
+          </a:xfrm>
+          <a:prstGeom prst="line">
+            <a:avLst/>
+          </a:prstGeom>
+          <a:ln w="50800">
+            <a:solidFill>
+              <a:srgbClr val="C00000"/>
+            </a:solidFill>
+            <a:prstDash val="sysDash"/>
+          </a:ln>
+        </p:spPr>
+        <p:style>
+          <a:lnRef idx="1">
+            <a:schemeClr val="accent1"/>
+          </a:lnRef>
+          <a:fillRef idx="0">
+            <a:schemeClr val="accent1"/>
+          </a:fillRef>
+          <a:effectRef idx="0">
+            <a:schemeClr val="accent1"/>
+          </a:effectRef>
+          <a:fontRef idx="minor">
+            <a:schemeClr val="tx1"/>
+          </a:fontRef>
+        </p:style>
+      </p:cxnSp>
+      <p:cxnSp>
+        <p:nvCxnSpPr>
+          <p:cNvPr id="22" name="Straight Connector 21">
+            <a:extLst>
+              <a:ext uri="{FF2B5EF4-FFF2-40B4-BE49-F238E27FC236}">
+                <a16:creationId xmlns:a16="http://schemas.microsoft.com/office/drawing/2014/main" id="{AA0EE5DA-E49B-8B21-BC16-7ACF469887F4}"/>
+              </a:ext>
+            </a:extLst>
+          </p:cNvPr>
+          <p:cNvCxnSpPr>
+            <a:cxnSpLocks/>
+          </p:cNvCxnSpPr>
+          <p:nvPr/>
+        </p:nvCxnSpPr>
+        <p:spPr>
+          <a:xfrm flipV="1">
+            <a:off x="6821882" y="4067965"/>
+            <a:ext cx="1906077" cy="1580276"/>
+          </a:xfrm>
+          <a:prstGeom prst="line">
+            <a:avLst/>
+          </a:prstGeom>
+          <a:ln w="50800">
+            <a:solidFill>
+              <a:srgbClr val="C00000"/>
+            </a:solidFill>
+            <a:prstDash val="sysDash"/>
+          </a:ln>
+        </p:spPr>
+        <p:style>
+          <a:lnRef idx="1">
+            <a:schemeClr val="accent1"/>
+          </a:lnRef>
+          <a:fillRef idx="0">
+            <a:schemeClr val="accent1"/>
+          </a:fillRef>
+          <a:effectRef idx="0">
+            <a:schemeClr val="accent1"/>
+          </a:effectRef>
+          <a:fontRef idx="minor">
+            <a:schemeClr val="tx1"/>
+          </a:fontRef>
+        </p:style>
+      </p:cxnSp>
+      <p:sp>
+        <p:nvSpPr>
+          <p:cNvPr id="26" name="TextBox 25">
+            <a:extLst>
+              <a:ext uri="{FF2B5EF4-FFF2-40B4-BE49-F238E27FC236}">
+                <a16:creationId xmlns:a16="http://schemas.microsoft.com/office/drawing/2014/main" id="{161C10B2-5A99-6166-CBD4-D743FFFD6F10}"/>
+              </a:ext>
+            </a:extLst>
+          </p:cNvPr>
+          <p:cNvSpPr txBox="1"/>
+          <p:nvPr/>
+        </p:nvSpPr>
+        <p:spPr>
+          <a:xfrm>
+            <a:off x="4520225" y="5610349"/>
+            <a:ext cx="5112214" cy="1077218"/>
+          </a:xfrm>
+          <a:prstGeom prst="rect">
+            <a:avLst/>
+          </a:prstGeom>
+          <a:noFill/>
+        </p:spPr>
+        <p:txBody>
+          <a:bodyPr wrap="square" rtlCol="0">
+            <a:spAutoFit/>
+          </a:bodyPr>
+          <a:lstStyle/>
+          <a:p>
+            <a:pPr algn="ctr"/>
+            <a:r>
+              <a:rPr lang="en-US" altLang="zh-CN" sz="3200" dirty="0">
+                <a:solidFill>
+                  <a:schemeClr val="bg1">
+                    <a:lumMod val="75000"/>
+                  </a:schemeClr>
+                </a:solidFill>
+                <a:latin typeface="High Tower Text" panose="02040502050506030303" pitchFamily="18" charset="0"/>
+              </a:rPr>
+              <a:t>Forever loop does not have iteration numbers</a:t>
+            </a:r>
+            <a:endParaRPr lang="zh-CN" altLang="en-US" sz="3200" dirty="0">
+              <a:solidFill>
+                <a:schemeClr val="bg1">
+                  <a:lumMod val="75000"/>
+                </a:schemeClr>
+              </a:solidFill>
+              <a:latin typeface="High Tower Text" panose="02040502050506030303" pitchFamily="18" charset="0"/>
+            </a:endParaRPr>
+          </a:p>
+        </p:txBody>
+      </p:sp>
+    </p:spTree>
+    <p:extLst>
+      <p:ext uri="{BB962C8B-B14F-4D97-AF65-F5344CB8AC3E}">
+        <p14:creationId xmlns:p14="http://schemas.microsoft.com/office/powerpoint/2010/main" val="163077384"/>
+      </p:ext>
+    </p:extLst>
+  </p:cSld>
+  <p:clrMapOvr>
+    <a:masterClrMapping/>
+  </p:clrMapOvr>
+</p:sld>
+</file>
+
+<file path=ppt/slides/slide29.xml><?xml version="1.0" encoding="utf-8"?>
+<p:sld xmlns:a="http://schemas.openxmlformats.org/drawingml/2006/main" xmlns:r="http://schemas.openxmlformats.org/officeDocument/2006/relationships" xmlns:p="http://schemas.openxmlformats.org/presentationml/2006/main">
+  <p:cSld>
+    <p:spTree>
+      <p:nvGrpSpPr>
+        <p:cNvPr id="1" name="">
+          <a:extLst>
+            <a:ext uri="{FF2B5EF4-FFF2-40B4-BE49-F238E27FC236}">
+              <a16:creationId xmlns:a16="http://schemas.microsoft.com/office/drawing/2014/main" id="{F74B740B-1B75-3D3F-0967-77E3E6FF14B8}"/>
+            </a:ext>
+          </a:extLst>
+        </p:cNvPr>
+        <p:cNvGrpSpPr/>
+        <p:nvPr/>
+      </p:nvGrpSpPr>
+      <p:grpSpPr>
+        <a:xfrm>
+          <a:off x="0" y="0"/>
+          <a:ext cx="0" cy="0"/>
+          <a:chOff x="0" y="0"/>
+          <a:chExt cx="0" cy="0"/>
+        </a:xfrm>
+      </p:grpSpPr>
+      <p:sp>
+        <p:nvSpPr>
+          <p:cNvPr id="6" name="Rectangle 5">
+            <a:extLst>
+              <a:ext uri="{FF2B5EF4-FFF2-40B4-BE49-F238E27FC236}">
+                <a16:creationId xmlns:a16="http://schemas.microsoft.com/office/drawing/2014/main" id="{307B8378-28FC-6487-CE8B-A9E4655C417A}"/>
+              </a:ext>
+            </a:extLst>
+          </p:cNvPr>
+          <p:cNvSpPr/>
+          <p:nvPr/>
+        </p:nvSpPr>
+        <p:spPr>
+          <a:xfrm>
+            <a:off x="0" y="0"/>
+            <a:ext cx="12192000" cy="6858000"/>
+          </a:xfrm>
+          <a:prstGeom prst="rect">
+            <a:avLst/>
+          </a:prstGeom>
+          <a:solidFill>
+            <a:srgbClr val="23242A"/>
+          </a:solidFill>
+          <a:ln>
+            <a:noFill/>
+          </a:ln>
+        </p:spPr>
+        <p:style>
+          <a:lnRef idx="2">
+            <a:schemeClr val="accent1">
+              <a:shade val="15000"/>
+            </a:schemeClr>
+          </a:lnRef>
+          <a:fillRef idx="1">
+            <a:schemeClr val="accent1"/>
+          </a:fillRef>
+          <a:effectRef idx="0">
+            <a:schemeClr val="accent1"/>
+          </a:effectRef>
+          <a:fontRef idx="minor">
+            <a:schemeClr val="lt1"/>
+          </a:fontRef>
+        </p:style>
+        <p:txBody>
+          <a:bodyPr rtlCol="0" anchor="ctr"/>
+          <a:lstStyle/>
+          <a:p>
+            <a:pPr algn="ctr"/>
+            <a:endParaRPr lang="zh-CN" altLang="en-US" dirty="0"/>
+          </a:p>
+        </p:txBody>
+      </p:sp>
+      <p:sp>
+        <p:nvSpPr>
+          <p:cNvPr id="2" name="Slide Number Placeholder 1">
+            <a:extLst>
+              <a:ext uri="{FF2B5EF4-FFF2-40B4-BE49-F238E27FC236}">
+                <a16:creationId xmlns:a16="http://schemas.microsoft.com/office/drawing/2014/main" id="{190463D8-A173-5653-1454-1C6799BF9941}"/>
+              </a:ext>
+            </a:extLst>
+          </p:cNvPr>
+          <p:cNvSpPr>
+            <a:spLocks noGrp="1"/>
+          </p:cNvSpPr>
+          <p:nvPr>
+            <p:ph type="sldNum" sz="quarter" idx="12"/>
+          </p:nvPr>
+        </p:nvSpPr>
+        <p:spPr>
+          <a:xfrm>
+            <a:off x="9057739" y="6259509"/>
+            <a:ext cx="2743200" cy="365125"/>
+          </a:xfrm>
+        </p:spPr>
+        <p:txBody>
+          <a:bodyPr/>
+          <a:lstStyle/>
+          <a:p>
+            <a:fld id="{9B1EC109-1E15-4BCA-93B5-56442BB3443E}" type="slidenum">
+              <a:rPr lang="zh-CN" altLang="en-US" sz="2400" b="1" smtClean="0">
+                <a:solidFill>
+                  <a:schemeClr val="bg1">
+                    <a:lumMod val="65000"/>
+                  </a:schemeClr>
+                </a:solidFill>
+                <a:latin typeface="Bradley Hand ITC" panose="03070402050302030203" pitchFamily="66" charset="0"/>
+              </a:rPr>
+              <a:t>29</a:t>
+            </a:fld>
+            <a:endParaRPr lang="zh-CN" altLang="en-US" sz="2400" b="1" dirty="0">
+              <a:solidFill>
+                <a:schemeClr val="bg1">
+                  <a:lumMod val="65000"/>
+                </a:schemeClr>
+              </a:solidFill>
+              <a:latin typeface="Bradley Hand ITC" panose="03070402050302030203" pitchFamily="66" charset="0"/>
+            </a:endParaRPr>
+          </a:p>
+        </p:txBody>
+      </p:sp>
+      <p:sp>
+        <p:nvSpPr>
+          <p:cNvPr id="4" name="Google Shape;867;p33">
+            <a:extLst>
+              <a:ext uri="{FF2B5EF4-FFF2-40B4-BE49-F238E27FC236}">
+                <a16:creationId xmlns:a16="http://schemas.microsoft.com/office/drawing/2014/main" id="{3A89456C-680C-844D-160E-B4799F71F3F5}"/>
+              </a:ext>
+            </a:extLst>
+          </p:cNvPr>
+          <p:cNvSpPr txBox="1">
+            <a:spLocks/>
+          </p:cNvSpPr>
+          <p:nvPr/>
+        </p:nvSpPr>
+        <p:spPr>
+          <a:xfrm>
+            <a:off x="2222600" y="143850"/>
+            <a:ext cx="7746800" cy="1602400"/>
+          </a:xfrm>
+          <a:prstGeom prst="rect">
+            <a:avLst/>
+          </a:prstGeom>
+          <a:noFill/>
+          <a:ln>
+            <a:noFill/>
+          </a:ln>
+        </p:spPr>
+        <p:txBody>
+          <a:bodyPr spcFirstLastPara="1" wrap="square" lIns="91425" tIns="91425" rIns="91425" bIns="91425" anchor="b" anchorCtr="0">
+            <a:noAutofit/>
+          </a:bodyPr>
+          <a:lstStyle>
+            <a:defPPr marR="0" lvl="0" algn="l" rtl="0">
+              <a:lnSpc>
+                <a:spcPct val="100000"/>
+              </a:lnSpc>
+              <a:spcBef>
+                <a:spcPts val="0"/>
+              </a:spcBef>
+              <a:spcAft>
+                <a:spcPts val="0"/>
+              </a:spcAft>
+            </a:defPPr>
+            <a:lvl1pPr marR="0" lvl="0" algn="l" rtl="0">
+              <a:lnSpc>
+                <a:spcPct val="100000"/>
+              </a:lnSpc>
+              <a:spcBef>
+                <a:spcPts val="0"/>
+              </a:spcBef>
+              <a:spcAft>
+                <a:spcPts val="0"/>
+              </a:spcAft>
+              <a:buClr>
+                <a:schemeClr val="dk1"/>
+              </a:buClr>
+              <a:buSzPts val="3600"/>
+              <a:buFont typeface="Barlow"/>
+              <a:buNone/>
+              <a:defRPr sz="7200" b="1" i="0" u="none" strike="noStrike" cap="none">
+                <a:solidFill>
+                  <a:schemeClr val="dk1"/>
+                </a:solidFill>
+                <a:latin typeface="Barlow"/>
+                <a:ea typeface="Barlow"/>
+                <a:cs typeface="Barlow"/>
+                <a:sym typeface="Barlow"/>
+              </a:defRPr>
+            </a:lvl1pPr>
+            <a:lvl2pPr marR="0" lvl="1" algn="ctr" rtl="0">
+              <a:lnSpc>
+                <a:spcPct val="100000"/>
+              </a:lnSpc>
+              <a:spcBef>
+                <a:spcPts val="0"/>
+              </a:spcBef>
+              <a:spcAft>
+                <a:spcPts val="0"/>
+              </a:spcAft>
+              <a:buClr>
+                <a:schemeClr val="dk1"/>
+              </a:buClr>
+              <a:buSzPts val="3600"/>
+              <a:buFont typeface="Barlow"/>
+              <a:buNone/>
+              <a:defRPr sz="3600" b="1" i="0" u="none" strike="noStrike" cap="none">
+                <a:solidFill>
+                  <a:schemeClr val="dk1"/>
+                </a:solidFill>
+                <a:latin typeface="Barlow"/>
+                <a:ea typeface="Barlow"/>
+                <a:cs typeface="Barlow"/>
+                <a:sym typeface="Barlow"/>
+              </a:defRPr>
+            </a:lvl2pPr>
+            <a:lvl3pPr marR="0" lvl="2" algn="ctr" rtl="0">
+              <a:lnSpc>
+                <a:spcPct val="100000"/>
+              </a:lnSpc>
+              <a:spcBef>
+                <a:spcPts val="0"/>
+              </a:spcBef>
+              <a:spcAft>
+                <a:spcPts val="0"/>
+              </a:spcAft>
+              <a:buClr>
+                <a:schemeClr val="dk1"/>
+              </a:buClr>
+              <a:buSzPts val="3600"/>
+              <a:buFont typeface="Barlow"/>
+              <a:buNone/>
+              <a:defRPr sz="3600" b="1" i="0" u="none" strike="noStrike" cap="none">
+                <a:solidFill>
+                  <a:schemeClr val="dk1"/>
+                </a:solidFill>
+                <a:latin typeface="Barlow"/>
+                <a:ea typeface="Barlow"/>
+                <a:cs typeface="Barlow"/>
+                <a:sym typeface="Barlow"/>
+              </a:defRPr>
+            </a:lvl3pPr>
+            <a:lvl4pPr marR="0" lvl="3" algn="ctr" rtl="0">
+              <a:lnSpc>
+                <a:spcPct val="100000"/>
+              </a:lnSpc>
+              <a:spcBef>
+                <a:spcPts val="0"/>
+              </a:spcBef>
+              <a:spcAft>
+                <a:spcPts val="0"/>
+              </a:spcAft>
+              <a:buClr>
+                <a:schemeClr val="dk1"/>
+              </a:buClr>
+              <a:buSzPts val="3600"/>
+              <a:buFont typeface="Barlow"/>
+              <a:buNone/>
+              <a:defRPr sz="3600" b="1" i="0" u="none" strike="noStrike" cap="none">
+                <a:solidFill>
+                  <a:schemeClr val="dk1"/>
+                </a:solidFill>
+                <a:latin typeface="Barlow"/>
+                <a:ea typeface="Barlow"/>
+                <a:cs typeface="Barlow"/>
+                <a:sym typeface="Barlow"/>
+              </a:defRPr>
+            </a:lvl4pPr>
+            <a:lvl5pPr marR="0" lvl="4" algn="ctr" rtl="0">
+              <a:lnSpc>
+                <a:spcPct val="100000"/>
+              </a:lnSpc>
+              <a:spcBef>
+                <a:spcPts val="0"/>
+              </a:spcBef>
+              <a:spcAft>
+                <a:spcPts val="0"/>
+              </a:spcAft>
+              <a:buClr>
+                <a:schemeClr val="dk1"/>
+              </a:buClr>
+              <a:buSzPts val="3600"/>
+              <a:buFont typeface="Barlow"/>
+              <a:buNone/>
+              <a:defRPr sz="3600" b="1" i="0" u="none" strike="noStrike" cap="none">
+                <a:solidFill>
+                  <a:schemeClr val="dk1"/>
+                </a:solidFill>
+                <a:latin typeface="Barlow"/>
+                <a:ea typeface="Barlow"/>
+                <a:cs typeface="Barlow"/>
+                <a:sym typeface="Barlow"/>
+              </a:defRPr>
+            </a:lvl5pPr>
+            <a:lvl6pPr marR="0" lvl="5" algn="ctr" rtl="0">
+              <a:lnSpc>
+                <a:spcPct val="100000"/>
+              </a:lnSpc>
+              <a:spcBef>
+                <a:spcPts val="0"/>
+              </a:spcBef>
+              <a:spcAft>
+                <a:spcPts val="0"/>
+              </a:spcAft>
+              <a:buClr>
+                <a:schemeClr val="dk1"/>
+              </a:buClr>
+              <a:buSzPts val="3600"/>
+              <a:buFont typeface="Barlow"/>
+              <a:buNone/>
+              <a:defRPr sz="3600" b="1" i="0" u="none" strike="noStrike" cap="none">
+                <a:solidFill>
+                  <a:schemeClr val="dk1"/>
+                </a:solidFill>
+                <a:latin typeface="Barlow"/>
+                <a:ea typeface="Barlow"/>
+                <a:cs typeface="Barlow"/>
+                <a:sym typeface="Barlow"/>
+              </a:defRPr>
+            </a:lvl6pPr>
+            <a:lvl7pPr marR="0" lvl="6" algn="ctr" rtl="0">
+              <a:lnSpc>
+                <a:spcPct val="100000"/>
+              </a:lnSpc>
+              <a:spcBef>
+                <a:spcPts val="0"/>
+              </a:spcBef>
+              <a:spcAft>
+                <a:spcPts val="0"/>
+              </a:spcAft>
+              <a:buClr>
+                <a:schemeClr val="dk1"/>
+              </a:buClr>
+              <a:buSzPts val="3600"/>
+              <a:buFont typeface="Barlow"/>
+              <a:buNone/>
+              <a:defRPr sz="3600" b="1" i="0" u="none" strike="noStrike" cap="none">
+                <a:solidFill>
+                  <a:schemeClr val="dk1"/>
+                </a:solidFill>
+                <a:latin typeface="Barlow"/>
+                <a:ea typeface="Barlow"/>
+                <a:cs typeface="Barlow"/>
+                <a:sym typeface="Barlow"/>
+              </a:defRPr>
+            </a:lvl7pPr>
+            <a:lvl8pPr marR="0" lvl="7" algn="ctr" rtl="0">
+              <a:lnSpc>
+                <a:spcPct val="100000"/>
+              </a:lnSpc>
+              <a:spcBef>
+                <a:spcPts val="0"/>
+              </a:spcBef>
+              <a:spcAft>
+                <a:spcPts val="0"/>
+              </a:spcAft>
+              <a:buClr>
+                <a:schemeClr val="dk1"/>
+              </a:buClr>
+              <a:buSzPts val="3600"/>
+              <a:buFont typeface="Barlow"/>
+              <a:buNone/>
+              <a:defRPr sz="3600" b="1" i="0" u="none" strike="noStrike" cap="none">
+                <a:solidFill>
+                  <a:schemeClr val="dk1"/>
+                </a:solidFill>
+                <a:latin typeface="Barlow"/>
+                <a:ea typeface="Barlow"/>
+                <a:cs typeface="Barlow"/>
+                <a:sym typeface="Barlow"/>
+              </a:defRPr>
+            </a:lvl8pPr>
+            <a:lvl9pPr marR="0" lvl="8" algn="ctr" rtl="0">
+              <a:lnSpc>
+                <a:spcPct val="100000"/>
+              </a:lnSpc>
+              <a:spcBef>
+                <a:spcPts val="0"/>
+              </a:spcBef>
+              <a:spcAft>
+                <a:spcPts val="0"/>
+              </a:spcAft>
+              <a:buClr>
+                <a:schemeClr val="dk1"/>
+              </a:buClr>
+              <a:buSzPts val="3600"/>
+              <a:buFont typeface="Barlow"/>
+              <a:buNone/>
+              <a:defRPr sz="3600" b="1" i="0" u="none" strike="noStrike" cap="none">
+                <a:solidFill>
+                  <a:schemeClr val="dk1"/>
+                </a:solidFill>
+                <a:latin typeface="Barlow"/>
+                <a:ea typeface="Barlow"/>
+                <a:cs typeface="Barlow"/>
+                <a:sym typeface="Barlow"/>
+              </a:defRPr>
+            </a:lvl9pPr>
+          </a:lstStyle>
+          <a:p>
+            <a:pPr algn="ctr"/>
+            <a:r>
+              <a:rPr lang="en-US" altLang="zh-CN" sz="8000" spc="300" dirty="0">
+                <a:solidFill>
+                  <a:schemeClr val="accent4">
+                    <a:lumMod val="60000"/>
+                    <a:lumOff val="40000"/>
+                    <a:alpha val="60000"/>
+                  </a:schemeClr>
+                </a:solidFill>
+                <a:latin typeface="Amatic SC" panose="020F0502020204030204" pitchFamily="2" charset="-79"/>
+                <a:cs typeface="Amatic SC" panose="020F0502020204030204" pitchFamily="2" charset="-79"/>
+              </a:rPr>
+              <a:t>Repeat vs. Forever</a:t>
+            </a:r>
+          </a:p>
+        </p:txBody>
+      </p:sp>
+      <p:pic>
+        <p:nvPicPr>
+          <p:cNvPr id="5" name="Picture 4">
+            <a:extLst>
+              <a:ext uri="{FF2B5EF4-FFF2-40B4-BE49-F238E27FC236}">
+                <a16:creationId xmlns:a16="http://schemas.microsoft.com/office/drawing/2014/main" id="{2A66FA29-1875-7C70-3CEE-2A98545D1A91}"/>
+              </a:ext>
+            </a:extLst>
+          </p:cNvPr>
+          <p:cNvPicPr>
+            <a:picLocks noChangeAspect="1"/>
+          </p:cNvPicPr>
+          <p:nvPr/>
+        </p:nvPicPr>
+        <p:blipFill>
+          <a:blip r:embed="rId2">
+            <a:extLst>
+              <a:ext uri="{28A0092B-C50C-407E-A947-70E740481C1C}">
+                <a14:useLocalDpi xmlns:a14="http://schemas.microsoft.com/office/drawing/2010/main" val="0"/>
+              </a:ext>
+            </a:extLst>
+          </a:blip>
+          <a:stretch>
+            <a:fillRect/>
+          </a:stretch>
+        </p:blipFill>
+        <p:spPr>
+          <a:xfrm>
+            <a:off x="8421671" y="2592257"/>
+            <a:ext cx="2712720" cy="1763268"/>
+          </a:xfrm>
+          <a:prstGeom prst="rect">
+            <a:avLst/>
+          </a:prstGeom>
+        </p:spPr>
+      </p:pic>
+      <p:pic>
+        <p:nvPicPr>
+          <p:cNvPr id="8" name="Picture 7">
+            <a:extLst>
+              <a:ext uri="{FF2B5EF4-FFF2-40B4-BE49-F238E27FC236}">
+                <a16:creationId xmlns:a16="http://schemas.microsoft.com/office/drawing/2014/main" id="{0FA4A4A3-11EF-2766-E9AB-9E9C45B4B46F}"/>
+              </a:ext>
+            </a:extLst>
+          </p:cNvPr>
+          <p:cNvPicPr>
+            <a:picLocks noChangeAspect="1"/>
+          </p:cNvPicPr>
+          <p:nvPr/>
+        </p:nvPicPr>
+        <p:blipFill>
+          <a:blip r:embed="rId3">
+            <a:extLst>
+              <a:ext uri="{28A0092B-C50C-407E-A947-70E740481C1C}">
+                <a14:useLocalDpi xmlns:a14="http://schemas.microsoft.com/office/drawing/2010/main" val="0"/>
+              </a:ext>
+            </a:extLst>
+          </a:blip>
+          <a:stretch>
+            <a:fillRect/>
+          </a:stretch>
+        </p:blipFill>
+        <p:spPr>
+          <a:xfrm>
+            <a:off x="2360977" y="2592257"/>
+            <a:ext cx="2712720" cy="1898904"/>
+          </a:xfrm>
+          <a:prstGeom prst="rect">
+            <a:avLst/>
+          </a:prstGeom>
+        </p:spPr>
+      </p:pic>
+      <p:pic>
+        <p:nvPicPr>
+          <p:cNvPr id="7" name="Picture 6">
+            <a:extLst>
+              <a:ext uri="{FF2B5EF4-FFF2-40B4-BE49-F238E27FC236}">
+                <a16:creationId xmlns:a16="http://schemas.microsoft.com/office/drawing/2014/main" id="{8DB288C7-BD88-C19D-F166-91ABAB834E29}"/>
+              </a:ext>
+            </a:extLst>
+          </p:cNvPr>
+          <p:cNvPicPr>
+            <a:picLocks noChangeAspect="1"/>
+          </p:cNvPicPr>
+          <p:nvPr/>
+        </p:nvPicPr>
+        <p:blipFill>
+          <a:blip r:embed="rId4">
+            <a:extLst>
+              <a:ext uri="{28A0092B-C50C-407E-A947-70E740481C1C}">
+                <a14:useLocalDpi xmlns:a14="http://schemas.microsoft.com/office/drawing/2010/main" val="0"/>
+              </a:ext>
+            </a:extLst>
+          </a:blip>
+          <a:stretch>
+            <a:fillRect/>
+          </a:stretch>
+        </p:blipFill>
+        <p:spPr>
+          <a:xfrm>
+            <a:off x="2360977" y="4360605"/>
+            <a:ext cx="2513437" cy="941488"/>
+          </a:xfrm>
+          <a:prstGeom prst="rect">
+            <a:avLst/>
+          </a:prstGeom>
+        </p:spPr>
+      </p:pic>
+      <p:pic>
+        <p:nvPicPr>
+          <p:cNvPr id="14" name="Picture 13">
+            <a:extLst>
+              <a:ext uri="{FF2B5EF4-FFF2-40B4-BE49-F238E27FC236}">
+                <a16:creationId xmlns:a16="http://schemas.microsoft.com/office/drawing/2014/main" id="{3BDA1593-6DD8-4D80-7299-0C46C5CAC452}"/>
+              </a:ext>
+            </a:extLst>
+          </p:cNvPr>
+          <p:cNvPicPr>
+            <a:picLocks noChangeAspect="1"/>
+          </p:cNvPicPr>
+          <p:nvPr/>
+        </p:nvPicPr>
+        <p:blipFill>
+          <a:blip r:embed="rId5">
+            <a:extLst>
+              <a:ext uri="{28A0092B-C50C-407E-A947-70E740481C1C}">
+                <a14:useLocalDpi xmlns:a14="http://schemas.microsoft.com/office/drawing/2010/main" val="0"/>
+              </a:ext>
+            </a:extLst>
+          </a:blip>
+          <a:stretch>
+            <a:fillRect/>
+          </a:stretch>
+        </p:blipFill>
+        <p:spPr>
+          <a:xfrm>
+            <a:off x="9438509" y="5580636"/>
+            <a:ext cx="679044" cy="678873"/>
+          </a:xfrm>
+          <a:prstGeom prst="rect">
+            <a:avLst/>
+          </a:prstGeom>
+        </p:spPr>
+      </p:pic>
+      <p:pic>
+        <p:nvPicPr>
+          <p:cNvPr id="20" name="Picture 19">
+            <a:extLst>
+              <a:ext uri="{FF2B5EF4-FFF2-40B4-BE49-F238E27FC236}">
+                <a16:creationId xmlns:a16="http://schemas.microsoft.com/office/drawing/2014/main" id="{08D76210-008A-AF91-6054-C66454B9A03D}"/>
+              </a:ext>
+            </a:extLst>
+          </p:cNvPr>
+          <p:cNvPicPr>
+            <a:picLocks noChangeAspect="1"/>
+          </p:cNvPicPr>
+          <p:nvPr/>
+        </p:nvPicPr>
+        <p:blipFill>
+          <a:blip r:embed="rId6">
+            <a:extLst>
+              <a:ext uri="{28A0092B-C50C-407E-A947-70E740481C1C}">
+                <a14:useLocalDpi xmlns:a14="http://schemas.microsoft.com/office/drawing/2010/main" val="0"/>
+              </a:ext>
+            </a:extLst>
+          </a:blip>
+          <a:stretch>
+            <a:fillRect/>
+          </a:stretch>
+        </p:blipFill>
+        <p:spPr>
+          <a:xfrm>
+            <a:off x="3377815" y="5580636"/>
+            <a:ext cx="679044" cy="678873"/>
+          </a:xfrm>
+          <a:prstGeom prst="rect">
+            <a:avLst/>
+          </a:prstGeom>
+        </p:spPr>
+      </p:pic>
+      <p:pic>
+        <p:nvPicPr>
+          <p:cNvPr id="21" name="Picture 20">
+            <a:extLst>
+              <a:ext uri="{FF2B5EF4-FFF2-40B4-BE49-F238E27FC236}">
+                <a16:creationId xmlns:a16="http://schemas.microsoft.com/office/drawing/2014/main" id="{C396C3B4-89E9-9D81-C0AF-72460D3F8105}"/>
+              </a:ext>
+            </a:extLst>
+          </p:cNvPr>
+          <p:cNvPicPr>
+            <a:picLocks noChangeAspect="1"/>
+          </p:cNvPicPr>
+          <p:nvPr/>
+        </p:nvPicPr>
+        <p:blipFill>
+          <a:blip r:embed="rId4">
+            <a:extLst>
+              <a:ext uri="{28A0092B-C50C-407E-A947-70E740481C1C}">
+                <a14:useLocalDpi xmlns:a14="http://schemas.microsoft.com/office/drawing/2010/main" val="0"/>
+              </a:ext>
+            </a:extLst>
+          </a:blip>
+          <a:stretch>
+            <a:fillRect/>
+          </a:stretch>
+        </p:blipFill>
+        <p:spPr>
+          <a:xfrm>
+            <a:off x="8421671" y="4360605"/>
+            <a:ext cx="2513437" cy="941488"/>
+          </a:xfrm>
+          <a:prstGeom prst="rect">
+            <a:avLst/>
+          </a:prstGeom>
+        </p:spPr>
+      </p:pic>
+      <p:sp>
+        <p:nvSpPr>
+          <p:cNvPr id="23" name="TextBox 22">
+            <a:extLst>
+              <a:ext uri="{FF2B5EF4-FFF2-40B4-BE49-F238E27FC236}">
+                <a16:creationId xmlns:a16="http://schemas.microsoft.com/office/drawing/2014/main" id="{01960935-FD82-12BC-EAA2-699BDBB31508}"/>
+              </a:ext>
+            </a:extLst>
+          </p:cNvPr>
+          <p:cNvSpPr txBox="1"/>
+          <p:nvPr/>
+        </p:nvSpPr>
+        <p:spPr>
+          <a:xfrm>
+            <a:off x="5290459" y="3261689"/>
+            <a:ext cx="2914449" cy="1569660"/>
+          </a:xfrm>
+          <a:prstGeom prst="rect">
+            <a:avLst/>
+          </a:prstGeom>
+          <a:noFill/>
+        </p:spPr>
+        <p:txBody>
+          <a:bodyPr wrap="square" rtlCol="0">
+            <a:spAutoFit/>
+          </a:bodyPr>
+          <a:lstStyle/>
+          <a:p>
+            <a:pPr algn="ctr"/>
+            <a:r>
+              <a:rPr lang="en-US" altLang="zh-CN" sz="3200" dirty="0">
+                <a:solidFill>
+                  <a:schemeClr val="bg1">
+                    <a:lumMod val="75000"/>
+                  </a:schemeClr>
+                </a:solidFill>
+                <a:latin typeface="High Tower Text" panose="02040502050506030303" pitchFamily="18" charset="0"/>
+              </a:rPr>
+              <a:t>Add other blocks at the end?</a:t>
+            </a:r>
+            <a:endParaRPr lang="zh-CN" altLang="en-US" sz="3200" dirty="0">
+              <a:solidFill>
+                <a:schemeClr val="bg1">
+                  <a:lumMod val="75000"/>
+                </a:schemeClr>
+              </a:solidFill>
+              <a:latin typeface="High Tower Text" panose="02040502050506030303" pitchFamily="18" charset="0"/>
+            </a:endParaRPr>
+          </a:p>
+        </p:txBody>
+      </p:sp>
+    </p:spTree>
+    <p:extLst>
+      <p:ext uri="{BB962C8B-B14F-4D97-AF65-F5344CB8AC3E}">
+        <p14:creationId xmlns:p14="http://schemas.microsoft.com/office/powerpoint/2010/main" val="3887917801"/>
       </p:ext>
     </p:extLst>
   </p:cSld>
@@ -18949,6 +21543,3190 @@
     <p:extLst>
       <p:ext uri="{BB962C8B-B14F-4D97-AF65-F5344CB8AC3E}">
         <p14:creationId xmlns:p14="http://schemas.microsoft.com/office/powerpoint/2010/main" val="2625000272"/>
+      </p:ext>
+    </p:extLst>
+  </p:cSld>
+  <p:clrMapOvr>
+    <a:masterClrMapping/>
+  </p:clrMapOvr>
+</p:sld>
+</file>
+
+<file path=ppt/slides/slide30.xml><?xml version="1.0" encoding="utf-8"?>
+<p:sld xmlns:a="http://schemas.openxmlformats.org/drawingml/2006/main" xmlns:r="http://schemas.openxmlformats.org/officeDocument/2006/relationships" xmlns:p="http://schemas.openxmlformats.org/presentationml/2006/main">
+  <p:cSld>
+    <p:spTree>
+      <p:nvGrpSpPr>
+        <p:cNvPr id="1" name="">
+          <a:extLst>
+            <a:ext uri="{FF2B5EF4-FFF2-40B4-BE49-F238E27FC236}">
+              <a16:creationId xmlns:a16="http://schemas.microsoft.com/office/drawing/2014/main" id="{8739C637-482B-E9BA-F780-9E3F4C81C7B9}"/>
+            </a:ext>
+          </a:extLst>
+        </p:cNvPr>
+        <p:cNvGrpSpPr/>
+        <p:nvPr/>
+      </p:nvGrpSpPr>
+      <p:grpSpPr>
+        <a:xfrm>
+          <a:off x="0" y="0"/>
+          <a:ext cx="0" cy="0"/>
+          <a:chOff x="0" y="0"/>
+          <a:chExt cx="0" cy="0"/>
+        </a:xfrm>
+      </p:grpSpPr>
+      <p:sp>
+        <p:nvSpPr>
+          <p:cNvPr id="6" name="Rectangle 5">
+            <a:extLst>
+              <a:ext uri="{FF2B5EF4-FFF2-40B4-BE49-F238E27FC236}">
+                <a16:creationId xmlns:a16="http://schemas.microsoft.com/office/drawing/2014/main" id="{D7F356C0-0998-82CF-8A9F-C6B53B9D2C4B}"/>
+              </a:ext>
+            </a:extLst>
+          </p:cNvPr>
+          <p:cNvSpPr/>
+          <p:nvPr/>
+        </p:nvSpPr>
+        <p:spPr>
+          <a:xfrm>
+            <a:off x="0" y="0"/>
+            <a:ext cx="12192000" cy="6858000"/>
+          </a:xfrm>
+          <a:prstGeom prst="rect">
+            <a:avLst/>
+          </a:prstGeom>
+          <a:solidFill>
+            <a:srgbClr val="23242A"/>
+          </a:solidFill>
+          <a:ln>
+            <a:noFill/>
+          </a:ln>
+        </p:spPr>
+        <p:style>
+          <a:lnRef idx="2">
+            <a:schemeClr val="accent1">
+              <a:shade val="15000"/>
+            </a:schemeClr>
+          </a:lnRef>
+          <a:fillRef idx="1">
+            <a:schemeClr val="accent1"/>
+          </a:fillRef>
+          <a:effectRef idx="0">
+            <a:schemeClr val="accent1"/>
+          </a:effectRef>
+          <a:fontRef idx="minor">
+            <a:schemeClr val="lt1"/>
+          </a:fontRef>
+        </p:style>
+        <p:txBody>
+          <a:bodyPr rtlCol="0" anchor="ctr"/>
+          <a:lstStyle/>
+          <a:p>
+            <a:pPr algn="ctr"/>
+            <a:endParaRPr lang="zh-CN" altLang="en-US" dirty="0"/>
+          </a:p>
+        </p:txBody>
+      </p:sp>
+      <p:sp>
+        <p:nvSpPr>
+          <p:cNvPr id="2" name="Slide Number Placeholder 1">
+            <a:extLst>
+              <a:ext uri="{FF2B5EF4-FFF2-40B4-BE49-F238E27FC236}">
+                <a16:creationId xmlns:a16="http://schemas.microsoft.com/office/drawing/2014/main" id="{5EB6714A-F6BC-AE09-CFF1-1750DA40EEF4}"/>
+              </a:ext>
+            </a:extLst>
+          </p:cNvPr>
+          <p:cNvSpPr>
+            <a:spLocks noGrp="1"/>
+          </p:cNvSpPr>
+          <p:nvPr>
+            <p:ph type="sldNum" sz="quarter" idx="12"/>
+          </p:nvPr>
+        </p:nvSpPr>
+        <p:spPr>
+          <a:xfrm>
+            <a:off x="9057739" y="6259509"/>
+            <a:ext cx="2743200" cy="365125"/>
+          </a:xfrm>
+        </p:spPr>
+        <p:txBody>
+          <a:bodyPr/>
+          <a:lstStyle/>
+          <a:p>
+            <a:fld id="{9B1EC109-1E15-4BCA-93B5-56442BB3443E}" type="slidenum">
+              <a:rPr lang="zh-CN" altLang="en-US" sz="2400" b="1" smtClean="0">
+                <a:solidFill>
+                  <a:schemeClr val="bg1">
+                    <a:lumMod val="65000"/>
+                  </a:schemeClr>
+                </a:solidFill>
+                <a:latin typeface="Bradley Hand ITC" panose="03070402050302030203" pitchFamily="66" charset="0"/>
+              </a:rPr>
+              <a:t>30</a:t>
+            </a:fld>
+            <a:endParaRPr lang="zh-CN" altLang="en-US" sz="2400" b="1" dirty="0">
+              <a:solidFill>
+                <a:schemeClr val="bg1">
+                  <a:lumMod val="65000"/>
+                </a:schemeClr>
+              </a:solidFill>
+              <a:latin typeface="Bradley Hand ITC" panose="03070402050302030203" pitchFamily="66" charset="0"/>
+            </a:endParaRPr>
+          </a:p>
+        </p:txBody>
+      </p:sp>
+      <p:sp>
+        <p:nvSpPr>
+          <p:cNvPr id="4" name="Google Shape;867;p33">
+            <a:extLst>
+              <a:ext uri="{FF2B5EF4-FFF2-40B4-BE49-F238E27FC236}">
+                <a16:creationId xmlns:a16="http://schemas.microsoft.com/office/drawing/2014/main" id="{F8122871-C404-4D6D-BC6D-46901F268C24}"/>
+              </a:ext>
+            </a:extLst>
+          </p:cNvPr>
+          <p:cNvSpPr txBox="1">
+            <a:spLocks/>
+          </p:cNvSpPr>
+          <p:nvPr/>
+        </p:nvSpPr>
+        <p:spPr>
+          <a:xfrm>
+            <a:off x="2222600" y="143850"/>
+            <a:ext cx="7746800" cy="1602400"/>
+          </a:xfrm>
+          <a:prstGeom prst="rect">
+            <a:avLst/>
+          </a:prstGeom>
+          <a:noFill/>
+          <a:ln>
+            <a:noFill/>
+          </a:ln>
+        </p:spPr>
+        <p:txBody>
+          <a:bodyPr spcFirstLastPara="1" wrap="square" lIns="91425" tIns="91425" rIns="91425" bIns="91425" anchor="b" anchorCtr="0">
+            <a:noAutofit/>
+          </a:bodyPr>
+          <a:lstStyle>
+            <a:defPPr marR="0" lvl="0" algn="l" rtl="0">
+              <a:lnSpc>
+                <a:spcPct val="100000"/>
+              </a:lnSpc>
+              <a:spcBef>
+                <a:spcPts val="0"/>
+              </a:spcBef>
+              <a:spcAft>
+                <a:spcPts val="0"/>
+              </a:spcAft>
+            </a:defPPr>
+            <a:lvl1pPr marR="0" lvl="0" algn="l" rtl="0">
+              <a:lnSpc>
+                <a:spcPct val="100000"/>
+              </a:lnSpc>
+              <a:spcBef>
+                <a:spcPts val="0"/>
+              </a:spcBef>
+              <a:spcAft>
+                <a:spcPts val="0"/>
+              </a:spcAft>
+              <a:buClr>
+                <a:schemeClr val="dk1"/>
+              </a:buClr>
+              <a:buSzPts val="3600"/>
+              <a:buFont typeface="Barlow"/>
+              <a:buNone/>
+              <a:defRPr sz="7200" b="1" i="0" u="none" strike="noStrike" cap="none">
+                <a:solidFill>
+                  <a:schemeClr val="dk1"/>
+                </a:solidFill>
+                <a:latin typeface="Barlow"/>
+                <a:ea typeface="Barlow"/>
+                <a:cs typeface="Barlow"/>
+                <a:sym typeface="Barlow"/>
+              </a:defRPr>
+            </a:lvl1pPr>
+            <a:lvl2pPr marR="0" lvl="1" algn="ctr" rtl="0">
+              <a:lnSpc>
+                <a:spcPct val="100000"/>
+              </a:lnSpc>
+              <a:spcBef>
+                <a:spcPts val="0"/>
+              </a:spcBef>
+              <a:spcAft>
+                <a:spcPts val="0"/>
+              </a:spcAft>
+              <a:buClr>
+                <a:schemeClr val="dk1"/>
+              </a:buClr>
+              <a:buSzPts val="3600"/>
+              <a:buFont typeface="Barlow"/>
+              <a:buNone/>
+              <a:defRPr sz="3600" b="1" i="0" u="none" strike="noStrike" cap="none">
+                <a:solidFill>
+                  <a:schemeClr val="dk1"/>
+                </a:solidFill>
+                <a:latin typeface="Barlow"/>
+                <a:ea typeface="Barlow"/>
+                <a:cs typeface="Barlow"/>
+                <a:sym typeface="Barlow"/>
+              </a:defRPr>
+            </a:lvl2pPr>
+            <a:lvl3pPr marR="0" lvl="2" algn="ctr" rtl="0">
+              <a:lnSpc>
+                <a:spcPct val="100000"/>
+              </a:lnSpc>
+              <a:spcBef>
+                <a:spcPts val="0"/>
+              </a:spcBef>
+              <a:spcAft>
+                <a:spcPts val="0"/>
+              </a:spcAft>
+              <a:buClr>
+                <a:schemeClr val="dk1"/>
+              </a:buClr>
+              <a:buSzPts val="3600"/>
+              <a:buFont typeface="Barlow"/>
+              <a:buNone/>
+              <a:defRPr sz="3600" b="1" i="0" u="none" strike="noStrike" cap="none">
+                <a:solidFill>
+                  <a:schemeClr val="dk1"/>
+                </a:solidFill>
+                <a:latin typeface="Barlow"/>
+                <a:ea typeface="Barlow"/>
+                <a:cs typeface="Barlow"/>
+                <a:sym typeface="Barlow"/>
+              </a:defRPr>
+            </a:lvl3pPr>
+            <a:lvl4pPr marR="0" lvl="3" algn="ctr" rtl="0">
+              <a:lnSpc>
+                <a:spcPct val="100000"/>
+              </a:lnSpc>
+              <a:spcBef>
+                <a:spcPts val="0"/>
+              </a:spcBef>
+              <a:spcAft>
+                <a:spcPts val="0"/>
+              </a:spcAft>
+              <a:buClr>
+                <a:schemeClr val="dk1"/>
+              </a:buClr>
+              <a:buSzPts val="3600"/>
+              <a:buFont typeface="Barlow"/>
+              <a:buNone/>
+              <a:defRPr sz="3600" b="1" i="0" u="none" strike="noStrike" cap="none">
+                <a:solidFill>
+                  <a:schemeClr val="dk1"/>
+                </a:solidFill>
+                <a:latin typeface="Barlow"/>
+                <a:ea typeface="Barlow"/>
+                <a:cs typeface="Barlow"/>
+                <a:sym typeface="Barlow"/>
+              </a:defRPr>
+            </a:lvl4pPr>
+            <a:lvl5pPr marR="0" lvl="4" algn="ctr" rtl="0">
+              <a:lnSpc>
+                <a:spcPct val="100000"/>
+              </a:lnSpc>
+              <a:spcBef>
+                <a:spcPts val="0"/>
+              </a:spcBef>
+              <a:spcAft>
+                <a:spcPts val="0"/>
+              </a:spcAft>
+              <a:buClr>
+                <a:schemeClr val="dk1"/>
+              </a:buClr>
+              <a:buSzPts val="3600"/>
+              <a:buFont typeface="Barlow"/>
+              <a:buNone/>
+              <a:defRPr sz="3600" b="1" i="0" u="none" strike="noStrike" cap="none">
+                <a:solidFill>
+                  <a:schemeClr val="dk1"/>
+                </a:solidFill>
+                <a:latin typeface="Barlow"/>
+                <a:ea typeface="Barlow"/>
+                <a:cs typeface="Barlow"/>
+                <a:sym typeface="Barlow"/>
+              </a:defRPr>
+            </a:lvl5pPr>
+            <a:lvl6pPr marR="0" lvl="5" algn="ctr" rtl="0">
+              <a:lnSpc>
+                <a:spcPct val="100000"/>
+              </a:lnSpc>
+              <a:spcBef>
+                <a:spcPts val="0"/>
+              </a:spcBef>
+              <a:spcAft>
+                <a:spcPts val="0"/>
+              </a:spcAft>
+              <a:buClr>
+                <a:schemeClr val="dk1"/>
+              </a:buClr>
+              <a:buSzPts val="3600"/>
+              <a:buFont typeface="Barlow"/>
+              <a:buNone/>
+              <a:defRPr sz="3600" b="1" i="0" u="none" strike="noStrike" cap="none">
+                <a:solidFill>
+                  <a:schemeClr val="dk1"/>
+                </a:solidFill>
+                <a:latin typeface="Barlow"/>
+                <a:ea typeface="Barlow"/>
+                <a:cs typeface="Barlow"/>
+                <a:sym typeface="Barlow"/>
+              </a:defRPr>
+            </a:lvl6pPr>
+            <a:lvl7pPr marR="0" lvl="6" algn="ctr" rtl="0">
+              <a:lnSpc>
+                <a:spcPct val="100000"/>
+              </a:lnSpc>
+              <a:spcBef>
+                <a:spcPts val="0"/>
+              </a:spcBef>
+              <a:spcAft>
+                <a:spcPts val="0"/>
+              </a:spcAft>
+              <a:buClr>
+                <a:schemeClr val="dk1"/>
+              </a:buClr>
+              <a:buSzPts val="3600"/>
+              <a:buFont typeface="Barlow"/>
+              <a:buNone/>
+              <a:defRPr sz="3600" b="1" i="0" u="none" strike="noStrike" cap="none">
+                <a:solidFill>
+                  <a:schemeClr val="dk1"/>
+                </a:solidFill>
+                <a:latin typeface="Barlow"/>
+                <a:ea typeface="Barlow"/>
+                <a:cs typeface="Barlow"/>
+                <a:sym typeface="Barlow"/>
+              </a:defRPr>
+            </a:lvl7pPr>
+            <a:lvl8pPr marR="0" lvl="7" algn="ctr" rtl="0">
+              <a:lnSpc>
+                <a:spcPct val="100000"/>
+              </a:lnSpc>
+              <a:spcBef>
+                <a:spcPts val="0"/>
+              </a:spcBef>
+              <a:spcAft>
+                <a:spcPts val="0"/>
+              </a:spcAft>
+              <a:buClr>
+                <a:schemeClr val="dk1"/>
+              </a:buClr>
+              <a:buSzPts val="3600"/>
+              <a:buFont typeface="Barlow"/>
+              <a:buNone/>
+              <a:defRPr sz="3600" b="1" i="0" u="none" strike="noStrike" cap="none">
+                <a:solidFill>
+                  <a:schemeClr val="dk1"/>
+                </a:solidFill>
+                <a:latin typeface="Barlow"/>
+                <a:ea typeface="Barlow"/>
+                <a:cs typeface="Barlow"/>
+                <a:sym typeface="Barlow"/>
+              </a:defRPr>
+            </a:lvl8pPr>
+            <a:lvl9pPr marR="0" lvl="8" algn="ctr" rtl="0">
+              <a:lnSpc>
+                <a:spcPct val="100000"/>
+              </a:lnSpc>
+              <a:spcBef>
+                <a:spcPts val="0"/>
+              </a:spcBef>
+              <a:spcAft>
+                <a:spcPts val="0"/>
+              </a:spcAft>
+              <a:buClr>
+                <a:schemeClr val="dk1"/>
+              </a:buClr>
+              <a:buSzPts val="3600"/>
+              <a:buFont typeface="Barlow"/>
+              <a:buNone/>
+              <a:defRPr sz="3600" b="1" i="0" u="none" strike="noStrike" cap="none">
+                <a:solidFill>
+                  <a:schemeClr val="dk1"/>
+                </a:solidFill>
+                <a:latin typeface="Barlow"/>
+                <a:ea typeface="Barlow"/>
+                <a:cs typeface="Barlow"/>
+                <a:sym typeface="Barlow"/>
+              </a:defRPr>
+            </a:lvl9pPr>
+          </a:lstStyle>
+          <a:p>
+            <a:pPr algn="ctr"/>
+            <a:r>
+              <a:rPr lang="en-US" altLang="zh-CN" sz="8000" spc="300" dirty="0">
+                <a:solidFill>
+                  <a:schemeClr val="accent4">
+                    <a:lumMod val="60000"/>
+                    <a:lumOff val="40000"/>
+                    <a:alpha val="60000"/>
+                  </a:schemeClr>
+                </a:solidFill>
+                <a:latin typeface="Amatic SC" panose="020F0502020204030204" pitchFamily="2" charset="-79"/>
+                <a:cs typeface="Amatic SC" panose="020F0502020204030204" pitchFamily="2" charset="-79"/>
+              </a:rPr>
+              <a:t>Ghost Wanders Forever</a:t>
+            </a:r>
+          </a:p>
+        </p:txBody>
+      </p:sp>
+      <p:pic>
+        <p:nvPicPr>
+          <p:cNvPr id="3" name="Picture 2">
+            <a:extLst>
+              <a:ext uri="{FF2B5EF4-FFF2-40B4-BE49-F238E27FC236}">
+                <a16:creationId xmlns:a16="http://schemas.microsoft.com/office/drawing/2014/main" id="{6DD6BC2F-91DE-8DDF-02E5-9BEE4D15C8CE}"/>
+              </a:ext>
+            </a:extLst>
+          </p:cNvPr>
+          <p:cNvPicPr>
+            <a:picLocks noChangeAspect="1"/>
+          </p:cNvPicPr>
+          <p:nvPr/>
+        </p:nvPicPr>
+        <p:blipFill>
+          <a:blip r:embed="rId2">
+            <a:extLst>
+              <a:ext uri="{28A0092B-C50C-407E-A947-70E740481C1C}">
+                <a14:useLocalDpi xmlns:a14="http://schemas.microsoft.com/office/drawing/2010/main" val="0"/>
+              </a:ext>
+            </a:extLst>
+          </a:blip>
+          <a:stretch>
+            <a:fillRect/>
+          </a:stretch>
+        </p:blipFill>
+        <p:spPr>
+          <a:xfrm>
+            <a:off x="2087820" y="2235842"/>
+            <a:ext cx="2583240" cy="3844173"/>
+          </a:xfrm>
+          <a:prstGeom prst="rect">
+            <a:avLst/>
+          </a:prstGeom>
+        </p:spPr>
+      </p:pic>
+      <p:sp>
+        <p:nvSpPr>
+          <p:cNvPr id="5" name="Arrow: Right 4">
+            <a:extLst>
+              <a:ext uri="{FF2B5EF4-FFF2-40B4-BE49-F238E27FC236}">
+                <a16:creationId xmlns:a16="http://schemas.microsoft.com/office/drawing/2014/main" id="{3E17509F-1EEF-D19F-479C-FB13561F1264}"/>
+              </a:ext>
+            </a:extLst>
+          </p:cNvPr>
+          <p:cNvSpPr/>
+          <p:nvPr/>
+        </p:nvSpPr>
+        <p:spPr>
+          <a:xfrm>
+            <a:off x="5452786" y="3729515"/>
+            <a:ext cx="1774108" cy="572610"/>
+          </a:xfrm>
+          <a:prstGeom prst="rightArrow">
+            <a:avLst/>
+          </a:prstGeom>
+          <a:solidFill>
+            <a:schemeClr val="bg1">
+              <a:lumMod val="75000"/>
+              <a:alpha val="70000"/>
+            </a:schemeClr>
+          </a:solidFill>
+          <a:ln>
+            <a:noFill/>
+          </a:ln>
+        </p:spPr>
+        <p:style>
+          <a:lnRef idx="2">
+            <a:schemeClr val="accent1">
+              <a:shade val="15000"/>
+            </a:schemeClr>
+          </a:lnRef>
+          <a:fillRef idx="1">
+            <a:schemeClr val="accent1"/>
+          </a:fillRef>
+          <a:effectRef idx="0">
+            <a:schemeClr val="accent1"/>
+          </a:effectRef>
+          <a:fontRef idx="minor">
+            <a:schemeClr val="lt1"/>
+          </a:fontRef>
+        </p:style>
+        <p:txBody>
+          <a:bodyPr rtlCol="0" anchor="ctr"/>
+          <a:lstStyle/>
+          <a:p>
+            <a:pPr algn="ctr"/>
+            <a:endParaRPr lang="zh-CN" altLang="en-US" dirty="0"/>
+          </a:p>
+        </p:txBody>
+      </p:sp>
+      <p:pic>
+        <p:nvPicPr>
+          <p:cNvPr id="8" name="Picture 7">
+            <a:extLst>
+              <a:ext uri="{FF2B5EF4-FFF2-40B4-BE49-F238E27FC236}">
+                <a16:creationId xmlns:a16="http://schemas.microsoft.com/office/drawing/2014/main" id="{3E8A4CF1-80B3-0B2D-6E95-BF7214B894EC}"/>
+              </a:ext>
+            </a:extLst>
+          </p:cNvPr>
+          <p:cNvPicPr>
+            <a:picLocks noChangeAspect="1"/>
+          </p:cNvPicPr>
+          <p:nvPr/>
+        </p:nvPicPr>
+        <p:blipFill>
+          <a:blip r:embed="rId3">
+            <a:extLst>
+              <a:ext uri="{28A0092B-C50C-407E-A947-70E740481C1C}">
+                <a14:useLocalDpi xmlns:a14="http://schemas.microsoft.com/office/drawing/2010/main" val="0"/>
+              </a:ext>
+            </a:extLst>
+          </a:blip>
+          <a:stretch>
+            <a:fillRect/>
+          </a:stretch>
+        </p:blipFill>
+        <p:spPr>
+          <a:xfrm>
+            <a:off x="8008620" y="2235842"/>
+            <a:ext cx="2583241" cy="3754905"/>
+          </a:xfrm>
+          <a:prstGeom prst="rect">
+            <a:avLst/>
+          </a:prstGeom>
+        </p:spPr>
+      </p:pic>
+    </p:spTree>
+    <p:extLst>
+      <p:ext uri="{BB962C8B-B14F-4D97-AF65-F5344CB8AC3E}">
+        <p14:creationId xmlns:p14="http://schemas.microsoft.com/office/powerpoint/2010/main" val="272756444"/>
+      </p:ext>
+    </p:extLst>
+  </p:cSld>
+  <p:clrMapOvr>
+    <a:masterClrMapping/>
+  </p:clrMapOvr>
+</p:sld>
+</file>
+
+<file path=ppt/slides/slide31.xml><?xml version="1.0" encoding="utf-8"?>
+<p:sld xmlns:a="http://schemas.openxmlformats.org/drawingml/2006/main" xmlns:r="http://schemas.openxmlformats.org/officeDocument/2006/relationships" xmlns:p="http://schemas.openxmlformats.org/presentationml/2006/main">
+  <p:cSld>
+    <p:spTree>
+      <p:nvGrpSpPr>
+        <p:cNvPr id="1" name="">
+          <a:extLst>
+            <a:ext uri="{FF2B5EF4-FFF2-40B4-BE49-F238E27FC236}">
+              <a16:creationId xmlns:a16="http://schemas.microsoft.com/office/drawing/2014/main" id="{6494DD67-9EA3-97E0-85C3-11CF5F35137C}"/>
+            </a:ext>
+          </a:extLst>
+        </p:cNvPr>
+        <p:cNvGrpSpPr/>
+        <p:nvPr/>
+      </p:nvGrpSpPr>
+      <p:grpSpPr>
+        <a:xfrm>
+          <a:off x="0" y="0"/>
+          <a:ext cx="0" cy="0"/>
+          <a:chOff x="0" y="0"/>
+          <a:chExt cx="0" cy="0"/>
+        </a:xfrm>
+      </p:grpSpPr>
+      <p:sp>
+        <p:nvSpPr>
+          <p:cNvPr id="6" name="Rectangle 5">
+            <a:extLst>
+              <a:ext uri="{FF2B5EF4-FFF2-40B4-BE49-F238E27FC236}">
+                <a16:creationId xmlns:a16="http://schemas.microsoft.com/office/drawing/2014/main" id="{A9D94C4F-E10C-4DAC-0D43-B2A950927187}"/>
+              </a:ext>
+            </a:extLst>
+          </p:cNvPr>
+          <p:cNvSpPr/>
+          <p:nvPr/>
+        </p:nvSpPr>
+        <p:spPr>
+          <a:xfrm>
+            <a:off x="0" y="0"/>
+            <a:ext cx="12192000" cy="6858000"/>
+          </a:xfrm>
+          <a:prstGeom prst="rect">
+            <a:avLst/>
+          </a:prstGeom>
+          <a:solidFill>
+            <a:srgbClr val="23242A"/>
+          </a:solidFill>
+          <a:ln>
+            <a:noFill/>
+          </a:ln>
+        </p:spPr>
+        <p:style>
+          <a:lnRef idx="2">
+            <a:schemeClr val="accent1">
+              <a:shade val="15000"/>
+            </a:schemeClr>
+          </a:lnRef>
+          <a:fillRef idx="1">
+            <a:schemeClr val="accent1"/>
+          </a:fillRef>
+          <a:effectRef idx="0">
+            <a:schemeClr val="accent1"/>
+          </a:effectRef>
+          <a:fontRef idx="minor">
+            <a:schemeClr val="lt1"/>
+          </a:fontRef>
+        </p:style>
+        <p:txBody>
+          <a:bodyPr rtlCol="0" anchor="ctr"/>
+          <a:lstStyle/>
+          <a:p>
+            <a:pPr algn="ctr"/>
+            <a:endParaRPr lang="zh-CN" altLang="en-US" dirty="0"/>
+          </a:p>
+        </p:txBody>
+      </p:sp>
+      <p:sp>
+        <p:nvSpPr>
+          <p:cNvPr id="2" name="Slide Number Placeholder 1">
+            <a:extLst>
+              <a:ext uri="{FF2B5EF4-FFF2-40B4-BE49-F238E27FC236}">
+                <a16:creationId xmlns:a16="http://schemas.microsoft.com/office/drawing/2014/main" id="{C067DF04-8157-7CD3-21E8-661575B7C0F8}"/>
+              </a:ext>
+            </a:extLst>
+          </p:cNvPr>
+          <p:cNvSpPr>
+            <a:spLocks noGrp="1"/>
+          </p:cNvSpPr>
+          <p:nvPr>
+            <p:ph type="sldNum" sz="quarter" idx="12"/>
+          </p:nvPr>
+        </p:nvSpPr>
+        <p:spPr>
+          <a:xfrm>
+            <a:off x="9057739" y="6259509"/>
+            <a:ext cx="2743200" cy="365125"/>
+          </a:xfrm>
+        </p:spPr>
+        <p:txBody>
+          <a:bodyPr/>
+          <a:lstStyle/>
+          <a:p>
+            <a:fld id="{9B1EC109-1E15-4BCA-93B5-56442BB3443E}" type="slidenum">
+              <a:rPr lang="zh-CN" altLang="en-US" sz="2400" b="1" smtClean="0">
+                <a:solidFill>
+                  <a:schemeClr val="bg1">
+                    <a:lumMod val="65000"/>
+                  </a:schemeClr>
+                </a:solidFill>
+                <a:latin typeface="Bradley Hand ITC" panose="03070402050302030203" pitchFamily="66" charset="0"/>
+              </a:rPr>
+              <a:t>31</a:t>
+            </a:fld>
+            <a:endParaRPr lang="zh-CN" altLang="en-US" sz="2400" b="1" dirty="0">
+              <a:solidFill>
+                <a:schemeClr val="bg1">
+                  <a:lumMod val="65000"/>
+                </a:schemeClr>
+              </a:solidFill>
+              <a:latin typeface="Bradley Hand ITC" panose="03070402050302030203" pitchFamily="66" charset="0"/>
+            </a:endParaRPr>
+          </a:p>
+        </p:txBody>
+      </p:sp>
+      <p:pic>
+        <p:nvPicPr>
+          <p:cNvPr id="5" name="Picture 4">
+            <a:extLst>
+              <a:ext uri="{FF2B5EF4-FFF2-40B4-BE49-F238E27FC236}">
+                <a16:creationId xmlns:a16="http://schemas.microsoft.com/office/drawing/2014/main" id="{A825365B-6DFA-A505-B989-2FB83A8A226E}"/>
+              </a:ext>
+            </a:extLst>
+          </p:cNvPr>
+          <p:cNvPicPr>
+            <a:picLocks noChangeAspect="1"/>
+          </p:cNvPicPr>
+          <p:nvPr/>
+        </p:nvPicPr>
+        <p:blipFill>
+          <a:blip r:embed="rId2">
+            <a:extLst>
+              <a:ext uri="{28A0092B-C50C-407E-A947-70E740481C1C}">
+                <a14:useLocalDpi xmlns:a14="http://schemas.microsoft.com/office/drawing/2010/main" val="0"/>
+              </a:ext>
+            </a:extLst>
+          </a:blip>
+          <a:stretch>
+            <a:fillRect/>
+          </a:stretch>
+        </p:blipFill>
+        <p:spPr>
+          <a:xfrm>
+            <a:off x="1236648" y="1746250"/>
+            <a:ext cx="3159454" cy="4061410"/>
+          </a:xfrm>
+          <a:prstGeom prst="rect">
+            <a:avLst/>
+          </a:prstGeom>
+        </p:spPr>
+      </p:pic>
+      <p:pic>
+        <p:nvPicPr>
+          <p:cNvPr id="8" name="Picture 7">
+            <a:extLst>
+              <a:ext uri="{FF2B5EF4-FFF2-40B4-BE49-F238E27FC236}">
+                <a16:creationId xmlns:a16="http://schemas.microsoft.com/office/drawing/2014/main" id="{3F35DF4D-A989-D63A-747F-9646A79BF4EC}"/>
+              </a:ext>
+            </a:extLst>
+          </p:cNvPr>
+          <p:cNvPicPr>
+            <a:picLocks noChangeAspect="1"/>
+          </p:cNvPicPr>
+          <p:nvPr/>
+        </p:nvPicPr>
+        <p:blipFill>
+          <a:blip r:embed="rId3">
+            <a:extLst>
+              <a:ext uri="{28A0092B-C50C-407E-A947-70E740481C1C}">
+                <a14:useLocalDpi xmlns:a14="http://schemas.microsoft.com/office/drawing/2010/main" val="0"/>
+              </a:ext>
+            </a:extLst>
+          </a:blip>
+          <a:stretch>
+            <a:fillRect/>
+          </a:stretch>
+        </p:blipFill>
+        <p:spPr>
+          <a:xfrm>
+            <a:off x="2019166" y="5913120"/>
+            <a:ext cx="1212477" cy="711514"/>
+          </a:xfrm>
+          <a:prstGeom prst="rect">
+            <a:avLst/>
+          </a:prstGeom>
+        </p:spPr>
+      </p:pic>
+      <p:pic>
+        <p:nvPicPr>
+          <p:cNvPr id="10" name="Picture 9">
+            <a:extLst>
+              <a:ext uri="{FF2B5EF4-FFF2-40B4-BE49-F238E27FC236}">
+                <a16:creationId xmlns:a16="http://schemas.microsoft.com/office/drawing/2014/main" id="{4DCAA7FA-EA6B-10E9-12BE-AE55503D763C}"/>
+              </a:ext>
+            </a:extLst>
+          </p:cNvPr>
+          <p:cNvPicPr>
+            <a:picLocks noChangeAspect="1"/>
+          </p:cNvPicPr>
+          <p:nvPr/>
+        </p:nvPicPr>
+        <p:blipFill>
+          <a:blip r:embed="rId4">
+            <a:extLst>
+              <a:ext uri="{28A0092B-C50C-407E-A947-70E740481C1C}">
+                <a14:useLocalDpi xmlns:a14="http://schemas.microsoft.com/office/drawing/2010/main" val="0"/>
+              </a:ext>
+            </a:extLst>
+          </a:blip>
+          <a:stretch>
+            <a:fillRect/>
+          </a:stretch>
+        </p:blipFill>
+        <p:spPr>
+          <a:xfrm>
+            <a:off x="9337750" y="5837775"/>
+            <a:ext cx="1263299" cy="776856"/>
+          </a:xfrm>
+          <a:prstGeom prst="rect">
+            <a:avLst/>
+          </a:prstGeom>
+        </p:spPr>
+      </p:pic>
+      <p:pic>
+        <p:nvPicPr>
+          <p:cNvPr id="13" name="Picture 12">
+            <a:extLst>
+              <a:ext uri="{FF2B5EF4-FFF2-40B4-BE49-F238E27FC236}">
+                <a16:creationId xmlns:a16="http://schemas.microsoft.com/office/drawing/2014/main" id="{00D1D43A-7444-BFD6-46D2-2AF49F4B722A}"/>
+              </a:ext>
+            </a:extLst>
+          </p:cNvPr>
+          <p:cNvPicPr>
+            <a:picLocks noChangeAspect="1"/>
+          </p:cNvPicPr>
+          <p:nvPr/>
+        </p:nvPicPr>
+        <p:blipFill>
+          <a:blip r:embed="rId5">
+            <a:extLst>
+              <a:ext uri="{28A0092B-C50C-407E-A947-70E740481C1C}">
+                <a14:useLocalDpi xmlns:a14="http://schemas.microsoft.com/office/drawing/2010/main" val="0"/>
+              </a:ext>
+            </a:extLst>
+          </a:blip>
+          <a:stretch>
+            <a:fillRect/>
+          </a:stretch>
+        </p:blipFill>
+        <p:spPr>
+          <a:xfrm>
+            <a:off x="8912344" y="1914759"/>
+            <a:ext cx="2559777" cy="3720799"/>
+          </a:xfrm>
+          <a:prstGeom prst="rect">
+            <a:avLst/>
+          </a:prstGeom>
+        </p:spPr>
+      </p:pic>
+      <p:sp>
+        <p:nvSpPr>
+          <p:cNvPr id="14" name="Google Shape;867;p33">
+            <a:extLst>
+              <a:ext uri="{FF2B5EF4-FFF2-40B4-BE49-F238E27FC236}">
+                <a16:creationId xmlns:a16="http://schemas.microsoft.com/office/drawing/2014/main" id="{FD1A728F-A78E-F286-0EF1-D8BB570688BA}"/>
+              </a:ext>
+            </a:extLst>
+          </p:cNvPr>
+          <p:cNvSpPr txBox="1">
+            <a:spLocks/>
+          </p:cNvSpPr>
+          <p:nvPr/>
+        </p:nvSpPr>
+        <p:spPr>
+          <a:xfrm>
+            <a:off x="2222600" y="143850"/>
+            <a:ext cx="7746800" cy="1602400"/>
+          </a:xfrm>
+          <a:prstGeom prst="rect">
+            <a:avLst/>
+          </a:prstGeom>
+          <a:noFill/>
+          <a:ln>
+            <a:noFill/>
+          </a:ln>
+        </p:spPr>
+        <p:txBody>
+          <a:bodyPr spcFirstLastPara="1" wrap="square" lIns="91425" tIns="91425" rIns="91425" bIns="91425" anchor="b" anchorCtr="0">
+            <a:noAutofit/>
+          </a:bodyPr>
+          <a:lstStyle>
+            <a:defPPr marR="0" lvl="0" algn="l" rtl="0">
+              <a:lnSpc>
+                <a:spcPct val="100000"/>
+              </a:lnSpc>
+              <a:spcBef>
+                <a:spcPts val="0"/>
+              </a:spcBef>
+              <a:spcAft>
+                <a:spcPts val="0"/>
+              </a:spcAft>
+            </a:defPPr>
+            <a:lvl1pPr marR="0" lvl="0" algn="l" rtl="0">
+              <a:lnSpc>
+                <a:spcPct val="100000"/>
+              </a:lnSpc>
+              <a:spcBef>
+                <a:spcPts val="0"/>
+              </a:spcBef>
+              <a:spcAft>
+                <a:spcPts val="0"/>
+              </a:spcAft>
+              <a:buClr>
+                <a:schemeClr val="dk1"/>
+              </a:buClr>
+              <a:buSzPts val="3600"/>
+              <a:buFont typeface="Barlow"/>
+              <a:buNone/>
+              <a:defRPr sz="7200" b="1" i="0" u="none" strike="noStrike" cap="none">
+                <a:solidFill>
+                  <a:schemeClr val="dk1"/>
+                </a:solidFill>
+                <a:latin typeface="Barlow"/>
+                <a:ea typeface="Barlow"/>
+                <a:cs typeface="Barlow"/>
+                <a:sym typeface="Barlow"/>
+              </a:defRPr>
+            </a:lvl1pPr>
+            <a:lvl2pPr marR="0" lvl="1" algn="ctr" rtl="0">
+              <a:lnSpc>
+                <a:spcPct val="100000"/>
+              </a:lnSpc>
+              <a:spcBef>
+                <a:spcPts val="0"/>
+              </a:spcBef>
+              <a:spcAft>
+                <a:spcPts val="0"/>
+              </a:spcAft>
+              <a:buClr>
+                <a:schemeClr val="dk1"/>
+              </a:buClr>
+              <a:buSzPts val="3600"/>
+              <a:buFont typeface="Barlow"/>
+              <a:buNone/>
+              <a:defRPr sz="3600" b="1" i="0" u="none" strike="noStrike" cap="none">
+                <a:solidFill>
+                  <a:schemeClr val="dk1"/>
+                </a:solidFill>
+                <a:latin typeface="Barlow"/>
+                <a:ea typeface="Barlow"/>
+                <a:cs typeface="Barlow"/>
+                <a:sym typeface="Barlow"/>
+              </a:defRPr>
+            </a:lvl2pPr>
+            <a:lvl3pPr marR="0" lvl="2" algn="ctr" rtl="0">
+              <a:lnSpc>
+                <a:spcPct val="100000"/>
+              </a:lnSpc>
+              <a:spcBef>
+                <a:spcPts val="0"/>
+              </a:spcBef>
+              <a:spcAft>
+                <a:spcPts val="0"/>
+              </a:spcAft>
+              <a:buClr>
+                <a:schemeClr val="dk1"/>
+              </a:buClr>
+              <a:buSzPts val="3600"/>
+              <a:buFont typeface="Barlow"/>
+              <a:buNone/>
+              <a:defRPr sz="3600" b="1" i="0" u="none" strike="noStrike" cap="none">
+                <a:solidFill>
+                  <a:schemeClr val="dk1"/>
+                </a:solidFill>
+                <a:latin typeface="Barlow"/>
+                <a:ea typeface="Barlow"/>
+                <a:cs typeface="Barlow"/>
+                <a:sym typeface="Barlow"/>
+              </a:defRPr>
+            </a:lvl3pPr>
+            <a:lvl4pPr marR="0" lvl="3" algn="ctr" rtl="0">
+              <a:lnSpc>
+                <a:spcPct val="100000"/>
+              </a:lnSpc>
+              <a:spcBef>
+                <a:spcPts val="0"/>
+              </a:spcBef>
+              <a:spcAft>
+                <a:spcPts val="0"/>
+              </a:spcAft>
+              <a:buClr>
+                <a:schemeClr val="dk1"/>
+              </a:buClr>
+              <a:buSzPts val="3600"/>
+              <a:buFont typeface="Barlow"/>
+              <a:buNone/>
+              <a:defRPr sz="3600" b="1" i="0" u="none" strike="noStrike" cap="none">
+                <a:solidFill>
+                  <a:schemeClr val="dk1"/>
+                </a:solidFill>
+                <a:latin typeface="Barlow"/>
+                <a:ea typeface="Barlow"/>
+                <a:cs typeface="Barlow"/>
+                <a:sym typeface="Barlow"/>
+              </a:defRPr>
+            </a:lvl4pPr>
+            <a:lvl5pPr marR="0" lvl="4" algn="ctr" rtl="0">
+              <a:lnSpc>
+                <a:spcPct val="100000"/>
+              </a:lnSpc>
+              <a:spcBef>
+                <a:spcPts val="0"/>
+              </a:spcBef>
+              <a:spcAft>
+                <a:spcPts val="0"/>
+              </a:spcAft>
+              <a:buClr>
+                <a:schemeClr val="dk1"/>
+              </a:buClr>
+              <a:buSzPts val="3600"/>
+              <a:buFont typeface="Barlow"/>
+              <a:buNone/>
+              <a:defRPr sz="3600" b="1" i="0" u="none" strike="noStrike" cap="none">
+                <a:solidFill>
+                  <a:schemeClr val="dk1"/>
+                </a:solidFill>
+                <a:latin typeface="Barlow"/>
+                <a:ea typeface="Barlow"/>
+                <a:cs typeface="Barlow"/>
+                <a:sym typeface="Barlow"/>
+              </a:defRPr>
+            </a:lvl5pPr>
+            <a:lvl6pPr marR="0" lvl="5" algn="ctr" rtl="0">
+              <a:lnSpc>
+                <a:spcPct val="100000"/>
+              </a:lnSpc>
+              <a:spcBef>
+                <a:spcPts val="0"/>
+              </a:spcBef>
+              <a:spcAft>
+                <a:spcPts val="0"/>
+              </a:spcAft>
+              <a:buClr>
+                <a:schemeClr val="dk1"/>
+              </a:buClr>
+              <a:buSzPts val="3600"/>
+              <a:buFont typeface="Barlow"/>
+              <a:buNone/>
+              <a:defRPr sz="3600" b="1" i="0" u="none" strike="noStrike" cap="none">
+                <a:solidFill>
+                  <a:schemeClr val="dk1"/>
+                </a:solidFill>
+                <a:latin typeface="Barlow"/>
+                <a:ea typeface="Barlow"/>
+                <a:cs typeface="Barlow"/>
+                <a:sym typeface="Barlow"/>
+              </a:defRPr>
+            </a:lvl6pPr>
+            <a:lvl7pPr marR="0" lvl="6" algn="ctr" rtl="0">
+              <a:lnSpc>
+                <a:spcPct val="100000"/>
+              </a:lnSpc>
+              <a:spcBef>
+                <a:spcPts val="0"/>
+              </a:spcBef>
+              <a:spcAft>
+                <a:spcPts val="0"/>
+              </a:spcAft>
+              <a:buClr>
+                <a:schemeClr val="dk1"/>
+              </a:buClr>
+              <a:buSzPts val="3600"/>
+              <a:buFont typeface="Barlow"/>
+              <a:buNone/>
+              <a:defRPr sz="3600" b="1" i="0" u="none" strike="noStrike" cap="none">
+                <a:solidFill>
+                  <a:schemeClr val="dk1"/>
+                </a:solidFill>
+                <a:latin typeface="Barlow"/>
+                <a:ea typeface="Barlow"/>
+                <a:cs typeface="Barlow"/>
+                <a:sym typeface="Barlow"/>
+              </a:defRPr>
+            </a:lvl7pPr>
+            <a:lvl8pPr marR="0" lvl="7" algn="ctr" rtl="0">
+              <a:lnSpc>
+                <a:spcPct val="100000"/>
+              </a:lnSpc>
+              <a:spcBef>
+                <a:spcPts val="0"/>
+              </a:spcBef>
+              <a:spcAft>
+                <a:spcPts val="0"/>
+              </a:spcAft>
+              <a:buClr>
+                <a:schemeClr val="dk1"/>
+              </a:buClr>
+              <a:buSzPts val="3600"/>
+              <a:buFont typeface="Barlow"/>
+              <a:buNone/>
+              <a:defRPr sz="3600" b="1" i="0" u="none" strike="noStrike" cap="none">
+                <a:solidFill>
+                  <a:schemeClr val="dk1"/>
+                </a:solidFill>
+                <a:latin typeface="Barlow"/>
+                <a:ea typeface="Barlow"/>
+                <a:cs typeface="Barlow"/>
+                <a:sym typeface="Barlow"/>
+              </a:defRPr>
+            </a:lvl8pPr>
+            <a:lvl9pPr marR="0" lvl="8" algn="ctr" rtl="0">
+              <a:lnSpc>
+                <a:spcPct val="100000"/>
+              </a:lnSpc>
+              <a:spcBef>
+                <a:spcPts val="0"/>
+              </a:spcBef>
+              <a:spcAft>
+                <a:spcPts val="0"/>
+              </a:spcAft>
+              <a:buClr>
+                <a:schemeClr val="dk1"/>
+              </a:buClr>
+              <a:buSzPts val="3600"/>
+              <a:buFont typeface="Barlow"/>
+              <a:buNone/>
+              <a:defRPr sz="3600" b="1" i="0" u="none" strike="noStrike" cap="none">
+                <a:solidFill>
+                  <a:schemeClr val="dk1"/>
+                </a:solidFill>
+                <a:latin typeface="Barlow"/>
+                <a:ea typeface="Barlow"/>
+                <a:cs typeface="Barlow"/>
+                <a:sym typeface="Barlow"/>
+              </a:defRPr>
+            </a:lvl9pPr>
+          </a:lstStyle>
+          <a:p>
+            <a:pPr algn="ctr"/>
+            <a:r>
+              <a:rPr lang="en-US" altLang="zh-CN" sz="8000" spc="300" dirty="0">
+                <a:solidFill>
+                  <a:schemeClr val="accent4">
+                    <a:lumMod val="60000"/>
+                    <a:lumOff val="40000"/>
+                    <a:alpha val="60000"/>
+                  </a:schemeClr>
+                </a:solidFill>
+                <a:latin typeface="Amatic SC" panose="020F0502020204030204" pitchFamily="2" charset="-79"/>
+                <a:cs typeface="Amatic SC" panose="020F0502020204030204" pitchFamily="2" charset="-79"/>
+              </a:rPr>
+              <a:t>Start, Pause and Stop</a:t>
+            </a:r>
+          </a:p>
+        </p:txBody>
+      </p:sp>
+      <p:pic>
+        <p:nvPicPr>
+          <p:cNvPr id="15" name="Picture 14">
+            <a:extLst>
+              <a:ext uri="{FF2B5EF4-FFF2-40B4-BE49-F238E27FC236}">
+                <a16:creationId xmlns:a16="http://schemas.microsoft.com/office/drawing/2014/main" id="{49436D8E-A35D-C1F6-C7E8-7B5388758DE8}"/>
+              </a:ext>
+            </a:extLst>
+          </p:cNvPr>
+          <p:cNvPicPr>
+            <a:picLocks noChangeAspect="1"/>
+          </p:cNvPicPr>
+          <p:nvPr/>
+        </p:nvPicPr>
+        <p:blipFill>
+          <a:blip r:embed="rId2">
+            <a:extLst>
+              <a:ext uri="{28A0092B-C50C-407E-A947-70E740481C1C}">
+                <a14:useLocalDpi xmlns:a14="http://schemas.microsoft.com/office/drawing/2010/main" val="0"/>
+              </a:ext>
+            </a:extLst>
+          </a:blip>
+          <a:stretch>
+            <a:fillRect/>
+          </a:stretch>
+        </p:blipFill>
+        <p:spPr>
+          <a:xfrm>
+            <a:off x="5074496" y="1776365"/>
+            <a:ext cx="3159454" cy="4061410"/>
+          </a:xfrm>
+          <a:prstGeom prst="rect">
+            <a:avLst/>
+          </a:prstGeom>
+        </p:spPr>
+      </p:pic>
+      <p:pic>
+        <p:nvPicPr>
+          <p:cNvPr id="17" name="Picture 16">
+            <a:extLst>
+              <a:ext uri="{FF2B5EF4-FFF2-40B4-BE49-F238E27FC236}">
+                <a16:creationId xmlns:a16="http://schemas.microsoft.com/office/drawing/2014/main" id="{2312A7BA-1AD3-8C83-E526-DB999B90B637}"/>
+              </a:ext>
+            </a:extLst>
+          </p:cNvPr>
+          <p:cNvPicPr>
+            <a:picLocks noChangeAspect="1"/>
+          </p:cNvPicPr>
+          <p:nvPr/>
+        </p:nvPicPr>
+        <p:blipFill>
+          <a:blip r:embed="rId6">
+            <a:extLst>
+              <a:ext uri="{28A0092B-C50C-407E-A947-70E740481C1C}">
+                <a14:useLocalDpi xmlns:a14="http://schemas.microsoft.com/office/drawing/2010/main" val="0"/>
+              </a:ext>
+            </a:extLst>
+          </a:blip>
+          <a:stretch>
+            <a:fillRect/>
+          </a:stretch>
+        </p:blipFill>
+        <p:spPr>
+          <a:xfrm>
+            <a:off x="5875740" y="5903984"/>
+            <a:ext cx="1206446" cy="644437"/>
+          </a:xfrm>
+          <a:prstGeom prst="rect">
+            <a:avLst/>
+          </a:prstGeom>
+        </p:spPr>
+      </p:pic>
+    </p:spTree>
+    <p:extLst>
+      <p:ext uri="{BB962C8B-B14F-4D97-AF65-F5344CB8AC3E}">
+        <p14:creationId xmlns:p14="http://schemas.microsoft.com/office/powerpoint/2010/main" val="2802386872"/>
+      </p:ext>
+    </p:extLst>
+  </p:cSld>
+  <p:clrMapOvr>
+    <a:masterClrMapping/>
+  </p:clrMapOvr>
+</p:sld>
+</file>
+
+<file path=ppt/slides/slide32.xml><?xml version="1.0" encoding="utf-8"?>
+<p:sld xmlns:a="http://schemas.openxmlformats.org/drawingml/2006/main" xmlns:r="http://schemas.openxmlformats.org/officeDocument/2006/relationships" xmlns:p="http://schemas.openxmlformats.org/presentationml/2006/main">
+  <p:cSld>
+    <p:spTree>
+      <p:nvGrpSpPr>
+        <p:cNvPr id="1" name="">
+          <a:extLst>
+            <a:ext uri="{FF2B5EF4-FFF2-40B4-BE49-F238E27FC236}">
+              <a16:creationId xmlns:a16="http://schemas.microsoft.com/office/drawing/2014/main" id="{CE0F9CA6-723A-5BFD-4F3A-2F6168128FE6}"/>
+            </a:ext>
+          </a:extLst>
+        </p:cNvPr>
+        <p:cNvGrpSpPr/>
+        <p:nvPr/>
+      </p:nvGrpSpPr>
+      <p:grpSpPr>
+        <a:xfrm>
+          <a:off x="0" y="0"/>
+          <a:ext cx="0" cy="0"/>
+          <a:chOff x="0" y="0"/>
+          <a:chExt cx="0" cy="0"/>
+        </a:xfrm>
+      </p:grpSpPr>
+      <p:sp>
+        <p:nvSpPr>
+          <p:cNvPr id="6" name="Rectangle 5">
+            <a:extLst>
+              <a:ext uri="{FF2B5EF4-FFF2-40B4-BE49-F238E27FC236}">
+                <a16:creationId xmlns:a16="http://schemas.microsoft.com/office/drawing/2014/main" id="{FFB0400D-08CD-6EAA-C833-A81857C83DDE}"/>
+              </a:ext>
+            </a:extLst>
+          </p:cNvPr>
+          <p:cNvSpPr/>
+          <p:nvPr/>
+        </p:nvSpPr>
+        <p:spPr>
+          <a:xfrm>
+            <a:off x="0" y="0"/>
+            <a:ext cx="12192000" cy="6858000"/>
+          </a:xfrm>
+          <a:prstGeom prst="rect">
+            <a:avLst/>
+          </a:prstGeom>
+          <a:solidFill>
+            <a:srgbClr val="23242A"/>
+          </a:solidFill>
+          <a:ln>
+            <a:noFill/>
+          </a:ln>
+        </p:spPr>
+        <p:style>
+          <a:lnRef idx="2">
+            <a:schemeClr val="accent1">
+              <a:shade val="15000"/>
+            </a:schemeClr>
+          </a:lnRef>
+          <a:fillRef idx="1">
+            <a:schemeClr val="accent1"/>
+          </a:fillRef>
+          <a:effectRef idx="0">
+            <a:schemeClr val="accent1"/>
+          </a:effectRef>
+          <a:fontRef idx="minor">
+            <a:schemeClr val="lt1"/>
+          </a:fontRef>
+        </p:style>
+        <p:txBody>
+          <a:bodyPr rtlCol="0" anchor="ctr"/>
+          <a:lstStyle/>
+          <a:p>
+            <a:pPr algn="ctr"/>
+            <a:endParaRPr lang="zh-CN" altLang="en-US" dirty="0"/>
+          </a:p>
+        </p:txBody>
+      </p:sp>
+      <p:sp>
+        <p:nvSpPr>
+          <p:cNvPr id="2" name="Slide Number Placeholder 1">
+            <a:extLst>
+              <a:ext uri="{FF2B5EF4-FFF2-40B4-BE49-F238E27FC236}">
+                <a16:creationId xmlns:a16="http://schemas.microsoft.com/office/drawing/2014/main" id="{84504D74-9D89-C4F0-E789-407871FB2A27}"/>
+              </a:ext>
+            </a:extLst>
+          </p:cNvPr>
+          <p:cNvSpPr>
+            <a:spLocks noGrp="1"/>
+          </p:cNvSpPr>
+          <p:nvPr>
+            <p:ph type="sldNum" sz="quarter" idx="12"/>
+          </p:nvPr>
+        </p:nvSpPr>
+        <p:spPr>
+          <a:xfrm>
+            <a:off x="9057739" y="6259509"/>
+            <a:ext cx="2743200" cy="365125"/>
+          </a:xfrm>
+        </p:spPr>
+        <p:txBody>
+          <a:bodyPr/>
+          <a:lstStyle/>
+          <a:p>
+            <a:fld id="{9B1EC109-1E15-4BCA-93B5-56442BB3443E}" type="slidenum">
+              <a:rPr lang="zh-CN" altLang="en-US" sz="2400" b="1" smtClean="0">
+                <a:solidFill>
+                  <a:schemeClr val="bg1">
+                    <a:lumMod val="65000"/>
+                  </a:schemeClr>
+                </a:solidFill>
+                <a:latin typeface="Bradley Hand ITC" panose="03070402050302030203" pitchFamily="66" charset="0"/>
+              </a:rPr>
+              <a:t>32</a:t>
+            </a:fld>
+            <a:endParaRPr lang="zh-CN" altLang="en-US" sz="2400" b="1" dirty="0">
+              <a:solidFill>
+                <a:schemeClr val="bg1">
+                  <a:lumMod val="65000"/>
+                </a:schemeClr>
+              </a:solidFill>
+              <a:latin typeface="Bradley Hand ITC" panose="03070402050302030203" pitchFamily="66" charset="0"/>
+            </a:endParaRPr>
+          </a:p>
+        </p:txBody>
+      </p:sp>
+      <p:sp>
+        <p:nvSpPr>
+          <p:cNvPr id="4" name="Google Shape;867;p33">
+            <a:extLst>
+              <a:ext uri="{FF2B5EF4-FFF2-40B4-BE49-F238E27FC236}">
+                <a16:creationId xmlns:a16="http://schemas.microsoft.com/office/drawing/2014/main" id="{1C07F437-2C37-5222-086A-25B24067FA7D}"/>
+              </a:ext>
+            </a:extLst>
+          </p:cNvPr>
+          <p:cNvSpPr txBox="1">
+            <a:spLocks/>
+          </p:cNvSpPr>
+          <p:nvPr/>
+        </p:nvSpPr>
+        <p:spPr>
+          <a:xfrm>
+            <a:off x="2222600" y="143850"/>
+            <a:ext cx="7746800" cy="1602400"/>
+          </a:xfrm>
+          <a:prstGeom prst="rect">
+            <a:avLst/>
+          </a:prstGeom>
+          <a:noFill/>
+          <a:ln>
+            <a:noFill/>
+          </a:ln>
+        </p:spPr>
+        <p:txBody>
+          <a:bodyPr spcFirstLastPara="1" wrap="square" lIns="91425" tIns="91425" rIns="91425" bIns="91425" anchor="b" anchorCtr="0">
+            <a:noAutofit/>
+          </a:bodyPr>
+          <a:lstStyle>
+            <a:defPPr marR="0" lvl="0" algn="l" rtl="0">
+              <a:lnSpc>
+                <a:spcPct val="100000"/>
+              </a:lnSpc>
+              <a:spcBef>
+                <a:spcPts val="0"/>
+              </a:spcBef>
+              <a:spcAft>
+                <a:spcPts val="0"/>
+              </a:spcAft>
+            </a:defPPr>
+            <a:lvl1pPr marR="0" lvl="0" algn="l" rtl="0">
+              <a:lnSpc>
+                <a:spcPct val="100000"/>
+              </a:lnSpc>
+              <a:spcBef>
+                <a:spcPts val="0"/>
+              </a:spcBef>
+              <a:spcAft>
+                <a:spcPts val="0"/>
+              </a:spcAft>
+              <a:buClr>
+                <a:schemeClr val="dk1"/>
+              </a:buClr>
+              <a:buSzPts val="3600"/>
+              <a:buFont typeface="Barlow"/>
+              <a:buNone/>
+              <a:defRPr sz="7200" b="1" i="0" u="none" strike="noStrike" cap="none">
+                <a:solidFill>
+                  <a:schemeClr val="dk1"/>
+                </a:solidFill>
+                <a:latin typeface="Barlow"/>
+                <a:ea typeface="Barlow"/>
+                <a:cs typeface="Barlow"/>
+                <a:sym typeface="Barlow"/>
+              </a:defRPr>
+            </a:lvl1pPr>
+            <a:lvl2pPr marR="0" lvl="1" algn="ctr" rtl="0">
+              <a:lnSpc>
+                <a:spcPct val="100000"/>
+              </a:lnSpc>
+              <a:spcBef>
+                <a:spcPts val="0"/>
+              </a:spcBef>
+              <a:spcAft>
+                <a:spcPts val="0"/>
+              </a:spcAft>
+              <a:buClr>
+                <a:schemeClr val="dk1"/>
+              </a:buClr>
+              <a:buSzPts val="3600"/>
+              <a:buFont typeface="Barlow"/>
+              <a:buNone/>
+              <a:defRPr sz="3600" b="1" i="0" u="none" strike="noStrike" cap="none">
+                <a:solidFill>
+                  <a:schemeClr val="dk1"/>
+                </a:solidFill>
+                <a:latin typeface="Barlow"/>
+                <a:ea typeface="Barlow"/>
+                <a:cs typeface="Barlow"/>
+                <a:sym typeface="Barlow"/>
+              </a:defRPr>
+            </a:lvl2pPr>
+            <a:lvl3pPr marR="0" lvl="2" algn="ctr" rtl="0">
+              <a:lnSpc>
+                <a:spcPct val="100000"/>
+              </a:lnSpc>
+              <a:spcBef>
+                <a:spcPts val="0"/>
+              </a:spcBef>
+              <a:spcAft>
+                <a:spcPts val="0"/>
+              </a:spcAft>
+              <a:buClr>
+                <a:schemeClr val="dk1"/>
+              </a:buClr>
+              <a:buSzPts val="3600"/>
+              <a:buFont typeface="Barlow"/>
+              <a:buNone/>
+              <a:defRPr sz="3600" b="1" i="0" u="none" strike="noStrike" cap="none">
+                <a:solidFill>
+                  <a:schemeClr val="dk1"/>
+                </a:solidFill>
+                <a:latin typeface="Barlow"/>
+                <a:ea typeface="Barlow"/>
+                <a:cs typeface="Barlow"/>
+                <a:sym typeface="Barlow"/>
+              </a:defRPr>
+            </a:lvl3pPr>
+            <a:lvl4pPr marR="0" lvl="3" algn="ctr" rtl="0">
+              <a:lnSpc>
+                <a:spcPct val="100000"/>
+              </a:lnSpc>
+              <a:spcBef>
+                <a:spcPts val="0"/>
+              </a:spcBef>
+              <a:spcAft>
+                <a:spcPts val="0"/>
+              </a:spcAft>
+              <a:buClr>
+                <a:schemeClr val="dk1"/>
+              </a:buClr>
+              <a:buSzPts val="3600"/>
+              <a:buFont typeface="Barlow"/>
+              <a:buNone/>
+              <a:defRPr sz="3600" b="1" i="0" u="none" strike="noStrike" cap="none">
+                <a:solidFill>
+                  <a:schemeClr val="dk1"/>
+                </a:solidFill>
+                <a:latin typeface="Barlow"/>
+                <a:ea typeface="Barlow"/>
+                <a:cs typeface="Barlow"/>
+                <a:sym typeface="Barlow"/>
+              </a:defRPr>
+            </a:lvl4pPr>
+            <a:lvl5pPr marR="0" lvl="4" algn="ctr" rtl="0">
+              <a:lnSpc>
+                <a:spcPct val="100000"/>
+              </a:lnSpc>
+              <a:spcBef>
+                <a:spcPts val="0"/>
+              </a:spcBef>
+              <a:spcAft>
+                <a:spcPts val="0"/>
+              </a:spcAft>
+              <a:buClr>
+                <a:schemeClr val="dk1"/>
+              </a:buClr>
+              <a:buSzPts val="3600"/>
+              <a:buFont typeface="Barlow"/>
+              <a:buNone/>
+              <a:defRPr sz="3600" b="1" i="0" u="none" strike="noStrike" cap="none">
+                <a:solidFill>
+                  <a:schemeClr val="dk1"/>
+                </a:solidFill>
+                <a:latin typeface="Barlow"/>
+                <a:ea typeface="Barlow"/>
+                <a:cs typeface="Barlow"/>
+                <a:sym typeface="Barlow"/>
+              </a:defRPr>
+            </a:lvl5pPr>
+            <a:lvl6pPr marR="0" lvl="5" algn="ctr" rtl="0">
+              <a:lnSpc>
+                <a:spcPct val="100000"/>
+              </a:lnSpc>
+              <a:spcBef>
+                <a:spcPts val="0"/>
+              </a:spcBef>
+              <a:spcAft>
+                <a:spcPts val="0"/>
+              </a:spcAft>
+              <a:buClr>
+                <a:schemeClr val="dk1"/>
+              </a:buClr>
+              <a:buSzPts val="3600"/>
+              <a:buFont typeface="Barlow"/>
+              <a:buNone/>
+              <a:defRPr sz="3600" b="1" i="0" u="none" strike="noStrike" cap="none">
+                <a:solidFill>
+                  <a:schemeClr val="dk1"/>
+                </a:solidFill>
+                <a:latin typeface="Barlow"/>
+                <a:ea typeface="Barlow"/>
+                <a:cs typeface="Barlow"/>
+                <a:sym typeface="Barlow"/>
+              </a:defRPr>
+            </a:lvl6pPr>
+            <a:lvl7pPr marR="0" lvl="6" algn="ctr" rtl="0">
+              <a:lnSpc>
+                <a:spcPct val="100000"/>
+              </a:lnSpc>
+              <a:spcBef>
+                <a:spcPts val="0"/>
+              </a:spcBef>
+              <a:spcAft>
+                <a:spcPts val="0"/>
+              </a:spcAft>
+              <a:buClr>
+                <a:schemeClr val="dk1"/>
+              </a:buClr>
+              <a:buSzPts val="3600"/>
+              <a:buFont typeface="Barlow"/>
+              <a:buNone/>
+              <a:defRPr sz="3600" b="1" i="0" u="none" strike="noStrike" cap="none">
+                <a:solidFill>
+                  <a:schemeClr val="dk1"/>
+                </a:solidFill>
+                <a:latin typeface="Barlow"/>
+                <a:ea typeface="Barlow"/>
+                <a:cs typeface="Barlow"/>
+                <a:sym typeface="Barlow"/>
+              </a:defRPr>
+            </a:lvl7pPr>
+            <a:lvl8pPr marR="0" lvl="7" algn="ctr" rtl="0">
+              <a:lnSpc>
+                <a:spcPct val="100000"/>
+              </a:lnSpc>
+              <a:spcBef>
+                <a:spcPts val="0"/>
+              </a:spcBef>
+              <a:spcAft>
+                <a:spcPts val="0"/>
+              </a:spcAft>
+              <a:buClr>
+                <a:schemeClr val="dk1"/>
+              </a:buClr>
+              <a:buSzPts val="3600"/>
+              <a:buFont typeface="Barlow"/>
+              <a:buNone/>
+              <a:defRPr sz="3600" b="1" i="0" u="none" strike="noStrike" cap="none">
+                <a:solidFill>
+                  <a:schemeClr val="dk1"/>
+                </a:solidFill>
+                <a:latin typeface="Barlow"/>
+                <a:ea typeface="Barlow"/>
+                <a:cs typeface="Barlow"/>
+                <a:sym typeface="Barlow"/>
+              </a:defRPr>
+            </a:lvl8pPr>
+            <a:lvl9pPr marR="0" lvl="8" algn="ctr" rtl="0">
+              <a:lnSpc>
+                <a:spcPct val="100000"/>
+              </a:lnSpc>
+              <a:spcBef>
+                <a:spcPts val="0"/>
+              </a:spcBef>
+              <a:spcAft>
+                <a:spcPts val="0"/>
+              </a:spcAft>
+              <a:buClr>
+                <a:schemeClr val="dk1"/>
+              </a:buClr>
+              <a:buSzPts val="3600"/>
+              <a:buFont typeface="Barlow"/>
+              <a:buNone/>
+              <a:defRPr sz="3600" b="1" i="0" u="none" strike="noStrike" cap="none">
+                <a:solidFill>
+                  <a:schemeClr val="dk1"/>
+                </a:solidFill>
+                <a:latin typeface="Barlow"/>
+                <a:ea typeface="Barlow"/>
+                <a:cs typeface="Barlow"/>
+                <a:sym typeface="Barlow"/>
+              </a:defRPr>
+            </a:lvl9pPr>
+          </a:lstStyle>
+          <a:p>
+            <a:pPr algn="ctr"/>
+            <a:r>
+              <a:rPr lang="en-US" altLang="zh-CN" sz="8000" spc="300" dirty="0">
+                <a:solidFill>
+                  <a:schemeClr val="accent4">
+                    <a:lumMod val="60000"/>
+                    <a:lumOff val="40000"/>
+                    <a:alpha val="60000"/>
+                  </a:schemeClr>
+                </a:solidFill>
+                <a:latin typeface="Amatic SC" panose="020F0502020204030204" pitchFamily="2" charset="-79"/>
+                <a:cs typeface="Amatic SC" panose="020F0502020204030204" pitchFamily="2" charset="-79"/>
+              </a:rPr>
+              <a:t>Recap</a:t>
+            </a:r>
+          </a:p>
+        </p:txBody>
+      </p:sp>
+      <p:sp>
+        <p:nvSpPr>
+          <p:cNvPr id="3" name="TextBox 2">
+            <a:extLst>
+              <a:ext uri="{FF2B5EF4-FFF2-40B4-BE49-F238E27FC236}">
+                <a16:creationId xmlns:a16="http://schemas.microsoft.com/office/drawing/2014/main" id="{9D784398-5454-EE58-9962-90128E9C5037}"/>
+              </a:ext>
+            </a:extLst>
+          </p:cNvPr>
+          <p:cNvSpPr txBox="1"/>
+          <p:nvPr/>
+        </p:nvSpPr>
+        <p:spPr>
+          <a:xfrm>
+            <a:off x="1982647" y="2557206"/>
+            <a:ext cx="8226705" cy="2554545"/>
+          </a:xfrm>
+          <a:prstGeom prst="rect">
+            <a:avLst/>
+          </a:prstGeom>
+          <a:noFill/>
+        </p:spPr>
+        <p:txBody>
+          <a:bodyPr wrap="square" rtlCol="0">
+            <a:spAutoFit/>
+          </a:bodyPr>
+          <a:lstStyle/>
+          <a:p>
+            <a:pPr algn="ctr"/>
+            <a:r>
+              <a:rPr lang="en-US" altLang="zh-CN" sz="4000" dirty="0">
+                <a:solidFill>
+                  <a:schemeClr val="bg1">
+                    <a:lumMod val="75000"/>
+                  </a:schemeClr>
+                </a:solidFill>
+                <a:latin typeface="High Tower Text" panose="02040502050506030303" pitchFamily="18" charset="0"/>
+              </a:rPr>
+              <a:t>We often use the </a:t>
+            </a:r>
+            <a:r>
+              <a:rPr lang="en-US" altLang="zh-CN" sz="4000" dirty="0">
+                <a:solidFill>
+                  <a:schemeClr val="accent2">
+                    <a:lumMod val="60000"/>
+                    <a:lumOff val="40000"/>
+                  </a:schemeClr>
+                </a:solidFill>
+                <a:latin typeface="High Tower Text" panose="02040502050506030303" pitchFamily="18" charset="0"/>
+              </a:rPr>
+              <a:t>forever</a:t>
+            </a:r>
+            <a:r>
+              <a:rPr lang="en-US" altLang="zh-CN" sz="4000" dirty="0">
+                <a:solidFill>
+                  <a:schemeClr val="bg1">
+                    <a:lumMod val="75000"/>
+                  </a:schemeClr>
+                </a:solidFill>
+                <a:latin typeface="High Tower Text" panose="02040502050506030303" pitchFamily="18" charset="0"/>
+              </a:rPr>
+              <a:t> loop to keep the program running </a:t>
+            </a:r>
+            <a:r>
+              <a:rPr lang="en-US" altLang="zh-CN" sz="4000" dirty="0">
+                <a:solidFill>
+                  <a:schemeClr val="accent2">
+                    <a:lumMod val="60000"/>
+                    <a:lumOff val="40000"/>
+                  </a:schemeClr>
+                </a:solidFill>
+                <a:latin typeface="High Tower Text" panose="02040502050506030303" pitchFamily="18" charset="0"/>
+              </a:rPr>
+              <a:t>forever</a:t>
+            </a:r>
+            <a:r>
+              <a:rPr lang="en-US" altLang="zh-CN" sz="4000" dirty="0">
+                <a:solidFill>
+                  <a:schemeClr val="bg1">
+                    <a:lumMod val="75000"/>
+                  </a:schemeClr>
+                </a:solidFill>
+                <a:latin typeface="High Tower Text" panose="02040502050506030303" pitchFamily="18" charset="0"/>
+              </a:rPr>
+              <a:t>. It should only stop when the </a:t>
+            </a:r>
+            <a:r>
+              <a:rPr lang="en-US" altLang="zh-CN" sz="4000" dirty="0">
+                <a:solidFill>
+                  <a:schemeClr val="accent2">
+                    <a:lumMod val="60000"/>
+                    <a:lumOff val="40000"/>
+                  </a:schemeClr>
+                </a:solidFill>
+                <a:latin typeface="High Tower Text" panose="02040502050506030303" pitchFamily="18" charset="0"/>
+              </a:rPr>
+              <a:t>players</a:t>
+            </a:r>
+            <a:r>
+              <a:rPr lang="en-US" altLang="zh-CN" sz="4000" dirty="0">
+                <a:solidFill>
+                  <a:schemeClr val="bg1">
+                    <a:lumMod val="75000"/>
+                  </a:schemeClr>
+                </a:solidFill>
+                <a:latin typeface="High Tower Text" panose="02040502050506030303" pitchFamily="18" charset="0"/>
+              </a:rPr>
+              <a:t> choose to do so</a:t>
+            </a:r>
+            <a:endParaRPr lang="zh-CN" altLang="en-US" sz="4000" dirty="0">
+              <a:solidFill>
+                <a:schemeClr val="bg1">
+                  <a:lumMod val="75000"/>
+                </a:schemeClr>
+              </a:solidFill>
+              <a:latin typeface="High Tower Text" panose="02040502050506030303" pitchFamily="18" charset="0"/>
+            </a:endParaRPr>
+          </a:p>
+        </p:txBody>
+      </p:sp>
+    </p:spTree>
+    <p:extLst>
+      <p:ext uri="{BB962C8B-B14F-4D97-AF65-F5344CB8AC3E}">
+        <p14:creationId xmlns:p14="http://schemas.microsoft.com/office/powerpoint/2010/main" val="2969860300"/>
+      </p:ext>
+    </p:extLst>
+  </p:cSld>
+  <p:clrMapOvr>
+    <a:masterClrMapping/>
+  </p:clrMapOvr>
+</p:sld>
+</file>
+
+<file path=ppt/slides/slide33.xml><?xml version="1.0" encoding="utf-8"?>
+<p:sld xmlns:a="http://schemas.openxmlformats.org/drawingml/2006/main" xmlns:r="http://schemas.openxmlformats.org/officeDocument/2006/relationships" xmlns:p="http://schemas.openxmlformats.org/presentationml/2006/main">
+  <p:cSld>
+    <p:spTree>
+      <p:nvGrpSpPr>
+        <p:cNvPr id="1" name="">
+          <a:extLst>
+            <a:ext uri="{FF2B5EF4-FFF2-40B4-BE49-F238E27FC236}">
+              <a16:creationId xmlns:a16="http://schemas.microsoft.com/office/drawing/2014/main" id="{B0638B88-A28D-0D98-6790-AFD73D028E78}"/>
+            </a:ext>
+          </a:extLst>
+        </p:cNvPr>
+        <p:cNvGrpSpPr/>
+        <p:nvPr/>
+      </p:nvGrpSpPr>
+      <p:grpSpPr>
+        <a:xfrm>
+          <a:off x="0" y="0"/>
+          <a:ext cx="0" cy="0"/>
+          <a:chOff x="0" y="0"/>
+          <a:chExt cx="0" cy="0"/>
+        </a:xfrm>
+      </p:grpSpPr>
+      <p:sp>
+        <p:nvSpPr>
+          <p:cNvPr id="6" name="Rectangle 5">
+            <a:extLst>
+              <a:ext uri="{FF2B5EF4-FFF2-40B4-BE49-F238E27FC236}">
+                <a16:creationId xmlns:a16="http://schemas.microsoft.com/office/drawing/2014/main" id="{52E115B1-EE40-3BB7-072F-C694ABBC3CDA}"/>
+              </a:ext>
+            </a:extLst>
+          </p:cNvPr>
+          <p:cNvSpPr/>
+          <p:nvPr/>
+        </p:nvSpPr>
+        <p:spPr>
+          <a:xfrm>
+            <a:off x="0" y="0"/>
+            <a:ext cx="12192000" cy="6858000"/>
+          </a:xfrm>
+          <a:prstGeom prst="rect">
+            <a:avLst/>
+          </a:prstGeom>
+          <a:solidFill>
+            <a:srgbClr val="23242A"/>
+          </a:solidFill>
+          <a:ln>
+            <a:noFill/>
+          </a:ln>
+        </p:spPr>
+        <p:style>
+          <a:lnRef idx="2">
+            <a:schemeClr val="accent1">
+              <a:shade val="15000"/>
+            </a:schemeClr>
+          </a:lnRef>
+          <a:fillRef idx="1">
+            <a:schemeClr val="accent1"/>
+          </a:fillRef>
+          <a:effectRef idx="0">
+            <a:schemeClr val="accent1"/>
+          </a:effectRef>
+          <a:fontRef idx="minor">
+            <a:schemeClr val="lt1"/>
+          </a:fontRef>
+        </p:style>
+        <p:txBody>
+          <a:bodyPr rtlCol="0" anchor="ctr"/>
+          <a:lstStyle/>
+          <a:p>
+            <a:pPr algn="ctr"/>
+            <a:endParaRPr lang="zh-CN" altLang="en-US" dirty="0"/>
+          </a:p>
+        </p:txBody>
+      </p:sp>
+      <p:sp>
+        <p:nvSpPr>
+          <p:cNvPr id="2" name="Slide Number Placeholder 1">
+            <a:extLst>
+              <a:ext uri="{FF2B5EF4-FFF2-40B4-BE49-F238E27FC236}">
+                <a16:creationId xmlns:a16="http://schemas.microsoft.com/office/drawing/2014/main" id="{6B14C209-5E11-9F64-6579-48902F3047ED}"/>
+              </a:ext>
+            </a:extLst>
+          </p:cNvPr>
+          <p:cNvSpPr>
+            <a:spLocks noGrp="1"/>
+          </p:cNvSpPr>
+          <p:nvPr>
+            <p:ph type="sldNum" sz="quarter" idx="12"/>
+          </p:nvPr>
+        </p:nvSpPr>
+        <p:spPr>
+          <a:xfrm>
+            <a:off x="9057739" y="6259509"/>
+            <a:ext cx="2743200" cy="365125"/>
+          </a:xfrm>
+        </p:spPr>
+        <p:txBody>
+          <a:bodyPr/>
+          <a:lstStyle/>
+          <a:p>
+            <a:fld id="{9B1EC109-1E15-4BCA-93B5-56442BB3443E}" type="slidenum">
+              <a:rPr lang="zh-CN" altLang="en-US" sz="2400" b="1" smtClean="0">
+                <a:solidFill>
+                  <a:schemeClr val="bg1">
+                    <a:lumMod val="65000"/>
+                  </a:schemeClr>
+                </a:solidFill>
+                <a:latin typeface="Bradley Hand ITC" panose="03070402050302030203" pitchFamily="66" charset="0"/>
+              </a:rPr>
+              <a:t>33</a:t>
+            </a:fld>
+            <a:endParaRPr lang="zh-CN" altLang="en-US" sz="2400" b="1" dirty="0">
+              <a:solidFill>
+                <a:schemeClr val="bg1">
+                  <a:lumMod val="65000"/>
+                </a:schemeClr>
+              </a:solidFill>
+              <a:latin typeface="Bradley Hand ITC" panose="03070402050302030203" pitchFamily="66" charset="0"/>
+            </a:endParaRPr>
+          </a:p>
+        </p:txBody>
+      </p:sp>
+      <p:sp>
+        <p:nvSpPr>
+          <p:cNvPr id="4" name="Google Shape;867;p33">
+            <a:extLst>
+              <a:ext uri="{FF2B5EF4-FFF2-40B4-BE49-F238E27FC236}">
+                <a16:creationId xmlns:a16="http://schemas.microsoft.com/office/drawing/2014/main" id="{8C54911E-C7A1-4CEC-EBF1-0B16D4B61B9B}"/>
+              </a:ext>
+            </a:extLst>
+          </p:cNvPr>
+          <p:cNvSpPr txBox="1">
+            <a:spLocks/>
+          </p:cNvSpPr>
+          <p:nvPr/>
+        </p:nvSpPr>
+        <p:spPr>
+          <a:xfrm>
+            <a:off x="2222600" y="143850"/>
+            <a:ext cx="7746800" cy="1602400"/>
+          </a:xfrm>
+          <a:prstGeom prst="rect">
+            <a:avLst/>
+          </a:prstGeom>
+          <a:noFill/>
+          <a:ln>
+            <a:noFill/>
+          </a:ln>
+        </p:spPr>
+        <p:txBody>
+          <a:bodyPr spcFirstLastPara="1" wrap="square" lIns="91425" tIns="91425" rIns="91425" bIns="91425" anchor="b" anchorCtr="0">
+            <a:noAutofit/>
+          </a:bodyPr>
+          <a:lstStyle>
+            <a:defPPr marR="0" lvl="0" algn="l" rtl="0">
+              <a:lnSpc>
+                <a:spcPct val="100000"/>
+              </a:lnSpc>
+              <a:spcBef>
+                <a:spcPts val="0"/>
+              </a:spcBef>
+              <a:spcAft>
+                <a:spcPts val="0"/>
+              </a:spcAft>
+            </a:defPPr>
+            <a:lvl1pPr marR="0" lvl="0" algn="l" rtl="0">
+              <a:lnSpc>
+                <a:spcPct val="100000"/>
+              </a:lnSpc>
+              <a:spcBef>
+                <a:spcPts val="0"/>
+              </a:spcBef>
+              <a:spcAft>
+                <a:spcPts val="0"/>
+              </a:spcAft>
+              <a:buClr>
+                <a:schemeClr val="dk1"/>
+              </a:buClr>
+              <a:buSzPts val="3600"/>
+              <a:buFont typeface="Barlow"/>
+              <a:buNone/>
+              <a:defRPr sz="7200" b="1" i="0" u="none" strike="noStrike" cap="none">
+                <a:solidFill>
+                  <a:schemeClr val="dk1"/>
+                </a:solidFill>
+                <a:latin typeface="Barlow"/>
+                <a:ea typeface="Barlow"/>
+                <a:cs typeface="Barlow"/>
+                <a:sym typeface="Barlow"/>
+              </a:defRPr>
+            </a:lvl1pPr>
+            <a:lvl2pPr marR="0" lvl="1" algn="ctr" rtl="0">
+              <a:lnSpc>
+                <a:spcPct val="100000"/>
+              </a:lnSpc>
+              <a:spcBef>
+                <a:spcPts val="0"/>
+              </a:spcBef>
+              <a:spcAft>
+                <a:spcPts val="0"/>
+              </a:spcAft>
+              <a:buClr>
+                <a:schemeClr val="dk1"/>
+              </a:buClr>
+              <a:buSzPts val="3600"/>
+              <a:buFont typeface="Barlow"/>
+              <a:buNone/>
+              <a:defRPr sz="3600" b="1" i="0" u="none" strike="noStrike" cap="none">
+                <a:solidFill>
+                  <a:schemeClr val="dk1"/>
+                </a:solidFill>
+                <a:latin typeface="Barlow"/>
+                <a:ea typeface="Barlow"/>
+                <a:cs typeface="Barlow"/>
+                <a:sym typeface="Barlow"/>
+              </a:defRPr>
+            </a:lvl2pPr>
+            <a:lvl3pPr marR="0" lvl="2" algn="ctr" rtl="0">
+              <a:lnSpc>
+                <a:spcPct val="100000"/>
+              </a:lnSpc>
+              <a:spcBef>
+                <a:spcPts val="0"/>
+              </a:spcBef>
+              <a:spcAft>
+                <a:spcPts val="0"/>
+              </a:spcAft>
+              <a:buClr>
+                <a:schemeClr val="dk1"/>
+              </a:buClr>
+              <a:buSzPts val="3600"/>
+              <a:buFont typeface="Barlow"/>
+              <a:buNone/>
+              <a:defRPr sz="3600" b="1" i="0" u="none" strike="noStrike" cap="none">
+                <a:solidFill>
+                  <a:schemeClr val="dk1"/>
+                </a:solidFill>
+                <a:latin typeface="Barlow"/>
+                <a:ea typeface="Barlow"/>
+                <a:cs typeface="Barlow"/>
+                <a:sym typeface="Barlow"/>
+              </a:defRPr>
+            </a:lvl3pPr>
+            <a:lvl4pPr marR="0" lvl="3" algn="ctr" rtl="0">
+              <a:lnSpc>
+                <a:spcPct val="100000"/>
+              </a:lnSpc>
+              <a:spcBef>
+                <a:spcPts val="0"/>
+              </a:spcBef>
+              <a:spcAft>
+                <a:spcPts val="0"/>
+              </a:spcAft>
+              <a:buClr>
+                <a:schemeClr val="dk1"/>
+              </a:buClr>
+              <a:buSzPts val="3600"/>
+              <a:buFont typeface="Barlow"/>
+              <a:buNone/>
+              <a:defRPr sz="3600" b="1" i="0" u="none" strike="noStrike" cap="none">
+                <a:solidFill>
+                  <a:schemeClr val="dk1"/>
+                </a:solidFill>
+                <a:latin typeface="Barlow"/>
+                <a:ea typeface="Barlow"/>
+                <a:cs typeface="Barlow"/>
+                <a:sym typeface="Barlow"/>
+              </a:defRPr>
+            </a:lvl4pPr>
+            <a:lvl5pPr marR="0" lvl="4" algn="ctr" rtl="0">
+              <a:lnSpc>
+                <a:spcPct val="100000"/>
+              </a:lnSpc>
+              <a:spcBef>
+                <a:spcPts val="0"/>
+              </a:spcBef>
+              <a:spcAft>
+                <a:spcPts val="0"/>
+              </a:spcAft>
+              <a:buClr>
+                <a:schemeClr val="dk1"/>
+              </a:buClr>
+              <a:buSzPts val="3600"/>
+              <a:buFont typeface="Barlow"/>
+              <a:buNone/>
+              <a:defRPr sz="3600" b="1" i="0" u="none" strike="noStrike" cap="none">
+                <a:solidFill>
+                  <a:schemeClr val="dk1"/>
+                </a:solidFill>
+                <a:latin typeface="Barlow"/>
+                <a:ea typeface="Barlow"/>
+                <a:cs typeface="Barlow"/>
+                <a:sym typeface="Barlow"/>
+              </a:defRPr>
+            </a:lvl5pPr>
+            <a:lvl6pPr marR="0" lvl="5" algn="ctr" rtl="0">
+              <a:lnSpc>
+                <a:spcPct val="100000"/>
+              </a:lnSpc>
+              <a:spcBef>
+                <a:spcPts val="0"/>
+              </a:spcBef>
+              <a:spcAft>
+                <a:spcPts val="0"/>
+              </a:spcAft>
+              <a:buClr>
+                <a:schemeClr val="dk1"/>
+              </a:buClr>
+              <a:buSzPts val="3600"/>
+              <a:buFont typeface="Barlow"/>
+              <a:buNone/>
+              <a:defRPr sz="3600" b="1" i="0" u="none" strike="noStrike" cap="none">
+                <a:solidFill>
+                  <a:schemeClr val="dk1"/>
+                </a:solidFill>
+                <a:latin typeface="Barlow"/>
+                <a:ea typeface="Barlow"/>
+                <a:cs typeface="Barlow"/>
+                <a:sym typeface="Barlow"/>
+              </a:defRPr>
+            </a:lvl6pPr>
+            <a:lvl7pPr marR="0" lvl="6" algn="ctr" rtl="0">
+              <a:lnSpc>
+                <a:spcPct val="100000"/>
+              </a:lnSpc>
+              <a:spcBef>
+                <a:spcPts val="0"/>
+              </a:spcBef>
+              <a:spcAft>
+                <a:spcPts val="0"/>
+              </a:spcAft>
+              <a:buClr>
+                <a:schemeClr val="dk1"/>
+              </a:buClr>
+              <a:buSzPts val="3600"/>
+              <a:buFont typeface="Barlow"/>
+              <a:buNone/>
+              <a:defRPr sz="3600" b="1" i="0" u="none" strike="noStrike" cap="none">
+                <a:solidFill>
+                  <a:schemeClr val="dk1"/>
+                </a:solidFill>
+                <a:latin typeface="Barlow"/>
+                <a:ea typeface="Barlow"/>
+                <a:cs typeface="Barlow"/>
+                <a:sym typeface="Barlow"/>
+              </a:defRPr>
+            </a:lvl7pPr>
+            <a:lvl8pPr marR="0" lvl="7" algn="ctr" rtl="0">
+              <a:lnSpc>
+                <a:spcPct val="100000"/>
+              </a:lnSpc>
+              <a:spcBef>
+                <a:spcPts val="0"/>
+              </a:spcBef>
+              <a:spcAft>
+                <a:spcPts val="0"/>
+              </a:spcAft>
+              <a:buClr>
+                <a:schemeClr val="dk1"/>
+              </a:buClr>
+              <a:buSzPts val="3600"/>
+              <a:buFont typeface="Barlow"/>
+              <a:buNone/>
+              <a:defRPr sz="3600" b="1" i="0" u="none" strike="noStrike" cap="none">
+                <a:solidFill>
+                  <a:schemeClr val="dk1"/>
+                </a:solidFill>
+                <a:latin typeface="Barlow"/>
+                <a:ea typeface="Barlow"/>
+                <a:cs typeface="Barlow"/>
+                <a:sym typeface="Barlow"/>
+              </a:defRPr>
+            </a:lvl8pPr>
+            <a:lvl9pPr marR="0" lvl="8" algn="ctr" rtl="0">
+              <a:lnSpc>
+                <a:spcPct val="100000"/>
+              </a:lnSpc>
+              <a:spcBef>
+                <a:spcPts val="0"/>
+              </a:spcBef>
+              <a:spcAft>
+                <a:spcPts val="0"/>
+              </a:spcAft>
+              <a:buClr>
+                <a:schemeClr val="dk1"/>
+              </a:buClr>
+              <a:buSzPts val="3600"/>
+              <a:buFont typeface="Barlow"/>
+              <a:buNone/>
+              <a:defRPr sz="3600" b="1" i="0" u="none" strike="noStrike" cap="none">
+                <a:solidFill>
+                  <a:schemeClr val="dk1"/>
+                </a:solidFill>
+                <a:latin typeface="Barlow"/>
+                <a:ea typeface="Barlow"/>
+                <a:cs typeface="Barlow"/>
+                <a:sym typeface="Barlow"/>
+              </a:defRPr>
+            </a:lvl9pPr>
+          </a:lstStyle>
+          <a:p>
+            <a:pPr algn="ctr"/>
+            <a:r>
+              <a:rPr lang="en-US" altLang="zh-CN" sz="8000" spc="300" dirty="0">
+                <a:solidFill>
+                  <a:schemeClr val="accent4">
+                    <a:lumMod val="60000"/>
+                    <a:lumOff val="40000"/>
+                    <a:alpha val="60000"/>
+                  </a:schemeClr>
+                </a:solidFill>
+                <a:latin typeface="Amatic SC" panose="020F0502020204030204" pitchFamily="2" charset="-79"/>
+                <a:cs typeface="Amatic SC" panose="020F0502020204030204" pitchFamily="2" charset="-79"/>
+              </a:rPr>
+              <a:t>What we learnt…</a:t>
+            </a:r>
+          </a:p>
+        </p:txBody>
+      </p:sp>
+      <p:sp>
+        <p:nvSpPr>
+          <p:cNvPr id="7" name="TextBox 6">
+            <a:extLst>
+              <a:ext uri="{FF2B5EF4-FFF2-40B4-BE49-F238E27FC236}">
+                <a16:creationId xmlns:a16="http://schemas.microsoft.com/office/drawing/2014/main" id="{746CF1E8-DC14-458F-9658-3E32EF64E0E4}"/>
+              </a:ext>
+            </a:extLst>
+          </p:cNvPr>
+          <p:cNvSpPr txBox="1"/>
+          <p:nvPr/>
+        </p:nvSpPr>
+        <p:spPr>
+          <a:xfrm>
+            <a:off x="1265150" y="2757261"/>
+            <a:ext cx="4048530" cy="2123658"/>
+          </a:xfrm>
+          <a:prstGeom prst="rect">
+            <a:avLst/>
+          </a:prstGeom>
+          <a:noFill/>
+        </p:spPr>
+        <p:txBody>
+          <a:bodyPr wrap="square" rtlCol="0">
+            <a:spAutoFit/>
+          </a:bodyPr>
+          <a:lstStyle/>
+          <a:p>
+            <a:r>
+              <a:rPr lang="en-US" altLang="zh-CN" sz="4400" dirty="0">
+                <a:solidFill>
+                  <a:schemeClr val="bg1">
+                    <a:lumMod val="75000"/>
+                  </a:schemeClr>
+                </a:solidFill>
+                <a:latin typeface="High Tower Text" panose="02040502050506030303" pitchFamily="18" charset="0"/>
+              </a:rPr>
+              <a:t>How to show and hide a sprite…</a:t>
+            </a:r>
+            <a:endParaRPr lang="zh-CN" altLang="en-US" sz="4400" dirty="0">
+              <a:solidFill>
+                <a:schemeClr val="bg1">
+                  <a:lumMod val="75000"/>
+                </a:schemeClr>
+              </a:solidFill>
+              <a:latin typeface="High Tower Text" panose="02040502050506030303" pitchFamily="18" charset="0"/>
+            </a:endParaRPr>
+          </a:p>
+        </p:txBody>
+      </p:sp>
+    </p:spTree>
+    <p:extLst>
+      <p:ext uri="{BB962C8B-B14F-4D97-AF65-F5344CB8AC3E}">
+        <p14:creationId xmlns:p14="http://schemas.microsoft.com/office/powerpoint/2010/main" val="2768751716"/>
+      </p:ext>
+    </p:extLst>
+  </p:cSld>
+  <p:clrMapOvr>
+    <a:masterClrMapping/>
+  </p:clrMapOvr>
+</p:sld>
+</file>
+
+<file path=ppt/slides/slide34.xml><?xml version="1.0" encoding="utf-8"?>
+<p:sld xmlns:a="http://schemas.openxmlformats.org/drawingml/2006/main" xmlns:r="http://schemas.openxmlformats.org/officeDocument/2006/relationships" xmlns:p="http://schemas.openxmlformats.org/presentationml/2006/main">
+  <p:cSld>
+    <p:spTree>
+      <p:nvGrpSpPr>
+        <p:cNvPr id="1" name="">
+          <a:extLst>
+            <a:ext uri="{FF2B5EF4-FFF2-40B4-BE49-F238E27FC236}">
+              <a16:creationId xmlns:a16="http://schemas.microsoft.com/office/drawing/2014/main" id="{A6149CC5-F374-FBE1-7BE4-DA13E1964CB1}"/>
+            </a:ext>
+          </a:extLst>
+        </p:cNvPr>
+        <p:cNvGrpSpPr/>
+        <p:nvPr/>
+      </p:nvGrpSpPr>
+      <p:grpSpPr>
+        <a:xfrm>
+          <a:off x="0" y="0"/>
+          <a:ext cx="0" cy="0"/>
+          <a:chOff x="0" y="0"/>
+          <a:chExt cx="0" cy="0"/>
+        </a:xfrm>
+      </p:grpSpPr>
+      <p:sp>
+        <p:nvSpPr>
+          <p:cNvPr id="6" name="Rectangle 5">
+            <a:extLst>
+              <a:ext uri="{FF2B5EF4-FFF2-40B4-BE49-F238E27FC236}">
+                <a16:creationId xmlns:a16="http://schemas.microsoft.com/office/drawing/2014/main" id="{72809223-44D4-EEED-3353-FF2C64A98D97}"/>
+              </a:ext>
+            </a:extLst>
+          </p:cNvPr>
+          <p:cNvSpPr/>
+          <p:nvPr/>
+        </p:nvSpPr>
+        <p:spPr>
+          <a:xfrm>
+            <a:off x="0" y="0"/>
+            <a:ext cx="12192000" cy="6858000"/>
+          </a:xfrm>
+          <a:prstGeom prst="rect">
+            <a:avLst/>
+          </a:prstGeom>
+          <a:solidFill>
+            <a:srgbClr val="23242A"/>
+          </a:solidFill>
+          <a:ln>
+            <a:noFill/>
+          </a:ln>
+        </p:spPr>
+        <p:style>
+          <a:lnRef idx="2">
+            <a:schemeClr val="accent1">
+              <a:shade val="15000"/>
+            </a:schemeClr>
+          </a:lnRef>
+          <a:fillRef idx="1">
+            <a:schemeClr val="accent1"/>
+          </a:fillRef>
+          <a:effectRef idx="0">
+            <a:schemeClr val="accent1"/>
+          </a:effectRef>
+          <a:fontRef idx="minor">
+            <a:schemeClr val="lt1"/>
+          </a:fontRef>
+        </p:style>
+        <p:txBody>
+          <a:bodyPr rtlCol="0" anchor="ctr"/>
+          <a:lstStyle/>
+          <a:p>
+            <a:pPr algn="ctr"/>
+            <a:endParaRPr lang="zh-CN" altLang="en-US" dirty="0"/>
+          </a:p>
+        </p:txBody>
+      </p:sp>
+      <p:sp>
+        <p:nvSpPr>
+          <p:cNvPr id="4" name="Google Shape;867;p33">
+            <a:extLst>
+              <a:ext uri="{FF2B5EF4-FFF2-40B4-BE49-F238E27FC236}">
+                <a16:creationId xmlns:a16="http://schemas.microsoft.com/office/drawing/2014/main" id="{FC84EE84-FE44-7241-2A98-8BE474A74E2A}"/>
+              </a:ext>
+            </a:extLst>
+          </p:cNvPr>
+          <p:cNvSpPr txBox="1">
+            <a:spLocks/>
+          </p:cNvSpPr>
+          <p:nvPr/>
+        </p:nvSpPr>
+        <p:spPr>
+          <a:xfrm>
+            <a:off x="1557070" y="382508"/>
+            <a:ext cx="9077860" cy="1602400"/>
+          </a:xfrm>
+          <a:prstGeom prst="rect">
+            <a:avLst/>
+          </a:prstGeom>
+          <a:noFill/>
+          <a:ln>
+            <a:noFill/>
+          </a:ln>
+        </p:spPr>
+        <p:txBody>
+          <a:bodyPr spcFirstLastPara="1" wrap="square" lIns="91425" tIns="91425" rIns="91425" bIns="91425" anchor="b" anchorCtr="0">
+            <a:noAutofit/>
+          </a:bodyPr>
+          <a:lstStyle>
+            <a:defPPr marR="0" lvl="0" algn="l" rtl="0">
+              <a:lnSpc>
+                <a:spcPct val="100000"/>
+              </a:lnSpc>
+              <a:spcBef>
+                <a:spcPts val="0"/>
+              </a:spcBef>
+              <a:spcAft>
+                <a:spcPts val="0"/>
+              </a:spcAft>
+            </a:defPPr>
+            <a:lvl1pPr marR="0" lvl="0" algn="l" rtl="0">
+              <a:lnSpc>
+                <a:spcPct val="100000"/>
+              </a:lnSpc>
+              <a:spcBef>
+                <a:spcPts val="0"/>
+              </a:spcBef>
+              <a:spcAft>
+                <a:spcPts val="0"/>
+              </a:spcAft>
+              <a:buClr>
+                <a:schemeClr val="dk1"/>
+              </a:buClr>
+              <a:buSzPts val="3600"/>
+              <a:buFont typeface="Barlow"/>
+              <a:buNone/>
+              <a:defRPr sz="7200" b="1" i="0" u="none" strike="noStrike" cap="none">
+                <a:solidFill>
+                  <a:schemeClr val="dk1"/>
+                </a:solidFill>
+                <a:latin typeface="Barlow"/>
+                <a:ea typeface="Barlow"/>
+                <a:cs typeface="Barlow"/>
+                <a:sym typeface="Barlow"/>
+              </a:defRPr>
+            </a:lvl1pPr>
+            <a:lvl2pPr marR="0" lvl="1" algn="ctr" rtl="0">
+              <a:lnSpc>
+                <a:spcPct val="100000"/>
+              </a:lnSpc>
+              <a:spcBef>
+                <a:spcPts val="0"/>
+              </a:spcBef>
+              <a:spcAft>
+                <a:spcPts val="0"/>
+              </a:spcAft>
+              <a:buClr>
+                <a:schemeClr val="dk1"/>
+              </a:buClr>
+              <a:buSzPts val="3600"/>
+              <a:buFont typeface="Barlow"/>
+              <a:buNone/>
+              <a:defRPr sz="3600" b="1" i="0" u="none" strike="noStrike" cap="none">
+                <a:solidFill>
+                  <a:schemeClr val="dk1"/>
+                </a:solidFill>
+                <a:latin typeface="Barlow"/>
+                <a:ea typeface="Barlow"/>
+                <a:cs typeface="Barlow"/>
+                <a:sym typeface="Barlow"/>
+              </a:defRPr>
+            </a:lvl2pPr>
+            <a:lvl3pPr marR="0" lvl="2" algn="ctr" rtl="0">
+              <a:lnSpc>
+                <a:spcPct val="100000"/>
+              </a:lnSpc>
+              <a:spcBef>
+                <a:spcPts val="0"/>
+              </a:spcBef>
+              <a:spcAft>
+                <a:spcPts val="0"/>
+              </a:spcAft>
+              <a:buClr>
+                <a:schemeClr val="dk1"/>
+              </a:buClr>
+              <a:buSzPts val="3600"/>
+              <a:buFont typeface="Barlow"/>
+              <a:buNone/>
+              <a:defRPr sz="3600" b="1" i="0" u="none" strike="noStrike" cap="none">
+                <a:solidFill>
+                  <a:schemeClr val="dk1"/>
+                </a:solidFill>
+                <a:latin typeface="Barlow"/>
+                <a:ea typeface="Barlow"/>
+                <a:cs typeface="Barlow"/>
+                <a:sym typeface="Barlow"/>
+              </a:defRPr>
+            </a:lvl3pPr>
+            <a:lvl4pPr marR="0" lvl="3" algn="ctr" rtl="0">
+              <a:lnSpc>
+                <a:spcPct val="100000"/>
+              </a:lnSpc>
+              <a:spcBef>
+                <a:spcPts val="0"/>
+              </a:spcBef>
+              <a:spcAft>
+                <a:spcPts val="0"/>
+              </a:spcAft>
+              <a:buClr>
+                <a:schemeClr val="dk1"/>
+              </a:buClr>
+              <a:buSzPts val="3600"/>
+              <a:buFont typeface="Barlow"/>
+              <a:buNone/>
+              <a:defRPr sz="3600" b="1" i="0" u="none" strike="noStrike" cap="none">
+                <a:solidFill>
+                  <a:schemeClr val="dk1"/>
+                </a:solidFill>
+                <a:latin typeface="Barlow"/>
+                <a:ea typeface="Barlow"/>
+                <a:cs typeface="Barlow"/>
+                <a:sym typeface="Barlow"/>
+              </a:defRPr>
+            </a:lvl4pPr>
+            <a:lvl5pPr marR="0" lvl="4" algn="ctr" rtl="0">
+              <a:lnSpc>
+                <a:spcPct val="100000"/>
+              </a:lnSpc>
+              <a:spcBef>
+                <a:spcPts val="0"/>
+              </a:spcBef>
+              <a:spcAft>
+                <a:spcPts val="0"/>
+              </a:spcAft>
+              <a:buClr>
+                <a:schemeClr val="dk1"/>
+              </a:buClr>
+              <a:buSzPts val="3600"/>
+              <a:buFont typeface="Barlow"/>
+              <a:buNone/>
+              <a:defRPr sz="3600" b="1" i="0" u="none" strike="noStrike" cap="none">
+                <a:solidFill>
+                  <a:schemeClr val="dk1"/>
+                </a:solidFill>
+                <a:latin typeface="Barlow"/>
+                <a:ea typeface="Barlow"/>
+                <a:cs typeface="Barlow"/>
+                <a:sym typeface="Barlow"/>
+              </a:defRPr>
+            </a:lvl5pPr>
+            <a:lvl6pPr marR="0" lvl="5" algn="ctr" rtl="0">
+              <a:lnSpc>
+                <a:spcPct val="100000"/>
+              </a:lnSpc>
+              <a:spcBef>
+                <a:spcPts val="0"/>
+              </a:spcBef>
+              <a:spcAft>
+                <a:spcPts val="0"/>
+              </a:spcAft>
+              <a:buClr>
+                <a:schemeClr val="dk1"/>
+              </a:buClr>
+              <a:buSzPts val="3600"/>
+              <a:buFont typeface="Barlow"/>
+              <a:buNone/>
+              <a:defRPr sz="3600" b="1" i="0" u="none" strike="noStrike" cap="none">
+                <a:solidFill>
+                  <a:schemeClr val="dk1"/>
+                </a:solidFill>
+                <a:latin typeface="Barlow"/>
+                <a:ea typeface="Barlow"/>
+                <a:cs typeface="Barlow"/>
+                <a:sym typeface="Barlow"/>
+              </a:defRPr>
+            </a:lvl6pPr>
+            <a:lvl7pPr marR="0" lvl="6" algn="ctr" rtl="0">
+              <a:lnSpc>
+                <a:spcPct val="100000"/>
+              </a:lnSpc>
+              <a:spcBef>
+                <a:spcPts val="0"/>
+              </a:spcBef>
+              <a:spcAft>
+                <a:spcPts val="0"/>
+              </a:spcAft>
+              <a:buClr>
+                <a:schemeClr val="dk1"/>
+              </a:buClr>
+              <a:buSzPts val="3600"/>
+              <a:buFont typeface="Barlow"/>
+              <a:buNone/>
+              <a:defRPr sz="3600" b="1" i="0" u="none" strike="noStrike" cap="none">
+                <a:solidFill>
+                  <a:schemeClr val="dk1"/>
+                </a:solidFill>
+                <a:latin typeface="Barlow"/>
+                <a:ea typeface="Barlow"/>
+                <a:cs typeface="Barlow"/>
+                <a:sym typeface="Barlow"/>
+              </a:defRPr>
+            </a:lvl7pPr>
+            <a:lvl8pPr marR="0" lvl="7" algn="ctr" rtl="0">
+              <a:lnSpc>
+                <a:spcPct val="100000"/>
+              </a:lnSpc>
+              <a:spcBef>
+                <a:spcPts val="0"/>
+              </a:spcBef>
+              <a:spcAft>
+                <a:spcPts val="0"/>
+              </a:spcAft>
+              <a:buClr>
+                <a:schemeClr val="dk1"/>
+              </a:buClr>
+              <a:buSzPts val="3600"/>
+              <a:buFont typeface="Barlow"/>
+              <a:buNone/>
+              <a:defRPr sz="3600" b="1" i="0" u="none" strike="noStrike" cap="none">
+                <a:solidFill>
+                  <a:schemeClr val="dk1"/>
+                </a:solidFill>
+                <a:latin typeface="Barlow"/>
+                <a:ea typeface="Barlow"/>
+                <a:cs typeface="Barlow"/>
+                <a:sym typeface="Barlow"/>
+              </a:defRPr>
+            </a:lvl8pPr>
+            <a:lvl9pPr marR="0" lvl="8" algn="ctr" rtl="0">
+              <a:lnSpc>
+                <a:spcPct val="100000"/>
+              </a:lnSpc>
+              <a:spcBef>
+                <a:spcPts val="0"/>
+              </a:spcBef>
+              <a:spcAft>
+                <a:spcPts val="0"/>
+              </a:spcAft>
+              <a:buClr>
+                <a:schemeClr val="dk1"/>
+              </a:buClr>
+              <a:buSzPts val="3600"/>
+              <a:buFont typeface="Barlow"/>
+              <a:buNone/>
+              <a:defRPr sz="3600" b="1" i="0" u="none" strike="noStrike" cap="none">
+                <a:solidFill>
+                  <a:schemeClr val="dk1"/>
+                </a:solidFill>
+                <a:latin typeface="Barlow"/>
+                <a:ea typeface="Barlow"/>
+                <a:cs typeface="Barlow"/>
+                <a:sym typeface="Barlow"/>
+              </a:defRPr>
+            </a:lvl9pPr>
+          </a:lstStyle>
+          <a:p>
+            <a:pPr algn="ctr"/>
+            <a:r>
+              <a:rPr lang="en-US" altLang="zh-CN" sz="8000" spc="300" dirty="0">
+                <a:solidFill>
+                  <a:schemeClr val="accent4">
+                    <a:lumMod val="60000"/>
+                    <a:lumOff val="40000"/>
+                    <a:alpha val="60000"/>
+                  </a:schemeClr>
+                </a:solidFill>
+                <a:latin typeface="Amatic SC" panose="020F0502020204030204" pitchFamily="2" charset="-79"/>
+                <a:cs typeface="Amatic SC" panose="020F0502020204030204" pitchFamily="2" charset="-79"/>
+              </a:rPr>
+              <a:t>Exercises</a:t>
+            </a:r>
+          </a:p>
+        </p:txBody>
+      </p:sp>
+      <p:sp>
+        <p:nvSpPr>
+          <p:cNvPr id="2" name="TextBox 1">
+            <a:extLst>
+              <a:ext uri="{FF2B5EF4-FFF2-40B4-BE49-F238E27FC236}">
+                <a16:creationId xmlns:a16="http://schemas.microsoft.com/office/drawing/2014/main" id="{358DAF90-C894-28B5-B4EB-03A690701266}"/>
+              </a:ext>
+            </a:extLst>
+          </p:cNvPr>
+          <p:cNvSpPr txBox="1"/>
+          <p:nvPr/>
+        </p:nvSpPr>
+        <p:spPr>
+          <a:xfrm>
+            <a:off x="1265150" y="2117180"/>
+            <a:ext cx="9727970" cy="5199565"/>
+          </a:xfrm>
+          <a:prstGeom prst="rect">
+            <a:avLst/>
+          </a:prstGeom>
+          <a:noFill/>
+        </p:spPr>
+        <p:txBody>
+          <a:bodyPr wrap="square" rtlCol="0">
+            <a:spAutoFit/>
+          </a:bodyPr>
+          <a:lstStyle/>
+          <a:p>
+            <a:pPr marL="571500" indent="-571500">
+              <a:lnSpc>
+                <a:spcPct val="150000"/>
+              </a:lnSpc>
+              <a:buFont typeface="Wingdings" panose="05000000000000000000" pitchFamily="2" charset="2"/>
+              <a:buChar char="p"/>
+            </a:pPr>
+            <a:r>
+              <a:rPr lang="en-US" altLang="zh-CN" sz="2800" dirty="0">
+                <a:solidFill>
+                  <a:schemeClr val="bg1">
+                    <a:lumMod val="75000"/>
+                  </a:schemeClr>
+                </a:solidFill>
+                <a:latin typeface="High Tower Text" panose="02040502050506030303" pitchFamily="18" charset="0"/>
+              </a:rPr>
+              <a:t>Can you find more “loop” examples in real life?</a:t>
+            </a:r>
+          </a:p>
+          <a:p>
+            <a:pPr marL="571500" indent="-571500">
+              <a:lnSpc>
+                <a:spcPct val="150000"/>
+              </a:lnSpc>
+              <a:buFont typeface="Wingdings" panose="05000000000000000000" pitchFamily="2" charset="2"/>
+              <a:buChar char="p"/>
+            </a:pPr>
+            <a:r>
+              <a:rPr lang="en-US" altLang="zh-CN" sz="2800" dirty="0">
+                <a:solidFill>
+                  <a:schemeClr val="bg1">
+                    <a:lumMod val="75000"/>
+                  </a:schemeClr>
+                </a:solidFill>
+                <a:latin typeface="High Tower Text" panose="02040502050506030303" pitchFamily="18" charset="0"/>
+              </a:rPr>
+              <a:t>What would happen if you repeat 0 times? A negative number of times?</a:t>
+            </a:r>
+          </a:p>
+          <a:p>
+            <a:pPr marL="571500" indent="-571500">
+              <a:lnSpc>
+                <a:spcPct val="150000"/>
+              </a:lnSpc>
+              <a:buFont typeface="Wingdings" panose="05000000000000000000" pitchFamily="2" charset="2"/>
+              <a:buChar char="p"/>
+            </a:pPr>
+            <a:r>
+              <a:rPr lang="en-US" altLang="zh-CN" sz="2800" dirty="0">
+                <a:solidFill>
+                  <a:schemeClr val="bg1">
+                    <a:lumMod val="75000"/>
+                  </a:schemeClr>
+                </a:solidFill>
+                <a:latin typeface="High Tower Text" panose="02040502050506030303" pitchFamily="18" charset="0"/>
+              </a:rPr>
+              <a:t>Can you make a sprite rotate like the second hand of a clock, meaning it ticks each second, and finishes one full circle after 60 seconds?</a:t>
+            </a:r>
+          </a:p>
+          <a:p>
+            <a:pPr marL="571500" indent="-571500">
+              <a:lnSpc>
+                <a:spcPct val="150000"/>
+              </a:lnSpc>
+              <a:buFont typeface="Wingdings" panose="05000000000000000000" pitchFamily="2" charset="2"/>
+              <a:buChar char="p"/>
+            </a:pPr>
+            <a:r>
+              <a:rPr lang="en-US" altLang="zh-CN" sz="2800" dirty="0">
+                <a:solidFill>
+                  <a:schemeClr val="bg1">
+                    <a:lumMod val="75000"/>
+                  </a:schemeClr>
+                </a:solidFill>
+                <a:latin typeface="High Tower Text" panose="02040502050506030303" pitchFamily="18" charset="0"/>
+              </a:rPr>
+              <a:t>Add more sprites to catch the bus!</a:t>
+            </a:r>
+            <a:br>
+              <a:rPr lang="en-US" altLang="zh-CN" sz="2800" dirty="0">
+                <a:solidFill>
+                  <a:schemeClr val="bg1">
+                    <a:lumMod val="75000"/>
+                  </a:schemeClr>
+                </a:solidFill>
+                <a:latin typeface="High Tower Text" panose="02040502050506030303" pitchFamily="18" charset="0"/>
+              </a:rPr>
+            </a:br>
+            <a:endParaRPr lang="zh-CN" altLang="en-US" sz="2800" dirty="0">
+              <a:solidFill>
+                <a:schemeClr val="bg1">
+                  <a:lumMod val="75000"/>
+                </a:schemeClr>
+              </a:solidFill>
+              <a:latin typeface="High Tower Text" panose="02040502050506030303" pitchFamily="18" charset="0"/>
+            </a:endParaRPr>
+          </a:p>
+        </p:txBody>
+      </p:sp>
+    </p:spTree>
+    <p:extLst>
+      <p:ext uri="{BB962C8B-B14F-4D97-AF65-F5344CB8AC3E}">
+        <p14:creationId xmlns:p14="http://schemas.microsoft.com/office/powerpoint/2010/main" val="1591450709"/>
+      </p:ext>
+    </p:extLst>
+  </p:cSld>
+  <p:clrMapOvr>
+    <a:masterClrMapping/>
+  </p:clrMapOvr>
+</p:sld>
+</file>
+
+<file path=ppt/slides/slide35.xml><?xml version="1.0" encoding="utf-8"?>
+<p:sld xmlns:a="http://schemas.openxmlformats.org/drawingml/2006/main" xmlns:r="http://schemas.openxmlformats.org/officeDocument/2006/relationships" xmlns:p="http://schemas.openxmlformats.org/presentationml/2006/main">
+  <p:cSld>
+    <p:spTree>
+      <p:nvGrpSpPr>
+        <p:cNvPr id="1" name=""/>
+        <p:cNvGrpSpPr/>
+        <p:nvPr/>
+      </p:nvGrpSpPr>
+      <p:grpSpPr>
+        <a:xfrm>
+          <a:off x="0" y="0"/>
+          <a:ext cx="0" cy="0"/>
+          <a:chOff x="0" y="0"/>
+          <a:chExt cx="0" cy="0"/>
+        </a:xfrm>
+      </p:grpSpPr>
+      <p:sp>
+        <p:nvSpPr>
+          <p:cNvPr id="6" name="Rectangle 5">
+            <a:extLst>
+              <a:ext uri="{FF2B5EF4-FFF2-40B4-BE49-F238E27FC236}">
+                <a16:creationId xmlns:a16="http://schemas.microsoft.com/office/drawing/2014/main" id="{7BC4EB1B-EA6B-DFE4-AF3B-05D0EB253209}"/>
+              </a:ext>
+            </a:extLst>
+          </p:cNvPr>
+          <p:cNvSpPr/>
+          <p:nvPr/>
+        </p:nvSpPr>
+        <p:spPr>
+          <a:xfrm>
+            <a:off x="0" y="0"/>
+            <a:ext cx="12192000" cy="6858000"/>
+          </a:xfrm>
+          <a:prstGeom prst="rect">
+            <a:avLst/>
+          </a:prstGeom>
+          <a:solidFill>
+            <a:srgbClr val="23242A"/>
+          </a:solidFill>
+          <a:ln>
+            <a:noFill/>
+          </a:ln>
+        </p:spPr>
+        <p:style>
+          <a:lnRef idx="2">
+            <a:schemeClr val="accent1">
+              <a:shade val="15000"/>
+            </a:schemeClr>
+          </a:lnRef>
+          <a:fillRef idx="1">
+            <a:schemeClr val="accent1"/>
+          </a:fillRef>
+          <a:effectRef idx="0">
+            <a:schemeClr val="accent1"/>
+          </a:effectRef>
+          <a:fontRef idx="minor">
+            <a:schemeClr val="lt1"/>
+          </a:fontRef>
+        </p:style>
+        <p:txBody>
+          <a:bodyPr rtlCol="0" anchor="ctr"/>
+          <a:lstStyle/>
+          <a:p>
+            <a:pPr algn="ctr"/>
+            <a:endParaRPr lang="zh-CN" altLang="en-US" dirty="0"/>
+          </a:p>
+        </p:txBody>
+      </p:sp>
+      <p:sp>
+        <p:nvSpPr>
+          <p:cNvPr id="2" name="Slide Number Placeholder 1">
+            <a:extLst>
+              <a:ext uri="{FF2B5EF4-FFF2-40B4-BE49-F238E27FC236}">
+                <a16:creationId xmlns:a16="http://schemas.microsoft.com/office/drawing/2014/main" id="{C53E70DF-9B91-8A92-BF94-1399BB9FFE34}"/>
+              </a:ext>
+            </a:extLst>
+          </p:cNvPr>
+          <p:cNvSpPr>
+            <a:spLocks noGrp="1"/>
+          </p:cNvSpPr>
+          <p:nvPr>
+            <p:ph type="sldNum" sz="quarter" idx="12"/>
+          </p:nvPr>
+        </p:nvSpPr>
+        <p:spPr>
+          <a:xfrm>
+            <a:off x="9057739" y="6259509"/>
+            <a:ext cx="2743200" cy="365125"/>
+          </a:xfrm>
+        </p:spPr>
+        <p:txBody>
+          <a:bodyPr/>
+          <a:lstStyle/>
+          <a:p>
+            <a:fld id="{9B1EC109-1E15-4BCA-93B5-56442BB3443E}" type="slidenum">
+              <a:rPr lang="zh-CN" altLang="en-US" sz="2400" b="1" smtClean="0">
+                <a:solidFill>
+                  <a:schemeClr val="bg1">
+                    <a:lumMod val="65000"/>
+                  </a:schemeClr>
+                </a:solidFill>
+                <a:latin typeface="Bradley Hand ITC" panose="03070402050302030203" pitchFamily="66" charset="0"/>
+              </a:rPr>
+              <a:t>35</a:t>
+            </a:fld>
+            <a:endParaRPr lang="zh-CN" altLang="en-US" sz="2400" b="1" dirty="0">
+              <a:solidFill>
+                <a:schemeClr val="bg1">
+                  <a:lumMod val="65000"/>
+                </a:schemeClr>
+              </a:solidFill>
+              <a:latin typeface="Bradley Hand ITC" panose="03070402050302030203" pitchFamily="66" charset="0"/>
+            </a:endParaRPr>
+          </a:p>
+        </p:txBody>
+      </p:sp>
+      <p:sp>
+        <p:nvSpPr>
+          <p:cNvPr id="4" name="Google Shape;867;p33">
+            <a:extLst>
+              <a:ext uri="{FF2B5EF4-FFF2-40B4-BE49-F238E27FC236}">
+                <a16:creationId xmlns:a16="http://schemas.microsoft.com/office/drawing/2014/main" id="{24BC39E7-8798-676F-63C1-093D28359AFA}"/>
+              </a:ext>
+            </a:extLst>
+          </p:cNvPr>
+          <p:cNvSpPr txBox="1">
+            <a:spLocks/>
+          </p:cNvSpPr>
+          <p:nvPr/>
+        </p:nvSpPr>
+        <p:spPr>
+          <a:xfrm>
+            <a:off x="2222600" y="2778760"/>
+            <a:ext cx="7746800" cy="1602400"/>
+          </a:xfrm>
+          <a:prstGeom prst="rect">
+            <a:avLst/>
+          </a:prstGeom>
+          <a:noFill/>
+          <a:ln>
+            <a:noFill/>
+          </a:ln>
+        </p:spPr>
+        <p:txBody>
+          <a:bodyPr spcFirstLastPara="1" wrap="square" lIns="91425" tIns="91425" rIns="91425" bIns="91425" anchor="b" anchorCtr="0">
+            <a:noAutofit/>
+          </a:bodyPr>
+          <a:lstStyle>
+            <a:defPPr marR="0" lvl="0" algn="l" rtl="0">
+              <a:lnSpc>
+                <a:spcPct val="100000"/>
+              </a:lnSpc>
+              <a:spcBef>
+                <a:spcPts val="0"/>
+              </a:spcBef>
+              <a:spcAft>
+                <a:spcPts val="0"/>
+              </a:spcAft>
+            </a:defPPr>
+            <a:lvl1pPr marR="0" lvl="0" algn="l" rtl="0">
+              <a:lnSpc>
+                <a:spcPct val="100000"/>
+              </a:lnSpc>
+              <a:spcBef>
+                <a:spcPts val="0"/>
+              </a:spcBef>
+              <a:spcAft>
+                <a:spcPts val="0"/>
+              </a:spcAft>
+              <a:buClr>
+                <a:schemeClr val="dk1"/>
+              </a:buClr>
+              <a:buSzPts val="3600"/>
+              <a:buFont typeface="Barlow"/>
+              <a:buNone/>
+              <a:defRPr sz="7200" b="1" i="0" u="none" strike="noStrike" cap="none">
+                <a:solidFill>
+                  <a:schemeClr val="dk1"/>
+                </a:solidFill>
+                <a:latin typeface="Barlow"/>
+                <a:ea typeface="Barlow"/>
+                <a:cs typeface="Barlow"/>
+                <a:sym typeface="Barlow"/>
+              </a:defRPr>
+            </a:lvl1pPr>
+            <a:lvl2pPr marR="0" lvl="1" algn="ctr" rtl="0">
+              <a:lnSpc>
+                <a:spcPct val="100000"/>
+              </a:lnSpc>
+              <a:spcBef>
+                <a:spcPts val="0"/>
+              </a:spcBef>
+              <a:spcAft>
+                <a:spcPts val="0"/>
+              </a:spcAft>
+              <a:buClr>
+                <a:schemeClr val="dk1"/>
+              </a:buClr>
+              <a:buSzPts val="3600"/>
+              <a:buFont typeface="Barlow"/>
+              <a:buNone/>
+              <a:defRPr sz="3600" b="1" i="0" u="none" strike="noStrike" cap="none">
+                <a:solidFill>
+                  <a:schemeClr val="dk1"/>
+                </a:solidFill>
+                <a:latin typeface="Barlow"/>
+                <a:ea typeface="Barlow"/>
+                <a:cs typeface="Barlow"/>
+                <a:sym typeface="Barlow"/>
+              </a:defRPr>
+            </a:lvl2pPr>
+            <a:lvl3pPr marR="0" lvl="2" algn="ctr" rtl="0">
+              <a:lnSpc>
+                <a:spcPct val="100000"/>
+              </a:lnSpc>
+              <a:spcBef>
+                <a:spcPts val="0"/>
+              </a:spcBef>
+              <a:spcAft>
+                <a:spcPts val="0"/>
+              </a:spcAft>
+              <a:buClr>
+                <a:schemeClr val="dk1"/>
+              </a:buClr>
+              <a:buSzPts val="3600"/>
+              <a:buFont typeface="Barlow"/>
+              <a:buNone/>
+              <a:defRPr sz="3600" b="1" i="0" u="none" strike="noStrike" cap="none">
+                <a:solidFill>
+                  <a:schemeClr val="dk1"/>
+                </a:solidFill>
+                <a:latin typeface="Barlow"/>
+                <a:ea typeface="Barlow"/>
+                <a:cs typeface="Barlow"/>
+                <a:sym typeface="Barlow"/>
+              </a:defRPr>
+            </a:lvl3pPr>
+            <a:lvl4pPr marR="0" lvl="3" algn="ctr" rtl="0">
+              <a:lnSpc>
+                <a:spcPct val="100000"/>
+              </a:lnSpc>
+              <a:spcBef>
+                <a:spcPts val="0"/>
+              </a:spcBef>
+              <a:spcAft>
+                <a:spcPts val="0"/>
+              </a:spcAft>
+              <a:buClr>
+                <a:schemeClr val="dk1"/>
+              </a:buClr>
+              <a:buSzPts val="3600"/>
+              <a:buFont typeface="Barlow"/>
+              <a:buNone/>
+              <a:defRPr sz="3600" b="1" i="0" u="none" strike="noStrike" cap="none">
+                <a:solidFill>
+                  <a:schemeClr val="dk1"/>
+                </a:solidFill>
+                <a:latin typeface="Barlow"/>
+                <a:ea typeface="Barlow"/>
+                <a:cs typeface="Barlow"/>
+                <a:sym typeface="Barlow"/>
+              </a:defRPr>
+            </a:lvl4pPr>
+            <a:lvl5pPr marR="0" lvl="4" algn="ctr" rtl="0">
+              <a:lnSpc>
+                <a:spcPct val="100000"/>
+              </a:lnSpc>
+              <a:spcBef>
+                <a:spcPts val="0"/>
+              </a:spcBef>
+              <a:spcAft>
+                <a:spcPts val="0"/>
+              </a:spcAft>
+              <a:buClr>
+                <a:schemeClr val="dk1"/>
+              </a:buClr>
+              <a:buSzPts val="3600"/>
+              <a:buFont typeface="Barlow"/>
+              <a:buNone/>
+              <a:defRPr sz="3600" b="1" i="0" u="none" strike="noStrike" cap="none">
+                <a:solidFill>
+                  <a:schemeClr val="dk1"/>
+                </a:solidFill>
+                <a:latin typeface="Barlow"/>
+                <a:ea typeface="Barlow"/>
+                <a:cs typeface="Barlow"/>
+                <a:sym typeface="Barlow"/>
+              </a:defRPr>
+            </a:lvl5pPr>
+            <a:lvl6pPr marR="0" lvl="5" algn="ctr" rtl="0">
+              <a:lnSpc>
+                <a:spcPct val="100000"/>
+              </a:lnSpc>
+              <a:spcBef>
+                <a:spcPts val="0"/>
+              </a:spcBef>
+              <a:spcAft>
+                <a:spcPts val="0"/>
+              </a:spcAft>
+              <a:buClr>
+                <a:schemeClr val="dk1"/>
+              </a:buClr>
+              <a:buSzPts val="3600"/>
+              <a:buFont typeface="Barlow"/>
+              <a:buNone/>
+              <a:defRPr sz="3600" b="1" i="0" u="none" strike="noStrike" cap="none">
+                <a:solidFill>
+                  <a:schemeClr val="dk1"/>
+                </a:solidFill>
+                <a:latin typeface="Barlow"/>
+                <a:ea typeface="Barlow"/>
+                <a:cs typeface="Barlow"/>
+                <a:sym typeface="Barlow"/>
+              </a:defRPr>
+            </a:lvl6pPr>
+            <a:lvl7pPr marR="0" lvl="6" algn="ctr" rtl="0">
+              <a:lnSpc>
+                <a:spcPct val="100000"/>
+              </a:lnSpc>
+              <a:spcBef>
+                <a:spcPts val="0"/>
+              </a:spcBef>
+              <a:spcAft>
+                <a:spcPts val="0"/>
+              </a:spcAft>
+              <a:buClr>
+                <a:schemeClr val="dk1"/>
+              </a:buClr>
+              <a:buSzPts val="3600"/>
+              <a:buFont typeface="Barlow"/>
+              <a:buNone/>
+              <a:defRPr sz="3600" b="1" i="0" u="none" strike="noStrike" cap="none">
+                <a:solidFill>
+                  <a:schemeClr val="dk1"/>
+                </a:solidFill>
+                <a:latin typeface="Barlow"/>
+                <a:ea typeface="Barlow"/>
+                <a:cs typeface="Barlow"/>
+                <a:sym typeface="Barlow"/>
+              </a:defRPr>
+            </a:lvl7pPr>
+            <a:lvl8pPr marR="0" lvl="7" algn="ctr" rtl="0">
+              <a:lnSpc>
+                <a:spcPct val="100000"/>
+              </a:lnSpc>
+              <a:spcBef>
+                <a:spcPts val="0"/>
+              </a:spcBef>
+              <a:spcAft>
+                <a:spcPts val="0"/>
+              </a:spcAft>
+              <a:buClr>
+                <a:schemeClr val="dk1"/>
+              </a:buClr>
+              <a:buSzPts val="3600"/>
+              <a:buFont typeface="Barlow"/>
+              <a:buNone/>
+              <a:defRPr sz="3600" b="1" i="0" u="none" strike="noStrike" cap="none">
+                <a:solidFill>
+                  <a:schemeClr val="dk1"/>
+                </a:solidFill>
+                <a:latin typeface="Barlow"/>
+                <a:ea typeface="Barlow"/>
+                <a:cs typeface="Barlow"/>
+                <a:sym typeface="Barlow"/>
+              </a:defRPr>
+            </a:lvl8pPr>
+            <a:lvl9pPr marR="0" lvl="8" algn="ctr" rtl="0">
+              <a:lnSpc>
+                <a:spcPct val="100000"/>
+              </a:lnSpc>
+              <a:spcBef>
+                <a:spcPts val="0"/>
+              </a:spcBef>
+              <a:spcAft>
+                <a:spcPts val="0"/>
+              </a:spcAft>
+              <a:buClr>
+                <a:schemeClr val="dk1"/>
+              </a:buClr>
+              <a:buSzPts val="3600"/>
+              <a:buFont typeface="Barlow"/>
+              <a:buNone/>
+              <a:defRPr sz="3600" b="1" i="0" u="none" strike="noStrike" cap="none">
+                <a:solidFill>
+                  <a:schemeClr val="dk1"/>
+                </a:solidFill>
+                <a:latin typeface="Barlow"/>
+                <a:ea typeface="Barlow"/>
+                <a:cs typeface="Barlow"/>
+                <a:sym typeface="Barlow"/>
+              </a:defRPr>
+            </a:lvl9pPr>
+          </a:lstStyle>
+          <a:p>
+            <a:pPr algn="ctr"/>
+            <a:r>
+              <a:rPr lang="en-US" altLang="zh-CN" sz="8000" spc="300" dirty="0">
+                <a:solidFill>
+                  <a:schemeClr val="accent4">
+                    <a:lumMod val="60000"/>
+                    <a:lumOff val="40000"/>
+                    <a:alpha val="60000"/>
+                  </a:schemeClr>
+                </a:solidFill>
+                <a:latin typeface="Amatic SC" panose="020F0502020204030204" pitchFamily="2" charset="-79"/>
+                <a:cs typeface="Amatic SC" panose="020F0502020204030204" pitchFamily="2" charset="-79"/>
+              </a:rPr>
+              <a:t>Thank you and see you in the next lesson!</a:t>
+            </a:r>
+          </a:p>
+        </p:txBody>
+      </p:sp>
+    </p:spTree>
+    <p:extLst>
+      <p:ext uri="{BB962C8B-B14F-4D97-AF65-F5344CB8AC3E}">
+        <p14:creationId xmlns:p14="http://schemas.microsoft.com/office/powerpoint/2010/main" val="394012090"/>
       </p:ext>
     </p:extLst>
   </p:cSld>

--- a/Scratch for Newbies/Level1/Lesson 4 - Ghost Buster/Notes/Notes.pptx
+++ b/Scratch for Newbies/Level1/Lesson 4 - Ghost Buster/Notes/Notes.pptx
@@ -5,7 +5,7 @@
     <p:sldMasterId id="2147483648" r:id="rId1"/>
   </p:sldMasterIdLst>
   <p:notesMasterIdLst>
-    <p:notesMasterId r:id="rId37"/>
+    <p:notesMasterId r:id="rId43"/>
   </p:notesMasterIdLst>
   <p:sldIdLst>
     <p:sldId id="259" r:id="rId2"/>
@@ -40,9 +40,15 @@
     <p:sldId id="416" r:id="rId31"/>
     <p:sldId id="417" r:id="rId32"/>
     <p:sldId id="420" r:id="rId33"/>
-    <p:sldId id="383" r:id="rId34"/>
-    <p:sldId id="388" r:id="rId35"/>
-    <p:sldId id="319" r:id="rId36"/>
+    <p:sldId id="421" r:id="rId34"/>
+    <p:sldId id="422" r:id="rId35"/>
+    <p:sldId id="423" r:id="rId36"/>
+    <p:sldId id="424" r:id="rId37"/>
+    <p:sldId id="425" r:id="rId38"/>
+    <p:sldId id="426" r:id="rId39"/>
+    <p:sldId id="383" r:id="rId40"/>
+    <p:sldId id="388" r:id="rId41"/>
+    <p:sldId id="319" r:id="rId42"/>
   </p:sldIdLst>
   <p:sldSz cx="12192000" cy="6858000"/>
   <p:notesSz cx="6858000" cy="9144000"/>
@@ -23219,7 +23225,7 @@
                 </a:solidFill>
                 <a:latin typeface="High Tower Text" panose="02040502050506030303" pitchFamily="18" charset="0"/>
               </a:rPr>
-              <a:t>We often use the </a:t>
+              <a:t>We often use </a:t>
             </a:r>
             <a:r>
               <a:rPr lang="en-US" altLang="zh-CN" sz="4000" dirty="0">
@@ -23242,7 +23248,7 @@
                 </a:solidFill>
                 <a:latin typeface="High Tower Text" panose="02040502050506030303" pitchFamily="18" charset="0"/>
               </a:rPr>
-              <a:t> loop to keep the program running </a:t>
+              <a:t> loop to keep programs running </a:t>
             </a:r>
             <a:r>
               <a:rPr lang="en-US" altLang="zh-CN" sz="4000" dirty="0">
@@ -23265,7 +23271,7 @@
                 </a:solidFill>
                 <a:latin typeface="High Tower Text" panose="02040502050506030303" pitchFamily="18" charset="0"/>
               </a:rPr>
-              <a:t>. It should only stop when the </a:t>
+              <a:t>. Programs should only stop when </a:t>
             </a:r>
             <a:r>
               <a:rPr lang="en-US" altLang="zh-CN" sz="4000" dirty="0">
@@ -23288,7 +23294,7 @@
                 </a:solidFill>
                 <a:latin typeface="High Tower Text" panose="02040502050506030303" pitchFamily="18" charset="0"/>
               </a:rPr>
-              <a:t> choose to do so</a:t>
+              <a:t> choose to do so.</a:t>
             </a:r>
             <a:endParaRPr lang="zh-CN" altLang="en-US" sz="4000" dirty="0">
               <a:solidFill>
@@ -23322,7 +23328,7 @@
         <p:cNvPr id="1" name="">
           <a:extLst>
             <a:ext uri="{FF2B5EF4-FFF2-40B4-BE49-F238E27FC236}">
-              <a16:creationId xmlns:a16="http://schemas.microsoft.com/office/drawing/2014/main" id="{B0638B88-A28D-0D98-6790-AFD73D028E78}"/>
+              <a16:creationId xmlns:a16="http://schemas.microsoft.com/office/drawing/2014/main" id="{328B8931-B98C-6628-0FD0-DF341D75B85C}"/>
             </a:ext>
           </a:extLst>
         </p:cNvPr>
@@ -23342,7 +23348,7 @@
           <p:cNvPr id="6" name="Rectangle 5">
             <a:extLst>
               <a:ext uri="{FF2B5EF4-FFF2-40B4-BE49-F238E27FC236}">
-                <a16:creationId xmlns:a16="http://schemas.microsoft.com/office/drawing/2014/main" id="{52E115B1-EE40-3BB7-072F-C694ABBC3CDA}"/>
+                <a16:creationId xmlns:a16="http://schemas.microsoft.com/office/drawing/2014/main" id="{9AD50807-23DF-B5FD-BA09-DA41136BDEE5}"/>
               </a:ext>
             </a:extLst>
           </p:cNvPr>
@@ -23394,7 +23400,7 @@
           <p:cNvPr id="2" name="Slide Number Placeholder 1">
             <a:extLst>
               <a:ext uri="{FF2B5EF4-FFF2-40B4-BE49-F238E27FC236}">
-                <a16:creationId xmlns:a16="http://schemas.microsoft.com/office/drawing/2014/main" id="{6B14C209-5E11-9F64-6579-48902F3047ED}"/>
+                <a16:creationId xmlns:a16="http://schemas.microsoft.com/office/drawing/2014/main" id="{58A57831-339F-D85D-9BEB-D34314148B4E}"/>
               </a:ext>
             </a:extLst>
           </p:cNvPr>
@@ -23442,7 +23448,7 @@
           <p:cNvPr id="4" name="Google Shape;867;p33">
             <a:extLst>
               <a:ext uri="{FF2B5EF4-FFF2-40B4-BE49-F238E27FC236}">
-                <a16:creationId xmlns:a16="http://schemas.microsoft.com/office/drawing/2014/main" id="{8C54911E-C7A1-4CEC-EBF1-0B16D4B61B9B}"/>
+                <a16:creationId xmlns:a16="http://schemas.microsoft.com/office/drawing/2014/main" id="{B29644E7-583B-FECF-7CE4-8A2DD3A6E123}"/>
               </a:ext>
             </a:extLst>
           </p:cNvPr>
@@ -23729,103 +23735,53 @@
                 <a:latin typeface="Amatic SC" panose="020F0502020204030204" pitchFamily="2" charset="-79"/>
                 <a:cs typeface="Amatic SC" panose="020F0502020204030204" pitchFamily="2" charset="-79"/>
               </a:rPr>
-              <a:t>What we learnt…</a:t>
+              <a:t>More Randomness?</a:t>
             </a:r>
           </a:p>
         </p:txBody>
       </p:sp>
+      <p:pic>
+        <p:nvPicPr>
+          <p:cNvPr id="3" name="Picture 2">
+            <a:extLst>
+              <a:ext uri="{FF2B5EF4-FFF2-40B4-BE49-F238E27FC236}">
+                <a16:creationId xmlns:a16="http://schemas.microsoft.com/office/drawing/2014/main" id="{8ED5C1DC-0381-73B1-0F17-5ED104E779AE}"/>
+              </a:ext>
+            </a:extLst>
+          </p:cNvPr>
+          <p:cNvPicPr>
+            <a:picLocks noChangeAspect="1"/>
+          </p:cNvPicPr>
+          <p:nvPr/>
+        </p:nvPicPr>
+        <p:blipFill>
+          <a:blip r:embed="rId2">
+            <a:extLst>
+              <a:ext uri="{28A0092B-C50C-407E-A947-70E740481C1C}">
+                <a14:useLocalDpi xmlns:a14="http://schemas.microsoft.com/office/drawing/2010/main" val="0"/>
+              </a:ext>
+            </a:extLst>
+          </a:blip>
+          <a:stretch>
+            <a:fillRect/>
+          </a:stretch>
+        </p:blipFill>
+        <p:spPr>
+          <a:xfrm>
+            <a:off x="2222600" y="1975719"/>
+            <a:ext cx="2868608" cy="4169705"/>
+          </a:xfrm>
+          <a:prstGeom prst="rect">
+            <a:avLst/>
+          </a:prstGeom>
+        </p:spPr>
+      </p:pic>
       <p:sp>
         <p:nvSpPr>
-          <p:cNvPr id="7" name="TextBox 6">
-            <a:extLst>
-              <a:ext uri="{FF2B5EF4-FFF2-40B4-BE49-F238E27FC236}">
-                <a16:creationId xmlns:a16="http://schemas.microsoft.com/office/drawing/2014/main" id="{746CF1E8-DC14-458F-9658-3E32EF64E0E4}"/>
-              </a:ext>
-            </a:extLst>
-          </p:cNvPr>
-          <p:cNvSpPr txBox="1"/>
-          <p:nvPr/>
-        </p:nvSpPr>
-        <p:spPr>
-          <a:xfrm>
-            <a:off x="1265150" y="2757261"/>
-            <a:ext cx="4048530" cy="2123658"/>
-          </a:xfrm>
-          <a:prstGeom prst="rect">
-            <a:avLst/>
-          </a:prstGeom>
-          <a:noFill/>
-        </p:spPr>
-        <p:txBody>
-          <a:bodyPr wrap="square" rtlCol="0">
-            <a:spAutoFit/>
-          </a:bodyPr>
-          <a:lstStyle/>
-          <a:p>
-            <a:r>
-              <a:rPr lang="en-US" altLang="zh-CN" sz="4400" dirty="0">
-                <a:solidFill>
-                  <a:schemeClr val="bg1">
-                    <a:lumMod val="75000"/>
-                  </a:schemeClr>
-                </a:solidFill>
-                <a:latin typeface="High Tower Text" panose="02040502050506030303" pitchFamily="18" charset="0"/>
-              </a:rPr>
-              <a:t>How to show and hide a sprite…</a:t>
-            </a:r>
-            <a:endParaRPr lang="zh-CN" altLang="en-US" sz="4400" dirty="0">
-              <a:solidFill>
-                <a:schemeClr val="bg1">
-                  <a:lumMod val="75000"/>
-                </a:schemeClr>
-              </a:solidFill>
-              <a:latin typeface="High Tower Text" panose="02040502050506030303" pitchFamily="18" charset="0"/>
-            </a:endParaRPr>
-          </a:p>
-        </p:txBody>
-      </p:sp>
-    </p:spTree>
-    <p:extLst>
-      <p:ext uri="{BB962C8B-B14F-4D97-AF65-F5344CB8AC3E}">
-        <p14:creationId xmlns:p14="http://schemas.microsoft.com/office/powerpoint/2010/main" val="2768751716"/>
-      </p:ext>
-    </p:extLst>
-  </p:cSld>
-  <p:clrMapOvr>
-    <a:masterClrMapping/>
-  </p:clrMapOvr>
-</p:sld>
-</file>
-
-<file path=ppt/slides/slide34.xml><?xml version="1.0" encoding="utf-8"?>
-<p:sld xmlns:a="http://schemas.openxmlformats.org/drawingml/2006/main" xmlns:r="http://schemas.openxmlformats.org/officeDocument/2006/relationships" xmlns:p="http://schemas.openxmlformats.org/presentationml/2006/main">
-  <p:cSld>
-    <p:spTree>
-      <p:nvGrpSpPr>
-        <p:cNvPr id="1" name="">
-          <a:extLst>
-            <a:ext uri="{FF2B5EF4-FFF2-40B4-BE49-F238E27FC236}">
-              <a16:creationId xmlns:a16="http://schemas.microsoft.com/office/drawing/2014/main" id="{A6149CC5-F374-FBE1-7BE4-DA13E1964CB1}"/>
-            </a:ext>
-          </a:extLst>
-        </p:cNvPr>
-        <p:cNvGrpSpPr/>
-        <p:nvPr/>
-      </p:nvGrpSpPr>
-      <p:grpSpPr>
-        <a:xfrm>
-          <a:off x="0" y="0"/>
-          <a:ext cx="0" cy="0"/>
-          <a:chOff x="0" y="0"/>
-          <a:chExt cx="0" cy="0"/>
-        </a:xfrm>
-      </p:grpSpPr>
-      <p:sp>
-        <p:nvSpPr>
-          <p:cNvPr id="6" name="Rectangle 5">
-            <a:extLst>
-              <a:ext uri="{FF2B5EF4-FFF2-40B4-BE49-F238E27FC236}">
-                <a16:creationId xmlns:a16="http://schemas.microsoft.com/office/drawing/2014/main" id="{72809223-44D4-EEED-3353-FF2C64A98D97}"/>
+          <p:cNvPr id="5" name="Rectangle 4">
+            <a:extLst>
+              <a:ext uri="{FF2B5EF4-FFF2-40B4-BE49-F238E27FC236}">
+                <a16:creationId xmlns:a16="http://schemas.microsoft.com/office/drawing/2014/main" id="{AE9CA628-75ED-B546-9696-CE160F0F696B}"/>
               </a:ext>
             </a:extLst>
           </p:cNvPr>
@@ -23834,17 +23790,17 @@
         </p:nvSpPr>
         <p:spPr>
           <a:xfrm>
-            <a:off x="0" y="0"/>
-            <a:ext cx="12192000" cy="6858000"/>
+            <a:off x="2339662" y="5052544"/>
+            <a:ext cx="2195084" cy="822476"/>
           </a:xfrm>
           <a:prstGeom prst="rect">
             <a:avLst/>
           </a:prstGeom>
-          <a:solidFill>
-            <a:srgbClr val="23242A"/>
-          </a:solidFill>
-          <a:ln>
-            <a:noFill/>
+          <a:noFill/>
+          <a:ln w="38100">
+            <a:solidFill>
+              <a:srgbClr val="C00000"/>
+            </a:solidFill>
           </a:ln>
         </p:spPr>
         <p:style>
@@ -23868,313 +23824,16 @@
           <a:lstStyle/>
           <a:p>
             <a:pPr algn="ctr"/>
-            <a:endParaRPr lang="zh-CN" altLang="en-US" dirty="0"/>
+            <a:endParaRPr lang="zh-CN" altLang="en-US"/>
           </a:p>
         </p:txBody>
       </p:sp>
       <p:sp>
         <p:nvSpPr>
-          <p:cNvPr id="4" name="Google Shape;867;p33">
-            <a:extLst>
-              <a:ext uri="{FF2B5EF4-FFF2-40B4-BE49-F238E27FC236}">
-                <a16:creationId xmlns:a16="http://schemas.microsoft.com/office/drawing/2014/main" id="{FC84EE84-FE44-7241-2A98-8BE474A74E2A}"/>
-              </a:ext>
-            </a:extLst>
-          </p:cNvPr>
-          <p:cNvSpPr txBox="1">
-            <a:spLocks/>
-          </p:cNvSpPr>
-          <p:nvPr/>
-        </p:nvSpPr>
-        <p:spPr>
-          <a:xfrm>
-            <a:off x="1557070" y="382508"/>
-            <a:ext cx="9077860" cy="1602400"/>
-          </a:xfrm>
-          <a:prstGeom prst="rect">
-            <a:avLst/>
-          </a:prstGeom>
-          <a:noFill/>
-          <a:ln>
-            <a:noFill/>
-          </a:ln>
-        </p:spPr>
-        <p:txBody>
-          <a:bodyPr spcFirstLastPara="1" wrap="square" lIns="91425" tIns="91425" rIns="91425" bIns="91425" anchor="b" anchorCtr="0">
-            <a:noAutofit/>
-          </a:bodyPr>
-          <a:lstStyle>
-            <a:defPPr marR="0" lvl="0" algn="l" rtl="0">
-              <a:lnSpc>
-                <a:spcPct val="100000"/>
-              </a:lnSpc>
-              <a:spcBef>
-                <a:spcPts val="0"/>
-              </a:spcBef>
-              <a:spcAft>
-                <a:spcPts val="0"/>
-              </a:spcAft>
-            </a:defPPr>
-            <a:lvl1pPr marR="0" lvl="0" algn="l" rtl="0">
-              <a:lnSpc>
-                <a:spcPct val="100000"/>
-              </a:lnSpc>
-              <a:spcBef>
-                <a:spcPts val="0"/>
-              </a:spcBef>
-              <a:spcAft>
-                <a:spcPts val="0"/>
-              </a:spcAft>
-              <a:buClr>
-                <a:schemeClr val="dk1"/>
-              </a:buClr>
-              <a:buSzPts val="3600"/>
-              <a:buFont typeface="Barlow"/>
-              <a:buNone/>
-              <a:defRPr sz="7200" b="1" i="0" u="none" strike="noStrike" cap="none">
-                <a:solidFill>
-                  <a:schemeClr val="dk1"/>
-                </a:solidFill>
-                <a:latin typeface="Barlow"/>
-                <a:ea typeface="Barlow"/>
-                <a:cs typeface="Barlow"/>
-                <a:sym typeface="Barlow"/>
-              </a:defRPr>
-            </a:lvl1pPr>
-            <a:lvl2pPr marR="0" lvl="1" algn="ctr" rtl="0">
-              <a:lnSpc>
-                <a:spcPct val="100000"/>
-              </a:lnSpc>
-              <a:spcBef>
-                <a:spcPts val="0"/>
-              </a:spcBef>
-              <a:spcAft>
-                <a:spcPts val="0"/>
-              </a:spcAft>
-              <a:buClr>
-                <a:schemeClr val="dk1"/>
-              </a:buClr>
-              <a:buSzPts val="3600"/>
-              <a:buFont typeface="Barlow"/>
-              <a:buNone/>
-              <a:defRPr sz="3600" b="1" i="0" u="none" strike="noStrike" cap="none">
-                <a:solidFill>
-                  <a:schemeClr val="dk1"/>
-                </a:solidFill>
-                <a:latin typeface="Barlow"/>
-                <a:ea typeface="Barlow"/>
-                <a:cs typeface="Barlow"/>
-                <a:sym typeface="Barlow"/>
-              </a:defRPr>
-            </a:lvl2pPr>
-            <a:lvl3pPr marR="0" lvl="2" algn="ctr" rtl="0">
-              <a:lnSpc>
-                <a:spcPct val="100000"/>
-              </a:lnSpc>
-              <a:spcBef>
-                <a:spcPts val="0"/>
-              </a:spcBef>
-              <a:spcAft>
-                <a:spcPts val="0"/>
-              </a:spcAft>
-              <a:buClr>
-                <a:schemeClr val="dk1"/>
-              </a:buClr>
-              <a:buSzPts val="3600"/>
-              <a:buFont typeface="Barlow"/>
-              <a:buNone/>
-              <a:defRPr sz="3600" b="1" i="0" u="none" strike="noStrike" cap="none">
-                <a:solidFill>
-                  <a:schemeClr val="dk1"/>
-                </a:solidFill>
-                <a:latin typeface="Barlow"/>
-                <a:ea typeface="Barlow"/>
-                <a:cs typeface="Barlow"/>
-                <a:sym typeface="Barlow"/>
-              </a:defRPr>
-            </a:lvl3pPr>
-            <a:lvl4pPr marR="0" lvl="3" algn="ctr" rtl="0">
-              <a:lnSpc>
-                <a:spcPct val="100000"/>
-              </a:lnSpc>
-              <a:spcBef>
-                <a:spcPts val="0"/>
-              </a:spcBef>
-              <a:spcAft>
-                <a:spcPts val="0"/>
-              </a:spcAft>
-              <a:buClr>
-                <a:schemeClr val="dk1"/>
-              </a:buClr>
-              <a:buSzPts val="3600"/>
-              <a:buFont typeface="Barlow"/>
-              <a:buNone/>
-              <a:defRPr sz="3600" b="1" i="0" u="none" strike="noStrike" cap="none">
-                <a:solidFill>
-                  <a:schemeClr val="dk1"/>
-                </a:solidFill>
-                <a:latin typeface="Barlow"/>
-                <a:ea typeface="Barlow"/>
-                <a:cs typeface="Barlow"/>
-                <a:sym typeface="Barlow"/>
-              </a:defRPr>
-            </a:lvl4pPr>
-            <a:lvl5pPr marR="0" lvl="4" algn="ctr" rtl="0">
-              <a:lnSpc>
-                <a:spcPct val="100000"/>
-              </a:lnSpc>
-              <a:spcBef>
-                <a:spcPts val="0"/>
-              </a:spcBef>
-              <a:spcAft>
-                <a:spcPts val="0"/>
-              </a:spcAft>
-              <a:buClr>
-                <a:schemeClr val="dk1"/>
-              </a:buClr>
-              <a:buSzPts val="3600"/>
-              <a:buFont typeface="Barlow"/>
-              <a:buNone/>
-              <a:defRPr sz="3600" b="1" i="0" u="none" strike="noStrike" cap="none">
-                <a:solidFill>
-                  <a:schemeClr val="dk1"/>
-                </a:solidFill>
-                <a:latin typeface="Barlow"/>
-                <a:ea typeface="Barlow"/>
-                <a:cs typeface="Barlow"/>
-                <a:sym typeface="Barlow"/>
-              </a:defRPr>
-            </a:lvl5pPr>
-            <a:lvl6pPr marR="0" lvl="5" algn="ctr" rtl="0">
-              <a:lnSpc>
-                <a:spcPct val="100000"/>
-              </a:lnSpc>
-              <a:spcBef>
-                <a:spcPts val="0"/>
-              </a:spcBef>
-              <a:spcAft>
-                <a:spcPts val="0"/>
-              </a:spcAft>
-              <a:buClr>
-                <a:schemeClr val="dk1"/>
-              </a:buClr>
-              <a:buSzPts val="3600"/>
-              <a:buFont typeface="Barlow"/>
-              <a:buNone/>
-              <a:defRPr sz="3600" b="1" i="0" u="none" strike="noStrike" cap="none">
-                <a:solidFill>
-                  <a:schemeClr val="dk1"/>
-                </a:solidFill>
-                <a:latin typeface="Barlow"/>
-                <a:ea typeface="Barlow"/>
-                <a:cs typeface="Barlow"/>
-                <a:sym typeface="Barlow"/>
-              </a:defRPr>
-            </a:lvl6pPr>
-            <a:lvl7pPr marR="0" lvl="6" algn="ctr" rtl="0">
-              <a:lnSpc>
-                <a:spcPct val="100000"/>
-              </a:lnSpc>
-              <a:spcBef>
-                <a:spcPts val="0"/>
-              </a:spcBef>
-              <a:spcAft>
-                <a:spcPts val="0"/>
-              </a:spcAft>
-              <a:buClr>
-                <a:schemeClr val="dk1"/>
-              </a:buClr>
-              <a:buSzPts val="3600"/>
-              <a:buFont typeface="Barlow"/>
-              <a:buNone/>
-              <a:defRPr sz="3600" b="1" i="0" u="none" strike="noStrike" cap="none">
-                <a:solidFill>
-                  <a:schemeClr val="dk1"/>
-                </a:solidFill>
-                <a:latin typeface="Barlow"/>
-                <a:ea typeface="Barlow"/>
-                <a:cs typeface="Barlow"/>
-                <a:sym typeface="Barlow"/>
-              </a:defRPr>
-            </a:lvl7pPr>
-            <a:lvl8pPr marR="0" lvl="7" algn="ctr" rtl="0">
-              <a:lnSpc>
-                <a:spcPct val="100000"/>
-              </a:lnSpc>
-              <a:spcBef>
-                <a:spcPts val="0"/>
-              </a:spcBef>
-              <a:spcAft>
-                <a:spcPts val="0"/>
-              </a:spcAft>
-              <a:buClr>
-                <a:schemeClr val="dk1"/>
-              </a:buClr>
-              <a:buSzPts val="3600"/>
-              <a:buFont typeface="Barlow"/>
-              <a:buNone/>
-              <a:defRPr sz="3600" b="1" i="0" u="none" strike="noStrike" cap="none">
-                <a:solidFill>
-                  <a:schemeClr val="dk1"/>
-                </a:solidFill>
-                <a:latin typeface="Barlow"/>
-                <a:ea typeface="Barlow"/>
-                <a:cs typeface="Barlow"/>
-                <a:sym typeface="Barlow"/>
-              </a:defRPr>
-            </a:lvl8pPr>
-            <a:lvl9pPr marR="0" lvl="8" algn="ctr" rtl="0">
-              <a:lnSpc>
-                <a:spcPct val="100000"/>
-              </a:lnSpc>
-              <a:spcBef>
-                <a:spcPts val="0"/>
-              </a:spcBef>
-              <a:spcAft>
-                <a:spcPts val="0"/>
-              </a:spcAft>
-              <a:buClr>
-                <a:schemeClr val="dk1"/>
-              </a:buClr>
-              <a:buSzPts val="3600"/>
-              <a:buFont typeface="Barlow"/>
-              <a:buNone/>
-              <a:defRPr sz="3600" b="1" i="0" u="none" strike="noStrike" cap="none">
-                <a:solidFill>
-                  <a:schemeClr val="dk1"/>
-                </a:solidFill>
-                <a:latin typeface="Barlow"/>
-                <a:ea typeface="Barlow"/>
-                <a:cs typeface="Barlow"/>
-                <a:sym typeface="Barlow"/>
-              </a:defRPr>
-            </a:lvl9pPr>
-          </a:lstStyle>
-          <a:p>
-            <a:pPr algn="ctr"/>
-            <a:r>
-              <a:rPr lang="en-US" altLang="zh-CN" sz="8000" spc="300" dirty="0">
-                <a:solidFill>
-                  <a:schemeClr val="accent4">
-                    <a:lumMod val="60000"/>
-                    <a:lumOff val="40000"/>
-                    <a:alpha val="60000"/>
-                  </a:schemeClr>
-                </a:solidFill>
-                <a:latin typeface="Amatic SC" panose="020F0502020204030204" pitchFamily="2" charset="-79"/>
-                <a:cs typeface="Amatic SC" panose="020F0502020204030204" pitchFamily="2" charset="-79"/>
-              </a:rPr>
-              <a:t>Exercises</a:t>
-            </a:r>
-          </a:p>
-        </p:txBody>
-      </p:sp>
-      <p:sp>
-        <p:nvSpPr>
-          <p:cNvPr id="2" name="TextBox 1">
-            <a:extLst>
-              <a:ext uri="{FF2B5EF4-FFF2-40B4-BE49-F238E27FC236}">
-                <a16:creationId xmlns:a16="http://schemas.microsoft.com/office/drawing/2014/main" id="{358DAF90-C894-28B5-B4EB-03A690701266}"/>
+          <p:cNvPr id="7" name="TextBox 6">
+            <a:extLst>
+              <a:ext uri="{FF2B5EF4-FFF2-40B4-BE49-F238E27FC236}">
+                <a16:creationId xmlns:a16="http://schemas.microsoft.com/office/drawing/2014/main" id="{110C15C3-0F79-C457-905A-39788A0A5D82}"/>
               </a:ext>
             </a:extLst>
           </p:cNvPr>
@@ -24183,8 +23842,8 @@
         </p:nvSpPr>
         <p:spPr>
           <a:xfrm>
-            <a:off x="1265150" y="2117180"/>
-            <a:ext cx="9727970" cy="5199565"/>
+            <a:off x="5906947" y="2783298"/>
+            <a:ext cx="4672053" cy="2554545"/>
           </a:xfrm>
           <a:prstGeom prst="rect">
             <a:avLst/>
@@ -24197,15 +23856,9 @@
           </a:bodyPr>
           <a:lstStyle/>
           <a:p>
-            <a:pPr marL="571500" indent="-571500">
-              <a:lnSpc>
-                <a:spcPct val="150000"/>
-              </a:lnSpc>
-              <a:buFont typeface="Wingdings" panose="05000000000000000000" pitchFamily="2" charset="2"/>
-              <a:buChar char="p"/>
-            </a:pPr>
+            <a:pPr algn="ctr"/>
             <a:r>
-              <a:rPr lang="en-US" altLang="zh-CN" sz="2800" dirty="0">
+              <a:rPr lang="en-US" altLang="zh-CN" sz="4000" dirty="0">
                 <a:solidFill>
                   <a:schemeClr val="bg1">
                     <a:lumMod val="75000"/>
@@ -24213,19 +23866,22 @@
                 </a:solidFill>
                 <a:latin typeface="High Tower Text" panose="02040502050506030303" pitchFamily="18" charset="0"/>
               </a:rPr>
-              <a:t>Can you find more “loop” examples in real life?</a:t>
+              <a:t>Always wait for </a:t>
             </a:r>
-          </a:p>
-          <a:p>
-            <a:pPr marL="571500" indent="-571500">
-              <a:lnSpc>
-                <a:spcPct val="150000"/>
-              </a:lnSpc>
-              <a:buFont typeface="Wingdings" panose="05000000000000000000" pitchFamily="2" charset="2"/>
-              <a:buChar char="p"/>
-            </a:pPr>
             <a:r>
-              <a:rPr lang="en-US" altLang="zh-CN" sz="2800" dirty="0">
+              <a:rPr lang="en-US" altLang="zh-CN" sz="4000" dirty="0">
+                <a:solidFill>
+                  <a:schemeClr val="accent2">
+                    <a:lumMod val="60000"/>
+                    <a:lumOff val="40000"/>
+                  </a:schemeClr>
+                </a:solidFill>
+                <a:latin typeface="High Tower Text" panose="02040502050506030303" pitchFamily="18" charset="0"/>
+              </a:rPr>
+              <a:t>one</a:t>
+            </a:r>
+            <a:r>
+              <a:rPr lang="en-US" altLang="zh-CN" sz="4000" dirty="0">
                 <a:solidFill>
                   <a:schemeClr val="bg1">
                     <a:lumMod val="75000"/>
@@ -24233,59 +23889,9 @@
                 </a:solidFill>
                 <a:latin typeface="High Tower Text" panose="02040502050506030303" pitchFamily="18" charset="0"/>
               </a:rPr>
-              <a:t>What would happen if you repeat 0 times? A negative number of times?</a:t>
+              <a:t> second, BORING! Can add some randomness?</a:t>
             </a:r>
-          </a:p>
-          <a:p>
-            <a:pPr marL="571500" indent="-571500">
-              <a:lnSpc>
-                <a:spcPct val="150000"/>
-              </a:lnSpc>
-              <a:buFont typeface="Wingdings" panose="05000000000000000000" pitchFamily="2" charset="2"/>
-              <a:buChar char="p"/>
-            </a:pPr>
-            <a:r>
-              <a:rPr lang="en-US" altLang="zh-CN" sz="2800" dirty="0">
-                <a:solidFill>
-                  <a:schemeClr val="bg1">
-                    <a:lumMod val="75000"/>
-                  </a:schemeClr>
-                </a:solidFill>
-                <a:latin typeface="High Tower Text" panose="02040502050506030303" pitchFamily="18" charset="0"/>
-              </a:rPr>
-              <a:t>Can you make a sprite rotate like the second hand of a clock, meaning it ticks each second, and finishes one full circle after 60 seconds?</a:t>
-            </a:r>
-          </a:p>
-          <a:p>
-            <a:pPr marL="571500" indent="-571500">
-              <a:lnSpc>
-                <a:spcPct val="150000"/>
-              </a:lnSpc>
-              <a:buFont typeface="Wingdings" panose="05000000000000000000" pitchFamily="2" charset="2"/>
-              <a:buChar char="p"/>
-            </a:pPr>
-            <a:r>
-              <a:rPr lang="en-US" altLang="zh-CN" sz="2800" dirty="0">
-                <a:solidFill>
-                  <a:schemeClr val="bg1">
-                    <a:lumMod val="75000"/>
-                  </a:schemeClr>
-                </a:solidFill>
-                <a:latin typeface="High Tower Text" panose="02040502050506030303" pitchFamily="18" charset="0"/>
-              </a:rPr>
-              <a:t>Add more sprites to catch the bus!</a:t>
-            </a:r>
-            <a:br>
-              <a:rPr lang="en-US" altLang="zh-CN" sz="2800" dirty="0">
-                <a:solidFill>
-                  <a:schemeClr val="bg1">
-                    <a:lumMod val="75000"/>
-                  </a:schemeClr>
-                </a:solidFill>
-                <a:latin typeface="High Tower Text" panose="02040502050506030303" pitchFamily="18" charset="0"/>
-              </a:rPr>
-            </a:br>
-            <a:endParaRPr lang="zh-CN" altLang="en-US" sz="2800" dirty="0">
+            <a:endParaRPr lang="zh-CN" altLang="en-US" sz="4000" dirty="0">
               <a:solidFill>
                 <a:schemeClr val="bg1">
                   <a:lumMod val="75000"/>
@@ -24299,7 +23905,7 @@
     </p:spTree>
     <p:extLst>
       <p:ext uri="{BB962C8B-B14F-4D97-AF65-F5344CB8AC3E}">
-        <p14:creationId xmlns:p14="http://schemas.microsoft.com/office/powerpoint/2010/main" val="1591450709"/>
+        <p14:creationId xmlns:p14="http://schemas.microsoft.com/office/powerpoint/2010/main" val="3318708147"/>
       </p:ext>
     </p:extLst>
   </p:cSld>
@@ -24309,12 +23915,18 @@
 </p:sld>
 </file>
 
-<file path=ppt/slides/slide35.xml><?xml version="1.0" encoding="utf-8"?>
+<file path=ppt/slides/slide34.xml><?xml version="1.0" encoding="utf-8"?>
 <p:sld xmlns:a="http://schemas.openxmlformats.org/drawingml/2006/main" xmlns:r="http://schemas.openxmlformats.org/officeDocument/2006/relationships" xmlns:p="http://schemas.openxmlformats.org/presentationml/2006/main">
   <p:cSld>
     <p:spTree>
       <p:nvGrpSpPr>
-        <p:cNvPr id="1" name=""/>
+        <p:cNvPr id="1" name="">
+          <a:extLst>
+            <a:ext uri="{FF2B5EF4-FFF2-40B4-BE49-F238E27FC236}">
+              <a16:creationId xmlns:a16="http://schemas.microsoft.com/office/drawing/2014/main" id="{C1537EE3-5798-2FA3-E2B3-4BD2A1CFF49E}"/>
+            </a:ext>
+          </a:extLst>
+        </p:cNvPr>
         <p:cNvGrpSpPr/>
         <p:nvPr/>
       </p:nvGrpSpPr>
@@ -24331,7 +23943,7 @@
           <p:cNvPr id="6" name="Rectangle 5">
             <a:extLst>
               <a:ext uri="{FF2B5EF4-FFF2-40B4-BE49-F238E27FC236}">
-                <a16:creationId xmlns:a16="http://schemas.microsoft.com/office/drawing/2014/main" id="{7BC4EB1B-EA6B-DFE4-AF3B-05D0EB253209}"/>
+                <a16:creationId xmlns:a16="http://schemas.microsoft.com/office/drawing/2014/main" id="{CA89F52C-7F84-8AB8-7CD7-7D662EAB494B}"/>
               </a:ext>
             </a:extLst>
           </p:cNvPr>
@@ -24383,7 +23995,587 @@
           <p:cNvPr id="2" name="Slide Number Placeholder 1">
             <a:extLst>
               <a:ext uri="{FF2B5EF4-FFF2-40B4-BE49-F238E27FC236}">
-                <a16:creationId xmlns:a16="http://schemas.microsoft.com/office/drawing/2014/main" id="{C53E70DF-9B91-8A92-BF94-1399BB9FFE34}"/>
+                <a16:creationId xmlns:a16="http://schemas.microsoft.com/office/drawing/2014/main" id="{4E190BBC-B691-6D68-F514-1121F352D60D}"/>
+              </a:ext>
+            </a:extLst>
+          </p:cNvPr>
+          <p:cNvSpPr>
+            <a:spLocks noGrp="1"/>
+          </p:cNvSpPr>
+          <p:nvPr>
+            <p:ph type="sldNum" sz="quarter" idx="12"/>
+          </p:nvPr>
+        </p:nvSpPr>
+        <p:spPr>
+          <a:xfrm>
+            <a:off x="9057739" y="6259509"/>
+            <a:ext cx="2743200" cy="365125"/>
+          </a:xfrm>
+        </p:spPr>
+        <p:txBody>
+          <a:bodyPr/>
+          <a:lstStyle/>
+          <a:p>
+            <a:fld id="{9B1EC109-1E15-4BCA-93B5-56442BB3443E}" type="slidenum">
+              <a:rPr lang="zh-CN" altLang="en-US" sz="2400" b="1" smtClean="0">
+                <a:solidFill>
+                  <a:schemeClr val="bg1">
+                    <a:lumMod val="65000"/>
+                  </a:schemeClr>
+                </a:solidFill>
+                <a:latin typeface="Bradley Hand ITC" panose="03070402050302030203" pitchFamily="66" charset="0"/>
+              </a:rPr>
+              <a:t>34</a:t>
+            </a:fld>
+            <a:endParaRPr lang="zh-CN" altLang="en-US" sz="2400" b="1" dirty="0">
+              <a:solidFill>
+                <a:schemeClr val="bg1">
+                  <a:lumMod val="65000"/>
+                </a:schemeClr>
+              </a:solidFill>
+              <a:latin typeface="Bradley Hand ITC" panose="03070402050302030203" pitchFamily="66" charset="0"/>
+            </a:endParaRPr>
+          </a:p>
+        </p:txBody>
+      </p:sp>
+      <p:sp>
+        <p:nvSpPr>
+          <p:cNvPr id="4" name="Google Shape;867;p33">
+            <a:extLst>
+              <a:ext uri="{FF2B5EF4-FFF2-40B4-BE49-F238E27FC236}">
+                <a16:creationId xmlns:a16="http://schemas.microsoft.com/office/drawing/2014/main" id="{CBB88447-E982-3883-19B8-E9563366BFB9}"/>
+              </a:ext>
+            </a:extLst>
+          </p:cNvPr>
+          <p:cNvSpPr txBox="1">
+            <a:spLocks/>
+          </p:cNvSpPr>
+          <p:nvPr/>
+        </p:nvSpPr>
+        <p:spPr>
+          <a:xfrm>
+            <a:off x="2222600" y="143850"/>
+            <a:ext cx="7746800" cy="1602400"/>
+          </a:xfrm>
+          <a:prstGeom prst="rect">
+            <a:avLst/>
+          </a:prstGeom>
+          <a:noFill/>
+          <a:ln>
+            <a:noFill/>
+          </a:ln>
+        </p:spPr>
+        <p:txBody>
+          <a:bodyPr spcFirstLastPara="1" wrap="square" lIns="91425" tIns="91425" rIns="91425" bIns="91425" anchor="b" anchorCtr="0">
+            <a:noAutofit/>
+          </a:bodyPr>
+          <a:lstStyle>
+            <a:defPPr marR="0" lvl="0" algn="l" rtl="0">
+              <a:lnSpc>
+                <a:spcPct val="100000"/>
+              </a:lnSpc>
+              <a:spcBef>
+                <a:spcPts val="0"/>
+              </a:spcBef>
+              <a:spcAft>
+                <a:spcPts val="0"/>
+              </a:spcAft>
+            </a:defPPr>
+            <a:lvl1pPr marR="0" lvl="0" algn="l" rtl="0">
+              <a:lnSpc>
+                <a:spcPct val="100000"/>
+              </a:lnSpc>
+              <a:spcBef>
+                <a:spcPts val="0"/>
+              </a:spcBef>
+              <a:spcAft>
+                <a:spcPts val="0"/>
+              </a:spcAft>
+              <a:buClr>
+                <a:schemeClr val="dk1"/>
+              </a:buClr>
+              <a:buSzPts val="3600"/>
+              <a:buFont typeface="Barlow"/>
+              <a:buNone/>
+              <a:defRPr sz="7200" b="1" i="0" u="none" strike="noStrike" cap="none">
+                <a:solidFill>
+                  <a:schemeClr val="dk1"/>
+                </a:solidFill>
+                <a:latin typeface="Barlow"/>
+                <a:ea typeface="Barlow"/>
+                <a:cs typeface="Barlow"/>
+                <a:sym typeface="Barlow"/>
+              </a:defRPr>
+            </a:lvl1pPr>
+            <a:lvl2pPr marR="0" lvl="1" algn="ctr" rtl="0">
+              <a:lnSpc>
+                <a:spcPct val="100000"/>
+              </a:lnSpc>
+              <a:spcBef>
+                <a:spcPts val="0"/>
+              </a:spcBef>
+              <a:spcAft>
+                <a:spcPts val="0"/>
+              </a:spcAft>
+              <a:buClr>
+                <a:schemeClr val="dk1"/>
+              </a:buClr>
+              <a:buSzPts val="3600"/>
+              <a:buFont typeface="Barlow"/>
+              <a:buNone/>
+              <a:defRPr sz="3600" b="1" i="0" u="none" strike="noStrike" cap="none">
+                <a:solidFill>
+                  <a:schemeClr val="dk1"/>
+                </a:solidFill>
+                <a:latin typeface="Barlow"/>
+                <a:ea typeface="Barlow"/>
+                <a:cs typeface="Barlow"/>
+                <a:sym typeface="Barlow"/>
+              </a:defRPr>
+            </a:lvl2pPr>
+            <a:lvl3pPr marR="0" lvl="2" algn="ctr" rtl="0">
+              <a:lnSpc>
+                <a:spcPct val="100000"/>
+              </a:lnSpc>
+              <a:spcBef>
+                <a:spcPts val="0"/>
+              </a:spcBef>
+              <a:spcAft>
+                <a:spcPts val="0"/>
+              </a:spcAft>
+              <a:buClr>
+                <a:schemeClr val="dk1"/>
+              </a:buClr>
+              <a:buSzPts val="3600"/>
+              <a:buFont typeface="Barlow"/>
+              <a:buNone/>
+              <a:defRPr sz="3600" b="1" i="0" u="none" strike="noStrike" cap="none">
+                <a:solidFill>
+                  <a:schemeClr val="dk1"/>
+                </a:solidFill>
+                <a:latin typeface="Barlow"/>
+                <a:ea typeface="Barlow"/>
+                <a:cs typeface="Barlow"/>
+                <a:sym typeface="Barlow"/>
+              </a:defRPr>
+            </a:lvl3pPr>
+            <a:lvl4pPr marR="0" lvl="3" algn="ctr" rtl="0">
+              <a:lnSpc>
+                <a:spcPct val="100000"/>
+              </a:lnSpc>
+              <a:spcBef>
+                <a:spcPts val="0"/>
+              </a:spcBef>
+              <a:spcAft>
+                <a:spcPts val="0"/>
+              </a:spcAft>
+              <a:buClr>
+                <a:schemeClr val="dk1"/>
+              </a:buClr>
+              <a:buSzPts val="3600"/>
+              <a:buFont typeface="Barlow"/>
+              <a:buNone/>
+              <a:defRPr sz="3600" b="1" i="0" u="none" strike="noStrike" cap="none">
+                <a:solidFill>
+                  <a:schemeClr val="dk1"/>
+                </a:solidFill>
+                <a:latin typeface="Barlow"/>
+                <a:ea typeface="Barlow"/>
+                <a:cs typeface="Barlow"/>
+                <a:sym typeface="Barlow"/>
+              </a:defRPr>
+            </a:lvl4pPr>
+            <a:lvl5pPr marR="0" lvl="4" algn="ctr" rtl="0">
+              <a:lnSpc>
+                <a:spcPct val="100000"/>
+              </a:lnSpc>
+              <a:spcBef>
+                <a:spcPts val="0"/>
+              </a:spcBef>
+              <a:spcAft>
+                <a:spcPts val="0"/>
+              </a:spcAft>
+              <a:buClr>
+                <a:schemeClr val="dk1"/>
+              </a:buClr>
+              <a:buSzPts val="3600"/>
+              <a:buFont typeface="Barlow"/>
+              <a:buNone/>
+              <a:defRPr sz="3600" b="1" i="0" u="none" strike="noStrike" cap="none">
+                <a:solidFill>
+                  <a:schemeClr val="dk1"/>
+                </a:solidFill>
+                <a:latin typeface="Barlow"/>
+                <a:ea typeface="Barlow"/>
+                <a:cs typeface="Barlow"/>
+                <a:sym typeface="Barlow"/>
+              </a:defRPr>
+            </a:lvl5pPr>
+            <a:lvl6pPr marR="0" lvl="5" algn="ctr" rtl="0">
+              <a:lnSpc>
+                <a:spcPct val="100000"/>
+              </a:lnSpc>
+              <a:spcBef>
+                <a:spcPts val="0"/>
+              </a:spcBef>
+              <a:spcAft>
+                <a:spcPts val="0"/>
+              </a:spcAft>
+              <a:buClr>
+                <a:schemeClr val="dk1"/>
+              </a:buClr>
+              <a:buSzPts val="3600"/>
+              <a:buFont typeface="Barlow"/>
+              <a:buNone/>
+              <a:defRPr sz="3600" b="1" i="0" u="none" strike="noStrike" cap="none">
+                <a:solidFill>
+                  <a:schemeClr val="dk1"/>
+                </a:solidFill>
+                <a:latin typeface="Barlow"/>
+                <a:ea typeface="Barlow"/>
+                <a:cs typeface="Barlow"/>
+                <a:sym typeface="Barlow"/>
+              </a:defRPr>
+            </a:lvl6pPr>
+            <a:lvl7pPr marR="0" lvl="6" algn="ctr" rtl="0">
+              <a:lnSpc>
+                <a:spcPct val="100000"/>
+              </a:lnSpc>
+              <a:spcBef>
+                <a:spcPts val="0"/>
+              </a:spcBef>
+              <a:spcAft>
+                <a:spcPts val="0"/>
+              </a:spcAft>
+              <a:buClr>
+                <a:schemeClr val="dk1"/>
+              </a:buClr>
+              <a:buSzPts val="3600"/>
+              <a:buFont typeface="Barlow"/>
+              <a:buNone/>
+              <a:defRPr sz="3600" b="1" i="0" u="none" strike="noStrike" cap="none">
+                <a:solidFill>
+                  <a:schemeClr val="dk1"/>
+                </a:solidFill>
+                <a:latin typeface="Barlow"/>
+                <a:ea typeface="Barlow"/>
+                <a:cs typeface="Barlow"/>
+                <a:sym typeface="Barlow"/>
+              </a:defRPr>
+            </a:lvl7pPr>
+            <a:lvl8pPr marR="0" lvl="7" algn="ctr" rtl="0">
+              <a:lnSpc>
+                <a:spcPct val="100000"/>
+              </a:lnSpc>
+              <a:spcBef>
+                <a:spcPts val="0"/>
+              </a:spcBef>
+              <a:spcAft>
+                <a:spcPts val="0"/>
+              </a:spcAft>
+              <a:buClr>
+                <a:schemeClr val="dk1"/>
+              </a:buClr>
+              <a:buSzPts val="3600"/>
+              <a:buFont typeface="Barlow"/>
+              <a:buNone/>
+              <a:defRPr sz="3600" b="1" i="0" u="none" strike="noStrike" cap="none">
+                <a:solidFill>
+                  <a:schemeClr val="dk1"/>
+                </a:solidFill>
+                <a:latin typeface="Barlow"/>
+                <a:ea typeface="Barlow"/>
+                <a:cs typeface="Barlow"/>
+                <a:sym typeface="Barlow"/>
+              </a:defRPr>
+            </a:lvl8pPr>
+            <a:lvl9pPr marR="0" lvl="8" algn="ctr" rtl="0">
+              <a:lnSpc>
+                <a:spcPct val="100000"/>
+              </a:lnSpc>
+              <a:spcBef>
+                <a:spcPts val="0"/>
+              </a:spcBef>
+              <a:spcAft>
+                <a:spcPts val="0"/>
+              </a:spcAft>
+              <a:buClr>
+                <a:schemeClr val="dk1"/>
+              </a:buClr>
+              <a:buSzPts val="3600"/>
+              <a:buFont typeface="Barlow"/>
+              <a:buNone/>
+              <a:defRPr sz="3600" b="1" i="0" u="none" strike="noStrike" cap="none">
+                <a:solidFill>
+                  <a:schemeClr val="dk1"/>
+                </a:solidFill>
+                <a:latin typeface="Barlow"/>
+                <a:ea typeface="Barlow"/>
+                <a:cs typeface="Barlow"/>
+                <a:sym typeface="Barlow"/>
+              </a:defRPr>
+            </a:lvl9pPr>
+          </a:lstStyle>
+          <a:p>
+            <a:pPr algn="ctr"/>
+            <a:r>
+              <a:rPr lang="en-US" altLang="zh-CN" sz="8000" spc="300" dirty="0">
+                <a:solidFill>
+                  <a:schemeClr val="accent4">
+                    <a:lumMod val="60000"/>
+                    <a:lumOff val="40000"/>
+                    <a:alpha val="60000"/>
+                  </a:schemeClr>
+                </a:solidFill>
+                <a:latin typeface="Amatic SC" panose="020F0502020204030204" pitchFamily="2" charset="-79"/>
+                <a:cs typeface="Amatic SC" panose="020F0502020204030204" pitchFamily="2" charset="-79"/>
+              </a:rPr>
+              <a:t>Rolling a Dice</a:t>
+            </a:r>
+          </a:p>
+        </p:txBody>
+      </p:sp>
+      <p:pic>
+        <p:nvPicPr>
+          <p:cNvPr id="5" name="Picture 4">
+            <a:extLst>
+              <a:ext uri="{FF2B5EF4-FFF2-40B4-BE49-F238E27FC236}">
+                <a16:creationId xmlns:a16="http://schemas.microsoft.com/office/drawing/2014/main" id="{9238C760-979A-8C16-C338-9927410329C1}"/>
+              </a:ext>
+            </a:extLst>
+          </p:cNvPr>
+          <p:cNvPicPr>
+            <a:picLocks noChangeAspect="1"/>
+          </p:cNvPicPr>
+          <p:nvPr/>
+        </p:nvPicPr>
+        <p:blipFill>
+          <a:blip r:embed="rId2">
+            <a:extLst>
+              <a:ext uri="{BEBA8EAE-BF5A-486C-A8C5-ECC9F3942E4B}">
+                <a14:imgProps xmlns:a14="http://schemas.microsoft.com/office/drawing/2010/main">
+                  <a14:imgLayer r:embed="rId3">
+                    <a14:imgEffect>
+                      <a14:backgroundRemoval t="10000" b="90000" l="10000" r="90000">
+                        <a14:foregroundMark x1="18983" y1="15510" x2="18983" y2="15510"/>
+                        <a14:foregroundMark x1="18983" y1="15306" x2="18983" y2="15306"/>
+                        <a14:foregroundMark x1="19290" y1="14490" x2="19290" y2="14490"/>
+                        <a14:foregroundMark x1="51072" y1="28265" x2="51072" y2="28265"/>
+                        <a14:foregroundMark x1="53889" y1="23061" x2="53889" y2="23061"/>
+                        <a14:foregroundMark x1="53889" y1="23061" x2="49602" y2="29082"/>
+                        <a14:foregroundMark x1="77097" y1="20612" x2="77097" y2="20612"/>
+                        <a14:foregroundMark x1="77097" y1="20612" x2="77097" y2="20612"/>
+                        <a14:foregroundMark x1="25352" y1="64592" x2="25352" y2="64592"/>
+                        <a14:foregroundMark x1="25352" y1="64592" x2="25352" y2="64592"/>
+                        <a14:foregroundMark x1="50092" y1="63367" x2="50092" y2="63367"/>
+                        <a14:foregroundMark x1="50092" y1="63367" x2="50092" y2="63367"/>
+                        <a14:foregroundMark x1="75628" y1="63163" x2="75628" y2="63163"/>
+                        <a14:foregroundMark x1="75628" y1="63163" x2="75628" y2="63163"/>
+                        <a14:foregroundMark x1="46479" y1="62755" x2="46479" y2="62755"/>
+                        <a14:foregroundMark x1="46479" y1="62755" x2="46479" y2="62755"/>
+                        <a14:foregroundMark x1="53276" y1="62449" x2="53276" y2="62449"/>
+                        <a14:foregroundMark x1="53276" y1="62449" x2="53276" y2="62449"/>
+                        <a14:foregroundMark x1="46479" y1="76939" x2="46479" y2="76939"/>
+                        <a14:foregroundMark x1="46479" y1="76939" x2="46479" y2="76939"/>
+                        <a14:foregroundMark x1="54440" y1="77653" x2="54440" y2="77653"/>
+                        <a14:foregroundMark x1="54440" y1="77653" x2="54440" y2="77653"/>
+                        <a14:foregroundMark x1="76546" y1="65306" x2="76546" y2="65306"/>
+                        <a14:foregroundMark x1="76546" y1="65306" x2="76546" y2="65306"/>
+                        <a14:foregroundMark x1="27985" y1="69184" x2="27985" y2="69184"/>
+                        <a14:foregroundMark x1="27985" y1="69184" x2="27985" y2="69184"/>
+                        <a14:backgroundMark x1="36375" y1="29286" x2="36375" y2="29286"/>
+                      </a14:backgroundRemoval>
+                    </a14:imgEffect>
+                  </a14:imgLayer>
+                </a14:imgProps>
+              </a:ext>
+              <a:ext uri="{28A0092B-C50C-407E-A947-70E740481C1C}">
+                <a14:useLocalDpi xmlns:a14="http://schemas.microsoft.com/office/drawing/2010/main" val="0"/>
+              </a:ext>
+            </a:extLst>
+          </a:blip>
+          <a:stretch>
+            <a:fillRect/>
+          </a:stretch>
+        </p:blipFill>
+        <p:spPr>
+          <a:xfrm>
+            <a:off x="-138774" y="1537950"/>
+            <a:ext cx="8171867" cy="4904121"/>
+          </a:xfrm>
+          <a:prstGeom prst="rect">
+            <a:avLst/>
+          </a:prstGeom>
+        </p:spPr>
+      </p:pic>
+      <p:sp>
+        <p:nvSpPr>
+          <p:cNvPr id="7" name="TextBox 6">
+            <a:extLst>
+              <a:ext uri="{FF2B5EF4-FFF2-40B4-BE49-F238E27FC236}">
+                <a16:creationId xmlns:a16="http://schemas.microsoft.com/office/drawing/2014/main" id="{E1AA9BF5-2195-0CC8-E215-8CE700E82705}"/>
+              </a:ext>
+            </a:extLst>
+          </p:cNvPr>
+          <p:cNvSpPr txBox="1"/>
+          <p:nvPr/>
+        </p:nvSpPr>
+        <p:spPr>
+          <a:xfrm>
+            <a:off x="7667167" y="2803427"/>
+            <a:ext cx="3145613" cy="2308324"/>
+          </a:xfrm>
+          <a:prstGeom prst="rect">
+            <a:avLst/>
+          </a:prstGeom>
+          <a:noFill/>
+        </p:spPr>
+        <p:txBody>
+          <a:bodyPr wrap="square" rtlCol="0">
+            <a:spAutoFit/>
+          </a:bodyPr>
+          <a:lstStyle/>
+          <a:p>
+            <a:pPr algn="ctr"/>
+            <a:r>
+              <a:rPr lang="en-US" altLang="zh-CN" sz="3600" dirty="0">
+                <a:solidFill>
+                  <a:schemeClr val="bg1">
+                    <a:lumMod val="75000"/>
+                  </a:schemeClr>
+                </a:solidFill>
+                <a:latin typeface="High Tower Text" panose="02040502050506030303" pitchFamily="18" charset="0"/>
+              </a:rPr>
+              <a:t>Result is a </a:t>
+            </a:r>
+            <a:r>
+              <a:rPr lang="en-US" altLang="zh-CN" sz="3600" dirty="0">
+                <a:solidFill>
+                  <a:schemeClr val="accent2">
+                    <a:lumMod val="60000"/>
+                    <a:lumOff val="40000"/>
+                  </a:schemeClr>
+                </a:solidFill>
+                <a:latin typeface="High Tower Text" panose="02040502050506030303" pitchFamily="18" charset="0"/>
+              </a:rPr>
+              <a:t>random</a:t>
+            </a:r>
+            <a:r>
+              <a:rPr lang="en-US" altLang="zh-CN" sz="3600" dirty="0">
+                <a:solidFill>
+                  <a:schemeClr val="bg1">
+                    <a:lumMod val="75000"/>
+                  </a:schemeClr>
+                </a:solidFill>
+                <a:latin typeface="High Tower Text" panose="02040502050506030303" pitchFamily="18" charset="0"/>
+              </a:rPr>
+              <a:t> number from 1 to 6.</a:t>
+            </a:r>
+            <a:endParaRPr lang="zh-CN" altLang="en-US" sz="3600" dirty="0">
+              <a:solidFill>
+                <a:schemeClr val="bg1">
+                  <a:lumMod val="75000"/>
+                </a:schemeClr>
+              </a:solidFill>
+              <a:latin typeface="High Tower Text" panose="02040502050506030303" pitchFamily="18" charset="0"/>
+            </a:endParaRPr>
+          </a:p>
+        </p:txBody>
+      </p:sp>
+    </p:spTree>
+    <p:extLst>
+      <p:ext uri="{BB962C8B-B14F-4D97-AF65-F5344CB8AC3E}">
+        <p14:creationId xmlns:p14="http://schemas.microsoft.com/office/powerpoint/2010/main" val="3719688948"/>
+      </p:ext>
+    </p:extLst>
+  </p:cSld>
+  <p:clrMapOvr>
+    <a:masterClrMapping/>
+  </p:clrMapOvr>
+</p:sld>
+</file>
+
+<file path=ppt/slides/slide35.xml><?xml version="1.0" encoding="utf-8"?>
+<p:sld xmlns:a="http://schemas.openxmlformats.org/drawingml/2006/main" xmlns:r="http://schemas.openxmlformats.org/officeDocument/2006/relationships" xmlns:p="http://schemas.openxmlformats.org/presentationml/2006/main">
+  <p:cSld>
+    <p:spTree>
+      <p:nvGrpSpPr>
+        <p:cNvPr id="1" name="">
+          <a:extLst>
+            <a:ext uri="{FF2B5EF4-FFF2-40B4-BE49-F238E27FC236}">
+              <a16:creationId xmlns:a16="http://schemas.microsoft.com/office/drawing/2014/main" id="{4B4D61AC-A763-9F1E-E169-954BA908CD87}"/>
+            </a:ext>
+          </a:extLst>
+        </p:cNvPr>
+        <p:cNvGrpSpPr/>
+        <p:nvPr/>
+      </p:nvGrpSpPr>
+      <p:grpSpPr>
+        <a:xfrm>
+          <a:off x="0" y="0"/>
+          <a:ext cx="0" cy="0"/>
+          <a:chOff x="0" y="0"/>
+          <a:chExt cx="0" cy="0"/>
+        </a:xfrm>
+      </p:grpSpPr>
+      <p:sp>
+        <p:nvSpPr>
+          <p:cNvPr id="6" name="Rectangle 5">
+            <a:extLst>
+              <a:ext uri="{FF2B5EF4-FFF2-40B4-BE49-F238E27FC236}">
+                <a16:creationId xmlns:a16="http://schemas.microsoft.com/office/drawing/2014/main" id="{787BB319-0B92-FD42-DB5E-CC33E2DCC5BF}"/>
+              </a:ext>
+            </a:extLst>
+          </p:cNvPr>
+          <p:cNvSpPr/>
+          <p:nvPr/>
+        </p:nvSpPr>
+        <p:spPr>
+          <a:xfrm>
+            <a:off x="0" y="0"/>
+            <a:ext cx="12192000" cy="6858000"/>
+          </a:xfrm>
+          <a:prstGeom prst="rect">
+            <a:avLst/>
+          </a:prstGeom>
+          <a:solidFill>
+            <a:srgbClr val="23242A"/>
+          </a:solidFill>
+          <a:ln>
+            <a:noFill/>
+          </a:ln>
+        </p:spPr>
+        <p:style>
+          <a:lnRef idx="2">
+            <a:schemeClr val="accent1">
+              <a:shade val="15000"/>
+            </a:schemeClr>
+          </a:lnRef>
+          <a:fillRef idx="1">
+            <a:schemeClr val="accent1"/>
+          </a:fillRef>
+          <a:effectRef idx="0">
+            <a:schemeClr val="accent1"/>
+          </a:effectRef>
+          <a:fontRef idx="minor">
+            <a:schemeClr val="lt1"/>
+          </a:fontRef>
+        </p:style>
+        <p:txBody>
+          <a:bodyPr rtlCol="0" anchor="ctr"/>
+          <a:lstStyle/>
+          <a:p>
+            <a:pPr algn="ctr"/>
+            <a:endParaRPr lang="zh-CN" altLang="en-US" dirty="0"/>
+          </a:p>
+        </p:txBody>
+      </p:sp>
+      <p:sp>
+        <p:nvSpPr>
+          <p:cNvPr id="2" name="Slide Number Placeholder 1">
+            <a:extLst>
+              <a:ext uri="{FF2B5EF4-FFF2-40B4-BE49-F238E27FC236}">
+                <a16:creationId xmlns:a16="http://schemas.microsoft.com/office/drawing/2014/main" id="{C6881864-0959-44B0-E259-9D2B14ECBE88}"/>
               </a:ext>
             </a:extLst>
           </p:cNvPr>
@@ -24431,7 +24623,7 @@
           <p:cNvPr id="4" name="Google Shape;867;p33">
             <a:extLst>
               <a:ext uri="{FF2B5EF4-FFF2-40B4-BE49-F238E27FC236}">
-                <a16:creationId xmlns:a16="http://schemas.microsoft.com/office/drawing/2014/main" id="{24BC39E7-8798-676F-63C1-093D28359AFA}"/>
+                <a16:creationId xmlns:a16="http://schemas.microsoft.com/office/drawing/2014/main" id="{445368BB-8627-0795-4148-71C70BC5428C}"/>
               </a:ext>
             </a:extLst>
           </p:cNvPr>
@@ -24442,7 +24634,7 @@
         </p:nvSpPr>
         <p:spPr>
           <a:xfrm>
-            <a:off x="2222600" y="2778760"/>
+            <a:off x="2222600" y="143850"/>
             <a:ext cx="7746800" cy="1602400"/>
           </a:xfrm>
           <a:prstGeom prst="rect">
@@ -24718,15 +24910,2470 @@
                 <a:latin typeface="Amatic SC" panose="020F0502020204030204" pitchFamily="2" charset="-79"/>
                 <a:cs typeface="Amatic SC" panose="020F0502020204030204" pitchFamily="2" charset="-79"/>
               </a:rPr>
-              <a:t>Thank you and see you in the next lesson!</a:t>
+              <a:t>Pick a Random Number</a:t>
             </a:r>
+          </a:p>
+        </p:txBody>
+      </p:sp>
+      <p:sp>
+        <p:nvSpPr>
+          <p:cNvPr id="7" name="TextBox 6">
+            <a:extLst>
+              <a:ext uri="{FF2B5EF4-FFF2-40B4-BE49-F238E27FC236}">
+                <a16:creationId xmlns:a16="http://schemas.microsoft.com/office/drawing/2014/main" id="{0F2D9C3E-87B8-42A5-3FE9-C30A02FDE2E7}"/>
+              </a:ext>
+            </a:extLst>
+          </p:cNvPr>
+          <p:cNvSpPr txBox="1"/>
+          <p:nvPr/>
+        </p:nvSpPr>
+        <p:spPr>
+          <a:xfrm>
+            <a:off x="2052046" y="2710218"/>
+            <a:ext cx="8087907" cy="2585323"/>
+          </a:xfrm>
+          <a:prstGeom prst="rect">
+            <a:avLst/>
+          </a:prstGeom>
+          <a:noFill/>
+        </p:spPr>
+        <p:txBody>
+          <a:bodyPr wrap="square" rtlCol="0">
+            <a:spAutoFit/>
+          </a:bodyPr>
+          <a:lstStyle/>
+          <a:p>
+            <a:pPr algn="ctr"/>
+            <a:r>
+              <a:rPr lang="en-US" altLang="zh-CN" sz="5400" dirty="0">
+                <a:solidFill>
+                  <a:schemeClr val="bg1">
+                    <a:lumMod val="75000"/>
+                  </a:schemeClr>
+                </a:solidFill>
+                <a:latin typeface="High Tower Text" panose="02040502050506030303" pitchFamily="18" charset="0"/>
+              </a:rPr>
+              <a:t>Can we pick a </a:t>
+            </a:r>
+            <a:r>
+              <a:rPr lang="en-US" altLang="zh-CN" sz="5400" dirty="0">
+                <a:solidFill>
+                  <a:schemeClr val="accent2">
+                    <a:lumMod val="60000"/>
+                    <a:lumOff val="40000"/>
+                  </a:schemeClr>
+                </a:solidFill>
+                <a:latin typeface="High Tower Text" panose="02040502050506030303" pitchFamily="18" charset="0"/>
+              </a:rPr>
+              <a:t>random</a:t>
+            </a:r>
+            <a:r>
+              <a:rPr lang="en-US" altLang="zh-CN" sz="5400" dirty="0">
+                <a:solidFill>
+                  <a:schemeClr val="bg1">
+                    <a:lumMod val="75000"/>
+                  </a:schemeClr>
+                </a:solidFill>
+                <a:latin typeface="High Tower Text" panose="02040502050506030303" pitchFamily="18" charset="0"/>
+              </a:rPr>
+              <a:t> number between any </a:t>
+            </a:r>
+            <a:r>
+              <a:rPr lang="en-US" altLang="zh-CN" sz="5400" dirty="0">
+                <a:solidFill>
+                  <a:schemeClr val="accent2">
+                    <a:lumMod val="60000"/>
+                    <a:lumOff val="40000"/>
+                  </a:schemeClr>
+                </a:solidFill>
+                <a:latin typeface="High Tower Text" panose="02040502050506030303" pitchFamily="18" charset="0"/>
+              </a:rPr>
+              <a:t>range </a:t>
+            </a:r>
+            <a:r>
+              <a:rPr lang="en-US" altLang="zh-CN" sz="5400" dirty="0">
+                <a:solidFill>
+                  <a:schemeClr val="bg1">
+                    <a:lumMod val="75000"/>
+                  </a:schemeClr>
+                </a:solidFill>
+                <a:latin typeface="High Tower Text" panose="02040502050506030303" pitchFamily="18" charset="0"/>
+              </a:rPr>
+              <a:t>in Scratch?</a:t>
+            </a:r>
+            <a:endParaRPr lang="zh-CN" altLang="en-US" sz="5400" dirty="0">
+              <a:solidFill>
+                <a:schemeClr val="bg1">
+                  <a:lumMod val="75000"/>
+                </a:schemeClr>
+              </a:solidFill>
+              <a:latin typeface="High Tower Text" panose="02040502050506030303" pitchFamily="18" charset="0"/>
+            </a:endParaRPr>
           </a:p>
         </p:txBody>
       </p:sp>
     </p:spTree>
     <p:extLst>
       <p:ext uri="{BB962C8B-B14F-4D97-AF65-F5344CB8AC3E}">
-        <p14:creationId xmlns:p14="http://schemas.microsoft.com/office/powerpoint/2010/main" val="394012090"/>
+        <p14:creationId xmlns:p14="http://schemas.microsoft.com/office/powerpoint/2010/main" val="2666873914"/>
+      </p:ext>
+    </p:extLst>
+  </p:cSld>
+  <p:clrMapOvr>
+    <a:masterClrMapping/>
+  </p:clrMapOvr>
+</p:sld>
+</file>
+
+<file path=ppt/slides/slide36.xml><?xml version="1.0" encoding="utf-8"?>
+<p:sld xmlns:a="http://schemas.openxmlformats.org/drawingml/2006/main" xmlns:r="http://schemas.openxmlformats.org/officeDocument/2006/relationships" xmlns:p="http://schemas.openxmlformats.org/presentationml/2006/main">
+  <p:cSld>
+    <p:spTree>
+      <p:nvGrpSpPr>
+        <p:cNvPr id="1" name="">
+          <a:extLst>
+            <a:ext uri="{FF2B5EF4-FFF2-40B4-BE49-F238E27FC236}">
+              <a16:creationId xmlns:a16="http://schemas.microsoft.com/office/drawing/2014/main" id="{AD99B4B4-D3E1-17AF-DE93-7901E73E135F}"/>
+            </a:ext>
+          </a:extLst>
+        </p:cNvPr>
+        <p:cNvGrpSpPr/>
+        <p:nvPr/>
+      </p:nvGrpSpPr>
+      <p:grpSpPr>
+        <a:xfrm>
+          <a:off x="0" y="0"/>
+          <a:ext cx="0" cy="0"/>
+          <a:chOff x="0" y="0"/>
+          <a:chExt cx="0" cy="0"/>
+        </a:xfrm>
+      </p:grpSpPr>
+      <p:sp>
+        <p:nvSpPr>
+          <p:cNvPr id="6" name="Rectangle 5">
+            <a:extLst>
+              <a:ext uri="{FF2B5EF4-FFF2-40B4-BE49-F238E27FC236}">
+                <a16:creationId xmlns:a16="http://schemas.microsoft.com/office/drawing/2014/main" id="{283D8B6E-B0F3-B302-BB1C-532198AFA229}"/>
+              </a:ext>
+            </a:extLst>
+          </p:cNvPr>
+          <p:cNvSpPr/>
+          <p:nvPr/>
+        </p:nvSpPr>
+        <p:spPr>
+          <a:xfrm>
+            <a:off x="0" y="0"/>
+            <a:ext cx="12192000" cy="6858000"/>
+          </a:xfrm>
+          <a:prstGeom prst="rect">
+            <a:avLst/>
+          </a:prstGeom>
+          <a:solidFill>
+            <a:srgbClr val="23242A"/>
+          </a:solidFill>
+          <a:ln>
+            <a:noFill/>
+          </a:ln>
+        </p:spPr>
+        <p:style>
+          <a:lnRef idx="2">
+            <a:schemeClr val="accent1">
+              <a:shade val="15000"/>
+            </a:schemeClr>
+          </a:lnRef>
+          <a:fillRef idx="1">
+            <a:schemeClr val="accent1"/>
+          </a:fillRef>
+          <a:effectRef idx="0">
+            <a:schemeClr val="accent1"/>
+          </a:effectRef>
+          <a:fontRef idx="minor">
+            <a:schemeClr val="lt1"/>
+          </a:fontRef>
+        </p:style>
+        <p:txBody>
+          <a:bodyPr rtlCol="0" anchor="ctr"/>
+          <a:lstStyle/>
+          <a:p>
+            <a:pPr algn="ctr"/>
+            <a:endParaRPr lang="zh-CN" altLang="en-US" dirty="0"/>
+          </a:p>
+        </p:txBody>
+      </p:sp>
+      <p:sp>
+        <p:nvSpPr>
+          <p:cNvPr id="2" name="Slide Number Placeholder 1">
+            <a:extLst>
+              <a:ext uri="{FF2B5EF4-FFF2-40B4-BE49-F238E27FC236}">
+                <a16:creationId xmlns:a16="http://schemas.microsoft.com/office/drawing/2014/main" id="{97140071-04F7-4B60-CEB8-59708ABD43D7}"/>
+              </a:ext>
+            </a:extLst>
+          </p:cNvPr>
+          <p:cNvSpPr>
+            <a:spLocks noGrp="1"/>
+          </p:cNvSpPr>
+          <p:nvPr>
+            <p:ph type="sldNum" sz="quarter" idx="12"/>
+          </p:nvPr>
+        </p:nvSpPr>
+        <p:spPr>
+          <a:xfrm>
+            <a:off x="9057739" y="6259509"/>
+            <a:ext cx="2743200" cy="365125"/>
+          </a:xfrm>
+        </p:spPr>
+        <p:txBody>
+          <a:bodyPr/>
+          <a:lstStyle/>
+          <a:p>
+            <a:fld id="{9B1EC109-1E15-4BCA-93B5-56442BB3443E}" type="slidenum">
+              <a:rPr lang="zh-CN" altLang="en-US" sz="2400" b="1" smtClean="0">
+                <a:solidFill>
+                  <a:schemeClr val="bg1">
+                    <a:lumMod val="65000"/>
+                  </a:schemeClr>
+                </a:solidFill>
+                <a:latin typeface="Bradley Hand ITC" panose="03070402050302030203" pitchFamily="66" charset="0"/>
+              </a:rPr>
+              <a:t>36</a:t>
+            </a:fld>
+            <a:endParaRPr lang="zh-CN" altLang="en-US" sz="2400" b="1" dirty="0">
+              <a:solidFill>
+                <a:schemeClr val="bg1">
+                  <a:lumMod val="65000"/>
+                </a:schemeClr>
+              </a:solidFill>
+              <a:latin typeface="Bradley Hand ITC" panose="03070402050302030203" pitchFamily="66" charset="0"/>
+            </a:endParaRPr>
+          </a:p>
+        </p:txBody>
+      </p:sp>
+      <p:sp>
+        <p:nvSpPr>
+          <p:cNvPr id="4" name="Google Shape;867;p33">
+            <a:extLst>
+              <a:ext uri="{FF2B5EF4-FFF2-40B4-BE49-F238E27FC236}">
+                <a16:creationId xmlns:a16="http://schemas.microsoft.com/office/drawing/2014/main" id="{95D7CC0F-7FB8-73CD-A552-D8970F270AF2}"/>
+              </a:ext>
+            </a:extLst>
+          </p:cNvPr>
+          <p:cNvSpPr txBox="1">
+            <a:spLocks/>
+          </p:cNvSpPr>
+          <p:nvPr/>
+        </p:nvSpPr>
+        <p:spPr>
+          <a:xfrm>
+            <a:off x="2222600" y="143850"/>
+            <a:ext cx="7746800" cy="1602400"/>
+          </a:xfrm>
+          <a:prstGeom prst="rect">
+            <a:avLst/>
+          </a:prstGeom>
+          <a:noFill/>
+          <a:ln>
+            <a:noFill/>
+          </a:ln>
+        </p:spPr>
+        <p:txBody>
+          <a:bodyPr spcFirstLastPara="1" wrap="square" lIns="91425" tIns="91425" rIns="91425" bIns="91425" anchor="b" anchorCtr="0">
+            <a:noAutofit/>
+          </a:bodyPr>
+          <a:lstStyle>
+            <a:defPPr marR="0" lvl="0" algn="l" rtl="0">
+              <a:lnSpc>
+                <a:spcPct val="100000"/>
+              </a:lnSpc>
+              <a:spcBef>
+                <a:spcPts val="0"/>
+              </a:spcBef>
+              <a:spcAft>
+                <a:spcPts val="0"/>
+              </a:spcAft>
+            </a:defPPr>
+            <a:lvl1pPr marR="0" lvl="0" algn="l" rtl="0">
+              <a:lnSpc>
+                <a:spcPct val="100000"/>
+              </a:lnSpc>
+              <a:spcBef>
+                <a:spcPts val="0"/>
+              </a:spcBef>
+              <a:spcAft>
+                <a:spcPts val="0"/>
+              </a:spcAft>
+              <a:buClr>
+                <a:schemeClr val="dk1"/>
+              </a:buClr>
+              <a:buSzPts val="3600"/>
+              <a:buFont typeface="Barlow"/>
+              <a:buNone/>
+              <a:defRPr sz="7200" b="1" i="0" u="none" strike="noStrike" cap="none">
+                <a:solidFill>
+                  <a:schemeClr val="dk1"/>
+                </a:solidFill>
+                <a:latin typeface="Barlow"/>
+                <a:ea typeface="Barlow"/>
+                <a:cs typeface="Barlow"/>
+                <a:sym typeface="Barlow"/>
+              </a:defRPr>
+            </a:lvl1pPr>
+            <a:lvl2pPr marR="0" lvl="1" algn="ctr" rtl="0">
+              <a:lnSpc>
+                <a:spcPct val="100000"/>
+              </a:lnSpc>
+              <a:spcBef>
+                <a:spcPts val="0"/>
+              </a:spcBef>
+              <a:spcAft>
+                <a:spcPts val="0"/>
+              </a:spcAft>
+              <a:buClr>
+                <a:schemeClr val="dk1"/>
+              </a:buClr>
+              <a:buSzPts val="3600"/>
+              <a:buFont typeface="Barlow"/>
+              <a:buNone/>
+              <a:defRPr sz="3600" b="1" i="0" u="none" strike="noStrike" cap="none">
+                <a:solidFill>
+                  <a:schemeClr val="dk1"/>
+                </a:solidFill>
+                <a:latin typeface="Barlow"/>
+                <a:ea typeface="Barlow"/>
+                <a:cs typeface="Barlow"/>
+                <a:sym typeface="Barlow"/>
+              </a:defRPr>
+            </a:lvl2pPr>
+            <a:lvl3pPr marR="0" lvl="2" algn="ctr" rtl="0">
+              <a:lnSpc>
+                <a:spcPct val="100000"/>
+              </a:lnSpc>
+              <a:spcBef>
+                <a:spcPts val="0"/>
+              </a:spcBef>
+              <a:spcAft>
+                <a:spcPts val="0"/>
+              </a:spcAft>
+              <a:buClr>
+                <a:schemeClr val="dk1"/>
+              </a:buClr>
+              <a:buSzPts val="3600"/>
+              <a:buFont typeface="Barlow"/>
+              <a:buNone/>
+              <a:defRPr sz="3600" b="1" i="0" u="none" strike="noStrike" cap="none">
+                <a:solidFill>
+                  <a:schemeClr val="dk1"/>
+                </a:solidFill>
+                <a:latin typeface="Barlow"/>
+                <a:ea typeface="Barlow"/>
+                <a:cs typeface="Barlow"/>
+                <a:sym typeface="Barlow"/>
+              </a:defRPr>
+            </a:lvl3pPr>
+            <a:lvl4pPr marR="0" lvl="3" algn="ctr" rtl="0">
+              <a:lnSpc>
+                <a:spcPct val="100000"/>
+              </a:lnSpc>
+              <a:spcBef>
+                <a:spcPts val="0"/>
+              </a:spcBef>
+              <a:spcAft>
+                <a:spcPts val="0"/>
+              </a:spcAft>
+              <a:buClr>
+                <a:schemeClr val="dk1"/>
+              </a:buClr>
+              <a:buSzPts val="3600"/>
+              <a:buFont typeface="Barlow"/>
+              <a:buNone/>
+              <a:defRPr sz="3600" b="1" i="0" u="none" strike="noStrike" cap="none">
+                <a:solidFill>
+                  <a:schemeClr val="dk1"/>
+                </a:solidFill>
+                <a:latin typeface="Barlow"/>
+                <a:ea typeface="Barlow"/>
+                <a:cs typeface="Barlow"/>
+                <a:sym typeface="Barlow"/>
+              </a:defRPr>
+            </a:lvl4pPr>
+            <a:lvl5pPr marR="0" lvl="4" algn="ctr" rtl="0">
+              <a:lnSpc>
+                <a:spcPct val="100000"/>
+              </a:lnSpc>
+              <a:spcBef>
+                <a:spcPts val="0"/>
+              </a:spcBef>
+              <a:spcAft>
+                <a:spcPts val="0"/>
+              </a:spcAft>
+              <a:buClr>
+                <a:schemeClr val="dk1"/>
+              </a:buClr>
+              <a:buSzPts val="3600"/>
+              <a:buFont typeface="Barlow"/>
+              <a:buNone/>
+              <a:defRPr sz="3600" b="1" i="0" u="none" strike="noStrike" cap="none">
+                <a:solidFill>
+                  <a:schemeClr val="dk1"/>
+                </a:solidFill>
+                <a:latin typeface="Barlow"/>
+                <a:ea typeface="Barlow"/>
+                <a:cs typeface="Barlow"/>
+                <a:sym typeface="Barlow"/>
+              </a:defRPr>
+            </a:lvl5pPr>
+            <a:lvl6pPr marR="0" lvl="5" algn="ctr" rtl="0">
+              <a:lnSpc>
+                <a:spcPct val="100000"/>
+              </a:lnSpc>
+              <a:spcBef>
+                <a:spcPts val="0"/>
+              </a:spcBef>
+              <a:spcAft>
+                <a:spcPts val="0"/>
+              </a:spcAft>
+              <a:buClr>
+                <a:schemeClr val="dk1"/>
+              </a:buClr>
+              <a:buSzPts val="3600"/>
+              <a:buFont typeface="Barlow"/>
+              <a:buNone/>
+              <a:defRPr sz="3600" b="1" i="0" u="none" strike="noStrike" cap="none">
+                <a:solidFill>
+                  <a:schemeClr val="dk1"/>
+                </a:solidFill>
+                <a:latin typeface="Barlow"/>
+                <a:ea typeface="Barlow"/>
+                <a:cs typeface="Barlow"/>
+                <a:sym typeface="Barlow"/>
+              </a:defRPr>
+            </a:lvl6pPr>
+            <a:lvl7pPr marR="0" lvl="6" algn="ctr" rtl="0">
+              <a:lnSpc>
+                <a:spcPct val="100000"/>
+              </a:lnSpc>
+              <a:spcBef>
+                <a:spcPts val="0"/>
+              </a:spcBef>
+              <a:spcAft>
+                <a:spcPts val="0"/>
+              </a:spcAft>
+              <a:buClr>
+                <a:schemeClr val="dk1"/>
+              </a:buClr>
+              <a:buSzPts val="3600"/>
+              <a:buFont typeface="Barlow"/>
+              <a:buNone/>
+              <a:defRPr sz="3600" b="1" i="0" u="none" strike="noStrike" cap="none">
+                <a:solidFill>
+                  <a:schemeClr val="dk1"/>
+                </a:solidFill>
+                <a:latin typeface="Barlow"/>
+                <a:ea typeface="Barlow"/>
+                <a:cs typeface="Barlow"/>
+                <a:sym typeface="Barlow"/>
+              </a:defRPr>
+            </a:lvl7pPr>
+            <a:lvl8pPr marR="0" lvl="7" algn="ctr" rtl="0">
+              <a:lnSpc>
+                <a:spcPct val="100000"/>
+              </a:lnSpc>
+              <a:spcBef>
+                <a:spcPts val="0"/>
+              </a:spcBef>
+              <a:spcAft>
+                <a:spcPts val="0"/>
+              </a:spcAft>
+              <a:buClr>
+                <a:schemeClr val="dk1"/>
+              </a:buClr>
+              <a:buSzPts val="3600"/>
+              <a:buFont typeface="Barlow"/>
+              <a:buNone/>
+              <a:defRPr sz="3600" b="1" i="0" u="none" strike="noStrike" cap="none">
+                <a:solidFill>
+                  <a:schemeClr val="dk1"/>
+                </a:solidFill>
+                <a:latin typeface="Barlow"/>
+                <a:ea typeface="Barlow"/>
+                <a:cs typeface="Barlow"/>
+                <a:sym typeface="Barlow"/>
+              </a:defRPr>
+            </a:lvl8pPr>
+            <a:lvl9pPr marR="0" lvl="8" algn="ctr" rtl="0">
+              <a:lnSpc>
+                <a:spcPct val="100000"/>
+              </a:lnSpc>
+              <a:spcBef>
+                <a:spcPts val="0"/>
+              </a:spcBef>
+              <a:spcAft>
+                <a:spcPts val="0"/>
+              </a:spcAft>
+              <a:buClr>
+                <a:schemeClr val="dk1"/>
+              </a:buClr>
+              <a:buSzPts val="3600"/>
+              <a:buFont typeface="Barlow"/>
+              <a:buNone/>
+              <a:defRPr sz="3600" b="1" i="0" u="none" strike="noStrike" cap="none">
+                <a:solidFill>
+                  <a:schemeClr val="dk1"/>
+                </a:solidFill>
+                <a:latin typeface="Barlow"/>
+                <a:ea typeface="Barlow"/>
+                <a:cs typeface="Barlow"/>
+                <a:sym typeface="Barlow"/>
+              </a:defRPr>
+            </a:lvl9pPr>
+          </a:lstStyle>
+          <a:p>
+            <a:pPr algn="ctr"/>
+            <a:r>
+              <a:rPr lang="en-US" altLang="zh-CN" sz="8000" spc="300" dirty="0">
+                <a:solidFill>
+                  <a:schemeClr val="accent4">
+                    <a:lumMod val="60000"/>
+                    <a:lumOff val="40000"/>
+                    <a:alpha val="60000"/>
+                  </a:schemeClr>
+                </a:solidFill>
+                <a:latin typeface="Amatic SC" panose="020F0502020204030204" pitchFamily="2" charset="-79"/>
+                <a:cs typeface="Amatic SC" panose="020F0502020204030204" pitchFamily="2" charset="-79"/>
+              </a:rPr>
+              <a:t>Pick a Random Number</a:t>
+            </a:r>
+          </a:p>
+        </p:txBody>
+      </p:sp>
+      <p:pic>
+        <p:nvPicPr>
+          <p:cNvPr id="5" name="Picture 4">
+            <a:extLst>
+              <a:ext uri="{FF2B5EF4-FFF2-40B4-BE49-F238E27FC236}">
+                <a16:creationId xmlns:a16="http://schemas.microsoft.com/office/drawing/2014/main" id="{2AD2B4E9-564E-5DC9-AE0E-4D477F561FE5}"/>
+              </a:ext>
+            </a:extLst>
+          </p:cNvPr>
+          <p:cNvPicPr>
+            <a:picLocks noChangeAspect="1"/>
+          </p:cNvPicPr>
+          <p:nvPr/>
+        </p:nvPicPr>
+        <p:blipFill>
+          <a:blip r:embed="rId2">
+            <a:extLst>
+              <a:ext uri="{28A0092B-C50C-407E-A947-70E740481C1C}">
+                <a14:useLocalDpi xmlns:a14="http://schemas.microsoft.com/office/drawing/2010/main" val="0"/>
+              </a:ext>
+            </a:extLst>
+          </a:blip>
+          <a:stretch>
+            <a:fillRect/>
+          </a:stretch>
+        </p:blipFill>
+        <p:spPr>
+          <a:xfrm>
+            <a:off x="2575607" y="2277661"/>
+            <a:ext cx="4998625" cy="906780"/>
+          </a:xfrm>
+          <a:prstGeom prst="rect">
+            <a:avLst/>
+          </a:prstGeom>
+        </p:spPr>
+      </p:pic>
+      <p:sp>
+        <p:nvSpPr>
+          <p:cNvPr id="8" name="TextBox 7">
+            <a:extLst>
+              <a:ext uri="{FF2B5EF4-FFF2-40B4-BE49-F238E27FC236}">
+                <a16:creationId xmlns:a16="http://schemas.microsoft.com/office/drawing/2014/main" id="{07EC3631-A47A-53FF-02EC-0E04E9B5034E}"/>
+              </a:ext>
+            </a:extLst>
+          </p:cNvPr>
+          <p:cNvSpPr txBox="1"/>
+          <p:nvPr/>
+        </p:nvSpPr>
+        <p:spPr>
+          <a:xfrm>
+            <a:off x="1707334" y="3635106"/>
+            <a:ext cx="9273086" cy="1107996"/>
+          </a:xfrm>
+          <a:prstGeom prst="rect">
+            <a:avLst/>
+          </a:prstGeom>
+          <a:noFill/>
+        </p:spPr>
+        <p:txBody>
+          <a:bodyPr wrap="square" rtlCol="0">
+            <a:spAutoFit/>
+          </a:bodyPr>
+          <a:lstStyle/>
+          <a:p>
+            <a:pPr algn="ctr"/>
+            <a:r>
+              <a:rPr lang="en-US" altLang="zh-CN" sz="6600" dirty="0">
+                <a:solidFill>
+                  <a:schemeClr val="accent2">
+                    <a:lumMod val="60000"/>
+                    <a:lumOff val="40000"/>
+                  </a:schemeClr>
+                </a:solidFill>
+                <a:latin typeface="High Tower Text" panose="02040502050506030303" pitchFamily="18" charset="0"/>
+              </a:rPr>
+              <a:t>1</a:t>
+            </a:r>
+            <a:r>
+              <a:rPr lang="en-US" altLang="zh-CN" sz="6600" dirty="0">
+                <a:solidFill>
+                  <a:schemeClr val="bg1">
+                    <a:lumMod val="75000"/>
+                  </a:schemeClr>
+                </a:solidFill>
+                <a:latin typeface="High Tower Text" panose="02040502050506030303" pitchFamily="18" charset="0"/>
+              </a:rPr>
+              <a:t>  2  3  4  5  6  7  8  9  </a:t>
+            </a:r>
+            <a:r>
+              <a:rPr lang="en-US" altLang="zh-CN" sz="6600" dirty="0">
+                <a:solidFill>
+                  <a:schemeClr val="accent2">
+                    <a:lumMod val="60000"/>
+                    <a:lumOff val="40000"/>
+                  </a:schemeClr>
+                </a:solidFill>
+                <a:latin typeface="High Tower Text" panose="02040502050506030303" pitchFamily="18" charset="0"/>
+              </a:rPr>
+              <a:t>10</a:t>
+            </a:r>
+            <a:endParaRPr lang="zh-CN" altLang="en-US" sz="6600" dirty="0">
+              <a:solidFill>
+                <a:schemeClr val="accent2">
+                  <a:lumMod val="60000"/>
+                  <a:lumOff val="40000"/>
+                </a:schemeClr>
+              </a:solidFill>
+              <a:latin typeface="High Tower Text" panose="02040502050506030303" pitchFamily="18" charset="0"/>
+            </a:endParaRPr>
+          </a:p>
+        </p:txBody>
+      </p:sp>
+      <p:sp>
+        <p:nvSpPr>
+          <p:cNvPr id="10" name="Left Brace 9">
+            <a:extLst>
+              <a:ext uri="{FF2B5EF4-FFF2-40B4-BE49-F238E27FC236}">
+                <a16:creationId xmlns:a16="http://schemas.microsoft.com/office/drawing/2014/main" id="{7B745FA1-199F-E81C-69E2-BDC86EAA6800}"/>
+              </a:ext>
+            </a:extLst>
+          </p:cNvPr>
+          <p:cNvSpPr/>
+          <p:nvPr/>
+        </p:nvSpPr>
+        <p:spPr>
+          <a:xfrm rot="5400000">
+            <a:off x="6028342" y="63231"/>
+            <a:ext cx="405825" cy="7143750"/>
+          </a:xfrm>
+          <a:prstGeom prst="leftBrace">
+            <a:avLst/>
+          </a:prstGeom>
+          <a:ln w="50800">
+            <a:solidFill>
+              <a:schemeClr val="bg1">
+                <a:lumMod val="75000"/>
+              </a:schemeClr>
+            </a:solidFill>
+          </a:ln>
+        </p:spPr>
+        <p:style>
+          <a:lnRef idx="1">
+            <a:schemeClr val="accent1"/>
+          </a:lnRef>
+          <a:fillRef idx="0">
+            <a:schemeClr val="accent1"/>
+          </a:fillRef>
+          <a:effectRef idx="0">
+            <a:schemeClr val="accent1"/>
+          </a:effectRef>
+          <a:fontRef idx="minor">
+            <a:schemeClr val="tx1"/>
+          </a:fontRef>
+        </p:style>
+        <p:txBody>
+          <a:bodyPr rtlCol="0" anchor="ctr"/>
+          <a:lstStyle/>
+          <a:p>
+            <a:pPr algn="ctr"/>
+            <a:endParaRPr lang="zh-CN" altLang="en-US"/>
+          </a:p>
+        </p:txBody>
+      </p:sp>
+      <p:sp>
+        <p:nvSpPr>
+          <p:cNvPr id="11" name="TextBox 10">
+            <a:extLst>
+              <a:ext uri="{FF2B5EF4-FFF2-40B4-BE49-F238E27FC236}">
+                <a16:creationId xmlns:a16="http://schemas.microsoft.com/office/drawing/2014/main" id="{EDE6AB25-3633-D995-9491-411304880F26}"/>
+              </a:ext>
+            </a:extLst>
+          </p:cNvPr>
+          <p:cNvSpPr txBox="1"/>
+          <p:nvPr/>
+        </p:nvSpPr>
+        <p:spPr>
+          <a:xfrm>
+            <a:off x="3759973" y="5094246"/>
+            <a:ext cx="4672053" cy="1323439"/>
+          </a:xfrm>
+          <a:prstGeom prst="rect">
+            <a:avLst/>
+          </a:prstGeom>
+          <a:noFill/>
+        </p:spPr>
+        <p:txBody>
+          <a:bodyPr wrap="square" rtlCol="0">
+            <a:spAutoFit/>
+          </a:bodyPr>
+          <a:lstStyle/>
+          <a:p>
+            <a:pPr algn="ctr"/>
+            <a:r>
+              <a:rPr lang="en-US" altLang="zh-CN" sz="4000" dirty="0">
+                <a:solidFill>
+                  <a:schemeClr val="bg1">
+                    <a:lumMod val="75000"/>
+                  </a:schemeClr>
+                </a:solidFill>
+                <a:latin typeface="High Tower Text" panose="02040502050506030303" pitchFamily="18" charset="0"/>
+              </a:rPr>
+              <a:t>A </a:t>
+            </a:r>
+            <a:r>
+              <a:rPr lang="en-US" altLang="zh-CN" sz="4000" dirty="0">
+                <a:solidFill>
+                  <a:schemeClr val="accent2">
+                    <a:lumMod val="60000"/>
+                    <a:lumOff val="40000"/>
+                  </a:schemeClr>
+                </a:solidFill>
+                <a:latin typeface="High Tower Text" panose="02040502050506030303" pitchFamily="18" charset="0"/>
+              </a:rPr>
+              <a:t>random</a:t>
+            </a:r>
+            <a:r>
+              <a:rPr lang="en-US" altLang="zh-CN" sz="4000" dirty="0">
+                <a:solidFill>
+                  <a:schemeClr val="bg1">
+                    <a:lumMod val="75000"/>
+                  </a:schemeClr>
+                </a:solidFill>
+                <a:latin typeface="High Tower Text" panose="02040502050506030303" pitchFamily="18" charset="0"/>
+              </a:rPr>
+              <a:t> number between </a:t>
+            </a:r>
+            <a:r>
+              <a:rPr lang="en-US" altLang="zh-CN" sz="4000" dirty="0">
+                <a:solidFill>
+                  <a:schemeClr val="accent2">
+                    <a:lumMod val="60000"/>
+                    <a:lumOff val="40000"/>
+                  </a:schemeClr>
+                </a:solidFill>
+                <a:latin typeface="High Tower Text" panose="02040502050506030303" pitchFamily="18" charset="0"/>
+              </a:rPr>
+              <a:t>1</a:t>
+            </a:r>
+            <a:r>
+              <a:rPr lang="en-US" altLang="zh-CN" sz="4000" dirty="0">
+                <a:solidFill>
+                  <a:schemeClr val="bg1">
+                    <a:lumMod val="75000"/>
+                  </a:schemeClr>
+                </a:solidFill>
+                <a:latin typeface="High Tower Text" panose="02040502050506030303" pitchFamily="18" charset="0"/>
+              </a:rPr>
+              <a:t> and </a:t>
+            </a:r>
+            <a:r>
+              <a:rPr lang="en-US" altLang="zh-CN" sz="4000" dirty="0">
+                <a:solidFill>
+                  <a:schemeClr val="accent2">
+                    <a:lumMod val="60000"/>
+                    <a:lumOff val="40000"/>
+                  </a:schemeClr>
+                </a:solidFill>
+                <a:latin typeface="High Tower Text" panose="02040502050506030303" pitchFamily="18" charset="0"/>
+              </a:rPr>
+              <a:t>10</a:t>
+            </a:r>
+            <a:endParaRPr lang="zh-CN" altLang="en-US" sz="4000" dirty="0">
+              <a:solidFill>
+                <a:schemeClr val="accent2">
+                  <a:lumMod val="60000"/>
+                  <a:lumOff val="40000"/>
+                </a:schemeClr>
+              </a:solidFill>
+              <a:latin typeface="High Tower Text" panose="02040502050506030303" pitchFamily="18" charset="0"/>
+            </a:endParaRPr>
+          </a:p>
+        </p:txBody>
+      </p:sp>
+    </p:spTree>
+    <p:extLst>
+      <p:ext uri="{BB962C8B-B14F-4D97-AF65-F5344CB8AC3E}">
+        <p14:creationId xmlns:p14="http://schemas.microsoft.com/office/powerpoint/2010/main" val="1996400348"/>
+      </p:ext>
+    </p:extLst>
+  </p:cSld>
+  <p:clrMapOvr>
+    <a:masterClrMapping/>
+  </p:clrMapOvr>
+</p:sld>
+</file>
+
+<file path=ppt/slides/slide37.xml><?xml version="1.0" encoding="utf-8"?>
+<p:sld xmlns:a="http://schemas.openxmlformats.org/drawingml/2006/main" xmlns:r="http://schemas.openxmlformats.org/officeDocument/2006/relationships" xmlns:p="http://schemas.openxmlformats.org/presentationml/2006/main">
+  <p:cSld>
+    <p:spTree>
+      <p:nvGrpSpPr>
+        <p:cNvPr id="1" name="">
+          <a:extLst>
+            <a:ext uri="{FF2B5EF4-FFF2-40B4-BE49-F238E27FC236}">
+              <a16:creationId xmlns:a16="http://schemas.microsoft.com/office/drawing/2014/main" id="{2FE646C9-1B2B-F102-A6FB-1BF37585BA0D}"/>
+            </a:ext>
+          </a:extLst>
+        </p:cNvPr>
+        <p:cNvGrpSpPr/>
+        <p:nvPr/>
+      </p:nvGrpSpPr>
+      <p:grpSpPr>
+        <a:xfrm>
+          <a:off x="0" y="0"/>
+          <a:ext cx="0" cy="0"/>
+          <a:chOff x="0" y="0"/>
+          <a:chExt cx="0" cy="0"/>
+        </a:xfrm>
+      </p:grpSpPr>
+      <p:sp>
+        <p:nvSpPr>
+          <p:cNvPr id="6" name="Rectangle 5">
+            <a:extLst>
+              <a:ext uri="{FF2B5EF4-FFF2-40B4-BE49-F238E27FC236}">
+                <a16:creationId xmlns:a16="http://schemas.microsoft.com/office/drawing/2014/main" id="{C6E73EFF-0154-7598-E3A3-10ACBCF6FB86}"/>
+              </a:ext>
+            </a:extLst>
+          </p:cNvPr>
+          <p:cNvSpPr/>
+          <p:nvPr/>
+        </p:nvSpPr>
+        <p:spPr>
+          <a:xfrm>
+            <a:off x="0" y="0"/>
+            <a:ext cx="12192000" cy="6858000"/>
+          </a:xfrm>
+          <a:prstGeom prst="rect">
+            <a:avLst/>
+          </a:prstGeom>
+          <a:solidFill>
+            <a:srgbClr val="23242A"/>
+          </a:solidFill>
+          <a:ln>
+            <a:noFill/>
+          </a:ln>
+        </p:spPr>
+        <p:style>
+          <a:lnRef idx="2">
+            <a:schemeClr val="accent1">
+              <a:shade val="15000"/>
+            </a:schemeClr>
+          </a:lnRef>
+          <a:fillRef idx="1">
+            <a:schemeClr val="accent1"/>
+          </a:fillRef>
+          <a:effectRef idx="0">
+            <a:schemeClr val="accent1"/>
+          </a:effectRef>
+          <a:fontRef idx="minor">
+            <a:schemeClr val="lt1"/>
+          </a:fontRef>
+        </p:style>
+        <p:txBody>
+          <a:bodyPr rtlCol="0" anchor="ctr"/>
+          <a:lstStyle/>
+          <a:p>
+            <a:pPr algn="ctr"/>
+            <a:endParaRPr lang="zh-CN" altLang="en-US" dirty="0"/>
+          </a:p>
+        </p:txBody>
+      </p:sp>
+      <p:sp>
+        <p:nvSpPr>
+          <p:cNvPr id="2" name="Slide Number Placeholder 1">
+            <a:extLst>
+              <a:ext uri="{FF2B5EF4-FFF2-40B4-BE49-F238E27FC236}">
+                <a16:creationId xmlns:a16="http://schemas.microsoft.com/office/drawing/2014/main" id="{793E1750-4896-4B3C-9052-8B847C2803E6}"/>
+              </a:ext>
+            </a:extLst>
+          </p:cNvPr>
+          <p:cNvSpPr>
+            <a:spLocks noGrp="1"/>
+          </p:cNvSpPr>
+          <p:nvPr>
+            <p:ph type="sldNum" sz="quarter" idx="12"/>
+          </p:nvPr>
+        </p:nvSpPr>
+        <p:spPr>
+          <a:xfrm>
+            <a:off x="9057739" y="6259509"/>
+            <a:ext cx="2743200" cy="365125"/>
+          </a:xfrm>
+        </p:spPr>
+        <p:txBody>
+          <a:bodyPr/>
+          <a:lstStyle/>
+          <a:p>
+            <a:fld id="{9B1EC109-1E15-4BCA-93B5-56442BB3443E}" type="slidenum">
+              <a:rPr lang="zh-CN" altLang="en-US" sz="2400" b="1" smtClean="0">
+                <a:solidFill>
+                  <a:schemeClr val="bg1">
+                    <a:lumMod val="65000"/>
+                  </a:schemeClr>
+                </a:solidFill>
+                <a:latin typeface="Bradley Hand ITC" panose="03070402050302030203" pitchFamily="66" charset="0"/>
+              </a:rPr>
+              <a:t>37</a:t>
+            </a:fld>
+            <a:endParaRPr lang="zh-CN" altLang="en-US" sz="2400" b="1" dirty="0">
+              <a:solidFill>
+                <a:schemeClr val="bg1">
+                  <a:lumMod val="65000"/>
+                </a:schemeClr>
+              </a:solidFill>
+              <a:latin typeface="Bradley Hand ITC" panose="03070402050302030203" pitchFamily="66" charset="0"/>
+            </a:endParaRPr>
+          </a:p>
+        </p:txBody>
+      </p:sp>
+      <p:sp>
+        <p:nvSpPr>
+          <p:cNvPr id="4" name="Google Shape;867;p33">
+            <a:extLst>
+              <a:ext uri="{FF2B5EF4-FFF2-40B4-BE49-F238E27FC236}">
+                <a16:creationId xmlns:a16="http://schemas.microsoft.com/office/drawing/2014/main" id="{45D87F30-AC42-1F2E-4444-4E5BAAC65FDA}"/>
+              </a:ext>
+            </a:extLst>
+          </p:cNvPr>
+          <p:cNvSpPr txBox="1">
+            <a:spLocks/>
+          </p:cNvSpPr>
+          <p:nvPr/>
+        </p:nvSpPr>
+        <p:spPr>
+          <a:xfrm>
+            <a:off x="2222600" y="143850"/>
+            <a:ext cx="7746800" cy="1602400"/>
+          </a:xfrm>
+          <a:prstGeom prst="rect">
+            <a:avLst/>
+          </a:prstGeom>
+          <a:noFill/>
+          <a:ln>
+            <a:noFill/>
+          </a:ln>
+        </p:spPr>
+        <p:txBody>
+          <a:bodyPr spcFirstLastPara="1" wrap="square" lIns="91425" tIns="91425" rIns="91425" bIns="91425" anchor="b" anchorCtr="0">
+            <a:noAutofit/>
+          </a:bodyPr>
+          <a:lstStyle>
+            <a:defPPr marR="0" lvl="0" algn="l" rtl="0">
+              <a:lnSpc>
+                <a:spcPct val="100000"/>
+              </a:lnSpc>
+              <a:spcBef>
+                <a:spcPts val="0"/>
+              </a:spcBef>
+              <a:spcAft>
+                <a:spcPts val="0"/>
+              </a:spcAft>
+            </a:defPPr>
+            <a:lvl1pPr marR="0" lvl="0" algn="l" rtl="0">
+              <a:lnSpc>
+                <a:spcPct val="100000"/>
+              </a:lnSpc>
+              <a:spcBef>
+                <a:spcPts val="0"/>
+              </a:spcBef>
+              <a:spcAft>
+                <a:spcPts val="0"/>
+              </a:spcAft>
+              <a:buClr>
+                <a:schemeClr val="dk1"/>
+              </a:buClr>
+              <a:buSzPts val="3600"/>
+              <a:buFont typeface="Barlow"/>
+              <a:buNone/>
+              <a:defRPr sz="7200" b="1" i="0" u="none" strike="noStrike" cap="none">
+                <a:solidFill>
+                  <a:schemeClr val="dk1"/>
+                </a:solidFill>
+                <a:latin typeface="Barlow"/>
+                <a:ea typeface="Barlow"/>
+                <a:cs typeface="Barlow"/>
+                <a:sym typeface="Barlow"/>
+              </a:defRPr>
+            </a:lvl1pPr>
+            <a:lvl2pPr marR="0" lvl="1" algn="ctr" rtl="0">
+              <a:lnSpc>
+                <a:spcPct val="100000"/>
+              </a:lnSpc>
+              <a:spcBef>
+                <a:spcPts val="0"/>
+              </a:spcBef>
+              <a:spcAft>
+                <a:spcPts val="0"/>
+              </a:spcAft>
+              <a:buClr>
+                <a:schemeClr val="dk1"/>
+              </a:buClr>
+              <a:buSzPts val="3600"/>
+              <a:buFont typeface="Barlow"/>
+              <a:buNone/>
+              <a:defRPr sz="3600" b="1" i="0" u="none" strike="noStrike" cap="none">
+                <a:solidFill>
+                  <a:schemeClr val="dk1"/>
+                </a:solidFill>
+                <a:latin typeface="Barlow"/>
+                <a:ea typeface="Barlow"/>
+                <a:cs typeface="Barlow"/>
+                <a:sym typeface="Barlow"/>
+              </a:defRPr>
+            </a:lvl2pPr>
+            <a:lvl3pPr marR="0" lvl="2" algn="ctr" rtl="0">
+              <a:lnSpc>
+                <a:spcPct val="100000"/>
+              </a:lnSpc>
+              <a:spcBef>
+                <a:spcPts val="0"/>
+              </a:spcBef>
+              <a:spcAft>
+                <a:spcPts val="0"/>
+              </a:spcAft>
+              <a:buClr>
+                <a:schemeClr val="dk1"/>
+              </a:buClr>
+              <a:buSzPts val="3600"/>
+              <a:buFont typeface="Barlow"/>
+              <a:buNone/>
+              <a:defRPr sz="3600" b="1" i="0" u="none" strike="noStrike" cap="none">
+                <a:solidFill>
+                  <a:schemeClr val="dk1"/>
+                </a:solidFill>
+                <a:latin typeface="Barlow"/>
+                <a:ea typeface="Barlow"/>
+                <a:cs typeface="Barlow"/>
+                <a:sym typeface="Barlow"/>
+              </a:defRPr>
+            </a:lvl3pPr>
+            <a:lvl4pPr marR="0" lvl="3" algn="ctr" rtl="0">
+              <a:lnSpc>
+                <a:spcPct val="100000"/>
+              </a:lnSpc>
+              <a:spcBef>
+                <a:spcPts val="0"/>
+              </a:spcBef>
+              <a:spcAft>
+                <a:spcPts val="0"/>
+              </a:spcAft>
+              <a:buClr>
+                <a:schemeClr val="dk1"/>
+              </a:buClr>
+              <a:buSzPts val="3600"/>
+              <a:buFont typeface="Barlow"/>
+              <a:buNone/>
+              <a:defRPr sz="3600" b="1" i="0" u="none" strike="noStrike" cap="none">
+                <a:solidFill>
+                  <a:schemeClr val="dk1"/>
+                </a:solidFill>
+                <a:latin typeface="Barlow"/>
+                <a:ea typeface="Barlow"/>
+                <a:cs typeface="Barlow"/>
+                <a:sym typeface="Barlow"/>
+              </a:defRPr>
+            </a:lvl4pPr>
+            <a:lvl5pPr marR="0" lvl="4" algn="ctr" rtl="0">
+              <a:lnSpc>
+                <a:spcPct val="100000"/>
+              </a:lnSpc>
+              <a:spcBef>
+                <a:spcPts val="0"/>
+              </a:spcBef>
+              <a:spcAft>
+                <a:spcPts val="0"/>
+              </a:spcAft>
+              <a:buClr>
+                <a:schemeClr val="dk1"/>
+              </a:buClr>
+              <a:buSzPts val="3600"/>
+              <a:buFont typeface="Barlow"/>
+              <a:buNone/>
+              <a:defRPr sz="3600" b="1" i="0" u="none" strike="noStrike" cap="none">
+                <a:solidFill>
+                  <a:schemeClr val="dk1"/>
+                </a:solidFill>
+                <a:latin typeface="Barlow"/>
+                <a:ea typeface="Barlow"/>
+                <a:cs typeface="Barlow"/>
+                <a:sym typeface="Barlow"/>
+              </a:defRPr>
+            </a:lvl5pPr>
+            <a:lvl6pPr marR="0" lvl="5" algn="ctr" rtl="0">
+              <a:lnSpc>
+                <a:spcPct val="100000"/>
+              </a:lnSpc>
+              <a:spcBef>
+                <a:spcPts val="0"/>
+              </a:spcBef>
+              <a:spcAft>
+                <a:spcPts val="0"/>
+              </a:spcAft>
+              <a:buClr>
+                <a:schemeClr val="dk1"/>
+              </a:buClr>
+              <a:buSzPts val="3600"/>
+              <a:buFont typeface="Barlow"/>
+              <a:buNone/>
+              <a:defRPr sz="3600" b="1" i="0" u="none" strike="noStrike" cap="none">
+                <a:solidFill>
+                  <a:schemeClr val="dk1"/>
+                </a:solidFill>
+                <a:latin typeface="Barlow"/>
+                <a:ea typeface="Barlow"/>
+                <a:cs typeface="Barlow"/>
+                <a:sym typeface="Barlow"/>
+              </a:defRPr>
+            </a:lvl6pPr>
+            <a:lvl7pPr marR="0" lvl="6" algn="ctr" rtl="0">
+              <a:lnSpc>
+                <a:spcPct val="100000"/>
+              </a:lnSpc>
+              <a:spcBef>
+                <a:spcPts val="0"/>
+              </a:spcBef>
+              <a:spcAft>
+                <a:spcPts val="0"/>
+              </a:spcAft>
+              <a:buClr>
+                <a:schemeClr val="dk1"/>
+              </a:buClr>
+              <a:buSzPts val="3600"/>
+              <a:buFont typeface="Barlow"/>
+              <a:buNone/>
+              <a:defRPr sz="3600" b="1" i="0" u="none" strike="noStrike" cap="none">
+                <a:solidFill>
+                  <a:schemeClr val="dk1"/>
+                </a:solidFill>
+                <a:latin typeface="Barlow"/>
+                <a:ea typeface="Barlow"/>
+                <a:cs typeface="Barlow"/>
+                <a:sym typeface="Barlow"/>
+              </a:defRPr>
+            </a:lvl7pPr>
+            <a:lvl8pPr marR="0" lvl="7" algn="ctr" rtl="0">
+              <a:lnSpc>
+                <a:spcPct val="100000"/>
+              </a:lnSpc>
+              <a:spcBef>
+                <a:spcPts val="0"/>
+              </a:spcBef>
+              <a:spcAft>
+                <a:spcPts val="0"/>
+              </a:spcAft>
+              <a:buClr>
+                <a:schemeClr val="dk1"/>
+              </a:buClr>
+              <a:buSzPts val="3600"/>
+              <a:buFont typeface="Barlow"/>
+              <a:buNone/>
+              <a:defRPr sz="3600" b="1" i="0" u="none" strike="noStrike" cap="none">
+                <a:solidFill>
+                  <a:schemeClr val="dk1"/>
+                </a:solidFill>
+                <a:latin typeface="Barlow"/>
+                <a:ea typeface="Barlow"/>
+                <a:cs typeface="Barlow"/>
+                <a:sym typeface="Barlow"/>
+              </a:defRPr>
+            </a:lvl8pPr>
+            <a:lvl9pPr marR="0" lvl="8" algn="ctr" rtl="0">
+              <a:lnSpc>
+                <a:spcPct val="100000"/>
+              </a:lnSpc>
+              <a:spcBef>
+                <a:spcPts val="0"/>
+              </a:spcBef>
+              <a:spcAft>
+                <a:spcPts val="0"/>
+              </a:spcAft>
+              <a:buClr>
+                <a:schemeClr val="dk1"/>
+              </a:buClr>
+              <a:buSzPts val="3600"/>
+              <a:buFont typeface="Barlow"/>
+              <a:buNone/>
+              <a:defRPr sz="3600" b="1" i="0" u="none" strike="noStrike" cap="none">
+                <a:solidFill>
+                  <a:schemeClr val="dk1"/>
+                </a:solidFill>
+                <a:latin typeface="Barlow"/>
+                <a:ea typeface="Barlow"/>
+                <a:cs typeface="Barlow"/>
+                <a:sym typeface="Barlow"/>
+              </a:defRPr>
+            </a:lvl9pPr>
+          </a:lstStyle>
+          <a:p>
+            <a:pPr algn="ctr"/>
+            <a:r>
+              <a:rPr lang="en-US" altLang="zh-CN" sz="8000" spc="300" dirty="0">
+                <a:solidFill>
+                  <a:schemeClr val="accent4">
+                    <a:lumMod val="60000"/>
+                    <a:lumOff val="40000"/>
+                    <a:alpha val="60000"/>
+                  </a:schemeClr>
+                </a:solidFill>
+                <a:latin typeface="Amatic SC" panose="020F0502020204030204" pitchFamily="2" charset="-79"/>
+                <a:cs typeface="Amatic SC" panose="020F0502020204030204" pitchFamily="2" charset="-79"/>
+              </a:rPr>
+              <a:t>Wait randomly</a:t>
+            </a:r>
+          </a:p>
+        </p:txBody>
+      </p:sp>
+      <p:pic>
+        <p:nvPicPr>
+          <p:cNvPr id="7" name="Picture 6">
+            <a:extLst>
+              <a:ext uri="{FF2B5EF4-FFF2-40B4-BE49-F238E27FC236}">
+                <a16:creationId xmlns:a16="http://schemas.microsoft.com/office/drawing/2014/main" id="{94D2D656-ABB7-C217-FA7B-0620838222E3}"/>
+              </a:ext>
+            </a:extLst>
+          </p:cNvPr>
+          <p:cNvPicPr>
+            <a:picLocks noChangeAspect="1"/>
+          </p:cNvPicPr>
+          <p:nvPr/>
+        </p:nvPicPr>
+        <p:blipFill>
+          <a:blip r:embed="rId2">
+            <a:extLst>
+              <a:ext uri="{28A0092B-C50C-407E-A947-70E740481C1C}">
+                <a14:useLocalDpi xmlns:a14="http://schemas.microsoft.com/office/drawing/2010/main" val="0"/>
+              </a:ext>
+            </a:extLst>
+          </a:blip>
+          <a:stretch>
+            <a:fillRect/>
+          </a:stretch>
+        </p:blipFill>
+        <p:spPr>
+          <a:xfrm>
+            <a:off x="1845201" y="2600636"/>
+            <a:ext cx="3114675" cy="1066800"/>
+          </a:xfrm>
+          <a:prstGeom prst="rect">
+            <a:avLst/>
+          </a:prstGeom>
+        </p:spPr>
+      </p:pic>
+      <p:pic>
+        <p:nvPicPr>
+          <p:cNvPr id="12" name="Picture 11">
+            <a:extLst>
+              <a:ext uri="{FF2B5EF4-FFF2-40B4-BE49-F238E27FC236}">
+                <a16:creationId xmlns:a16="http://schemas.microsoft.com/office/drawing/2014/main" id="{00DC8ABB-BF7C-D52E-4DBF-3EC072959E97}"/>
+              </a:ext>
+            </a:extLst>
+          </p:cNvPr>
+          <p:cNvPicPr>
+            <a:picLocks noChangeAspect="1"/>
+          </p:cNvPicPr>
+          <p:nvPr/>
+        </p:nvPicPr>
+        <p:blipFill>
+          <a:blip r:embed="rId3">
+            <a:extLst>
+              <a:ext uri="{28A0092B-C50C-407E-A947-70E740481C1C}">
+                <a14:useLocalDpi xmlns:a14="http://schemas.microsoft.com/office/drawing/2010/main" val="0"/>
+              </a:ext>
+            </a:extLst>
+          </a:blip>
+          <a:stretch>
+            <a:fillRect/>
+          </a:stretch>
+        </p:blipFill>
+        <p:spPr>
+          <a:xfrm>
+            <a:off x="6805076" y="2600636"/>
+            <a:ext cx="4200525" cy="762000"/>
+          </a:xfrm>
+          <a:prstGeom prst="rect">
+            <a:avLst/>
+          </a:prstGeom>
+        </p:spPr>
+      </p:pic>
+      <p:sp>
+        <p:nvSpPr>
+          <p:cNvPr id="13" name="Arc 12">
+            <a:extLst>
+              <a:ext uri="{FF2B5EF4-FFF2-40B4-BE49-F238E27FC236}">
+                <a16:creationId xmlns:a16="http://schemas.microsoft.com/office/drawing/2014/main" id="{489D5A9B-BAD1-7EC6-9C82-B5A898F3F96F}"/>
+              </a:ext>
+            </a:extLst>
+          </p:cNvPr>
+          <p:cNvSpPr/>
+          <p:nvPr/>
+        </p:nvSpPr>
+        <p:spPr>
+          <a:xfrm rot="7921796">
+            <a:off x="1937999" y="-3516460"/>
+            <a:ext cx="8019265" cy="8528629"/>
+          </a:xfrm>
+          <a:prstGeom prst="arc">
+            <a:avLst/>
+          </a:prstGeom>
+          <a:ln w="50800">
+            <a:solidFill>
+              <a:schemeClr val="bg1">
+                <a:lumMod val="75000"/>
+              </a:schemeClr>
+            </a:solidFill>
+            <a:prstDash val="sysDash"/>
+            <a:tailEnd type="triangle"/>
+          </a:ln>
+        </p:spPr>
+        <p:style>
+          <a:lnRef idx="1">
+            <a:schemeClr val="accent1"/>
+          </a:lnRef>
+          <a:fillRef idx="0">
+            <a:schemeClr val="accent1"/>
+          </a:fillRef>
+          <a:effectRef idx="0">
+            <a:schemeClr val="accent1"/>
+          </a:effectRef>
+          <a:fontRef idx="minor">
+            <a:schemeClr val="tx1"/>
+          </a:fontRef>
+        </p:style>
+        <p:txBody>
+          <a:bodyPr rtlCol="0" anchor="ctr"/>
+          <a:lstStyle/>
+          <a:p>
+            <a:pPr algn="ctr"/>
+            <a:endParaRPr lang="zh-CN" altLang="en-US"/>
+          </a:p>
+        </p:txBody>
+      </p:sp>
+      <p:sp>
+        <p:nvSpPr>
+          <p:cNvPr id="14" name="TextBox 13">
+            <a:extLst>
+              <a:ext uri="{FF2B5EF4-FFF2-40B4-BE49-F238E27FC236}">
+                <a16:creationId xmlns:a16="http://schemas.microsoft.com/office/drawing/2014/main" id="{9C83DA65-8952-1C8E-F08A-DD2923168694}"/>
+              </a:ext>
+            </a:extLst>
+          </p:cNvPr>
+          <p:cNvSpPr txBox="1"/>
+          <p:nvPr/>
+        </p:nvSpPr>
+        <p:spPr>
+          <a:xfrm>
+            <a:off x="2345803" y="5261997"/>
+            <a:ext cx="7874644" cy="954107"/>
+          </a:xfrm>
+          <a:prstGeom prst="rect">
+            <a:avLst/>
+          </a:prstGeom>
+          <a:noFill/>
+        </p:spPr>
+        <p:txBody>
+          <a:bodyPr wrap="square" rtlCol="0">
+            <a:spAutoFit/>
+          </a:bodyPr>
+          <a:lstStyle/>
+          <a:p>
+            <a:pPr algn="ctr"/>
+            <a:r>
+              <a:rPr lang="en-US" altLang="zh-CN" sz="2800" dirty="0">
+                <a:solidFill>
+                  <a:schemeClr val="bg1">
+                    <a:lumMod val="75000"/>
+                  </a:schemeClr>
+                </a:solidFill>
+                <a:latin typeface="High Tower Text" panose="02040502050506030303" pitchFamily="18" charset="0"/>
+              </a:rPr>
+              <a:t>Rectangle block with rounded corners can be put inside rectangle slots with rounded corners</a:t>
+            </a:r>
+            <a:endParaRPr lang="zh-CN" altLang="en-US" sz="2800" dirty="0">
+              <a:solidFill>
+                <a:schemeClr val="bg1">
+                  <a:lumMod val="75000"/>
+                </a:schemeClr>
+              </a:solidFill>
+              <a:latin typeface="High Tower Text" panose="02040502050506030303" pitchFamily="18" charset="0"/>
+            </a:endParaRPr>
+          </a:p>
+        </p:txBody>
+      </p:sp>
+    </p:spTree>
+    <p:extLst>
+      <p:ext uri="{BB962C8B-B14F-4D97-AF65-F5344CB8AC3E}">
+        <p14:creationId xmlns:p14="http://schemas.microsoft.com/office/powerpoint/2010/main" val="1056828464"/>
+      </p:ext>
+    </p:extLst>
+  </p:cSld>
+  <p:clrMapOvr>
+    <a:masterClrMapping/>
+  </p:clrMapOvr>
+</p:sld>
+</file>
+
+<file path=ppt/slides/slide38.xml><?xml version="1.0" encoding="utf-8"?>
+<p:sld xmlns:a="http://schemas.openxmlformats.org/drawingml/2006/main" xmlns:r="http://schemas.openxmlformats.org/officeDocument/2006/relationships" xmlns:p="http://schemas.openxmlformats.org/presentationml/2006/main">
+  <p:cSld>
+    <p:spTree>
+      <p:nvGrpSpPr>
+        <p:cNvPr id="1" name="">
+          <a:extLst>
+            <a:ext uri="{FF2B5EF4-FFF2-40B4-BE49-F238E27FC236}">
+              <a16:creationId xmlns:a16="http://schemas.microsoft.com/office/drawing/2014/main" id="{EAD825B8-A071-80DC-6C6A-D60D364BD0EE}"/>
+            </a:ext>
+          </a:extLst>
+        </p:cNvPr>
+        <p:cNvGrpSpPr/>
+        <p:nvPr/>
+      </p:nvGrpSpPr>
+      <p:grpSpPr>
+        <a:xfrm>
+          <a:off x="0" y="0"/>
+          <a:ext cx="0" cy="0"/>
+          <a:chOff x="0" y="0"/>
+          <a:chExt cx="0" cy="0"/>
+        </a:xfrm>
+      </p:grpSpPr>
+      <p:sp>
+        <p:nvSpPr>
+          <p:cNvPr id="6" name="Rectangle 5">
+            <a:extLst>
+              <a:ext uri="{FF2B5EF4-FFF2-40B4-BE49-F238E27FC236}">
+                <a16:creationId xmlns:a16="http://schemas.microsoft.com/office/drawing/2014/main" id="{5E7C25C1-3574-9BA5-7797-70B2E06E0CC4}"/>
+              </a:ext>
+            </a:extLst>
+          </p:cNvPr>
+          <p:cNvSpPr/>
+          <p:nvPr/>
+        </p:nvSpPr>
+        <p:spPr>
+          <a:xfrm>
+            <a:off x="0" y="0"/>
+            <a:ext cx="12192000" cy="6858000"/>
+          </a:xfrm>
+          <a:prstGeom prst="rect">
+            <a:avLst/>
+          </a:prstGeom>
+          <a:solidFill>
+            <a:srgbClr val="23242A"/>
+          </a:solidFill>
+          <a:ln>
+            <a:noFill/>
+          </a:ln>
+        </p:spPr>
+        <p:style>
+          <a:lnRef idx="2">
+            <a:schemeClr val="accent1">
+              <a:shade val="15000"/>
+            </a:schemeClr>
+          </a:lnRef>
+          <a:fillRef idx="1">
+            <a:schemeClr val="accent1"/>
+          </a:fillRef>
+          <a:effectRef idx="0">
+            <a:schemeClr val="accent1"/>
+          </a:effectRef>
+          <a:fontRef idx="minor">
+            <a:schemeClr val="lt1"/>
+          </a:fontRef>
+        </p:style>
+        <p:txBody>
+          <a:bodyPr rtlCol="0" anchor="ctr"/>
+          <a:lstStyle/>
+          <a:p>
+            <a:pPr algn="ctr"/>
+            <a:endParaRPr lang="zh-CN" altLang="en-US" dirty="0"/>
+          </a:p>
+        </p:txBody>
+      </p:sp>
+      <p:sp>
+        <p:nvSpPr>
+          <p:cNvPr id="2" name="Slide Number Placeholder 1">
+            <a:extLst>
+              <a:ext uri="{FF2B5EF4-FFF2-40B4-BE49-F238E27FC236}">
+                <a16:creationId xmlns:a16="http://schemas.microsoft.com/office/drawing/2014/main" id="{F1AECE8A-317E-4B5C-41FC-A12DA331A95F}"/>
+              </a:ext>
+            </a:extLst>
+          </p:cNvPr>
+          <p:cNvSpPr>
+            <a:spLocks noGrp="1"/>
+          </p:cNvSpPr>
+          <p:nvPr>
+            <p:ph type="sldNum" sz="quarter" idx="12"/>
+          </p:nvPr>
+        </p:nvSpPr>
+        <p:spPr>
+          <a:xfrm>
+            <a:off x="9057739" y="6259509"/>
+            <a:ext cx="2743200" cy="365125"/>
+          </a:xfrm>
+        </p:spPr>
+        <p:txBody>
+          <a:bodyPr/>
+          <a:lstStyle/>
+          <a:p>
+            <a:fld id="{9B1EC109-1E15-4BCA-93B5-56442BB3443E}" type="slidenum">
+              <a:rPr lang="zh-CN" altLang="en-US" sz="2400" b="1" smtClean="0">
+                <a:solidFill>
+                  <a:schemeClr val="bg1">
+                    <a:lumMod val="65000"/>
+                  </a:schemeClr>
+                </a:solidFill>
+                <a:latin typeface="Bradley Hand ITC" panose="03070402050302030203" pitchFamily="66" charset="0"/>
+              </a:rPr>
+              <a:t>38</a:t>
+            </a:fld>
+            <a:endParaRPr lang="zh-CN" altLang="en-US" sz="2400" b="1" dirty="0">
+              <a:solidFill>
+                <a:schemeClr val="bg1">
+                  <a:lumMod val="65000"/>
+                </a:schemeClr>
+              </a:solidFill>
+              <a:latin typeface="Bradley Hand ITC" panose="03070402050302030203" pitchFamily="66" charset="0"/>
+            </a:endParaRPr>
+          </a:p>
+        </p:txBody>
+      </p:sp>
+      <p:sp>
+        <p:nvSpPr>
+          <p:cNvPr id="4" name="Google Shape;867;p33">
+            <a:extLst>
+              <a:ext uri="{FF2B5EF4-FFF2-40B4-BE49-F238E27FC236}">
+                <a16:creationId xmlns:a16="http://schemas.microsoft.com/office/drawing/2014/main" id="{425B10EB-A6B9-F687-006B-A654DFA51773}"/>
+              </a:ext>
+            </a:extLst>
+          </p:cNvPr>
+          <p:cNvSpPr txBox="1">
+            <a:spLocks/>
+          </p:cNvSpPr>
+          <p:nvPr/>
+        </p:nvSpPr>
+        <p:spPr>
+          <a:xfrm>
+            <a:off x="2222600" y="143850"/>
+            <a:ext cx="7746800" cy="1602400"/>
+          </a:xfrm>
+          <a:prstGeom prst="rect">
+            <a:avLst/>
+          </a:prstGeom>
+          <a:noFill/>
+          <a:ln>
+            <a:noFill/>
+          </a:ln>
+        </p:spPr>
+        <p:txBody>
+          <a:bodyPr spcFirstLastPara="1" wrap="square" lIns="91425" tIns="91425" rIns="91425" bIns="91425" anchor="b" anchorCtr="0">
+            <a:noAutofit/>
+          </a:bodyPr>
+          <a:lstStyle>
+            <a:defPPr marR="0" lvl="0" algn="l" rtl="0">
+              <a:lnSpc>
+                <a:spcPct val="100000"/>
+              </a:lnSpc>
+              <a:spcBef>
+                <a:spcPts val="0"/>
+              </a:spcBef>
+              <a:spcAft>
+                <a:spcPts val="0"/>
+              </a:spcAft>
+            </a:defPPr>
+            <a:lvl1pPr marR="0" lvl="0" algn="l" rtl="0">
+              <a:lnSpc>
+                <a:spcPct val="100000"/>
+              </a:lnSpc>
+              <a:spcBef>
+                <a:spcPts val="0"/>
+              </a:spcBef>
+              <a:spcAft>
+                <a:spcPts val="0"/>
+              </a:spcAft>
+              <a:buClr>
+                <a:schemeClr val="dk1"/>
+              </a:buClr>
+              <a:buSzPts val="3600"/>
+              <a:buFont typeface="Barlow"/>
+              <a:buNone/>
+              <a:defRPr sz="7200" b="1" i="0" u="none" strike="noStrike" cap="none">
+                <a:solidFill>
+                  <a:schemeClr val="dk1"/>
+                </a:solidFill>
+                <a:latin typeface="Barlow"/>
+                <a:ea typeface="Barlow"/>
+                <a:cs typeface="Barlow"/>
+                <a:sym typeface="Barlow"/>
+              </a:defRPr>
+            </a:lvl1pPr>
+            <a:lvl2pPr marR="0" lvl="1" algn="ctr" rtl="0">
+              <a:lnSpc>
+                <a:spcPct val="100000"/>
+              </a:lnSpc>
+              <a:spcBef>
+                <a:spcPts val="0"/>
+              </a:spcBef>
+              <a:spcAft>
+                <a:spcPts val="0"/>
+              </a:spcAft>
+              <a:buClr>
+                <a:schemeClr val="dk1"/>
+              </a:buClr>
+              <a:buSzPts val="3600"/>
+              <a:buFont typeface="Barlow"/>
+              <a:buNone/>
+              <a:defRPr sz="3600" b="1" i="0" u="none" strike="noStrike" cap="none">
+                <a:solidFill>
+                  <a:schemeClr val="dk1"/>
+                </a:solidFill>
+                <a:latin typeface="Barlow"/>
+                <a:ea typeface="Barlow"/>
+                <a:cs typeface="Barlow"/>
+                <a:sym typeface="Barlow"/>
+              </a:defRPr>
+            </a:lvl2pPr>
+            <a:lvl3pPr marR="0" lvl="2" algn="ctr" rtl="0">
+              <a:lnSpc>
+                <a:spcPct val="100000"/>
+              </a:lnSpc>
+              <a:spcBef>
+                <a:spcPts val="0"/>
+              </a:spcBef>
+              <a:spcAft>
+                <a:spcPts val="0"/>
+              </a:spcAft>
+              <a:buClr>
+                <a:schemeClr val="dk1"/>
+              </a:buClr>
+              <a:buSzPts val="3600"/>
+              <a:buFont typeface="Barlow"/>
+              <a:buNone/>
+              <a:defRPr sz="3600" b="1" i="0" u="none" strike="noStrike" cap="none">
+                <a:solidFill>
+                  <a:schemeClr val="dk1"/>
+                </a:solidFill>
+                <a:latin typeface="Barlow"/>
+                <a:ea typeface="Barlow"/>
+                <a:cs typeface="Barlow"/>
+                <a:sym typeface="Barlow"/>
+              </a:defRPr>
+            </a:lvl3pPr>
+            <a:lvl4pPr marR="0" lvl="3" algn="ctr" rtl="0">
+              <a:lnSpc>
+                <a:spcPct val="100000"/>
+              </a:lnSpc>
+              <a:spcBef>
+                <a:spcPts val="0"/>
+              </a:spcBef>
+              <a:spcAft>
+                <a:spcPts val="0"/>
+              </a:spcAft>
+              <a:buClr>
+                <a:schemeClr val="dk1"/>
+              </a:buClr>
+              <a:buSzPts val="3600"/>
+              <a:buFont typeface="Barlow"/>
+              <a:buNone/>
+              <a:defRPr sz="3600" b="1" i="0" u="none" strike="noStrike" cap="none">
+                <a:solidFill>
+                  <a:schemeClr val="dk1"/>
+                </a:solidFill>
+                <a:latin typeface="Barlow"/>
+                <a:ea typeface="Barlow"/>
+                <a:cs typeface="Barlow"/>
+                <a:sym typeface="Barlow"/>
+              </a:defRPr>
+            </a:lvl4pPr>
+            <a:lvl5pPr marR="0" lvl="4" algn="ctr" rtl="0">
+              <a:lnSpc>
+                <a:spcPct val="100000"/>
+              </a:lnSpc>
+              <a:spcBef>
+                <a:spcPts val="0"/>
+              </a:spcBef>
+              <a:spcAft>
+                <a:spcPts val="0"/>
+              </a:spcAft>
+              <a:buClr>
+                <a:schemeClr val="dk1"/>
+              </a:buClr>
+              <a:buSzPts val="3600"/>
+              <a:buFont typeface="Barlow"/>
+              <a:buNone/>
+              <a:defRPr sz="3600" b="1" i="0" u="none" strike="noStrike" cap="none">
+                <a:solidFill>
+                  <a:schemeClr val="dk1"/>
+                </a:solidFill>
+                <a:latin typeface="Barlow"/>
+                <a:ea typeface="Barlow"/>
+                <a:cs typeface="Barlow"/>
+                <a:sym typeface="Barlow"/>
+              </a:defRPr>
+            </a:lvl5pPr>
+            <a:lvl6pPr marR="0" lvl="5" algn="ctr" rtl="0">
+              <a:lnSpc>
+                <a:spcPct val="100000"/>
+              </a:lnSpc>
+              <a:spcBef>
+                <a:spcPts val="0"/>
+              </a:spcBef>
+              <a:spcAft>
+                <a:spcPts val="0"/>
+              </a:spcAft>
+              <a:buClr>
+                <a:schemeClr val="dk1"/>
+              </a:buClr>
+              <a:buSzPts val="3600"/>
+              <a:buFont typeface="Barlow"/>
+              <a:buNone/>
+              <a:defRPr sz="3600" b="1" i="0" u="none" strike="noStrike" cap="none">
+                <a:solidFill>
+                  <a:schemeClr val="dk1"/>
+                </a:solidFill>
+                <a:latin typeface="Barlow"/>
+                <a:ea typeface="Barlow"/>
+                <a:cs typeface="Barlow"/>
+                <a:sym typeface="Barlow"/>
+              </a:defRPr>
+            </a:lvl6pPr>
+            <a:lvl7pPr marR="0" lvl="6" algn="ctr" rtl="0">
+              <a:lnSpc>
+                <a:spcPct val="100000"/>
+              </a:lnSpc>
+              <a:spcBef>
+                <a:spcPts val="0"/>
+              </a:spcBef>
+              <a:spcAft>
+                <a:spcPts val="0"/>
+              </a:spcAft>
+              <a:buClr>
+                <a:schemeClr val="dk1"/>
+              </a:buClr>
+              <a:buSzPts val="3600"/>
+              <a:buFont typeface="Barlow"/>
+              <a:buNone/>
+              <a:defRPr sz="3600" b="1" i="0" u="none" strike="noStrike" cap="none">
+                <a:solidFill>
+                  <a:schemeClr val="dk1"/>
+                </a:solidFill>
+                <a:latin typeface="Barlow"/>
+                <a:ea typeface="Barlow"/>
+                <a:cs typeface="Barlow"/>
+                <a:sym typeface="Barlow"/>
+              </a:defRPr>
+            </a:lvl7pPr>
+            <a:lvl8pPr marR="0" lvl="7" algn="ctr" rtl="0">
+              <a:lnSpc>
+                <a:spcPct val="100000"/>
+              </a:lnSpc>
+              <a:spcBef>
+                <a:spcPts val="0"/>
+              </a:spcBef>
+              <a:spcAft>
+                <a:spcPts val="0"/>
+              </a:spcAft>
+              <a:buClr>
+                <a:schemeClr val="dk1"/>
+              </a:buClr>
+              <a:buSzPts val="3600"/>
+              <a:buFont typeface="Barlow"/>
+              <a:buNone/>
+              <a:defRPr sz="3600" b="1" i="0" u="none" strike="noStrike" cap="none">
+                <a:solidFill>
+                  <a:schemeClr val="dk1"/>
+                </a:solidFill>
+                <a:latin typeface="Barlow"/>
+                <a:ea typeface="Barlow"/>
+                <a:cs typeface="Barlow"/>
+                <a:sym typeface="Barlow"/>
+              </a:defRPr>
+            </a:lvl8pPr>
+            <a:lvl9pPr marR="0" lvl="8" algn="ctr" rtl="0">
+              <a:lnSpc>
+                <a:spcPct val="100000"/>
+              </a:lnSpc>
+              <a:spcBef>
+                <a:spcPts val="0"/>
+              </a:spcBef>
+              <a:spcAft>
+                <a:spcPts val="0"/>
+              </a:spcAft>
+              <a:buClr>
+                <a:schemeClr val="dk1"/>
+              </a:buClr>
+              <a:buSzPts val="3600"/>
+              <a:buFont typeface="Barlow"/>
+              <a:buNone/>
+              <a:defRPr sz="3600" b="1" i="0" u="none" strike="noStrike" cap="none">
+                <a:solidFill>
+                  <a:schemeClr val="dk1"/>
+                </a:solidFill>
+                <a:latin typeface="Barlow"/>
+                <a:ea typeface="Barlow"/>
+                <a:cs typeface="Barlow"/>
+                <a:sym typeface="Barlow"/>
+              </a:defRPr>
+            </a:lvl9pPr>
+          </a:lstStyle>
+          <a:p>
+            <a:pPr algn="ctr"/>
+            <a:r>
+              <a:rPr lang="en-US" altLang="zh-CN" sz="8000" spc="300" dirty="0">
+                <a:solidFill>
+                  <a:schemeClr val="accent4">
+                    <a:lumMod val="60000"/>
+                    <a:lumOff val="40000"/>
+                    <a:alpha val="60000"/>
+                  </a:schemeClr>
+                </a:solidFill>
+                <a:latin typeface="Amatic SC" panose="020F0502020204030204" pitchFamily="2" charset="-79"/>
+                <a:cs typeface="Amatic SC" panose="020F0502020204030204" pitchFamily="2" charset="-79"/>
+              </a:rPr>
+              <a:t>Wait randomly</a:t>
+            </a:r>
+          </a:p>
+        </p:txBody>
+      </p:sp>
+      <p:pic>
+        <p:nvPicPr>
+          <p:cNvPr id="3" name="Picture 2">
+            <a:extLst>
+              <a:ext uri="{FF2B5EF4-FFF2-40B4-BE49-F238E27FC236}">
+                <a16:creationId xmlns:a16="http://schemas.microsoft.com/office/drawing/2014/main" id="{8032EC0B-42D6-0B2E-625C-2D5B52D53FAA}"/>
+              </a:ext>
+            </a:extLst>
+          </p:cNvPr>
+          <p:cNvPicPr>
+            <a:picLocks noChangeAspect="1"/>
+          </p:cNvPicPr>
+          <p:nvPr/>
+        </p:nvPicPr>
+        <p:blipFill>
+          <a:blip r:embed="rId2">
+            <a:extLst>
+              <a:ext uri="{28A0092B-C50C-407E-A947-70E740481C1C}">
+                <a14:useLocalDpi xmlns:a14="http://schemas.microsoft.com/office/drawing/2010/main" val="0"/>
+              </a:ext>
+            </a:extLst>
+          </a:blip>
+          <a:stretch>
+            <a:fillRect/>
+          </a:stretch>
+        </p:blipFill>
+        <p:spPr>
+          <a:xfrm>
+            <a:off x="1757780" y="2086307"/>
+            <a:ext cx="2868608" cy="4169705"/>
+          </a:xfrm>
+          <a:prstGeom prst="rect">
+            <a:avLst/>
+          </a:prstGeom>
+        </p:spPr>
+      </p:pic>
+      <p:pic>
+        <p:nvPicPr>
+          <p:cNvPr id="8" name="Picture 7">
+            <a:extLst>
+              <a:ext uri="{FF2B5EF4-FFF2-40B4-BE49-F238E27FC236}">
+                <a16:creationId xmlns:a16="http://schemas.microsoft.com/office/drawing/2014/main" id="{36A4442F-EBB0-329F-4F26-2CC280074179}"/>
+              </a:ext>
+            </a:extLst>
+          </p:cNvPr>
+          <p:cNvPicPr>
+            <a:picLocks noChangeAspect="1"/>
+          </p:cNvPicPr>
+          <p:nvPr/>
+        </p:nvPicPr>
+        <p:blipFill>
+          <a:blip r:embed="rId3">
+            <a:extLst>
+              <a:ext uri="{28A0092B-C50C-407E-A947-70E740481C1C}">
+                <a14:useLocalDpi xmlns:a14="http://schemas.microsoft.com/office/drawing/2010/main" val="0"/>
+              </a:ext>
+            </a:extLst>
+          </a:blip>
+          <a:stretch>
+            <a:fillRect/>
+          </a:stretch>
+        </p:blipFill>
+        <p:spPr>
+          <a:xfrm>
+            <a:off x="6827287" y="2086308"/>
+            <a:ext cx="4460903" cy="4169705"/>
+          </a:xfrm>
+          <a:prstGeom prst="rect">
+            <a:avLst/>
+          </a:prstGeom>
+        </p:spPr>
+      </p:pic>
+      <p:sp>
+        <p:nvSpPr>
+          <p:cNvPr id="9" name="Arrow: Right 8">
+            <a:extLst>
+              <a:ext uri="{FF2B5EF4-FFF2-40B4-BE49-F238E27FC236}">
+                <a16:creationId xmlns:a16="http://schemas.microsoft.com/office/drawing/2014/main" id="{D1B3AC43-903E-321A-7602-AF2058D1FC01}"/>
+              </a:ext>
+            </a:extLst>
+          </p:cNvPr>
+          <p:cNvSpPr/>
+          <p:nvPr/>
+        </p:nvSpPr>
+        <p:spPr>
+          <a:xfrm>
+            <a:off x="4989460" y="3953434"/>
+            <a:ext cx="1474755" cy="572610"/>
+          </a:xfrm>
+          <a:prstGeom prst="rightArrow">
+            <a:avLst/>
+          </a:prstGeom>
+          <a:solidFill>
+            <a:schemeClr val="bg1">
+              <a:lumMod val="75000"/>
+              <a:alpha val="70000"/>
+            </a:schemeClr>
+          </a:solidFill>
+          <a:ln>
+            <a:noFill/>
+          </a:ln>
+        </p:spPr>
+        <p:style>
+          <a:lnRef idx="2">
+            <a:schemeClr val="accent1">
+              <a:shade val="15000"/>
+            </a:schemeClr>
+          </a:lnRef>
+          <a:fillRef idx="1">
+            <a:schemeClr val="accent1"/>
+          </a:fillRef>
+          <a:effectRef idx="0">
+            <a:schemeClr val="accent1"/>
+          </a:effectRef>
+          <a:fontRef idx="minor">
+            <a:schemeClr val="lt1"/>
+          </a:fontRef>
+        </p:style>
+        <p:txBody>
+          <a:bodyPr rtlCol="0" anchor="ctr"/>
+          <a:lstStyle/>
+          <a:p>
+            <a:pPr algn="ctr"/>
+            <a:endParaRPr lang="zh-CN" altLang="en-US" dirty="0"/>
+          </a:p>
+        </p:txBody>
+      </p:sp>
+    </p:spTree>
+    <p:extLst>
+      <p:ext uri="{BB962C8B-B14F-4D97-AF65-F5344CB8AC3E}">
+        <p14:creationId xmlns:p14="http://schemas.microsoft.com/office/powerpoint/2010/main" val="863226362"/>
+      </p:ext>
+    </p:extLst>
+  </p:cSld>
+  <p:clrMapOvr>
+    <a:masterClrMapping/>
+  </p:clrMapOvr>
+</p:sld>
+</file>
+
+<file path=ppt/slides/slide39.xml><?xml version="1.0" encoding="utf-8"?>
+<p:sld xmlns:a="http://schemas.openxmlformats.org/drawingml/2006/main" xmlns:r="http://schemas.openxmlformats.org/officeDocument/2006/relationships" xmlns:p="http://schemas.openxmlformats.org/presentationml/2006/main">
+  <p:cSld>
+    <p:spTree>
+      <p:nvGrpSpPr>
+        <p:cNvPr id="1" name="">
+          <a:extLst>
+            <a:ext uri="{FF2B5EF4-FFF2-40B4-BE49-F238E27FC236}">
+              <a16:creationId xmlns:a16="http://schemas.microsoft.com/office/drawing/2014/main" id="{B0638B88-A28D-0D98-6790-AFD73D028E78}"/>
+            </a:ext>
+          </a:extLst>
+        </p:cNvPr>
+        <p:cNvGrpSpPr/>
+        <p:nvPr/>
+      </p:nvGrpSpPr>
+      <p:grpSpPr>
+        <a:xfrm>
+          <a:off x="0" y="0"/>
+          <a:ext cx="0" cy="0"/>
+          <a:chOff x="0" y="0"/>
+          <a:chExt cx="0" cy="0"/>
+        </a:xfrm>
+      </p:grpSpPr>
+      <p:sp>
+        <p:nvSpPr>
+          <p:cNvPr id="6" name="Rectangle 5">
+            <a:extLst>
+              <a:ext uri="{FF2B5EF4-FFF2-40B4-BE49-F238E27FC236}">
+                <a16:creationId xmlns:a16="http://schemas.microsoft.com/office/drawing/2014/main" id="{52E115B1-EE40-3BB7-072F-C694ABBC3CDA}"/>
+              </a:ext>
+            </a:extLst>
+          </p:cNvPr>
+          <p:cNvSpPr/>
+          <p:nvPr/>
+        </p:nvSpPr>
+        <p:spPr>
+          <a:xfrm>
+            <a:off x="0" y="0"/>
+            <a:ext cx="12192000" cy="6858000"/>
+          </a:xfrm>
+          <a:prstGeom prst="rect">
+            <a:avLst/>
+          </a:prstGeom>
+          <a:solidFill>
+            <a:srgbClr val="23242A"/>
+          </a:solidFill>
+          <a:ln>
+            <a:noFill/>
+          </a:ln>
+        </p:spPr>
+        <p:style>
+          <a:lnRef idx="2">
+            <a:schemeClr val="accent1">
+              <a:shade val="15000"/>
+            </a:schemeClr>
+          </a:lnRef>
+          <a:fillRef idx="1">
+            <a:schemeClr val="accent1"/>
+          </a:fillRef>
+          <a:effectRef idx="0">
+            <a:schemeClr val="accent1"/>
+          </a:effectRef>
+          <a:fontRef idx="minor">
+            <a:schemeClr val="lt1"/>
+          </a:fontRef>
+        </p:style>
+        <p:txBody>
+          <a:bodyPr rtlCol="0" anchor="ctr"/>
+          <a:lstStyle/>
+          <a:p>
+            <a:pPr algn="ctr"/>
+            <a:endParaRPr lang="zh-CN" altLang="en-US" dirty="0"/>
+          </a:p>
+        </p:txBody>
+      </p:sp>
+      <p:sp>
+        <p:nvSpPr>
+          <p:cNvPr id="2" name="Slide Number Placeholder 1">
+            <a:extLst>
+              <a:ext uri="{FF2B5EF4-FFF2-40B4-BE49-F238E27FC236}">
+                <a16:creationId xmlns:a16="http://schemas.microsoft.com/office/drawing/2014/main" id="{6B14C209-5E11-9F64-6579-48902F3047ED}"/>
+              </a:ext>
+            </a:extLst>
+          </p:cNvPr>
+          <p:cNvSpPr>
+            <a:spLocks noGrp="1"/>
+          </p:cNvSpPr>
+          <p:nvPr>
+            <p:ph type="sldNum" sz="quarter" idx="12"/>
+          </p:nvPr>
+        </p:nvSpPr>
+        <p:spPr>
+          <a:xfrm>
+            <a:off x="9057739" y="6259509"/>
+            <a:ext cx="2743200" cy="365125"/>
+          </a:xfrm>
+        </p:spPr>
+        <p:txBody>
+          <a:bodyPr/>
+          <a:lstStyle/>
+          <a:p>
+            <a:fld id="{9B1EC109-1E15-4BCA-93B5-56442BB3443E}" type="slidenum">
+              <a:rPr lang="zh-CN" altLang="en-US" sz="2400" b="1" smtClean="0">
+                <a:solidFill>
+                  <a:schemeClr val="bg1">
+                    <a:lumMod val="65000"/>
+                  </a:schemeClr>
+                </a:solidFill>
+                <a:latin typeface="Bradley Hand ITC" panose="03070402050302030203" pitchFamily="66" charset="0"/>
+              </a:rPr>
+              <a:t>39</a:t>
+            </a:fld>
+            <a:endParaRPr lang="zh-CN" altLang="en-US" sz="2400" b="1" dirty="0">
+              <a:solidFill>
+                <a:schemeClr val="bg1">
+                  <a:lumMod val="65000"/>
+                </a:schemeClr>
+              </a:solidFill>
+              <a:latin typeface="Bradley Hand ITC" panose="03070402050302030203" pitchFamily="66" charset="0"/>
+            </a:endParaRPr>
+          </a:p>
+        </p:txBody>
+      </p:sp>
+      <p:sp>
+        <p:nvSpPr>
+          <p:cNvPr id="4" name="Google Shape;867;p33">
+            <a:extLst>
+              <a:ext uri="{FF2B5EF4-FFF2-40B4-BE49-F238E27FC236}">
+                <a16:creationId xmlns:a16="http://schemas.microsoft.com/office/drawing/2014/main" id="{8C54911E-C7A1-4CEC-EBF1-0B16D4B61B9B}"/>
+              </a:ext>
+            </a:extLst>
+          </p:cNvPr>
+          <p:cNvSpPr txBox="1">
+            <a:spLocks/>
+          </p:cNvSpPr>
+          <p:nvPr/>
+        </p:nvSpPr>
+        <p:spPr>
+          <a:xfrm>
+            <a:off x="2222600" y="143850"/>
+            <a:ext cx="7746800" cy="1602400"/>
+          </a:xfrm>
+          <a:prstGeom prst="rect">
+            <a:avLst/>
+          </a:prstGeom>
+          <a:noFill/>
+          <a:ln>
+            <a:noFill/>
+          </a:ln>
+        </p:spPr>
+        <p:txBody>
+          <a:bodyPr spcFirstLastPara="1" wrap="square" lIns="91425" tIns="91425" rIns="91425" bIns="91425" anchor="b" anchorCtr="0">
+            <a:noAutofit/>
+          </a:bodyPr>
+          <a:lstStyle>
+            <a:defPPr marR="0" lvl="0" algn="l" rtl="0">
+              <a:lnSpc>
+                <a:spcPct val="100000"/>
+              </a:lnSpc>
+              <a:spcBef>
+                <a:spcPts val="0"/>
+              </a:spcBef>
+              <a:spcAft>
+                <a:spcPts val="0"/>
+              </a:spcAft>
+            </a:defPPr>
+            <a:lvl1pPr marR="0" lvl="0" algn="l" rtl="0">
+              <a:lnSpc>
+                <a:spcPct val="100000"/>
+              </a:lnSpc>
+              <a:spcBef>
+                <a:spcPts val="0"/>
+              </a:spcBef>
+              <a:spcAft>
+                <a:spcPts val="0"/>
+              </a:spcAft>
+              <a:buClr>
+                <a:schemeClr val="dk1"/>
+              </a:buClr>
+              <a:buSzPts val="3600"/>
+              <a:buFont typeface="Barlow"/>
+              <a:buNone/>
+              <a:defRPr sz="7200" b="1" i="0" u="none" strike="noStrike" cap="none">
+                <a:solidFill>
+                  <a:schemeClr val="dk1"/>
+                </a:solidFill>
+                <a:latin typeface="Barlow"/>
+                <a:ea typeface="Barlow"/>
+                <a:cs typeface="Barlow"/>
+                <a:sym typeface="Barlow"/>
+              </a:defRPr>
+            </a:lvl1pPr>
+            <a:lvl2pPr marR="0" lvl="1" algn="ctr" rtl="0">
+              <a:lnSpc>
+                <a:spcPct val="100000"/>
+              </a:lnSpc>
+              <a:spcBef>
+                <a:spcPts val="0"/>
+              </a:spcBef>
+              <a:spcAft>
+                <a:spcPts val="0"/>
+              </a:spcAft>
+              <a:buClr>
+                <a:schemeClr val="dk1"/>
+              </a:buClr>
+              <a:buSzPts val="3600"/>
+              <a:buFont typeface="Barlow"/>
+              <a:buNone/>
+              <a:defRPr sz="3600" b="1" i="0" u="none" strike="noStrike" cap="none">
+                <a:solidFill>
+                  <a:schemeClr val="dk1"/>
+                </a:solidFill>
+                <a:latin typeface="Barlow"/>
+                <a:ea typeface="Barlow"/>
+                <a:cs typeface="Barlow"/>
+                <a:sym typeface="Barlow"/>
+              </a:defRPr>
+            </a:lvl2pPr>
+            <a:lvl3pPr marR="0" lvl="2" algn="ctr" rtl="0">
+              <a:lnSpc>
+                <a:spcPct val="100000"/>
+              </a:lnSpc>
+              <a:spcBef>
+                <a:spcPts val="0"/>
+              </a:spcBef>
+              <a:spcAft>
+                <a:spcPts val="0"/>
+              </a:spcAft>
+              <a:buClr>
+                <a:schemeClr val="dk1"/>
+              </a:buClr>
+              <a:buSzPts val="3600"/>
+              <a:buFont typeface="Barlow"/>
+              <a:buNone/>
+              <a:defRPr sz="3600" b="1" i="0" u="none" strike="noStrike" cap="none">
+                <a:solidFill>
+                  <a:schemeClr val="dk1"/>
+                </a:solidFill>
+                <a:latin typeface="Barlow"/>
+                <a:ea typeface="Barlow"/>
+                <a:cs typeface="Barlow"/>
+                <a:sym typeface="Barlow"/>
+              </a:defRPr>
+            </a:lvl3pPr>
+            <a:lvl4pPr marR="0" lvl="3" algn="ctr" rtl="0">
+              <a:lnSpc>
+                <a:spcPct val="100000"/>
+              </a:lnSpc>
+              <a:spcBef>
+                <a:spcPts val="0"/>
+              </a:spcBef>
+              <a:spcAft>
+                <a:spcPts val="0"/>
+              </a:spcAft>
+              <a:buClr>
+                <a:schemeClr val="dk1"/>
+              </a:buClr>
+              <a:buSzPts val="3600"/>
+              <a:buFont typeface="Barlow"/>
+              <a:buNone/>
+              <a:defRPr sz="3600" b="1" i="0" u="none" strike="noStrike" cap="none">
+                <a:solidFill>
+                  <a:schemeClr val="dk1"/>
+                </a:solidFill>
+                <a:latin typeface="Barlow"/>
+                <a:ea typeface="Barlow"/>
+                <a:cs typeface="Barlow"/>
+                <a:sym typeface="Barlow"/>
+              </a:defRPr>
+            </a:lvl4pPr>
+            <a:lvl5pPr marR="0" lvl="4" algn="ctr" rtl="0">
+              <a:lnSpc>
+                <a:spcPct val="100000"/>
+              </a:lnSpc>
+              <a:spcBef>
+                <a:spcPts val="0"/>
+              </a:spcBef>
+              <a:spcAft>
+                <a:spcPts val="0"/>
+              </a:spcAft>
+              <a:buClr>
+                <a:schemeClr val="dk1"/>
+              </a:buClr>
+              <a:buSzPts val="3600"/>
+              <a:buFont typeface="Barlow"/>
+              <a:buNone/>
+              <a:defRPr sz="3600" b="1" i="0" u="none" strike="noStrike" cap="none">
+                <a:solidFill>
+                  <a:schemeClr val="dk1"/>
+                </a:solidFill>
+                <a:latin typeface="Barlow"/>
+                <a:ea typeface="Barlow"/>
+                <a:cs typeface="Barlow"/>
+                <a:sym typeface="Barlow"/>
+              </a:defRPr>
+            </a:lvl5pPr>
+            <a:lvl6pPr marR="0" lvl="5" algn="ctr" rtl="0">
+              <a:lnSpc>
+                <a:spcPct val="100000"/>
+              </a:lnSpc>
+              <a:spcBef>
+                <a:spcPts val="0"/>
+              </a:spcBef>
+              <a:spcAft>
+                <a:spcPts val="0"/>
+              </a:spcAft>
+              <a:buClr>
+                <a:schemeClr val="dk1"/>
+              </a:buClr>
+              <a:buSzPts val="3600"/>
+              <a:buFont typeface="Barlow"/>
+              <a:buNone/>
+              <a:defRPr sz="3600" b="1" i="0" u="none" strike="noStrike" cap="none">
+                <a:solidFill>
+                  <a:schemeClr val="dk1"/>
+                </a:solidFill>
+                <a:latin typeface="Barlow"/>
+                <a:ea typeface="Barlow"/>
+                <a:cs typeface="Barlow"/>
+                <a:sym typeface="Barlow"/>
+              </a:defRPr>
+            </a:lvl6pPr>
+            <a:lvl7pPr marR="0" lvl="6" algn="ctr" rtl="0">
+              <a:lnSpc>
+                <a:spcPct val="100000"/>
+              </a:lnSpc>
+              <a:spcBef>
+                <a:spcPts val="0"/>
+              </a:spcBef>
+              <a:spcAft>
+                <a:spcPts val="0"/>
+              </a:spcAft>
+              <a:buClr>
+                <a:schemeClr val="dk1"/>
+              </a:buClr>
+              <a:buSzPts val="3600"/>
+              <a:buFont typeface="Barlow"/>
+              <a:buNone/>
+              <a:defRPr sz="3600" b="1" i="0" u="none" strike="noStrike" cap="none">
+                <a:solidFill>
+                  <a:schemeClr val="dk1"/>
+                </a:solidFill>
+                <a:latin typeface="Barlow"/>
+                <a:ea typeface="Barlow"/>
+                <a:cs typeface="Barlow"/>
+                <a:sym typeface="Barlow"/>
+              </a:defRPr>
+            </a:lvl7pPr>
+            <a:lvl8pPr marR="0" lvl="7" algn="ctr" rtl="0">
+              <a:lnSpc>
+                <a:spcPct val="100000"/>
+              </a:lnSpc>
+              <a:spcBef>
+                <a:spcPts val="0"/>
+              </a:spcBef>
+              <a:spcAft>
+                <a:spcPts val="0"/>
+              </a:spcAft>
+              <a:buClr>
+                <a:schemeClr val="dk1"/>
+              </a:buClr>
+              <a:buSzPts val="3600"/>
+              <a:buFont typeface="Barlow"/>
+              <a:buNone/>
+              <a:defRPr sz="3600" b="1" i="0" u="none" strike="noStrike" cap="none">
+                <a:solidFill>
+                  <a:schemeClr val="dk1"/>
+                </a:solidFill>
+                <a:latin typeface="Barlow"/>
+                <a:ea typeface="Barlow"/>
+                <a:cs typeface="Barlow"/>
+                <a:sym typeface="Barlow"/>
+              </a:defRPr>
+            </a:lvl8pPr>
+            <a:lvl9pPr marR="0" lvl="8" algn="ctr" rtl="0">
+              <a:lnSpc>
+                <a:spcPct val="100000"/>
+              </a:lnSpc>
+              <a:spcBef>
+                <a:spcPts val="0"/>
+              </a:spcBef>
+              <a:spcAft>
+                <a:spcPts val="0"/>
+              </a:spcAft>
+              <a:buClr>
+                <a:schemeClr val="dk1"/>
+              </a:buClr>
+              <a:buSzPts val="3600"/>
+              <a:buFont typeface="Barlow"/>
+              <a:buNone/>
+              <a:defRPr sz="3600" b="1" i="0" u="none" strike="noStrike" cap="none">
+                <a:solidFill>
+                  <a:schemeClr val="dk1"/>
+                </a:solidFill>
+                <a:latin typeface="Barlow"/>
+                <a:ea typeface="Barlow"/>
+                <a:cs typeface="Barlow"/>
+                <a:sym typeface="Barlow"/>
+              </a:defRPr>
+            </a:lvl9pPr>
+          </a:lstStyle>
+          <a:p>
+            <a:pPr algn="ctr"/>
+            <a:r>
+              <a:rPr lang="en-US" altLang="zh-CN" sz="8000" spc="300" dirty="0">
+                <a:solidFill>
+                  <a:schemeClr val="accent4">
+                    <a:lumMod val="60000"/>
+                    <a:lumOff val="40000"/>
+                    <a:alpha val="60000"/>
+                  </a:schemeClr>
+                </a:solidFill>
+                <a:latin typeface="Amatic SC" panose="020F0502020204030204" pitchFamily="2" charset="-79"/>
+                <a:cs typeface="Amatic SC" panose="020F0502020204030204" pitchFamily="2" charset="-79"/>
+              </a:rPr>
+              <a:t>What we learnt…</a:t>
+            </a:r>
+          </a:p>
+        </p:txBody>
+      </p:sp>
+      <p:sp>
+        <p:nvSpPr>
+          <p:cNvPr id="7" name="TextBox 6">
+            <a:extLst>
+              <a:ext uri="{FF2B5EF4-FFF2-40B4-BE49-F238E27FC236}">
+                <a16:creationId xmlns:a16="http://schemas.microsoft.com/office/drawing/2014/main" id="{746CF1E8-DC14-458F-9658-3E32EF64E0E4}"/>
+              </a:ext>
+            </a:extLst>
+          </p:cNvPr>
+          <p:cNvSpPr txBox="1"/>
+          <p:nvPr/>
+        </p:nvSpPr>
+        <p:spPr>
+          <a:xfrm>
+            <a:off x="1265150" y="2757261"/>
+            <a:ext cx="4048530" cy="2123658"/>
+          </a:xfrm>
+          <a:prstGeom prst="rect">
+            <a:avLst/>
+          </a:prstGeom>
+          <a:noFill/>
+        </p:spPr>
+        <p:txBody>
+          <a:bodyPr wrap="square" rtlCol="0">
+            <a:spAutoFit/>
+          </a:bodyPr>
+          <a:lstStyle/>
+          <a:p>
+            <a:r>
+              <a:rPr lang="en-US" altLang="zh-CN" sz="4400" dirty="0">
+                <a:solidFill>
+                  <a:schemeClr val="bg1">
+                    <a:lumMod val="75000"/>
+                  </a:schemeClr>
+                </a:solidFill>
+                <a:latin typeface="High Tower Text" panose="02040502050506030303" pitchFamily="18" charset="0"/>
+              </a:rPr>
+              <a:t>How to show and hide a sprite…</a:t>
+            </a:r>
+            <a:endParaRPr lang="zh-CN" altLang="en-US" sz="4400" dirty="0">
+              <a:solidFill>
+                <a:schemeClr val="bg1">
+                  <a:lumMod val="75000"/>
+                </a:schemeClr>
+              </a:solidFill>
+              <a:latin typeface="High Tower Text" panose="02040502050506030303" pitchFamily="18" charset="0"/>
+            </a:endParaRPr>
+          </a:p>
+        </p:txBody>
+      </p:sp>
+    </p:spTree>
+    <p:extLst>
+      <p:ext uri="{BB962C8B-B14F-4D97-AF65-F5344CB8AC3E}">
+        <p14:creationId xmlns:p14="http://schemas.microsoft.com/office/powerpoint/2010/main" val="2768751716"/>
       </p:ext>
     </p:extLst>
   </p:cSld>
@@ -25332,6 +27979,945 @@
     <p:extLst>
       <p:ext uri="{BB962C8B-B14F-4D97-AF65-F5344CB8AC3E}">
         <p14:creationId xmlns:p14="http://schemas.microsoft.com/office/powerpoint/2010/main" val="2256152638"/>
+      </p:ext>
+    </p:extLst>
+  </p:cSld>
+  <p:clrMapOvr>
+    <a:masterClrMapping/>
+  </p:clrMapOvr>
+</p:sld>
+</file>
+
+<file path=ppt/slides/slide40.xml><?xml version="1.0" encoding="utf-8"?>
+<p:sld xmlns:a="http://schemas.openxmlformats.org/drawingml/2006/main" xmlns:r="http://schemas.openxmlformats.org/officeDocument/2006/relationships" xmlns:p="http://schemas.openxmlformats.org/presentationml/2006/main">
+  <p:cSld>
+    <p:spTree>
+      <p:nvGrpSpPr>
+        <p:cNvPr id="1" name="">
+          <a:extLst>
+            <a:ext uri="{FF2B5EF4-FFF2-40B4-BE49-F238E27FC236}">
+              <a16:creationId xmlns:a16="http://schemas.microsoft.com/office/drawing/2014/main" id="{A6149CC5-F374-FBE1-7BE4-DA13E1964CB1}"/>
+            </a:ext>
+          </a:extLst>
+        </p:cNvPr>
+        <p:cNvGrpSpPr/>
+        <p:nvPr/>
+      </p:nvGrpSpPr>
+      <p:grpSpPr>
+        <a:xfrm>
+          <a:off x="0" y="0"/>
+          <a:ext cx="0" cy="0"/>
+          <a:chOff x="0" y="0"/>
+          <a:chExt cx="0" cy="0"/>
+        </a:xfrm>
+      </p:grpSpPr>
+      <p:sp>
+        <p:nvSpPr>
+          <p:cNvPr id="6" name="Rectangle 5">
+            <a:extLst>
+              <a:ext uri="{FF2B5EF4-FFF2-40B4-BE49-F238E27FC236}">
+                <a16:creationId xmlns:a16="http://schemas.microsoft.com/office/drawing/2014/main" id="{72809223-44D4-EEED-3353-FF2C64A98D97}"/>
+              </a:ext>
+            </a:extLst>
+          </p:cNvPr>
+          <p:cNvSpPr/>
+          <p:nvPr/>
+        </p:nvSpPr>
+        <p:spPr>
+          <a:xfrm>
+            <a:off x="0" y="0"/>
+            <a:ext cx="12192000" cy="6858000"/>
+          </a:xfrm>
+          <a:prstGeom prst="rect">
+            <a:avLst/>
+          </a:prstGeom>
+          <a:solidFill>
+            <a:srgbClr val="23242A"/>
+          </a:solidFill>
+          <a:ln>
+            <a:noFill/>
+          </a:ln>
+        </p:spPr>
+        <p:style>
+          <a:lnRef idx="2">
+            <a:schemeClr val="accent1">
+              <a:shade val="15000"/>
+            </a:schemeClr>
+          </a:lnRef>
+          <a:fillRef idx="1">
+            <a:schemeClr val="accent1"/>
+          </a:fillRef>
+          <a:effectRef idx="0">
+            <a:schemeClr val="accent1"/>
+          </a:effectRef>
+          <a:fontRef idx="minor">
+            <a:schemeClr val="lt1"/>
+          </a:fontRef>
+        </p:style>
+        <p:txBody>
+          <a:bodyPr rtlCol="0" anchor="ctr"/>
+          <a:lstStyle/>
+          <a:p>
+            <a:pPr algn="ctr"/>
+            <a:endParaRPr lang="zh-CN" altLang="en-US" dirty="0"/>
+          </a:p>
+        </p:txBody>
+      </p:sp>
+      <p:sp>
+        <p:nvSpPr>
+          <p:cNvPr id="4" name="Google Shape;867;p33">
+            <a:extLst>
+              <a:ext uri="{FF2B5EF4-FFF2-40B4-BE49-F238E27FC236}">
+                <a16:creationId xmlns:a16="http://schemas.microsoft.com/office/drawing/2014/main" id="{FC84EE84-FE44-7241-2A98-8BE474A74E2A}"/>
+              </a:ext>
+            </a:extLst>
+          </p:cNvPr>
+          <p:cNvSpPr txBox="1">
+            <a:spLocks/>
+          </p:cNvSpPr>
+          <p:nvPr/>
+        </p:nvSpPr>
+        <p:spPr>
+          <a:xfrm>
+            <a:off x="1557070" y="382508"/>
+            <a:ext cx="9077860" cy="1602400"/>
+          </a:xfrm>
+          <a:prstGeom prst="rect">
+            <a:avLst/>
+          </a:prstGeom>
+          <a:noFill/>
+          <a:ln>
+            <a:noFill/>
+          </a:ln>
+        </p:spPr>
+        <p:txBody>
+          <a:bodyPr spcFirstLastPara="1" wrap="square" lIns="91425" tIns="91425" rIns="91425" bIns="91425" anchor="b" anchorCtr="0">
+            <a:noAutofit/>
+          </a:bodyPr>
+          <a:lstStyle>
+            <a:defPPr marR="0" lvl="0" algn="l" rtl="0">
+              <a:lnSpc>
+                <a:spcPct val="100000"/>
+              </a:lnSpc>
+              <a:spcBef>
+                <a:spcPts val="0"/>
+              </a:spcBef>
+              <a:spcAft>
+                <a:spcPts val="0"/>
+              </a:spcAft>
+            </a:defPPr>
+            <a:lvl1pPr marR="0" lvl="0" algn="l" rtl="0">
+              <a:lnSpc>
+                <a:spcPct val="100000"/>
+              </a:lnSpc>
+              <a:spcBef>
+                <a:spcPts val="0"/>
+              </a:spcBef>
+              <a:spcAft>
+                <a:spcPts val="0"/>
+              </a:spcAft>
+              <a:buClr>
+                <a:schemeClr val="dk1"/>
+              </a:buClr>
+              <a:buSzPts val="3600"/>
+              <a:buFont typeface="Barlow"/>
+              <a:buNone/>
+              <a:defRPr sz="7200" b="1" i="0" u="none" strike="noStrike" cap="none">
+                <a:solidFill>
+                  <a:schemeClr val="dk1"/>
+                </a:solidFill>
+                <a:latin typeface="Barlow"/>
+                <a:ea typeface="Barlow"/>
+                <a:cs typeface="Barlow"/>
+                <a:sym typeface="Barlow"/>
+              </a:defRPr>
+            </a:lvl1pPr>
+            <a:lvl2pPr marR="0" lvl="1" algn="ctr" rtl="0">
+              <a:lnSpc>
+                <a:spcPct val="100000"/>
+              </a:lnSpc>
+              <a:spcBef>
+                <a:spcPts val="0"/>
+              </a:spcBef>
+              <a:spcAft>
+                <a:spcPts val="0"/>
+              </a:spcAft>
+              <a:buClr>
+                <a:schemeClr val="dk1"/>
+              </a:buClr>
+              <a:buSzPts val="3600"/>
+              <a:buFont typeface="Barlow"/>
+              <a:buNone/>
+              <a:defRPr sz="3600" b="1" i="0" u="none" strike="noStrike" cap="none">
+                <a:solidFill>
+                  <a:schemeClr val="dk1"/>
+                </a:solidFill>
+                <a:latin typeface="Barlow"/>
+                <a:ea typeface="Barlow"/>
+                <a:cs typeface="Barlow"/>
+                <a:sym typeface="Barlow"/>
+              </a:defRPr>
+            </a:lvl2pPr>
+            <a:lvl3pPr marR="0" lvl="2" algn="ctr" rtl="0">
+              <a:lnSpc>
+                <a:spcPct val="100000"/>
+              </a:lnSpc>
+              <a:spcBef>
+                <a:spcPts val="0"/>
+              </a:spcBef>
+              <a:spcAft>
+                <a:spcPts val="0"/>
+              </a:spcAft>
+              <a:buClr>
+                <a:schemeClr val="dk1"/>
+              </a:buClr>
+              <a:buSzPts val="3600"/>
+              <a:buFont typeface="Barlow"/>
+              <a:buNone/>
+              <a:defRPr sz="3600" b="1" i="0" u="none" strike="noStrike" cap="none">
+                <a:solidFill>
+                  <a:schemeClr val="dk1"/>
+                </a:solidFill>
+                <a:latin typeface="Barlow"/>
+                <a:ea typeface="Barlow"/>
+                <a:cs typeface="Barlow"/>
+                <a:sym typeface="Barlow"/>
+              </a:defRPr>
+            </a:lvl3pPr>
+            <a:lvl4pPr marR="0" lvl="3" algn="ctr" rtl="0">
+              <a:lnSpc>
+                <a:spcPct val="100000"/>
+              </a:lnSpc>
+              <a:spcBef>
+                <a:spcPts val="0"/>
+              </a:spcBef>
+              <a:spcAft>
+                <a:spcPts val="0"/>
+              </a:spcAft>
+              <a:buClr>
+                <a:schemeClr val="dk1"/>
+              </a:buClr>
+              <a:buSzPts val="3600"/>
+              <a:buFont typeface="Barlow"/>
+              <a:buNone/>
+              <a:defRPr sz="3600" b="1" i="0" u="none" strike="noStrike" cap="none">
+                <a:solidFill>
+                  <a:schemeClr val="dk1"/>
+                </a:solidFill>
+                <a:latin typeface="Barlow"/>
+                <a:ea typeface="Barlow"/>
+                <a:cs typeface="Barlow"/>
+                <a:sym typeface="Barlow"/>
+              </a:defRPr>
+            </a:lvl4pPr>
+            <a:lvl5pPr marR="0" lvl="4" algn="ctr" rtl="0">
+              <a:lnSpc>
+                <a:spcPct val="100000"/>
+              </a:lnSpc>
+              <a:spcBef>
+                <a:spcPts val="0"/>
+              </a:spcBef>
+              <a:spcAft>
+                <a:spcPts val="0"/>
+              </a:spcAft>
+              <a:buClr>
+                <a:schemeClr val="dk1"/>
+              </a:buClr>
+              <a:buSzPts val="3600"/>
+              <a:buFont typeface="Barlow"/>
+              <a:buNone/>
+              <a:defRPr sz="3600" b="1" i="0" u="none" strike="noStrike" cap="none">
+                <a:solidFill>
+                  <a:schemeClr val="dk1"/>
+                </a:solidFill>
+                <a:latin typeface="Barlow"/>
+                <a:ea typeface="Barlow"/>
+                <a:cs typeface="Barlow"/>
+                <a:sym typeface="Barlow"/>
+              </a:defRPr>
+            </a:lvl5pPr>
+            <a:lvl6pPr marR="0" lvl="5" algn="ctr" rtl="0">
+              <a:lnSpc>
+                <a:spcPct val="100000"/>
+              </a:lnSpc>
+              <a:spcBef>
+                <a:spcPts val="0"/>
+              </a:spcBef>
+              <a:spcAft>
+                <a:spcPts val="0"/>
+              </a:spcAft>
+              <a:buClr>
+                <a:schemeClr val="dk1"/>
+              </a:buClr>
+              <a:buSzPts val="3600"/>
+              <a:buFont typeface="Barlow"/>
+              <a:buNone/>
+              <a:defRPr sz="3600" b="1" i="0" u="none" strike="noStrike" cap="none">
+                <a:solidFill>
+                  <a:schemeClr val="dk1"/>
+                </a:solidFill>
+                <a:latin typeface="Barlow"/>
+                <a:ea typeface="Barlow"/>
+                <a:cs typeface="Barlow"/>
+                <a:sym typeface="Barlow"/>
+              </a:defRPr>
+            </a:lvl6pPr>
+            <a:lvl7pPr marR="0" lvl="6" algn="ctr" rtl="0">
+              <a:lnSpc>
+                <a:spcPct val="100000"/>
+              </a:lnSpc>
+              <a:spcBef>
+                <a:spcPts val="0"/>
+              </a:spcBef>
+              <a:spcAft>
+                <a:spcPts val="0"/>
+              </a:spcAft>
+              <a:buClr>
+                <a:schemeClr val="dk1"/>
+              </a:buClr>
+              <a:buSzPts val="3600"/>
+              <a:buFont typeface="Barlow"/>
+              <a:buNone/>
+              <a:defRPr sz="3600" b="1" i="0" u="none" strike="noStrike" cap="none">
+                <a:solidFill>
+                  <a:schemeClr val="dk1"/>
+                </a:solidFill>
+                <a:latin typeface="Barlow"/>
+                <a:ea typeface="Barlow"/>
+                <a:cs typeface="Barlow"/>
+                <a:sym typeface="Barlow"/>
+              </a:defRPr>
+            </a:lvl7pPr>
+            <a:lvl8pPr marR="0" lvl="7" algn="ctr" rtl="0">
+              <a:lnSpc>
+                <a:spcPct val="100000"/>
+              </a:lnSpc>
+              <a:spcBef>
+                <a:spcPts val="0"/>
+              </a:spcBef>
+              <a:spcAft>
+                <a:spcPts val="0"/>
+              </a:spcAft>
+              <a:buClr>
+                <a:schemeClr val="dk1"/>
+              </a:buClr>
+              <a:buSzPts val="3600"/>
+              <a:buFont typeface="Barlow"/>
+              <a:buNone/>
+              <a:defRPr sz="3600" b="1" i="0" u="none" strike="noStrike" cap="none">
+                <a:solidFill>
+                  <a:schemeClr val="dk1"/>
+                </a:solidFill>
+                <a:latin typeface="Barlow"/>
+                <a:ea typeface="Barlow"/>
+                <a:cs typeface="Barlow"/>
+                <a:sym typeface="Barlow"/>
+              </a:defRPr>
+            </a:lvl8pPr>
+            <a:lvl9pPr marR="0" lvl="8" algn="ctr" rtl="0">
+              <a:lnSpc>
+                <a:spcPct val="100000"/>
+              </a:lnSpc>
+              <a:spcBef>
+                <a:spcPts val="0"/>
+              </a:spcBef>
+              <a:spcAft>
+                <a:spcPts val="0"/>
+              </a:spcAft>
+              <a:buClr>
+                <a:schemeClr val="dk1"/>
+              </a:buClr>
+              <a:buSzPts val="3600"/>
+              <a:buFont typeface="Barlow"/>
+              <a:buNone/>
+              <a:defRPr sz="3600" b="1" i="0" u="none" strike="noStrike" cap="none">
+                <a:solidFill>
+                  <a:schemeClr val="dk1"/>
+                </a:solidFill>
+                <a:latin typeface="Barlow"/>
+                <a:ea typeface="Barlow"/>
+                <a:cs typeface="Barlow"/>
+                <a:sym typeface="Barlow"/>
+              </a:defRPr>
+            </a:lvl9pPr>
+          </a:lstStyle>
+          <a:p>
+            <a:pPr algn="ctr"/>
+            <a:r>
+              <a:rPr lang="en-US" altLang="zh-CN" sz="8000" spc="300" dirty="0">
+                <a:solidFill>
+                  <a:schemeClr val="accent4">
+                    <a:lumMod val="60000"/>
+                    <a:lumOff val="40000"/>
+                    <a:alpha val="60000"/>
+                  </a:schemeClr>
+                </a:solidFill>
+                <a:latin typeface="Amatic SC" panose="020F0502020204030204" pitchFamily="2" charset="-79"/>
+                <a:cs typeface="Amatic SC" panose="020F0502020204030204" pitchFamily="2" charset="-79"/>
+              </a:rPr>
+              <a:t>Exercises</a:t>
+            </a:r>
+          </a:p>
+        </p:txBody>
+      </p:sp>
+      <p:sp>
+        <p:nvSpPr>
+          <p:cNvPr id="2" name="TextBox 1">
+            <a:extLst>
+              <a:ext uri="{FF2B5EF4-FFF2-40B4-BE49-F238E27FC236}">
+                <a16:creationId xmlns:a16="http://schemas.microsoft.com/office/drawing/2014/main" id="{358DAF90-C894-28B5-B4EB-03A690701266}"/>
+              </a:ext>
+            </a:extLst>
+          </p:cNvPr>
+          <p:cNvSpPr txBox="1"/>
+          <p:nvPr/>
+        </p:nvSpPr>
+        <p:spPr>
+          <a:xfrm>
+            <a:off x="1265150" y="2117180"/>
+            <a:ext cx="9727970" cy="5199565"/>
+          </a:xfrm>
+          <a:prstGeom prst="rect">
+            <a:avLst/>
+          </a:prstGeom>
+          <a:noFill/>
+        </p:spPr>
+        <p:txBody>
+          <a:bodyPr wrap="square" rtlCol="0">
+            <a:spAutoFit/>
+          </a:bodyPr>
+          <a:lstStyle/>
+          <a:p>
+            <a:pPr marL="571500" indent="-571500">
+              <a:lnSpc>
+                <a:spcPct val="150000"/>
+              </a:lnSpc>
+              <a:buFont typeface="Wingdings" panose="05000000000000000000" pitchFamily="2" charset="2"/>
+              <a:buChar char="p"/>
+            </a:pPr>
+            <a:r>
+              <a:rPr lang="en-US" altLang="zh-CN" sz="2800" dirty="0">
+                <a:solidFill>
+                  <a:schemeClr val="bg1">
+                    <a:lumMod val="75000"/>
+                  </a:schemeClr>
+                </a:solidFill>
+                <a:latin typeface="High Tower Text" panose="02040502050506030303" pitchFamily="18" charset="0"/>
+              </a:rPr>
+              <a:t>Can you find more “loop” examples in real life?</a:t>
+            </a:r>
+          </a:p>
+          <a:p>
+            <a:pPr marL="571500" indent="-571500">
+              <a:lnSpc>
+                <a:spcPct val="150000"/>
+              </a:lnSpc>
+              <a:buFont typeface="Wingdings" panose="05000000000000000000" pitchFamily="2" charset="2"/>
+              <a:buChar char="p"/>
+            </a:pPr>
+            <a:r>
+              <a:rPr lang="en-US" altLang="zh-CN" sz="2800" dirty="0">
+                <a:solidFill>
+                  <a:schemeClr val="bg1">
+                    <a:lumMod val="75000"/>
+                  </a:schemeClr>
+                </a:solidFill>
+                <a:latin typeface="High Tower Text" panose="02040502050506030303" pitchFamily="18" charset="0"/>
+              </a:rPr>
+              <a:t>What would happen if you repeat 0 times? A negative number of times?</a:t>
+            </a:r>
+          </a:p>
+          <a:p>
+            <a:pPr marL="571500" indent="-571500">
+              <a:lnSpc>
+                <a:spcPct val="150000"/>
+              </a:lnSpc>
+              <a:buFont typeface="Wingdings" panose="05000000000000000000" pitchFamily="2" charset="2"/>
+              <a:buChar char="p"/>
+            </a:pPr>
+            <a:r>
+              <a:rPr lang="en-US" altLang="zh-CN" sz="2800" dirty="0">
+                <a:solidFill>
+                  <a:schemeClr val="bg1">
+                    <a:lumMod val="75000"/>
+                  </a:schemeClr>
+                </a:solidFill>
+                <a:latin typeface="High Tower Text" panose="02040502050506030303" pitchFamily="18" charset="0"/>
+              </a:rPr>
+              <a:t>Can you make a sprite rotate like the second hand of a clock, meaning it ticks each second, and finishes one full circle after 60 seconds?</a:t>
+            </a:r>
+          </a:p>
+          <a:p>
+            <a:pPr marL="571500" indent="-571500">
+              <a:lnSpc>
+                <a:spcPct val="150000"/>
+              </a:lnSpc>
+              <a:buFont typeface="Wingdings" panose="05000000000000000000" pitchFamily="2" charset="2"/>
+              <a:buChar char="p"/>
+            </a:pPr>
+            <a:r>
+              <a:rPr lang="en-US" altLang="zh-CN" sz="2800" dirty="0">
+                <a:solidFill>
+                  <a:schemeClr val="bg1">
+                    <a:lumMod val="75000"/>
+                  </a:schemeClr>
+                </a:solidFill>
+                <a:latin typeface="High Tower Text" panose="02040502050506030303" pitchFamily="18" charset="0"/>
+              </a:rPr>
+              <a:t>Add more sprites to catch the bus!</a:t>
+            </a:r>
+            <a:br>
+              <a:rPr lang="en-US" altLang="zh-CN" sz="2800" dirty="0">
+                <a:solidFill>
+                  <a:schemeClr val="bg1">
+                    <a:lumMod val="75000"/>
+                  </a:schemeClr>
+                </a:solidFill>
+                <a:latin typeface="High Tower Text" panose="02040502050506030303" pitchFamily="18" charset="0"/>
+              </a:rPr>
+            </a:br>
+            <a:endParaRPr lang="zh-CN" altLang="en-US" sz="2800" dirty="0">
+              <a:solidFill>
+                <a:schemeClr val="bg1">
+                  <a:lumMod val="75000"/>
+                </a:schemeClr>
+              </a:solidFill>
+              <a:latin typeface="High Tower Text" panose="02040502050506030303" pitchFamily="18" charset="0"/>
+            </a:endParaRPr>
+          </a:p>
+        </p:txBody>
+      </p:sp>
+    </p:spTree>
+    <p:extLst>
+      <p:ext uri="{BB962C8B-B14F-4D97-AF65-F5344CB8AC3E}">
+        <p14:creationId xmlns:p14="http://schemas.microsoft.com/office/powerpoint/2010/main" val="1591450709"/>
+      </p:ext>
+    </p:extLst>
+  </p:cSld>
+  <p:clrMapOvr>
+    <a:masterClrMapping/>
+  </p:clrMapOvr>
+</p:sld>
+</file>
+
+<file path=ppt/slides/slide41.xml><?xml version="1.0" encoding="utf-8"?>
+<p:sld xmlns:a="http://schemas.openxmlformats.org/drawingml/2006/main" xmlns:r="http://schemas.openxmlformats.org/officeDocument/2006/relationships" xmlns:p="http://schemas.openxmlformats.org/presentationml/2006/main">
+  <p:cSld>
+    <p:spTree>
+      <p:nvGrpSpPr>
+        <p:cNvPr id="1" name=""/>
+        <p:cNvGrpSpPr/>
+        <p:nvPr/>
+      </p:nvGrpSpPr>
+      <p:grpSpPr>
+        <a:xfrm>
+          <a:off x="0" y="0"/>
+          <a:ext cx="0" cy="0"/>
+          <a:chOff x="0" y="0"/>
+          <a:chExt cx="0" cy="0"/>
+        </a:xfrm>
+      </p:grpSpPr>
+      <p:sp>
+        <p:nvSpPr>
+          <p:cNvPr id="6" name="Rectangle 5">
+            <a:extLst>
+              <a:ext uri="{FF2B5EF4-FFF2-40B4-BE49-F238E27FC236}">
+                <a16:creationId xmlns:a16="http://schemas.microsoft.com/office/drawing/2014/main" id="{7BC4EB1B-EA6B-DFE4-AF3B-05D0EB253209}"/>
+              </a:ext>
+            </a:extLst>
+          </p:cNvPr>
+          <p:cNvSpPr/>
+          <p:nvPr/>
+        </p:nvSpPr>
+        <p:spPr>
+          <a:xfrm>
+            <a:off x="0" y="0"/>
+            <a:ext cx="12192000" cy="6858000"/>
+          </a:xfrm>
+          <a:prstGeom prst="rect">
+            <a:avLst/>
+          </a:prstGeom>
+          <a:solidFill>
+            <a:srgbClr val="23242A"/>
+          </a:solidFill>
+          <a:ln>
+            <a:noFill/>
+          </a:ln>
+        </p:spPr>
+        <p:style>
+          <a:lnRef idx="2">
+            <a:schemeClr val="accent1">
+              <a:shade val="15000"/>
+            </a:schemeClr>
+          </a:lnRef>
+          <a:fillRef idx="1">
+            <a:schemeClr val="accent1"/>
+          </a:fillRef>
+          <a:effectRef idx="0">
+            <a:schemeClr val="accent1"/>
+          </a:effectRef>
+          <a:fontRef idx="minor">
+            <a:schemeClr val="lt1"/>
+          </a:fontRef>
+        </p:style>
+        <p:txBody>
+          <a:bodyPr rtlCol="0" anchor="ctr"/>
+          <a:lstStyle/>
+          <a:p>
+            <a:pPr algn="ctr"/>
+            <a:endParaRPr lang="zh-CN" altLang="en-US" dirty="0"/>
+          </a:p>
+        </p:txBody>
+      </p:sp>
+      <p:sp>
+        <p:nvSpPr>
+          <p:cNvPr id="2" name="Slide Number Placeholder 1">
+            <a:extLst>
+              <a:ext uri="{FF2B5EF4-FFF2-40B4-BE49-F238E27FC236}">
+                <a16:creationId xmlns:a16="http://schemas.microsoft.com/office/drawing/2014/main" id="{C53E70DF-9B91-8A92-BF94-1399BB9FFE34}"/>
+              </a:ext>
+            </a:extLst>
+          </p:cNvPr>
+          <p:cNvSpPr>
+            <a:spLocks noGrp="1"/>
+          </p:cNvSpPr>
+          <p:nvPr>
+            <p:ph type="sldNum" sz="quarter" idx="12"/>
+          </p:nvPr>
+        </p:nvSpPr>
+        <p:spPr>
+          <a:xfrm>
+            <a:off x="9057739" y="6259509"/>
+            <a:ext cx="2743200" cy="365125"/>
+          </a:xfrm>
+        </p:spPr>
+        <p:txBody>
+          <a:bodyPr/>
+          <a:lstStyle/>
+          <a:p>
+            <a:fld id="{9B1EC109-1E15-4BCA-93B5-56442BB3443E}" type="slidenum">
+              <a:rPr lang="zh-CN" altLang="en-US" sz="2400" b="1" smtClean="0">
+                <a:solidFill>
+                  <a:schemeClr val="bg1">
+                    <a:lumMod val="65000"/>
+                  </a:schemeClr>
+                </a:solidFill>
+                <a:latin typeface="Bradley Hand ITC" panose="03070402050302030203" pitchFamily="66" charset="0"/>
+              </a:rPr>
+              <a:t>41</a:t>
+            </a:fld>
+            <a:endParaRPr lang="zh-CN" altLang="en-US" sz="2400" b="1" dirty="0">
+              <a:solidFill>
+                <a:schemeClr val="bg1">
+                  <a:lumMod val="65000"/>
+                </a:schemeClr>
+              </a:solidFill>
+              <a:latin typeface="Bradley Hand ITC" panose="03070402050302030203" pitchFamily="66" charset="0"/>
+            </a:endParaRPr>
+          </a:p>
+        </p:txBody>
+      </p:sp>
+      <p:sp>
+        <p:nvSpPr>
+          <p:cNvPr id="4" name="Google Shape;867;p33">
+            <a:extLst>
+              <a:ext uri="{FF2B5EF4-FFF2-40B4-BE49-F238E27FC236}">
+                <a16:creationId xmlns:a16="http://schemas.microsoft.com/office/drawing/2014/main" id="{24BC39E7-8798-676F-63C1-093D28359AFA}"/>
+              </a:ext>
+            </a:extLst>
+          </p:cNvPr>
+          <p:cNvSpPr txBox="1">
+            <a:spLocks/>
+          </p:cNvSpPr>
+          <p:nvPr/>
+        </p:nvSpPr>
+        <p:spPr>
+          <a:xfrm>
+            <a:off x="2222600" y="2778760"/>
+            <a:ext cx="7746800" cy="1602400"/>
+          </a:xfrm>
+          <a:prstGeom prst="rect">
+            <a:avLst/>
+          </a:prstGeom>
+          <a:noFill/>
+          <a:ln>
+            <a:noFill/>
+          </a:ln>
+        </p:spPr>
+        <p:txBody>
+          <a:bodyPr spcFirstLastPara="1" wrap="square" lIns="91425" tIns="91425" rIns="91425" bIns="91425" anchor="b" anchorCtr="0">
+            <a:noAutofit/>
+          </a:bodyPr>
+          <a:lstStyle>
+            <a:defPPr marR="0" lvl="0" algn="l" rtl="0">
+              <a:lnSpc>
+                <a:spcPct val="100000"/>
+              </a:lnSpc>
+              <a:spcBef>
+                <a:spcPts val="0"/>
+              </a:spcBef>
+              <a:spcAft>
+                <a:spcPts val="0"/>
+              </a:spcAft>
+            </a:defPPr>
+            <a:lvl1pPr marR="0" lvl="0" algn="l" rtl="0">
+              <a:lnSpc>
+                <a:spcPct val="100000"/>
+              </a:lnSpc>
+              <a:spcBef>
+                <a:spcPts val="0"/>
+              </a:spcBef>
+              <a:spcAft>
+                <a:spcPts val="0"/>
+              </a:spcAft>
+              <a:buClr>
+                <a:schemeClr val="dk1"/>
+              </a:buClr>
+              <a:buSzPts val="3600"/>
+              <a:buFont typeface="Barlow"/>
+              <a:buNone/>
+              <a:defRPr sz="7200" b="1" i="0" u="none" strike="noStrike" cap="none">
+                <a:solidFill>
+                  <a:schemeClr val="dk1"/>
+                </a:solidFill>
+                <a:latin typeface="Barlow"/>
+                <a:ea typeface="Barlow"/>
+                <a:cs typeface="Barlow"/>
+                <a:sym typeface="Barlow"/>
+              </a:defRPr>
+            </a:lvl1pPr>
+            <a:lvl2pPr marR="0" lvl="1" algn="ctr" rtl="0">
+              <a:lnSpc>
+                <a:spcPct val="100000"/>
+              </a:lnSpc>
+              <a:spcBef>
+                <a:spcPts val="0"/>
+              </a:spcBef>
+              <a:spcAft>
+                <a:spcPts val="0"/>
+              </a:spcAft>
+              <a:buClr>
+                <a:schemeClr val="dk1"/>
+              </a:buClr>
+              <a:buSzPts val="3600"/>
+              <a:buFont typeface="Barlow"/>
+              <a:buNone/>
+              <a:defRPr sz="3600" b="1" i="0" u="none" strike="noStrike" cap="none">
+                <a:solidFill>
+                  <a:schemeClr val="dk1"/>
+                </a:solidFill>
+                <a:latin typeface="Barlow"/>
+                <a:ea typeface="Barlow"/>
+                <a:cs typeface="Barlow"/>
+                <a:sym typeface="Barlow"/>
+              </a:defRPr>
+            </a:lvl2pPr>
+            <a:lvl3pPr marR="0" lvl="2" algn="ctr" rtl="0">
+              <a:lnSpc>
+                <a:spcPct val="100000"/>
+              </a:lnSpc>
+              <a:spcBef>
+                <a:spcPts val="0"/>
+              </a:spcBef>
+              <a:spcAft>
+                <a:spcPts val="0"/>
+              </a:spcAft>
+              <a:buClr>
+                <a:schemeClr val="dk1"/>
+              </a:buClr>
+              <a:buSzPts val="3600"/>
+              <a:buFont typeface="Barlow"/>
+              <a:buNone/>
+              <a:defRPr sz="3600" b="1" i="0" u="none" strike="noStrike" cap="none">
+                <a:solidFill>
+                  <a:schemeClr val="dk1"/>
+                </a:solidFill>
+                <a:latin typeface="Barlow"/>
+                <a:ea typeface="Barlow"/>
+                <a:cs typeface="Barlow"/>
+                <a:sym typeface="Barlow"/>
+              </a:defRPr>
+            </a:lvl3pPr>
+            <a:lvl4pPr marR="0" lvl="3" algn="ctr" rtl="0">
+              <a:lnSpc>
+                <a:spcPct val="100000"/>
+              </a:lnSpc>
+              <a:spcBef>
+                <a:spcPts val="0"/>
+              </a:spcBef>
+              <a:spcAft>
+                <a:spcPts val="0"/>
+              </a:spcAft>
+              <a:buClr>
+                <a:schemeClr val="dk1"/>
+              </a:buClr>
+              <a:buSzPts val="3600"/>
+              <a:buFont typeface="Barlow"/>
+              <a:buNone/>
+              <a:defRPr sz="3600" b="1" i="0" u="none" strike="noStrike" cap="none">
+                <a:solidFill>
+                  <a:schemeClr val="dk1"/>
+                </a:solidFill>
+                <a:latin typeface="Barlow"/>
+                <a:ea typeface="Barlow"/>
+                <a:cs typeface="Barlow"/>
+                <a:sym typeface="Barlow"/>
+              </a:defRPr>
+            </a:lvl4pPr>
+            <a:lvl5pPr marR="0" lvl="4" algn="ctr" rtl="0">
+              <a:lnSpc>
+                <a:spcPct val="100000"/>
+              </a:lnSpc>
+              <a:spcBef>
+                <a:spcPts val="0"/>
+              </a:spcBef>
+              <a:spcAft>
+                <a:spcPts val="0"/>
+              </a:spcAft>
+              <a:buClr>
+                <a:schemeClr val="dk1"/>
+              </a:buClr>
+              <a:buSzPts val="3600"/>
+              <a:buFont typeface="Barlow"/>
+              <a:buNone/>
+              <a:defRPr sz="3600" b="1" i="0" u="none" strike="noStrike" cap="none">
+                <a:solidFill>
+                  <a:schemeClr val="dk1"/>
+                </a:solidFill>
+                <a:latin typeface="Barlow"/>
+                <a:ea typeface="Barlow"/>
+                <a:cs typeface="Barlow"/>
+                <a:sym typeface="Barlow"/>
+              </a:defRPr>
+            </a:lvl5pPr>
+            <a:lvl6pPr marR="0" lvl="5" algn="ctr" rtl="0">
+              <a:lnSpc>
+                <a:spcPct val="100000"/>
+              </a:lnSpc>
+              <a:spcBef>
+                <a:spcPts val="0"/>
+              </a:spcBef>
+              <a:spcAft>
+                <a:spcPts val="0"/>
+              </a:spcAft>
+              <a:buClr>
+                <a:schemeClr val="dk1"/>
+              </a:buClr>
+              <a:buSzPts val="3600"/>
+              <a:buFont typeface="Barlow"/>
+              <a:buNone/>
+              <a:defRPr sz="3600" b="1" i="0" u="none" strike="noStrike" cap="none">
+                <a:solidFill>
+                  <a:schemeClr val="dk1"/>
+                </a:solidFill>
+                <a:latin typeface="Barlow"/>
+                <a:ea typeface="Barlow"/>
+                <a:cs typeface="Barlow"/>
+                <a:sym typeface="Barlow"/>
+              </a:defRPr>
+            </a:lvl6pPr>
+            <a:lvl7pPr marR="0" lvl="6" algn="ctr" rtl="0">
+              <a:lnSpc>
+                <a:spcPct val="100000"/>
+              </a:lnSpc>
+              <a:spcBef>
+                <a:spcPts val="0"/>
+              </a:spcBef>
+              <a:spcAft>
+                <a:spcPts val="0"/>
+              </a:spcAft>
+              <a:buClr>
+                <a:schemeClr val="dk1"/>
+              </a:buClr>
+              <a:buSzPts val="3600"/>
+              <a:buFont typeface="Barlow"/>
+              <a:buNone/>
+              <a:defRPr sz="3600" b="1" i="0" u="none" strike="noStrike" cap="none">
+                <a:solidFill>
+                  <a:schemeClr val="dk1"/>
+                </a:solidFill>
+                <a:latin typeface="Barlow"/>
+                <a:ea typeface="Barlow"/>
+                <a:cs typeface="Barlow"/>
+                <a:sym typeface="Barlow"/>
+              </a:defRPr>
+            </a:lvl7pPr>
+            <a:lvl8pPr marR="0" lvl="7" algn="ctr" rtl="0">
+              <a:lnSpc>
+                <a:spcPct val="100000"/>
+              </a:lnSpc>
+              <a:spcBef>
+                <a:spcPts val="0"/>
+              </a:spcBef>
+              <a:spcAft>
+                <a:spcPts val="0"/>
+              </a:spcAft>
+              <a:buClr>
+                <a:schemeClr val="dk1"/>
+              </a:buClr>
+              <a:buSzPts val="3600"/>
+              <a:buFont typeface="Barlow"/>
+              <a:buNone/>
+              <a:defRPr sz="3600" b="1" i="0" u="none" strike="noStrike" cap="none">
+                <a:solidFill>
+                  <a:schemeClr val="dk1"/>
+                </a:solidFill>
+                <a:latin typeface="Barlow"/>
+                <a:ea typeface="Barlow"/>
+                <a:cs typeface="Barlow"/>
+                <a:sym typeface="Barlow"/>
+              </a:defRPr>
+            </a:lvl8pPr>
+            <a:lvl9pPr marR="0" lvl="8" algn="ctr" rtl="0">
+              <a:lnSpc>
+                <a:spcPct val="100000"/>
+              </a:lnSpc>
+              <a:spcBef>
+                <a:spcPts val="0"/>
+              </a:spcBef>
+              <a:spcAft>
+                <a:spcPts val="0"/>
+              </a:spcAft>
+              <a:buClr>
+                <a:schemeClr val="dk1"/>
+              </a:buClr>
+              <a:buSzPts val="3600"/>
+              <a:buFont typeface="Barlow"/>
+              <a:buNone/>
+              <a:defRPr sz="3600" b="1" i="0" u="none" strike="noStrike" cap="none">
+                <a:solidFill>
+                  <a:schemeClr val="dk1"/>
+                </a:solidFill>
+                <a:latin typeface="Barlow"/>
+                <a:ea typeface="Barlow"/>
+                <a:cs typeface="Barlow"/>
+                <a:sym typeface="Barlow"/>
+              </a:defRPr>
+            </a:lvl9pPr>
+          </a:lstStyle>
+          <a:p>
+            <a:pPr algn="ctr"/>
+            <a:r>
+              <a:rPr lang="en-US" altLang="zh-CN" sz="8000" spc="300" dirty="0">
+                <a:solidFill>
+                  <a:schemeClr val="accent4">
+                    <a:lumMod val="60000"/>
+                    <a:lumOff val="40000"/>
+                    <a:alpha val="60000"/>
+                  </a:schemeClr>
+                </a:solidFill>
+                <a:latin typeface="Amatic SC" panose="020F0502020204030204" pitchFamily="2" charset="-79"/>
+                <a:cs typeface="Amatic SC" panose="020F0502020204030204" pitchFamily="2" charset="-79"/>
+              </a:rPr>
+              <a:t>Thank you and see you in the next lesson!</a:t>
+            </a:r>
+          </a:p>
+        </p:txBody>
+      </p:sp>
+    </p:spTree>
+    <p:extLst>
+      <p:ext uri="{BB962C8B-B14F-4D97-AF65-F5344CB8AC3E}">
+        <p14:creationId xmlns:p14="http://schemas.microsoft.com/office/powerpoint/2010/main" val="394012090"/>
       </p:ext>
     </p:extLst>
   </p:cSld>
